--- a/ReCon2014_UniversalAppPortalClassLibraries_Light.pptx
+++ b/ReCon2014_UniversalAppPortalClassLibraries_Light.pptx
@@ -10,8 +10,8 @@
   <p:sldIdLst>
     <p:sldId id="256" r:id="rId2"/>
     <p:sldId id="257" r:id="rId3"/>
-    <p:sldId id="258" r:id="rId4"/>
-    <p:sldId id="259" r:id="rId5"/>
+    <p:sldId id="259" r:id="rId4"/>
+    <p:sldId id="258" r:id="rId5"/>
     <p:sldId id="263" r:id="rId6"/>
     <p:sldId id="260" r:id="rId7"/>
     <p:sldId id="261" r:id="rId8"/>
@@ -222,7 +222,7 @@
           <a:p>
             <a:fld id="{EEE4906C-EBA9-4A0B-AE3E-11B5B3DE1E30}" type="datetimeFigureOut">
               <a:rPr lang="en-US" smtClean="0"/>
-              <a:t>9/28/2014</a:t>
+              <a:t>9/29/2014</a:t>
             </a:fld>
             <a:endParaRPr lang="en-US"/>
           </a:p>
@@ -534,73 +534,6 @@
           <a:bodyPr/>
           <a:lstStyle/>
           <a:p>
-            <a:r>
-              <a:rPr lang="en-US" sz="1200" kern="1200" dirty="0" smtClean="0">
-                <a:solidFill>
-                  <a:schemeClr val="tx1"/>
-                </a:solidFill>
-                <a:effectLst/>
-                <a:latin typeface="+mn-lt"/>
-                <a:ea typeface="+mn-ea"/>
-                <a:cs typeface="+mn-cs"/>
-              </a:rPr>
-              <a:t>Develop once for all Windows devices using a unified Windows runtime and VS tools that allow you to both support experiences unique to a device in XAML, HTML, and DirectX, and share the code that supports those experiences across all devices using C++, C#, or JavaScript. When your work is finished you can you can produce the app packages that you will submit to the Windows Store and Windows Phone Store with a single action to get your app out to customers on any Windows device.</a:t>
-            </a:r>
-          </a:p>
-          <a:p>
-            <a:r>
-              <a:rPr lang="en-US" sz="1200" kern="1200" dirty="0" smtClean="0">
-                <a:solidFill>
-                  <a:schemeClr val="tx1"/>
-                </a:solidFill>
-                <a:effectLst/>
-                <a:latin typeface="+mn-lt"/>
-                <a:ea typeface="+mn-ea"/>
-                <a:cs typeface="+mn-cs"/>
-              </a:rPr>
-              <a:t>In terms of the Store experience, customers will benefit from an app identity shared across the Windows Store and the Windows Phone Store. Shared identity means that if they purchase your app from the Windows Store, they are capable of installing it on a device from the Windows Phone Store using the same Microsoft account without having to purchase the app again. Optionally, this can also include things like in-app purchases.</a:t>
-            </a:r>
-          </a:p>
-          <a:p>
-            <a:r>
-              <a:rPr lang="en-US" sz="1200" kern="1200" dirty="0" smtClean="0">
-                <a:solidFill>
-                  <a:schemeClr val="tx1"/>
-                </a:solidFill>
-                <a:effectLst/>
-                <a:latin typeface="+mn-lt"/>
-                <a:ea typeface="+mn-ea"/>
-                <a:cs typeface="+mn-cs"/>
-              </a:rPr>
-              <a:t>To get you started, the following sections will identify key upgrade paths, migration paths, and other critical resources that will help you bring your ideas to the converged Windows 8.1 platform. For more information on universal Windows apps and context on Microsoft’s vision for developer opportunity on Windows devices, please see our blog post </a:t>
-            </a:r>
-            <a:r>
-              <a:rPr lang="en-US" sz="1200" u="none" strike="noStrike" kern="1200" dirty="0" smtClean="0">
-                <a:solidFill>
-                  <a:schemeClr val="tx1"/>
-                </a:solidFill>
-                <a:effectLst/>
-                <a:latin typeface="+mn-lt"/>
-                <a:ea typeface="+mn-ea"/>
-                <a:cs typeface="+mn-cs"/>
-                <a:hlinkClick r:id="rId3"/>
-              </a:rPr>
-              <a:t>Introducing universal Windows apps</a:t>
-            </a:r>
-            <a:r>
-              <a:rPr lang="en-US" sz="1200" kern="1200" dirty="0" smtClean="0">
-                <a:solidFill>
-                  <a:schemeClr val="tx1"/>
-                </a:solidFill>
-                <a:effectLst/>
-                <a:latin typeface="+mn-lt"/>
-                <a:ea typeface="+mn-ea"/>
-                <a:cs typeface="+mn-cs"/>
-              </a:rPr>
-              <a:t>.</a:t>
-            </a:r>
-          </a:p>
-          <a:p>
             <a:endParaRPr lang="en-US" dirty="0"/>
           </a:p>
         </p:txBody>
@@ -622,7 +555,7 @@
           <a:p>
             <a:fld id="{795A654D-6BE0-48C1-8457-36B06568CB66}" type="slidenum">
               <a:rPr lang="en-US" smtClean="0"/>
-              <a:t>3</a:t>
+              <a:t>2</a:t>
             </a:fld>
             <a:endParaRPr lang="en-US"/>
           </a:p>
@@ -631,7 +564,7 @@
     </p:spTree>
     <p:extLst>
       <p:ext uri="{BB962C8B-B14F-4D97-AF65-F5344CB8AC3E}">
-        <p14:creationId xmlns:p14="http://schemas.microsoft.com/office/powerpoint/2010/main" val="1457435736"/>
+        <p14:creationId xmlns:p14="http://schemas.microsoft.com/office/powerpoint/2010/main" val="958848004"/>
       </p:ext>
     </p:extLst>
   </p:cSld>
@@ -737,7 +670,7 @@
           <a:p>
             <a:fld id="{795A654D-6BE0-48C1-8457-36B06568CB66}" type="slidenum">
               <a:rPr lang="en-US" smtClean="0"/>
-              <a:t>4</a:t>
+              <a:t>3</a:t>
             </a:fld>
             <a:endParaRPr lang="en-US"/>
           </a:p>
@@ -801,6 +734,157 @@
           <a:lstStyle/>
           <a:p>
             <a:r>
+              <a:rPr lang="en-US" sz="1200" kern="1200" dirty="0" smtClean="0">
+                <a:solidFill>
+                  <a:schemeClr val="tx1"/>
+                </a:solidFill>
+                <a:effectLst/>
+                <a:latin typeface="+mn-lt"/>
+                <a:ea typeface="+mn-ea"/>
+                <a:cs typeface="+mn-cs"/>
+              </a:rPr>
+              <a:t>Develop once for all Windows devices using a unified Windows runtime and VS tools that allow you to both support experiences unique to a device in XAML, HTML, and DirectX, and share the code that supports those experiences across all devices using C++, C#, or JavaScript. When your work is finished you can you can produce the app packages that you will submit to the Windows Store and Windows Phone Store with a single action to get your app out to customers on any Windows device.</a:t>
+            </a:r>
+          </a:p>
+          <a:p>
+            <a:r>
+              <a:rPr lang="en-US" sz="1200" kern="1200" dirty="0" smtClean="0">
+                <a:solidFill>
+                  <a:schemeClr val="tx1"/>
+                </a:solidFill>
+                <a:effectLst/>
+                <a:latin typeface="+mn-lt"/>
+                <a:ea typeface="+mn-ea"/>
+                <a:cs typeface="+mn-cs"/>
+              </a:rPr>
+              <a:t>In terms of the Store experience, customers will benefit from an app identity shared across the Windows Store and the Windows Phone Store. Shared identity means that if they purchase your app from the Windows Store, they are capable of installing it on a device from the Windows Phone Store using the same Microsoft account without having to purchase the app again. Optionally, this can also include things like in-app purchases.</a:t>
+            </a:r>
+          </a:p>
+          <a:p>
+            <a:r>
+              <a:rPr lang="en-US" sz="1200" kern="1200" dirty="0" smtClean="0">
+                <a:solidFill>
+                  <a:schemeClr val="tx1"/>
+                </a:solidFill>
+                <a:effectLst/>
+                <a:latin typeface="+mn-lt"/>
+                <a:ea typeface="+mn-ea"/>
+                <a:cs typeface="+mn-cs"/>
+              </a:rPr>
+              <a:t>To get you started, the following sections will identify key upgrade paths, migration paths, and other critical resources that will help you bring your ideas to the converged Windows 8.1 platform. For more information on universal Windows apps and context on Microsoft’s vision for developer opportunity on Windows devices, please see our blog post </a:t>
+            </a:r>
+            <a:r>
+              <a:rPr lang="en-US" sz="1200" u="none" strike="noStrike" kern="1200" dirty="0" smtClean="0">
+                <a:solidFill>
+                  <a:schemeClr val="tx1"/>
+                </a:solidFill>
+                <a:effectLst/>
+                <a:latin typeface="+mn-lt"/>
+                <a:ea typeface="+mn-ea"/>
+                <a:cs typeface="+mn-cs"/>
+                <a:hlinkClick r:id="rId3"/>
+              </a:rPr>
+              <a:t>Introducing universal Windows apps</a:t>
+            </a:r>
+            <a:r>
+              <a:rPr lang="en-US" sz="1200" kern="1200" dirty="0" smtClean="0">
+                <a:solidFill>
+                  <a:schemeClr val="tx1"/>
+                </a:solidFill>
+                <a:effectLst/>
+                <a:latin typeface="+mn-lt"/>
+                <a:ea typeface="+mn-ea"/>
+                <a:cs typeface="+mn-cs"/>
+              </a:rPr>
+              <a:t>.</a:t>
+            </a:r>
+          </a:p>
+          <a:p>
+            <a:endParaRPr lang="en-US" dirty="0"/>
+          </a:p>
+        </p:txBody>
+      </p:sp>
+      <p:sp>
+        <p:nvSpPr>
+          <p:cNvPr id="4" name="Slide Number Placeholder 3"/>
+          <p:cNvSpPr>
+            <a:spLocks noGrp="1"/>
+          </p:cNvSpPr>
+          <p:nvPr>
+            <p:ph type="sldNum" sz="quarter" idx="10"/>
+          </p:nvPr>
+        </p:nvSpPr>
+        <p:spPr/>
+        <p:txBody>
+          <a:bodyPr/>
+          <a:lstStyle/>
+          <a:p>
+            <a:fld id="{795A654D-6BE0-48C1-8457-36B06568CB66}" type="slidenum">
+              <a:rPr lang="en-US" smtClean="0"/>
+              <a:t>4</a:t>
+            </a:fld>
+            <a:endParaRPr lang="en-US"/>
+          </a:p>
+        </p:txBody>
+      </p:sp>
+    </p:spTree>
+    <p:extLst>
+      <p:ext uri="{BB962C8B-B14F-4D97-AF65-F5344CB8AC3E}">
+        <p14:creationId xmlns:p14="http://schemas.microsoft.com/office/powerpoint/2010/main" val="1457435736"/>
+      </p:ext>
+    </p:extLst>
+  </p:cSld>
+  <p:clrMapOvr>
+    <a:masterClrMapping/>
+  </p:clrMapOvr>
+</p:notes>
+</file>
+
+<file path=ppt/notesSlides/notesSlide4.xml><?xml version="1.0" encoding="utf-8"?>
+<p:notes xmlns:a="http://schemas.openxmlformats.org/drawingml/2006/main" xmlns:r="http://schemas.openxmlformats.org/officeDocument/2006/relationships" xmlns:p="http://schemas.openxmlformats.org/presentationml/2006/main">
+  <p:cSld>
+    <p:spTree>
+      <p:nvGrpSpPr>
+        <p:cNvPr id="1" name=""/>
+        <p:cNvGrpSpPr/>
+        <p:nvPr/>
+      </p:nvGrpSpPr>
+      <p:grpSpPr>
+        <a:xfrm>
+          <a:off x="0" y="0"/>
+          <a:ext cx="0" cy="0"/>
+          <a:chOff x="0" y="0"/>
+          <a:chExt cx="0" cy="0"/>
+        </a:xfrm>
+      </p:grpSpPr>
+      <p:sp>
+        <p:nvSpPr>
+          <p:cNvPr id="2" name="Slide Image Placeholder 1"/>
+          <p:cNvSpPr>
+            <a:spLocks noGrp="1" noRot="1" noChangeAspect="1"/>
+          </p:cNvSpPr>
+          <p:nvPr>
+            <p:ph type="sldImg"/>
+          </p:nvPr>
+        </p:nvSpPr>
+        <p:spPr/>
+      </p:sp>
+      <p:sp>
+        <p:nvSpPr>
+          <p:cNvPr id="3" name="Notes Placeholder 2"/>
+          <p:cNvSpPr>
+            <a:spLocks noGrp="1"/>
+          </p:cNvSpPr>
+          <p:nvPr>
+            <p:ph type="body" idx="1"/>
+          </p:nvPr>
+        </p:nvSpPr>
+        <p:spPr/>
+        <p:txBody>
+          <a:bodyPr/>
+          <a:lstStyle/>
+          <a:p>
+            <a:r>
               <a:rPr lang="en-US" sz="1200" b="1" kern="1200" dirty="0" smtClean="0">
                 <a:solidFill>
                   <a:schemeClr val="tx1"/>
@@ -1026,7 +1110,7 @@
 </p:notes>
 </file>
 
-<file path=ppt/notesSlides/notesSlide4.xml><?xml version="1.0" encoding="utf-8"?>
+<file path=ppt/notesSlides/notesSlide5.xml><?xml version="1.0" encoding="utf-8"?>
 <p:notes xmlns:a="http://schemas.openxmlformats.org/drawingml/2006/main" xmlns:r="http://schemas.openxmlformats.org/officeDocument/2006/relationships" xmlns:p="http://schemas.openxmlformats.org/presentationml/2006/main">
   <p:cSld>
     <p:spTree>
@@ -1296,7 +1380,7 @@
 </p:notes>
 </file>
 
-<file path=ppt/notesSlides/notesSlide5.xml><?xml version="1.0" encoding="utf-8"?>
+<file path=ppt/notesSlides/notesSlide6.xml><?xml version="1.0" encoding="utf-8"?>
 <p:notes xmlns:a="http://schemas.openxmlformats.org/drawingml/2006/main" xmlns:r="http://schemas.openxmlformats.org/officeDocument/2006/relationships" xmlns:p="http://schemas.openxmlformats.org/presentationml/2006/main">
   <p:cSld>
     <p:spTree>
@@ -1411,7 +1495,7 @@
 </p:notes>
 </file>
 
-<file path=ppt/notesSlides/notesSlide6.xml><?xml version="1.0" encoding="utf-8"?>
+<file path=ppt/notesSlides/notesSlide7.xml><?xml version="1.0" encoding="utf-8"?>
 <p:notes xmlns:a="http://schemas.openxmlformats.org/drawingml/2006/main" xmlns:r="http://schemas.openxmlformats.org/officeDocument/2006/relationships" xmlns:p="http://schemas.openxmlformats.org/presentationml/2006/main">
   <p:cSld>
     <p:spTree>
@@ -1707,7 +1791,7 @@
           <a:p>
             <a:fld id="{DA583EDF-0732-5343-98CC-1C67BF71244D}" type="datetimeFigureOut">
               <a:rPr lang="en-US" smtClean="0"/>
-              <a:t>9/28/2014</a:t>
+              <a:t>9/29/2014</a:t>
             </a:fld>
             <a:endParaRPr lang="en-US"/>
           </a:p>
@@ -1877,7 +1961,7 @@
           <a:p>
             <a:fld id="{DA583EDF-0732-5343-98CC-1C67BF71244D}" type="datetimeFigureOut">
               <a:rPr lang="en-US" smtClean="0"/>
-              <a:t>9/28/2014</a:t>
+              <a:t>9/29/2014</a:t>
             </a:fld>
             <a:endParaRPr lang="en-US"/>
           </a:p>
@@ -2057,7 +2141,7 @@
           <a:p>
             <a:fld id="{DA583EDF-0732-5343-98CC-1C67BF71244D}" type="datetimeFigureOut">
               <a:rPr lang="en-US" smtClean="0"/>
-              <a:t>9/28/2014</a:t>
+              <a:t>9/29/2014</a:t>
             </a:fld>
             <a:endParaRPr lang="en-US"/>
           </a:p>
@@ -2227,7 +2311,7 @@
           <a:p>
             <a:fld id="{DA583EDF-0732-5343-98CC-1C67BF71244D}" type="datetimeFigureOut">
               <a:rPr lang="en-US" smtClean="0"/>
-              <a:t>9/28/2014</a:t>
+              <a:t>9/29/2014</a:t>
             </a:fld>
             <a:endParaRPr lang="en-US"/>
           </a:p>
@@ -2473,7 +2557,7 @@
           <a:p>
             <a:fld id="{DA583EDF-0732-5343-98CC-1C67BF71244D}" type="datetimeFigureOut">
               <a:rPr lang="en-US" smtClean="0"/>
-              <a:t>9/28/2014</a:t>
+              <a:t>9/29/2014</a:t>
             </a:fld>
             <a:endParaRPr lang="en-US"/>
           </a:p>
@@ -2761,7 +2845,7 @@
           <a:p>
             <a:fld id="{DA583EDF-0732-5343-98CC-1C67BF71244D}" type="datetimeFigureOut">
               <a:rPr lang="en-US" smtClean="0"/>
-              <a:t>9/28/2014</a:t>
+              <a:t>9/29/2014</a:t>
             </a:fld>
             <a:endParaRPr lang="en-US"/>
           </a:p>
@@ -3183,7 +3267,7 @@
           <a:p>
             <a:fld id="{DA583EDF-0732-5343-98CC-1C67BF71244D}" type="datetimeFigureOut">
               <a:rPr lang="en-US" smtClean="0"/>
-              <a:t>9/28/2014</a:t>
+              <a:t>9/29/2014</a:t>
             </a:fld>
             <a:endParaRPr lang="en-US"/>
           </a:p>
@@ -3301,7 +3385,7 @@
           <a:p>
             <a:fld id="{DA583EDF-0732-5343-98CC-1C67BF71244D}" type="datetimeFigureOut">
               <a:rPr lang="en-US" smtClean="0"/>
-              <a:t>9/28/2014</a:t>
+              <a:t>9/29/2014</a:t>
             </a:fld>
             <a:endParaRPr lang="en-US"/>
           </a:p>
@@ -3396,7 +3480,7 @@
           <a:p>
             <a:fld id="{DA583EDF-0732-5343-98CC-1C67BF71244D}" type="datetimeFigureOut">
               <a:rPr lang="en-US" smtClean="0"/>
-              <a:t>9/28/2014</a:t>
+              <a:t>9/29/2014</a:t>
             </a:fld>
             <a:endParaRPr lang="en-US"/>
           </a:p>
@@ -3673,7 +3757,7 @@
           <a:p>
             <a:fld id="{DA583EDF-0732-5343-98CC-1C67BF71244D}" type="datetimeFigureOut">
               <a:rPr lang="en-US" smtClean="0"/>
-              <a:t>9/28/2014</a:t>
+              <a:t>9/29/2014</a:t>
             </a:fld>
             <a:endParaRPr lang="en-US"/>
           </a:p>
@@ -3926,7 +4010,7 @@
           <a:p>
             <a:fld id="{DA583EDF-0732-5343-98CC-1C67BF71244D}" type="datetimeFigureOut">
               <a:rPr lang="en-US" smtClean="0"/>
-              <a:t>9/28/2014</a:t>
+              <a:t>9/29/2014</a:t>
             </a:fld>
             <a:endParaRPr lang="en-US"/>
           </a:p>
@@ -4139,7 +4223,7 @@
           <a:p>
             <a:fld id="{DA583EDF-0732-5343-98CC-1C67BF71244D}" type="datetimeFigureOut">
               <a:rPr lang="en-US" smtClean="0"/>
-              <a:t>9/28/2014</a:t>
+              <a:t>9/29/2014</a:t>
             </a:fld>
             <a:endParaRPr lang="en-US"/>
           </a:p>
@@ -4548,7 +4632,6 @@
               <a:rPr lang="en-US" dirty="0"/>
               <a:t>Sharing Code Across All Windows Desktop, Store and Phone Platforms, the Universe is Mine!</a:t>
             </a:r>
-            <a:endParaRPr lang="en-US" dirty="0"/>
           </a:p>
         </p:txBody>
       </p:sp>
@@ -5273,14 +5356,27 @@
         </p:nvSpPr>
         <p:spPr/>
         <p:txBody>
-          <a:bodyPr/>
+          <a:bodyPr>
+            <a:normAutofit fontScale="90000"/>
+          </a:bodyPr>
           <a:lstStyle/>
           <a:p>
             <a:r>
               <a:rPr lang="en-US" dirty="0" smtClean="0"/>
-              <a:t>Who am I</a:t>
-            </a:r>
-            <a:endParaRPr lang="en-US" dirty="0"/>
+              <a:t>Who am </a:t>
+            </a:r>
+            <a:r>
+              <a:rPr lang="en-US" dirty="0" smtClean="0"/>
+              <a:t>I</a:t>
+            </a:r>
+            <a:br>
+              <a:rPr lang="en-US" dirty="0" smtClean="0"/>
+            </a:br>
+            <a:r>
+              <a:rPr lang="en-US" sz="2800" dirty="0" smtClean="0"/>
+              <a:t>David Underhill</a:t>
+            </a:r>
+            <a:endParaRPr lang="en-US" sz="2800" dirty="0"/>
           </a:p>
         </p:txBody>
       </p:sp>
@@ -5302,7 +5398,7 @@
         </p:spPr>
         <p:txBody>
           <a:bodyPr>
-            <a:normAutofit fontScale="62500" lnSpcReduction="20000"/>
+            <a:normAutofit fontScale="55000" lnSpcReduction="20000"/>
           </a:bodyPr>
           <a:lstStyle/>
           <a:p>
@@ -5315,7 +5411,48 @@
             </a:r>
             <a:r>
               <a:rPr lang="en-US" dirty="0" smtClean="0"/>
-              <a:t>Software Engineer for TechSmith Corp.  My current experience is </a:t>
+              <a:t>Software Engineer for TechSmith Corp. </a:t>
+            </a:r>
+            <a:r>
+              <a:rPr lang="en-US" dirty="0"/>
+              <a:t>I have </a:t>
+            </a:r>
+            <a:r>
+              <a:rPr lang="en-US" dirty="0" smtClean="0"/>
+              <a:t>almost 20 </a:t>
+            </a:r>
+            <a:r>
+              <a:rPr lang="en-US" dirty="0"/>
+              <a:t>years of </a:t>
+            </a:r>
+            <a:r>
+              <a:rPr lang="en-US" dirty="0" smtClean="0"/>
+              <a:t>professional experience </a:t>
+            </a:r>
+            <a:r>
+              <a:rPr lang="en-US" dirty="0"/>
+              <a:t>designing, coding, and testing systems and started writing code </a:t>
+            </a:r>
+            <a:r>
+              <a:rPr lang="en-US" dirty="0" smtClean="0"/>
+              <a:t>in middle school on TSR-80 computers for </a:t>
+            </a:r>
+            <a:r>
+              <a:rPr lang="en-US" dirty="0"/>
+              <a:t>fun long before it became my career. I have been exposed to the entire lifecycle of systems development from the initial idea, gathering requirements, developing a solution, writing code, testing, deployment, and post go live support.</a:t>
+            </a:r>
+          </a:p>
+          <a:p>
+            <a:pPr marL="0" indent="0">
+              <a:buNone/>
+            </a:pPr>
+            <a:r>
+              <a:rPr lang="en-US" dirty="0" smtClean="0"/>
+              <a:t>My most recent experience </a:t>
+            </a:r>
+            <a:r>
+              <a:rPr lang="en-US" dirty="0" smtClean="0"/>
+              <a:t>is </a:t>
             </a:r>
             <a:r>
               <a:rPr lang="en-US" dirty="0"/>
@@ -5327,36 +5464,94 @@
             </a:r>
             <a:r>
               <a:rPr lang="en-US" dirty="0"/>
-              <a:t>, Silverlight on Windows desktop, Windows store, and Windows phone. I have also had previous experience writing applications in Lawson 4GL, Visual Basic, Cobol, PL/SQL, Sybase T/SQL, C, Perl, Java, and C# </a:t>
-            </a:r>
-            <a:r>
-              <a:rPr lang="en-US" dirty="0" err="1"/>
-              <a:t>.Net</a:t>
+              <a:t>, </a:t>
+            </a:r>
+            <a:r>
+              <a:rPr lang="en-US" dirty="0" smtClean="0"/>
+              <a:t>Silverlight, WPF </a:t>
             </a:r>
             <a:r>
               <a:rPr lang="en-US" dirty="0"/>
-              <a:t> on the Windows, Unix/Linux, Web, and Mainframe platforms. Many of my systems have used Sybase, SQL Server, Oracle, or DB2 as the back end database and various front end and batch languages. I have 15+ years of experience designing, coding, and testing systems and started writing code for fun long before it became my career. I have been exposed to the entire lifecycle of systems development from the initial idea, gathering requirements, developing a solution, writing code, testing, deployment, and post go live support</a:t>
+              <a:t>on Windows desktop, Windows store, and Windows phone. I have also had previous experience writing applications </a:t>
             </a:r>
             <a:r>
               <a:rPr lang="en-US" dirty="0" smtClean="0"/>
-              <a:t>.</a:t>
-            </a:r>
+              <a:t>in </a:t>
+            </a:r>
+            <a:r>
+              <a:rPr lang="en-US" dirty="0"/>
+              <a:t>Visual Basic, Cobol, PL/SQL, Sybase T/SQL, C, Perl, Java, and </a:t>
+            </a:r>
+            <a:r>
+              <a:rPr lang="en-US" dirty="0" smtClean="0"/>
+              <a:t>ASP on </a:t>
+            </a:r>
+            <a:r>
+              <a:rPr lang="en-US" dirty="0"/>
+              <a:t>the Windows, Unix/Linux, Web, and Mainframe platforms. Many of my systems have used Sybase, SQL Server, Oracle, or DB2 as the back end database and various front end and batch languages. </a:t>
+            </a:r>
+            <a:endParaRPr lang="en-US" dirty="0" smtClean="0"/>
+          </a:p>
+          <a:p>
+            <a:pPr marL="0" indent="0">
+              <a:buNone/>
+            </a:pPr>
+            <a:endParaRPr lang="en-US" dirty="0"/>
+          </a:p>
+          <a:p>
+            <a:pPr marL="0" indent="0">
+              <a:buNone/>
+            </a:pPr>
+            <a:r>
+              <a:rPr lang="en-US" dirty="0" smtClean="0"/>
+              <a:t>Presentation is on </a:t>
+            </a:r>
+            <a:r>
+              <a:rPr lang="en-US" dirty="0" err="1" smtClean="0"/>
+              <a:t>Github</a:t>
+            </a:r>
+            <a:r>
+              <a:rPr lang="en-US" dirty="0"/>
+              <a:t>: </a:t>
+            </a:r>
+            <a:r>
+              <a:rPr lang="en-US" dirty="0">
+                <a:hlinkClick r:id="rId3"/>
+              </a:rPr>
+              <a:t>https://</a:t>
+            </a:r>
+            <a:r>
+              <a:rPr lang="en-US" dirty="0" smtClean="0">
+                <a:hlinkClick r:id="rId3"/>
+              </a:rPr>
+              <a:t>github.com/underhilld2/UniversalAppPortalClassLibraries</a:t>
+            </a:r>
+            <a:endParaRPr lang="en-US" dirty="0" smtClean="0"/>
           </a:p>
           <a:p>
             <a:pPr marL="0" indent="0">
               <a:buNone/>
             </a:pPr>
             <a:endParaRPr lang="en-US" dirty="0" smtClean="0">
-              <a:hlinkClick r:id="rId2"/>
+              <a:hlinkClick r:id="rId4"/>
             </a:endParaRPr>
           </a:p>
           <a:p>
             <a:pPr marL="0" indent="0">
               <a:buNone/>
             </a:pPr>
-            <a:endParaRPr lang="en-US" dirty="0">
-              <a:hlinkClick r:id="rId2"/>
-            </a:endParaRPr>
+            <a:r>
+              <a:rPr lang="en-US" dirty="0" smtClean="0">
+                <a:hlinkClick r:id="rId4"/>
+              </a:rPr>
+              <a:t>Email</a:t>
+            </a:r>
+            <a:r>
+              <a:rPr lang="en-US" dirty="0" smtClean="0">
+                <a:hlinkClick r:id="rId4"/>
+              </a:rPr>
+              <a:t>: underhilld2@gmail.com</a:t>
+            </a:r>
           </a:p>
           <a:p>
             <a:pPr marL="0" indent="0">
@@ -5364,24 +5559,13 @@
             </a:pPr>
             <a:r>
               <a:rPr lang="en-US" dirty="0" smtClean="0">
-                <a:hlinkClick r:id="rId2"/>
-              </a:rPr>
-              <a:t>Email: underhilld2@gmail.com</a:t>
-            </a:r>
-          </a:p>
-          <a:p>
-            <a:pPr marL="0" indent="0">
-              <a:buNone/>
-            </a:pPr>
-            <a:r>
-              <a:rPr lang="en-US" dirty="0" smtClean="0">
-                <a:hlinkClick r:id="rId2"/>
+                <a:hlinkClick r:id="rId4"/>
               </a:rPr>
               <a:t>Twitter: </a:t>
             </a:r>
             <a:r>
               <a:rPr lang="en-US" dirty="0">
-                <a:hlinkClick r:id="rId3"/>
+                <a:hlinkClick r:id="rId5"/>
               </a:rPr>
               <a:t>@DavidUnderhill3</a:t>
             </a:r>
@@ -5389,26 +5573,7 @@
               <a:solidFill>
                 <a:schemeClr val="bg1"/>
               </a:solidFill>
-              <a:hlinkClick r:id="rId2"/>
-            </a:endParaRPr>
-          </a:p>
-          <a:p>
-            <a:pPr marL="0" indent="0">
-              <a:buNone/>
-            </a:pPr>
-            <a:r>
-              <a:rPr lang="en-US" dirty="0">
-                <a:solidFill>
-                  <a:schemeClr val="bg1"/>
-                </a:solidFill>
-                <a:hlinkClick r:id="rId2"/>
-              </a:rPr>
-              <a:t>https://github.com/underhilld2</a:t>
-            </a:r>
-            <a:endParaRPr lang="en-US" dirty="0">
-              <a:solidFill>
-                <a:schemeClr val="bg1"/>
-              </a:solidFill>
+              <a:hlinkClick r:id="rId4"/>
             </a:endParaRPr>
           </a:p>
           <a:p>
@@ -5422,22 +5587,247 @@
                 </a:solidFill>
                 <a:hlinkClick r:id="rId4"/>
               </a:rPr>
-              <a:t>http://</a:t>
-            </a:r>
-            <a:r>
-              <a:rPr lang="en-US" dirty="0" smtClean="0">
-                <a:solidFill>
-                  <a:schemeClr val="bg1"/>
-                </a:solidFill>
-                <a:hlinkClick r:id="rId4"/>
-              </a:rPr>
-              <a:t>blog.davescybercave.com</a:t>
+              <a:t>https://github.com/underhilld2</a:t>
             </a:r>
             <a:endParaRPr lang="en-US" dirty="0">
               <a:solidFill>
                 <a:schemeClr val="bg1"/>
               </a:solidFill>
             </a:endParaRPr>
+          </a:p>
+          <a:p>
+            <a:pPr marL="0" indent="0">
+              <a:buNone/>
+            </a:pPr>
+            <a:r>
+              <a:rPr lang="en-US" dirty="0">
+                <a:solidFill>
+                  <a:schemeClr val="bg1"/>
+                </a:solidFill>
+                <a:hlinkClick r:id="rId6"/>
+              </a:rPr>
+              <a:t>http://</a:t>
+            </a:r>
+            <a:r>
+              <a:rPr lang="en-US" dirty="0" smtClean="0">
+                <a:solidFill>
+                  <a:schemeClr val="bg1"/>
+                </a:solidFill>
+                <a:hlinkClick r:id="rId6"/>
+              </a:rPr>
+              <a:t>blog.davescybercave.com</a:t>
+            </a:r>
+            <a:endParaRPr lang="en-US" dirty="0">
+              <a:solidFill>
+                <a:schemeClr val="bg1"/>
+              </a:solidFill>
+            </a:endParaRPr>
+          </a:p>
+        </p:txBody>
+      </p:sp>
+      <p:pic>
+        <p:nvPicPr>
+          <p:cNvPr id="5" name="Picture 4"/>
+          <p:cNvPicPr>
+            <a:picLocks noChangeAspect="1"/>
+          </p:cNvPicPr>
+          <p:nvPr/>
+        </p:nvPicPr>
+        <p:blipFill>
+          <a:blip r:embed="rId7">
+            <a:extLst>
+              <a:ext uri="{28A0092B-C50C-407E-A947-70E740481C1C}">
+                <a14:useLocalDpi xmlns:a14="http://schemas.microsoft.com/office/drawing/2010/main" val="0"/>
+              </a:ext>
+            </a:extLst>
+          </a:blip>
+          <a:stretch>
+            <a:fillRect/>
+          </a:stretch>
+        </p:blipFill>
+        <p:spPr>
+          <a:xfrm>
+            <a:off x="6556197" y="5918320"/>
+            <a:ext cx="2356206" cy="819150"/>
+          </a:xfrm>
+          <a:prstGeom prst="rect">
+            <a:avLst/>
+          </a:prstGeom>
+        </p:spPr>
+      </p:pic>
+      <p:pic>
+        <p:nvPicPr>
+          <p:cNvPr id="6" name="Content Placeholder 3"/>
+          <p:cNvPicPr>
+            <a:picLocks noChangeAspect="1"/>
+          </p:cNvPicPr>
+          <p:nvPr/>
+        </p:nvPicPr>
+        <p:blipFill>
+          <a:blip r:embed="rId8">
+            <a:extLst>
+              <a:ext uri="{28A0092B-C50C-407E-A947-70E740481C1C}">
+                <a14:useLocalDpi xmlns:a14="http://schemas.microsoft.com/office/drawing/2010/main" val="0"/>
+              </a:ext>
+            </a:extLst>
+          </a:blip>
+          <a:stretch>
+            <a:fillRect/>
+          </a:stretch>
+        </p:blipFill>
+        <p:spPr>
+          <a:xfrm>
+            <a:off x="562610" y="169148"/>
+            <a:ext cx="1600989" cy="1353979"/>
+          </a:xfrm>
+          <a:prstGeom prst="rect">
+            <a:avLst/>
+          </a:prstGeom>
+        </p:spPr>
+      </p:pic>
+    </p:spTree>
+    <p:extLst>
+      <p:ext uri="{BB962C8B-B14F-4D97-AF65-F5344CB8AC3E}">
+        <p14:creationId xmlns:p14="http://schemas.microsoft.com/office/powerpoint/2010/main" val="270563702"/>
+      </p:ext>
+    </p:extLst>
+  </p:cSld>
+  <p:clrMapOvr>
+    <a:masterClrMapping/>
+  </p:clrMapOvr>
+  <p:timing>
+    <p:tnLst>
+      <p:par>
+        <p:cTn id="1" dur="indefinite" restart="never" nodeType="tmRoot"/>
+      </p:par>
+    </p:tnLst>
+  </p:timing>
+</p:sld>
+</file>
+
+<file path=ppt/slides/slide3.xml><?xml version="1.0" encoding="utf-8"?>
+<p:sld xmlns:a="http://schemas.openxmlformats.org/drawingml/2006/main" xmlns:r="http://schemas.openxmlformats.org/officeDocument/2006/relationships" xmlns:p="http://schemas.openxmlformats.org/presentationml/2006/main">
+  <p:cSld>
+    <p:spTree>
+      <p:nvGrpSpPr>
+        <p:cNvPr id="1" name=""/>
+        <p:cNvGrpSpPr/>
+        <p:nvPr/>
+      </p:nvGrpSpPr>
+      <p:grpSpPr>
+        <a:xfrm>
+          <a:off x="0" y="0"/>
+          <a:ext cx="0" cy="0"/>
+          <a:chOff x="0" y="0"/>
+          <a:chExt cx="0" cy="0"/>
+        </a:xfrm>
+      </p:grpSpPr>
+      <p:sp>
+        <p:nvSpPr>
+          <p:cNvPr id="2" name="Title 1"/>
+          <p:cNvSpPr>
+            <a:spLocks noGrp="1"/>
+          </p:cNvSpPr>
+          <p:nvPr>
+            <p:ph type="title"/>
+          </p:nvPr>
+        </p:nvSpPr>
+        <p:spPr>
+          <a:xfrm>
+            <a:off x="457200" y="274638"/>
+            <a:ext cx="8229600" cy="1457180"/>
+          </a:xfrm>
+        </p:spPr>
+        <p:txBody>
+          <a:bodyPr>
+            <a:normAutofit/>
+          </a:bodyPr>
+          <a:lstStyle/>
+          <a:p>
+            <a:r>
+              <a:rPr lang="en-US" b="1" dirty="0"/>
+              <a:t>How to get setup to do store and phone </a:t>
+            </a:r>
+            <a:r>
+              <a:rPr lang="en-US" b="1" dirty="0" smtClean="0"/>
+              <a:t>development</a:t>
+            </a:r>
+            <a:endParaRPr lang="en-US" dirty="0"/>
+          </a:p>
+        </p:txBody>
+      </p:sp>
+      <p:sp>
+        <p:nvSpPr>
+          <p:cNvPr id="3" name="Content Placeholder 2"/>
+          <p:cNvSpPr>
+            <a:spLocks noGrp="1"/>
+          </p:cNvSpPr>
+          <p:nvPr>
+            <p:ph idx="1"/>
+          </p:nvPr>
+        </p:nvSpPr>
+        <p:spPr>
+          <a:xfrm>
+            <a:off x="457200" y="1828800"/>
+            <a:ext cx="8229600" cy="4297363"/>
+          </a:xfrm>
+        </p:spPr>
+        <p:txBody>
+          <a:bodyPr/>
+          <a:lstStyle/>
+          <a:p>
+            <a:r>
+              <a:rPr lang="en-US" u="sng" dirty="0">
+                <a:hlinkClick r:id="rId3"/>
+              </a:rPr>
+              <a:t>https://dev.windows.com/en-us</a:t>
+            </a:r>
+            <a:endParaRPr lang="en-US" dirty="0"/>
+          </a:p>
+          <a:p>
+            <a:r>
+              <a:rPr lang="en-US" u="sng" dirty="0">
+                <a:hlinkClick r:id="rId4"/>
+              </a:rPr>
+              <a:t>https://devcenterbenefits.windows.com/</a:t>
+            </a:r>
+            <a:endParaRPr lang="en-US" dirty="0"/>
+          </a:p>
+          <a:p>
+            <a:endParaRPr lang="en-US" dirty="0"/>
+          </a:p>
+        </p:txBody>
+      </p:sp>
+      <p:sp>
+        <p:nvSpPr>
+          <p:cNvPr id="4" name="Rectangle 3"/>
+          <p:cNvSpPr/>
+          <p:nvPr/>
+        </p:nvSpPr>
+        <p:spPr>
+          <a:xfrm>
+            <a:off x="2286000" y="2967335"/>
+            <a:ext cx="4572000" cy="923330"/>
+          </a:xfrm>
+          <a:prstGeom prst="rect">
+            <a:avLst/>
+          </a:prstGeom>
+        </p:spPr>
+        <p:txBody>
+          <a:bodyPr>
+            <a:spAutoFit/>
+          </a:bodyPr>
+          <a:lstStyle/>
+          <a:p>
+            <a:r>
+              <a:rPr lang="en-US" dirty="0">
+                <a:solidFill>
+                  <a:schemeClr val="bg1"/>
+                </a:solidFill>
+              </a:rPr>
+              <a:t>Sharing Code Across All Windows Desktop, Store and Phone Platforms, the Universe is Mine!</a:t>
+            </a:r>
+            <a:endParaRPr lang="en-US" dirty="0"/>
           </a:p>
         </p:txBody>
       </p:sp>
@@ -5471,40 +5861,10 @@
           </a:prstGeom>
         </p:spPr>
       </p:pic>
-      <p:pic>
-        <p:nvPicPr>
-          <p:cNvPr id="6" name="Content Placeholder 3"/>
-          <p:cNvPicPr>
-            <a:picLocks noChangeAspect="1"/>
-          </p:cNvPicPr>
-          <p:nvPr/>
-        </p:nvPicPr>
-        <p:blipFill>
-          <a:blip r:embed="rId6">
-            <a:extLst>
-              <a:ext uri="{28A0092B-C50C-407E-A947-70E740481C1C}">
-                <a14:useLocalDpi xmlns:a14="http://schemas.microsoft.com/office/drawing/2010/main" val="0"/>
-              </a:ext>
-            </a:extLst>
-          </a:blip>
-          <a:stretch>
-            <a:fillRect/>
-          </a:stretch>
-        </p:blipFill>
-        <p:spPr>
-          <a:xfrm>
-            <a:off x="276860" y="274638"/>
-            <a:ext cx="1600989" cy="1353979"/>
-          </a:xfrm>
-          <a:prstGeom prst="rect">
-            <a:avLst/>
-          </a:prstGeom>
-        </p:spPr>
-      </p:pic>
     </p:spTree>
     <p:extLst>
       <p:ext uri="{BB962C8B-B14F-4D97-AF65-F5344CB8AC3E}">
-        <p14:creationId xmlns:p14="http://schemas.microsoft.com/office/powerpoint/2010/main" val="270563702"/>
+        <p14:creationId xmlns:p14="http://schemas.microsoft.com/office/powerpoint/2010/main" val="1617655650"/>
       </p:ext>
     </p:extLst>
   </p:cSld>
@@ -5521,7 +5881,7 @@
 </p:sld>
 </file>
 
-<file path=ppt/slides/slide3.xml><?xml version="1.0" encoding="utf-8"?>
+<file path=ppt/slides/slide4.xml><?xml version="1.0" encoding="utf-8"?>
 <p:sld xmlns:a="http://schemas.openxmlformats.org/drawingml/2006/main" xmlns:r="http://schemas.openxmlformats.org/officeDocument/2006/relationships" xmlns:p="http://schemas.openxmlformats.org/presentationml/2006/main">
   <p:cSld>
     <p:spTree>
@@ -5661,182 +6021,6 @@
     <p:extLst>
       <p:ext uri="{BB962C8B-B14F-4D97-AF65-F5344CB8AC3E}">
         <p14:creationId xmlns:p14="http://schemas.microsoft.com/office/powerpoint/2010/main" val="2196338582"/>
-      </p:ext>
-    </p:extLst>
-  </p:cSld>
-  <p:clrMapOvr>
-    <a:masterClrMapping/>
-  </p:clrMapOvr>
-  <p:timing>
-    <p:tnLst>
-      <p:par>
-        <p:cTn id="1" dur="indefinite" restart="never" nodeType="tmRoot"/>
-      </p:par>
-    </p:tnLst>
-  </p:timing>
-</p:sld>
-</file>
-
-<file path=ppt/slides/slide4.xml><?xml version="1.0" encoding="utf-8"?>
-<p:sld xmlns:a="http://schemas.openxmlformats.org/drawingml/2006/main" xmlns:r="http://schemas.openxmlformats.org/officeDocument/2006/relationships" xmlns:p="http://schemas.openxmlformats.org/presentationml/2006/main">
-  <p:cSld>
-    <p:spTree>
-      <p:nvGrpSpPr>
-        <p:cNvPr id="1" name=""/>
-        <p:cNvGrpSpPr/>
-        <p:nvPr/>
-      </p:nvGrpSpPr>
-      <p:grpSpPr>
-        <a:xfrm>
-          <a:off x="0" y="0"/>
-          <a:ext cx="0" cy="0"/>
-          <a:chOff x="0" y="0"/>
-          <a:chExt cx="0" cy="0"/>
-        </a:xfrm>
-      </p:grpSpPr>
-      <p:sp>
-        <p:nvSpPr>
-          <p:cNvPr id="2" name="Title 1"/>
-          <p:cNvSpPr>
-            <a:spLocks noGrp="1"/>
-          </p:cNvSpPr>
-          <p:nvPr>
-            <p:ph type="title"/>
-          </p:nvPr>
-        </p:nvSpPr>
-        <p:spPr>
-          <a:xfrm>
-            <a:off x="457200" y="274638"/>
-            <a:ext cx="8229600" cy="1457180"/>
-          </a:xfrm>
-        </p:spPr>
-        <p:txBody>
-          <a:bodyPr>
-            <a:normAutofit/>
-          </a:bodyPr>
-          <a:lstStyle/>
-          <a:p>
-            <a:r>
-              <a:rPr lang="en-US" b="1" dirty="0"/>
-              <a:t>How to get setup to do store and phone </a:t>
-            </a:r>
-            <a:r>
-              <a:rPr lang="en-US" b="1" dirty="0" smtClean="0"/>
-              <a:t>development</a:t>
-            </a:r>
-            <a:endParaRPr lang="en-US" dirty="0"/>
-          </a:p>
-        </p:txBody>
-      </p:sp>
-      <p:sp>
-        <p:nvSpPr>
-          <p:cNvPr id="3" name="Content Placeholder 2"/>
-          <p:cNvSpPr>
-            <a:spLocks noGrp="1"/>
-          </p:cNvSpPr>
-          <p:nvPr>
-            <p:ph idx="1"/>
-          </p:nvPr>
-        </p:nvSpPr>
-        <p:spPr>
-          <a:xfrm>
-            <a:off x="457200" y="1828800"/>
-            <a:ext cx="8229600" cy="4297363"/>
-          </a:xfrm>
-        </p:spPr>
-        <p:txBody>
-          <a:bodyPr/>
-          <a:lstStyle/>
-          <a:p>
-            <a:r>
-              <a:rPr lang="en-US" u="sng" dirty="0">
-                <a:hlinkClick r:id="rId3"/>
-              </a:rPr>
-              <a:t>https://dev.windows.com/en-us</a:t>
-            </a:r>
-            <a:endParaRPr lang="en-US" dirty="0"/>
-          </a:p>
-          <a:p>
-            <a:r>
-              <a:rPr lang="en-US" u="sng" dirty="0">
-                <a:hlinkClick r:id="rId4"/>
-              </a:rPr>
-              <a:t>https://devcenterbenefits.windows.com/</a:t>
-            </a:r>
-            <a:endParaRPr lang="en-US" dirty="0"/>
-          </a:p>
-          <a:p>
-            <a:endParaRPr lang="en-US" dirty="0"/>
-          </a:p>
-        </p:txBody>
-      </p:sp>
-      <p:sp>
-        <p:nvSpPr>
-          <p:cNvPr id="4" name="Rectangle 3"/>
-          <p:cNvSpPr/>
-          <p:nvPr/>
-        </p:nvSpPr>
-        <p:spPr>
-          <a:xfrm>
-            <a:off x="2286000" y="2967335"/>
-            <a:ext cx="4572000" cy="923330"/>
-          </a:xfrm>
-          <a:prstGeom prst="rect">
-            <a:avLst/>
-          </a:prstGeom>
-        </p:spPr>
-        <p:txBody>
-          <a:bodyPr>
-            <a:spAutoFit/>
-          </a:bodyPr>
-          <a:lstStyle/>
-          <a:p>
-            <a:r>
-              <a:rPr lang="en-US" dirty="0">
-                <a:solidFill>
-                  <a:schemeClr val="bg1"/>
-                </a:solidFill>
-              </a:rPr>
-              <a:t>Sharing Code Across All Windows Desktop, Store and Phone Platforms, the Universe is Mine!</a:t>
-            </a:r>
-            <a:endParaRPr lang="en-US" dirty="0"/>
-          </a:p>
-        </p:txBody>
-      </p:sp>
-      <p:pic>
-        <p:nvPicPr>
-          <p:cNvPr id="5" name="Picture 4"/>
-          <p:cNvPicPr>
-            <a:picLocks noChangeAspect="1"/>
-          </p:cNvPicPr>
-          <p:nvPr/>
-        </p:nvPicPr>
-        <p:blipFill>
-          <a:blip r:embed="rId5">
-            <a:extLst>
-              <a:ext uri="{28A0092B-C50C-407E-A947-70E740481C1C}">
-                <a14:useLocalDpi xmlns:a14="http://schemas.microsoft.com/office/drawing/2010/main" val="0"/>
-              </a:ext>
-            </a:extLst>
-          </a:blip>
-          <a:stretch>
-            <a:fillRect/>
-          </a:stretch>
-        </p:blipFill>
-        <p:spPr>
-          <a:xfrm>
-            <a:off x="6556197" y="5918320"/>
-            <a:ext cx="2356206" cy="819150"/>
-          </a:xfrm>
-          <a:prstGeom prst="rect">
-            <a:avLst/>
-          </a:prstGeom>
-        </p:spPr>
-      </p:pic>
-    </p:spTree>
-    <p:extLst>
-      <p:ext uri="{BB962C8B-B14F-4D97-AF65-F5344CB8AC3E}">
-        <p14:creationId xmlns:p14="http://schemas.microsoft.com/office/powerpoint/2010/main" val="1617655650"/>
       </p:ext>
     </p:extLst>
   </p:cSld>
@@ -7049,7 +7233,7 @@
                     <a:p>
                       <a:pPr fontAlgn="t"/>
                       <a:r>
-                        <a:rPr lang="en-US" sz="1700">
+                        <a:rPr lang="en-US" sz="1700" dirty="0">
                           <a:solidFill>
                             <a:srgbClr val="2A2A2A"/>
                           </a:solidFill>
@@ -7169,7 +7353,7 @@
                     <a:p>
                       <a:pPr fontAlgn="t"/>
                       <a:r>
-                        <a:rPr lang="en-US" sz="1700">
+                        <a:rPr lang="en-US" sz="1700" dirty="0">
                           <a:solidFill>
                             <a:srgbClr val="2A2A2A"/>
                           </a:solidFill>
@@ -7561,13 +7745,17 @@
         <p:spPr/>
         <p:txBody>
           <a:bodyPr>
-            <a:normAutofit/>
+            <a:normAutofit fontScale="90000"/>
           </a:bodyPr>
           <a:lstStyle/>
           <a:p>
             <a:r>
+              <a:rPr lang="en-US" b="1" dirty="0" smtClean="0"/>
+              <a:t>Demo 1 - Parts </a:t>
+            </a:r>
+            <a:r>
               <a:rPr lang="en-US" b="1" dirty="0"/>
-              <a:t>Parts of the universal </a:t>
+              <a:t>of the universal </a:t>
             </a:r>
             <a:r>
               <a:rPr lang="en-US" b="1" dirty="0" smtClean="0"/>
@@ -7694,13 +7882,17 @@
         <p:spPr/>
         <p:txBody>
           <a:bodyPr>
-            <a:normAutofit/>
+            <a:normAutofit fontScale="90000"/>
           </a:bodyPr>
           <a:lstStyle/>
           <a:p>
             <a:r>
+              <a:rPr lang="en-US" b="1" dirty="0" smtClean="0"/>
+              <a:t>Demo 2 - Parts </a:t>
+            </a:r>
+            <a:r>
               <a:rPr lang="en-US" b="1" dirty="0"/>
-              <a:t>Parts of the universal </a:t>
+              <a:t>of the universal </a:t>
             </a:r>
             <a:r>
               <a:rPr lang="en-US" b="1" dirty="0" smtClean="0"/>

--- a/ReCon2014_UniversalAppPortalClassLibraries_Light.pptx
+++ b/ReCon2014_UniversalAppPortalClassLibraries_Light.pptx
@@ -5,7 +5,7 @@
     <p:sldMasterId id="2147483648" r:id="rId1"/>
   </p:sldMasterIdLst>
   <p:notesMasterIdLst>
-    <p:notesMasterId r:id="rId17"/>
+    <p:notesMasterId r:id="rId19"/>
   </p:notesMasterIdLst>
   <p:sldIdLst>
     <p:sldId id="256" r:id="rId2"/>
@@ -14,15 +14,17 @@
     <p:sldId id="258" r:id="rId5"/>
     <p:sldId id="263" r:id="rId6"/>
     <p:sldId id="260" r:id="rId7"/>
-    <p:sldId id="261" r:id="rId8"/>
-    <p:sldId id="264" r:id="rId9"/>
-    <p:sldId id="262" r:id="rId10"/>
-    <p:sldId id="265" r:id="rId11"/>
-    <p:sldId id="266" r:id="rId12"/>
-    <p:sldId id="270" r:id="rId13"/>
-    <p:sldId id="269" r:id="rId14"/>
-    <p:sldId id="268" r:id="rId15"/>
-    <p:sldId id="267" r:id="rId16"/>
+    <p:sldId id="262" r:id="rId8"/>
+    <p:sldId id="261" r:id="rId9"/>
+    <p:sldId id="264" r:id="rId10"/>
+    <p:sldId id="272" r:id="rId11"/>
+    <p:sldId id="271" r:id="rId12"/>
+    <p:sldId id="265" r:id="rId13"/>
+    <p:sldId id="266" r:id="rId14"/>
+    <p:sldId id="270" r:id="rId15"/>
+    <p:sldId id="269" r:id="rId16"/>
+    <p:sldId id="268" r:id="rId17"/>
+    <p:sldId id="267" r:id="rId18"/>
   </p:sldIdLst>
   <p:sldSz cx="9144000" cy="6858000" type="screen4x3"/>
   <p:notesSz cx="6858000" cy="9144000"/>
@@ -222,7 +224,7 @@
           <a:p>
             <a:fld id="{EEE4906C-EBA9-4A0B-AE3E-11B5B3DE1E30}" type="datetimeFigureOut">
               <a:rPr lang="en-US" smtClean="0"/>
-              <a:t>9/29/2014</a:t>
+              <a:t>10/3/2014</a:t>
             </a:fld>
             <a:endParaRPr lang="en-US"/>
           </a:p>
@@ -534,6 +536,39 @@
           <a:bodyPr/>
           <a:lstStyle/>
           <a:p>
+            <a:r>
+              <a:rPr lang="en-US" dirty="0" smtClean="0"/>
+              <a:t>This presentation will be on sharing code between platforms.</a:t>
+            </a:r>
+          </a:p>
+          <a:p>
+            <a:endParaRPr lang="en-US" dirty="0" smtClean="0"/>
+          </a:p>
+          <a:p>
+            <a:r>
+              <a:rPr lang="en-US" dirty="0" smtClean="0"/>
+              <a:t>You</a:t>
+            </a:r>
+            <a:r>
+              <a:rPr lang="en-US" baseline="0" dirty="0" smtClean="0"/>
+              <a:t> are all </a:t>
+            </a:r>
+            <a:r>
+              <a:rPr lang="en-US" baseline="0" dirty="0" err="1" smtClean="0"/>
+              <a:t>guniepigs</a:t>
+            </a:r>
+            <a:r>
+              <a:rPr lang="en-US" baseline="0" dirty="0" smtClean="0"/>
+              <a:t> for this presentation since I will be giving it again in Nov at 1DevDay Detroit and again for </a:t>
+            </a:r>
+            <a:r>
+              <a:rPr lang="en-US" baseline="0" dirty="0" err="1" smtClean="0"/>
+              <a:t>Glugnet</a:t>
+            </a:r>
+            <a:r>
+              <a:rPr lang="en-US" baseline="0" dirty="0" smtClean="0"/>
+              <a:t> in January.  Constructive feedback to help me present this in the best possible would be greatly appreciated.</a:t>
+            </a:r>
             <a:endParaRPr lang="en-US" dirty="0"/>
           </a:p>
         </p:txBody>
@@ -555,7 +590,7 @@
           <a:p>
             <a:fld id="{795A654D-6BE0-48C1-8457-36B06568CB66}" type="slidenum">
               <a:rPr lang="en-US" smtClean="0"/>
-              <a:t>2</a:t>
+              <a:t>1</a:t>
             </a:fld>
             <a:endParaRPr lang="en-US"/>
           </a:p>
@@ -564,7 +599,7 @@
     </p:spTree>
     <p:extLst>
       <p:ext uri="{BB962C8B-B14F-4D97-AF65-F5344CB8AC3E}">
-        <p14:creationId xmlns:p14="http://schemas.microsoft.com/office/powerpoint/2010/main" val="958848004"/>
+        <p14:creationId xmlns:p14="http://schemas.microsoft.com/office/powerpoint/2010/main" val="1137554490"/>
       </p:ext>
     </p:extLst>
   </p:cSld>
@@ -618,35 +653,45 @@
           <a:bodyPr/>
           <a:lstStyle/>
           <a:p>
-            <a:pPr marL="0" marR="0" indent="0" algn="l" defTabSz="914400" rtl="0" eaLnBrk="1" fontAlgn="auto" latinLnBrk="0" hangingPunct="1">
-              <a:lnSpc>
-                <a:spcPct val="100000"/>
-              </a:lnSpc>
-              <a:spcBef>
-                <a:spcPts val="0"/>
-              </a:spcBef>
-              <a:spcAft>
-                <a:spcPts val="0"/>
-              </a:spcAft>
-              <a:buClrTx/>
-              <a:buSzTx/>
-              <a:buFontTx/>
-              <a:buNone/>
-              <a:tabLst/>
-              <a:defRPr/>
-            </a:pPr>
-            <a:r>
-              <a:rPr lang="en-US" sz="1200" kern="1200" dirty="0" smtClean="0">
-                <a:solidFill>
-                  <a:schemeClr val="tx1"/>
-                </a:solidFill>
-                <a:effectLst/>
-                <a:latin typeface="+mn-lt"/>
-                <a:ea typeface="+mn-ea"/>
-                <a:cs typeface="+mn-cs"/>
-              </a:rPr>
-              <a:t>Windows store and phone apps have gone through a number of changes over the last couple of years.  The stores started out separate but Microsoft has been working to bring both stores together.  Getting a developer license started out at about $100 then 10 and now free.  The newest iteration adds a few levels depending on what your app qualifies for.  I have not yet spent much time looking at what this means.</a:t>
-            </a:r>
+            <a:r>
+              <a:rPr lang="en-US" dirty="0" smtClean="0"/>
+              <a:t>Software engineer.</a:t>
+            </a:r>
+          </a:p>
+          <a:p>
+            <a:r>
+              <a:rPr lang="en-US" dirty="0" smtClean="0"/>
+              <a:t>2</a:t>
+            </a:r>
+            <a:r>
+              <a:rPr lang="en-US" baseline="30000" dirty="0" smtClean="0"/>
+              <a:t>nd</a:t>
+            </a:r>
+            <a:r>
+              <a:rPr lang="en-US" baseline="0" dirty="0" smtClean="0"/>
+              <a:t> experience at TechSmith.</a:t>
+            </a:r>
+          </a:p>
+          <a:p>
+            <a:r>
+              <a:rPr lang="en-US" dirty="0" smtClean="0"/>
+              <a:t>Support for Foray</a:t>
+            </a:r>
+            <a:r>
+              <a:rPr lang="en-US" baseline="0" dirty="0" smtClean="0"/>
+              <a:t> PPP server and gateway for X.25 networks</a:t>
+            </a:r>
+          </a:p>
+          <a:p>
+            <a:r>
+              <a:rPr lang="en-US" baseline="0" dirty="0" smtClean="0"/>
+              <a:t>Split with </a:t>
+            </a:r>
+            <a:r>
+              <a:rPr lang="en-US" baseline="0" dirty="0" err="1" smtClean="0"/>
+              <a:t>Compuserve</a:t>
+            </a:r>
+            <a:endParaRPr lang="en-US" baseline="0" dirty="0" smtClean="0"/>
           </a:p>
           <a:p>
             <a:endParaRPr lang="en-US" dirty="0"/>
@@ -670,7 +715,7 @@
           <a:p>
             <a:fld id="{795A654D-6BE0-48C1-8457-36B06568CB66}" type="slidenum">
               <a:rPr lang="en-US" smtClean="0"/>
-              <a:t>3</a:t>
+              <a:t>2</a:t>
             </a:fld>
             <a:endParaRPr lang="en-US"/>
           </a:p>
@@ -679,7 +724,7 @@
     </p:spTree>
     <p:extLst>
       <p:ext uri="{BB962C8B-B14F-4D97-AF65-F5344CB8AC3E}">
-        <p14:creationId xmlns:p14="http://schemas.microsoft.com/office/powerpoint/2010/main" val="1764891060"/>
+        <p14:creationId xmlns:p14="http://schemas.microsoft.com/office/powerpoint/2010/main" val="958848004"/>
       </p:ext>
     </p:extLst>
   </p:cSld>
@@ -733,6 +778,23 @@
           <a:bodyPr/>
           <a:lstStyle/>
           <a:p>
+            <a:pPr marL="0" marR="0" indent="0" algn="l" defTabSz="914400" rtl="0" eaLnBrk="1" fontAlgn="auto" latinLnBrk="0" hangingPunct="1">
+              <a:lnSpc>
+                <a:spcPct val="100000"/>
+              </a:lnSpc>
+              <a:spcBef>
+                <a:spcPts val="0"/>
+              </a:spcBef>
+              <a:spcAft>
+                <a:spcPts val="0"/>
+              </a:spcAft>
+              <a:buClrTx/>
+              <a:buSzTx/>
+              <a:buFontTx/>
+              <a:buNone/>
+              <a:tabLst/>
+              <a:defRPr/>
+            </a:pPr>
             <a:r>
               <a:rPr lang="en-US" sz="1200" kern="1200" dirty="0" smtClean="0">
                 <a:solidFill>
@@ -743,10 +805,76 @@
                 <a:ea typeface="+mn-ea"/>
                 <a:cs typeface="+mn-cs"/>
               </a:rPr>
-              <a:t>Develop once for all Windows devices using a unified Windows runtime and VS tools that allow you to both support experiences unique to a device in XAML, HTML, and DirectX, and share the code that supports those experiences across all devices using C++, C#, or JavaScript. When your work is finished you can you can produce the app packages that you will submit to the Windows Store and Windows Phone Store with a single action to get your app out to customers on any Windows device.</a:t>
-            </a:r>
-          </a:p>
-          <a:p>
+              <a:t>Slanted towards</a:t>
+            </a:r>
+            <a:r>
+              <a:rPr lang="en-US" sz="1200" kern="1200" baseline="0" dirty="0" smtClean="0">
+                <a:solidFill>
+                  <a:schemeClr val="tx1"/>
+                </a:solidFill>
+                <a:effectLst/>
+                <a:latin typeface="+mn-lt"/>
+                <a:ea typeface="+mn-ea"/>
+                <a:cs typeface="+mn-cs"/>
+              </a:rPr>
+              <a:t> phone and store development.</a:t>
+            </a:r>
+            <a:endParaRPr lang="en-US" sz="1200" kern="1200" dirty="0" smtClean="0">
+              <a:solidFill>
+                <a:schemeClr val="tx1"/>
+              </a:solidFill>
+              <a:effectLst/>
+              <a:latin typeface="+mn-lt"/>
+              <a:ea typeface="+mn-ea"/>
+              <a:cs typeface="+mn-cs"/>
+            </a:endParaRPr>
+          </a:p>
+          <a:p>
+            <a:pPr marL="0" marR="0" indent="0" algn="l" defTabSz="914400" rtl="0" eaLnBrk="1" fontAlgn="auto" latinLnBrk="0" hangingPunct="1">
+              <a:lnSpc>
+                <a:spcPct val="100000"/>
+              </a:lnSpc>
+              <a:spcBef>
+                <a:spcPts val="0"/>
+              </a:spcBef>
+              <a:spcAft>
+                <a:spcPts val="0"/>
+              </a:spcAft>
+              <a:buClrTx/>
+              <a:buSzTx/>
+              <a:buFontTx/>
+              <a:buNone/>
+              <a:tabLst/>
+              <a:defRPr/>
+            </a:pPr>
+            <a:endParaRPr lang="en-US" sz="1200" kern="1200" dirty="0" smtClean="0">
+              <a:solidFill>
+                <a:schemeClr val="tx1"/>
+              </a:solidFill>
+              <a:effectLst/>
+              <a:latin typeface="+mn-lt"/>
+              <a:ea typeface="+mn-ea"/>
+              <a:cs typeface="+mn-cs"/>
+            </a:endParaRPr>
+          </a:p>
+          <a:p>
+            <a:pPr marL="0" marR="0" indent="0" algn="l" defTabSz="914400" rtl="0" eaLnBrk="1" fontAlgn="auto" latinLnBrk="0" hangingPunct="1">
+              <a:lnSpc>
+                <a:spcPct val="100000"/>
+              </a:lnSpc>
+              <a:spcBef>
+                <a:spcPts val="0"/>
+              </a:spcBef>
+              <a:spcAft>
+                <a:spcPts val="0"/>
+              </a:spcAft>
+              <a:buClrTx/>
+              <a:buSzTx/>
+              <a:buFontTx/>
+              <a:buNone/>
+              <a:tabLst/>
+              <a:defRPr/>
+            </a:pPr>
             <a:r>
               <a:rPr lang="en-US" sz="1200" kern="1200" dirty="0" smtClean="0">
                 <a:solidFill>
@@ -757,10 +885,8 @@
                 <a:ea typeface="+mn-ea"/>
                 <a:cs typeface="+mn-cs"/>
               </a:rPr>
-              <a:t>In terms of the Store experience, customers will benefit from an app identity shared across the Windows Store and the Windows Phone Store. Shared identity means that if they purchase your app from the Windows Store, they are capable of installing it on a device from the Windows Phone Store using the same Microsoft account without having to purchase the app again. Optionally, this can also include things like in-app purchases.</a:t>
-            </a:r>
-          </a:p>
-          <a:p>
+              <a:t>Windows </a:t>
+            </a:r>
             <a:r>
               <a:rPr lang="en-US" sz="1200" kern="1200" dirty="0" smtClean="0">
                 <a:solidFill>
@@ -771,32 +897,7 @@
                 <a:ea typeface="+mn-ea"/>
                 <a:cs typeface="+mn-cs"/>
               </a:rPr>
-              <a:t>To get you started, the following sections will identify key upgrade paths, migration paths, and other critical resources that will help you bring your ideas to the converged Windows 8.1 platform. For more information on universal Windows apps and context on Microsoft’s vision for developer opportunity on Windows devices, please see our blog post </a:t>
-            </a:r>
-            <a:r>
-              <a:rPr lang="en-US" sz="1200" u="none" strike="noStrike" kern="1200" dirty="0" smtClean="0">
-                <a:solidFill>
-                  <a:schemeClr val="tx1"/>
-                </a:solidFill>
-                <a:effectLst/>
-                <a:latin typeface="+mn-lt"/>
-                <a:ea typeface="+mn-ea"/>
-                <a:cs typeface="+mn-cs"/>
-                <a:hlinkClick r:id="rId3"/>
-              </a:rPr>
-              <a:t>Introducing universal Windows apps</a:t>
-            </a:r>
-            <a:r>
-              <a:rPr lang="en-US" sz="1200" kern="1200" dirty="0" smtClean="0">
-                <a:solidFill>
-                  <a:schemeClr val="tx1"/>
-                </a:solidFill>
-                <a:effectLst/>
-                <a:latin typeface="+mn-lt"/>
-                <a:ea typeface="+mn-ea"/>
-                <a:cs typeface="+mn-cs"/>
-              </a:rPr>
-              <a:t>.</a:t>
+              <a:t>store and phone apps have gone through a number of changes over the last couple of years.  The stores started out separate but Microsoft has been working to bring both stores together.  Getting a developer license started out at about $100 then 10 and now free.  The newest iteration adds a few levels depending on what your app qualifies for.  I have not yet spent much time looking at what this means.</a:t>
             </a:r>
           </a:p>
           <a:p>
@@ -821,7 +922,7 @@
           <a:p>
             <a:fld id="{795A654D-6BE0-48C1-8457-36B06568CB66}" type="slidenum">
               <a:rPr lang="en-US" smtClean="0"/>
-              <a:t>4</a:t>
+              <a:t>3</a:t>
             </a:fld>
             <a:endParaRPr lang="en-US"/>
           </a:p>
@@ -830,7 +931,7 @@
     </p:spTree>
     <p:extLst>
       <p:ext uri="{BB962C8B-B14F-4D97-AF65-F5344CB8AC3E}">
-        <p14:creationId xmlns:p14="http://schemas.microsoft.com/office/powerpoint/2010/main" val="1457435736"/>
+        <p14:creationId xmlns:p14="http://schemas.microsoft.com/office/powerpoint/2010/main" val="1764891060"/>
       </p:ext>
     </p:extLst>
   </p:cSld>
@@ -885,6 +986,276 @@
           <a:lstStyle/>
           <a:p>
             <a:r>
+              <a:rPr lang="en-US" sz="1200" kern="1200" dirty="0" smtClean="0">
+                <a:solidFill>
+                  <a:schemeClr val="tx1"/>
+                </a:solidFill>
+                <a:effectLst/>
+                <a:latin typeface="+mn-lt"/>
+                <a:ea typeface="+mn-ea"/>
+                <a:cs typeface="+mn-cs"/>
+              </a:rPr>
+              <a:t>Windows 10 convergence</a:t>
+            </a:r>
+          </a:p>
+          <a:p>
+            <a:endParaRPr lang="en-US" sz="1200" kern="1200" dirty="0" smtClean="0">
+              <a:solidFill>
+                <a:schemeClr val="tx1"/>
+              </a:solidFill>
+              <a:effectLst/>
+              <a:latin typeface="+mn-lt"/>
+              <a:ea typeface="+mn-ea"/>
+              <a:cs typeface="+mn-cs"/>
+            </a:endParaRPr>
+          </a:p>
+          <a:p>
+            <a:r>
+              <a:rPr lang="en-US" sz="1200" kern="1200" dirty="0" smtClean="0">
+                <a:solidFill>
+                  <a:schemeClr val="tx1"/>
+                </a:solidFill>
+                <a:effectLst/>
+                <a:latin typeface="+mn-lt"/>
+                <a:ea typeface="+mn-ea"/>
+                <a:cs typeface="+mn-cs"/>
+              </a:rPr>
+              <a:t>This excites me the most about the coming years.  I think MS kind of got lost when the released Vista</a:t>
+            </a:r>
+            <a:r>
+              <a:rPr lang="en-US" sz="1200" kern="1200" baseline="0" dirty="0" smtClean="0">
+                <a:solidFill>
+                  <a:schemeClr val="tx1"/>
+                </a:solidFill>
+                <a:effectLst/>
+                <a:latin typeface="+mn-lt"/>
+                <a:ea typeface="+mn-ea"/>
+                <a:cs typeface="+mn-cs"/>
+              </a:rPr>
+              <a:t> and it flopped hard.  Windows 7 and 8 were both steps getting us to 8.1.  I really feel 8.1 is the major milestone to getting them back on track.  </a:t>
+            </a:r>
+          </a:p>
+          <a:p>
+            <a:endParaRPr lang="en-US" sz="1200" kern="1200" baseline="0" dirty="0" smtClean="0">
+              <a:solidFill>
+                <a:schemeClr val="tx1"/>
+              </a:solidFill>
+              <a:effectLst/>
+              <a:latin typeface="+mn-lt"/>
+              <a:ea typeface="+mn-ea"/>
+              <a:cs typeface="+mn-cs"/>
+            </a:endParaRPr>
+          </a:p>
+          <a:p>
+            <a:r>
+              <a:rPr lang="en-US" sz="1200" kern="1200" baseline="0" dirty="0" smtClean="0">
+                <a:solidFill>
+                  <a:schemeClr val="tx1"/>
+                </a:solidFill>
+                <a:effectLst/>
+                <a:latin typeface="+mn-lt"/>
+                <a:ea typeface="+mn-ea"/>
+                <a:cs typeface="+mn-cs"/>
+              </a:rPr>
+              <a:t>Currently Store and phone are supported and the roadmaps that have been talked about say that Xbox will also be in the list of packages you can create.</a:t>
+            </a:r>
+            <a:endParaRPr lang="en-US" sz="1200" kern="1200" dirty="0" smtClean="0">
+              <a:solidFill>
+                <a:schemeClr val="tx1"/>
+              </a:solidFill>
+              <a:effectLst/>
+              <a:latin typeface="+mn-lt"/>
+              <a:ea typeface="+mn-ea"/>
+              <a:cs typeface="+mn-cs"/>
+            </a:endParaRPr>
+          </a:p>
+          <a:p>
+            <a:endParaRPr lang="en-US" sz="1200" kern="1200" dirty="0" smtClean="0">
+              <a:solidFill>
+                <a:schemeClr val="tx1"/>
+              </a:solidFill>
+              <a:effectLst/>
+              <a:latin typeface="+mn-lt"/>
+              <a:ea typeface="+mn-ea"/>
+              <a:cs typeface="+mn-cs"/>
+            </a:endParaRPr>
+          </a:p>
+          <a:p>
+            <a:endParaRPr lang="en-US" sz="1200" kern="1200" dirty="0" smtClean="0">
+              <a:solidFill>
+                <a:schemeClr val="tx1"/>
+              </a:solidFill>
+              <a:effectLst/>
+              <a:latin typeface="+mn-lt"/>
+              <a:ea typeface="+mn-ea"/>
+              <a:cs typeface="+mn-cs"/>
+            </a:endParaRPr>
+          </a:p>
+          <a:p>
+            <a:r>
+              <a:rPr lang="en-US" sz="1200" kern="1200" dirty="0" smtClean="0">
+                <a:solidFill>
+                  <a:schemeClr val="tx1"/>
+                </a:solidFill>
+                <a:effectLst/>
+                <a:latin typeface="+mn-lt"/>
+                <a:ea typeface="+mn-ea"/>
+                <a:cs typeface="+mn-cs"/>
+              </a:rPr>
+              <a:t>Develop </a:t>
+            </a:r>
+            <a:r>
+              <a:rPr lang="en-US" sz="1200" kern="1200" dirty="0" smtClean="0">
+                <a:solidFill>
+                  <a:schemeClr val="tx1"/>
+                </a:solidFill>
+                <a:effectLst/>
+                <a:latin typeface="+mn-lt"/>
+                <a:ea typeface="+mn-ea"/>
+                <a:cs typeface="+mn-cs"/>
+              </a:rPr>
+              <a:t>once for all Windows devices using a unified Windows runtime and VS tools that allow you to both support experiences unique to a device in XAML, HTML, and DirectX, and share the code that supports those experiences across all devices using C++, C#, or JavaScript. When your work is finished you can you can produce the app packages that you will submit to the Windows Store and Windows Phone Store with a single action to get your app out to customers on any Windows device.</a:t>
+            </a:r>
+          </a:p>
+          <a:p>
+            <a:r>
+              <a:rPr lang="en-US" sz="1200" kern="1200" dirty="0" smtClean="0">
+                <a:solidFill>
+                  <a:schemeClr val="tx1"/>
+                </a:solidFill>
+                <a:effectLst/>
+                <a:latin typeface="+mn-lt"/>
+                <a:ea typeface="+mn-ea"/>
+                <a:cs typeface="+mn-cs"/>
+              </a:rPr>
+              <a:t>In terms of the Store experience, customers will benefit from an app identity shared across the Windows Store and the Windows Phone Store. Shared identity means that if they purchase your app from the Windows Store, they are capable of installing it on a device from the Windows Phone Store using the same Microsoft account without having to purchase the app again. Optionally, this can also include things like in-app purchases.</a:t>
+            </a:r>
+          </a:p>
+          <a:p>
+            <a:r>
+              <a:rPr lang="en-US" sz="1200" kern="1200" dirty="0" smtClean="0">
+                <a:solidFill>
+                  <a:schemeClr val="tx1"/>
+                </a:solidFill>
+                <a:effectLst/>
+                <a:latin typeface="+mn-lt"/>
+                <a:ea typeface="+mn-ea"/>
+                <a:cs typeface="+mn-cs"/>
+              </a:rPr>
+              <a:t>To get you started, the following sections will identify key upgrade paths, migration paths, and other critical resources that will help you bring your ideas to the converged Windows 8.1 platform. For more information on universal Windows apps and context on Microsoft’s vision for developer opportunity on Windows devices, please see our blog post </a:t>
+            </a:r>
+            <a:r>
+              <a:rPr lang="en-US" sz="1200" u="none" strike="noStrike" kern="1200" dirty="0" smtClean="0">
+                <a:solidFill>
+                  <a:schemeClr val="tx1"/>
+                </a:solidFill>
+                <a:effectLst/>
+                <a:latin typeface="+mn-lt"/>
+                <a:ea typeface="+mn-ea"/>
+                <a:cs typeface="+mn-cs"/>
+                <a:hlinkClick r:id="rId3"/>
+              </a:rPr>
+              <a:t>Introducing universal Windows apps</a:t>
+            </a:r>
+            <a:r>
+              <a:rPr lang="en-US" sz="1200" kern="1200" dirty="0" smtClean="0">
+                <a:solidFill>
+                  <a:schemeClr val="tx1"/>
+                </a:solidFill>
+                <a:effectLst/>
+                <a:latin typeface="+mn-lt"/>
+                <a:ea typeface="+mn-ea"/>
+                <a:cs typeface="+mn-cs"/>
+              </a:rPr>
+              <a:t>.</a:t>
+            </a:r>
+          </a:p>
+          <a:p>
+            <a:endParaRPr lang="en-US" dirty="0"/>
+          </a:p>
+        </p:txBody>
+      </p:sp>
+      <p:sp>
+        <p:nvSpPr>
+          <p:cNvPr id="4" name="Slide Number Placeholder 3"/>
+          <p:cNvSpPr>
+            <a:spLocks noGrp="1"/>
+          </p:cNvSpPr>
+          <p:nvPr>
+            <p:ph type="sldNum" sz="quarter" idx="10"/>
+          </p:nvPr>
+        </p:nvSpPr>
+        <p:spPr/>
+        <p:txBody>
+          <a:bodyPr/>
+          <a:lstStyle/>
+          <a:p>
+            <a:fld id="{795A654D-6BE0-48C1-8457-36B06568CB66}" type="slidenum">
+              <a:rPr lang="en-US" smtClean="0"/>
+              <a:t>4</a:t>
+            </a:fld>
+            <a:endParaRPr lang="en-US"/>
+          </a:p>
+        </p:txBody>
+      </p:sp>
+    </p:spTree>
+    <p:extLst>
+      <p:ext uri="{BB962C8B-B14F-4D97-AF65-F5344CB8AC3E}">
+        <p14:creationId xmlns:p14="http://schemas.microsoft.com/office/powerpoint/2010/main" val="1457435736"/>
+      </p:ext>
+    </p:extLst>
+  </p:cSld>
+  <p:clrMapOvr>
+    <a:masterClrMapping/>
+  </p:clrMapOvr>
+</p:notes>
+</file>
+
+<file path=ppt/notesSlides/notesSlide5.xml><?xml version="1.0" encoding="utf-8"?>
+<p:notes xmlns:a="http://schemas.openxmlformats.org/drawingml/2006/main" xmlns:r="http://schemas.openxmlformats.org/officeDocument/2006/relationships" xmlns:p="http://schemas.openxmlformats.org/presentationml/2006/main">
+  <p:cSld>
+    <p:spTree>
+      <p:nvGrpSpPr>
+        <p:cNvPr id="1" name=""/>
+        <p:cNvGrpSpPr/>
+        <p:nvPr/>
+      </p:nvGrpSpPr>
+      <p:grpSpPr>
+        <a:xfrm>
+          <a:off x="0" y="0"/>
+          <a:ext cx="0" cy="0"/>
+          <a:chOff x="0" y="0"/>
+          <a:chExt cx="0" cy="0"/>
+        </a:xfrm>
+      </p:grpSpPr>
+      <p:sp>
+        <p:nvSpPr>
+          <p:cNvPr id="2" name="Slide Image Placeholder 1"/>
+          <p:cNvSpPr>
+            <a:spLocks noGrp="1" noRot="1" noChangeAspect="1"/>
+          </p:cNvSpPr>
+          <p:nvPr>
+            <p:ph type="sldImg"/>
+          </p:nvPr>
+        </p:nvSpPr>
+        <p:spPr/>
+      </p:sp>
+      <p:sp>
+        <p:nvSpPr>
+          <p:cNvPr id="3" name="Notes Placeholder 2"/>
+          <p:cNvSpPr>
+            <a:spLocks noGrp="1"/>
+          </p:cNvSpPr>
+          <p:nvPr>
+            <p:ph type="body" idx="1"/>
+          </p:nvPr>
+        </p:nvSpPr>
+        <p:spPr/>
+        <p:txBody>
+          <a:bodyPr/>
+          <a:lstStyle/>
+          <a:p>
+            <a:r>
               <a:rPr lang="en-US" sz="1200" b="1" kern="1200" dirty="0" smtClean="0">
                 <a:solidFill>
                   <a:schemeClr val="tx1"/>
@@ -894,7 +1265,68 @@
                 <a:ea typeface="+mn-ea"/>
                 <a:cs typeface="+mn-cs"/>
               </a:rPr>
-              <a:t>Where are we with feature parity</a:t>
+              <a:t>Demo here show </a:t>
+            </a:r>
+            <a:r>
+              <a:rPr lang="en-US" sz="1200" b="1" kern="1200" dirty="0" err="1" smtClean="0">
+                <a:solidFill>
+                  <a:schemeClr val="tx1"/>
+                </a:solidFill>
+                <a:effectLst/>
+                <a:latin typeface="+mn-lt"/>
+                <a:ea typeface="+mn-ea"/>
+                <a:cs typeface="+mn-cs"/>
+              </a:rPr>
+              <a:t>msdn</a:t>
+            </a:r>
+            <a:r>
+              <a:rPr lang="en-US" sz="1200" b="1" kern="1200" dirty="0" smtClean="0">
+                <a:solidFill>
+                  <a:schemeClr val="tx1"/>
+                </a:solidFill>
+                <a:effectLst/>
+                <a:latin typeface="+mn-lt"/>
+                <a:ea typeface="+mn-ea"/>
+                <a:cs typeface="+mn-cs"/>
+              </a:rPr>
+              <a:t> page</a:t>
+            </a:r>
+          </a:p>
+          <a:p>
+            <a:endParaRPr lang="en-US" sz="1200" b="1" kern="1200" dirty="0" smtClean="0">
+              <a:solidFill>
+                <a:schemeClr val="tx1"/>
+              </a:solidFill>
+              <a:effectLst/>
+              <a:latin typeface="+mn-lt"/>
+              <a:ea typeface="+mn-ea"/>
+              <a:cs typeface="+mn-cs"/>
+            </a:endParaRPr>
+          </a:p>
+          <a:p>
+            <a:r>
+              <a:rPr lang="en-US" sz="1200" b="1" kern="1200" dirty="0" smtClean="0">
+                <a:solidFill>
+                  <a:schemeClr val="tx1"/>
+                </a:solidFill>
+                <a:effectLst/>
+                <a:latin typeface="+mn-lt"/>
+                <a:ea typeface="+mn-ea"/>
+                <a:cs typeface="+mn-cs"/>
+              </a:rPr>
+              <a:t>Where </a:t>
+            </a:r>
+            <a:r>
+              <a:rPr lang="en-US" sz="1200" b="1" kern="1200" dirty="0" smtClean="0">
+                <a:solidFill>
+                  <a:schemeClr val="tx1"/>
+                </a:solidFill>
+                <a:effectLst/>
+                <a:latin typeface="+mn-lt"/>
+                <a:ea typeface="+mn-ea"/>
+                <a:cs typeface="+mn-cs"/>
+              </a:rPr>
+              <a:t>are we with feature parity</a:t>
             </a:r>
           </a:p>
           <a:p>
@@ -998,9 +1430,22 @@
                 <a:cs typeface="+mn-cs"/>
                 <a:hlinkClick r:id="rId3"/>
               </a:rPr>
-              <a:t>http://msdn.microsoft.com/library/</a:t>
-            </a:r>
-            <a:endParaRPr lang="en-US" sz="1200" kern="1200" dirty="0" smtClean="0">
+              <a:t>http://msdn.microsoft.com/library</a:t>
+            </a:r>
+            <a:r>
+              <a:rPr lang="en-US" sz="1200" u="sng" kern="1200" dirty="0" smtClean="0">
+                <a:solidFill>
+                  <a:schemeClr val="tx1"/>
+                </a:solidFill>
+                <a:effectLst/>
+                <a:latin typeface="+mn-lt"/>
+                <a:ea typeface="+mn-ea"/>
+                <a:cs typeface="+mn-cs"/>
+                <a:hlinkClick r:id="rId3"/>
+              </a:rPr>
+              <a:t>/</a:t>
+            </a:r>
+            <a:endParaRPr lang="en-US" sz="1200" u="sng" kern="1200" dirty="0" smtClean="0">
               <a:solidFill>
                 <a:schemeClr val="tx1"/>
               </a:solidFill>
@@ -1009,15 +1454,6 @@
               <a:ea typeface="+mn-ea"/>
               <a:cs typeface="+mn-cs"/>
             </a:endParaRPr>
-          </a:p>
-          <a:p>
-            <a:endParaRPr lang="en-US" dirty="0" smtClean="0"/>
-          </a:p>
-          <a:p>
-            <a:r>
-              <a:rPr lang="en-US" dirty="0" smtClean="0"/>
-              <a:t>http://msdn.microsoft.com/en-us/library/windows.phone.media.capture.aspx</a:t>
-            </a:r>
           </a:p>
           <a:p>
             <a:pPr marL="0" marR="0" indent="0" algn="l" defTabSz="914400" rtl="0" eaLnBrk="1" fontAlgn="auto" latinLnBrk="0" hangingPunct="1">
@@ -1037,6 +1473,81 @@
               <a:tabLst/>
               <a:defRPr/>
             </a:pPr>
+            <a:endParaRPr lang="en-US" sz="1200" u="sng" kern="1200" dirty="0" smtClean="0">
+              <a:solidFill>
+                <a:schemeClr val="tx1"/>
+              </a:solidFill>
+              <a:effectLst/>
+              <a:latin typeface="+mn-lt"/>
+              <a:ea typeface="+mn-ea"/>
+              <a:cs typeface="+mn-cs"/>
+            </a:endParaRPr>
+          </a:p>
+          <a:p>
+            <a:pPr marL="0" marR="0" indent="0" algn="l" defTabSz="914400" rtl="0" eaLnBrk="1" fontAlgn="auto" latinLnBrk="0" hangingPunct="1">
+              <a:lnSpc>
+                <a:spcPct val="100000"/>
+              </a:lnSpc>
+              <a:spcBef>
+                <a:spcPts val="0"/>
+              </a:spcBef>
+              <a:spcAft>
+                <a:spcPts val="0"/>
+              </a:spcAft>
+              <a:buClrTx/>
+              <a:buSzTx/>
+              <a:buFontTx/>
+              <a:buNone/>
+              <a:tabLst/>
+              <a:defRPr/>
+            </a:pPr>
+            <a:r>
+              <a:rPr lang="en-US" sz="1200" kern="1200" dirty="0" smtClean="0">
+                <a:solidFill>
+                  <a:schemeClr val="tx1"/>
+                </a:solidFill>
+                <a:effectLst/>
+                <a:latin typeface="+mn-lt"/>
+                <a:ea typeface="+mn-ea"/>
+                <a:cs typeface="+mn-cs"/>
+              </a:rPr>
+              <a:t>http://msdn.microsoft.com/en-us/library/windows/apps/xaml/windows.media.capture.mediacapture.aspx</a:t>
+            </a:r>
+          </a:p>
+          <a:p>
+            <a:endParaRPr lang="en-US" dirty="0" smtClean="0"/>
+          </a:p>
+          <a:p>
+            <a:r>
+              <a:rPr lang="en-US" dirty="0" smtClean="0"/>
+              <a:t>http://</a:t>
+            </a:r>
+            <a:r>
+              <a:rPr lang="en-US" dirty="0" smtClean="0"/>
+              <a:t>msdn.microsoft.com/en-us/library/windows.phone.media.capture.aspx</a:t>
+            </a:r>
+          </a:p>
+          <a:p>
+            <a:endParaRPr lang="en-US" dirty="0" smtClean="0"/>
+          </a:p>
+          <a:p>
+            <a:pPr marL="0" marR="0" indent="0" algn="l" defTabSz="914400" rtl="0" eaLnBrk="1" fontAlgn="auto" latinLnBrk="0" hangingPunct="1">
+              <a:lnSpc>
+                <a:spcPct val="100000"/>
+              </a:lnSpc>
+              <a:spcBef>
+                <a:spcPts val="0"/>
+              </a:spcBef>
+              <a:spcAft>
+                <a:spcPts val="0"/>
+              </a:spcAft>
+              <a:buClrTx/>
+              <a:buSzTx/>
+              <a:buFontTx/>
+              <a:buNone/>
+              <a:tabLst/>
+              <a:defRPr/>
+            </a:pPr>
             <a:r>
               <a:rPr lang="en-US" sz="1200" u="sng" kern="1200" dirty="0" smtClean="0">
                 <a:solidFill>
@@ -1110,7 +1621,7 @@
 </p:notes>
 </file>
 
-<file path=ppt/notesSlides/notesSlide5.xml><?xml version="1.0" encoding="utf-8"?>
+<file path=ppt/notesSlides/notesSlide6.xml><?xml version="1.0" encoding="utf-8"?>
 <p:notes xmlns:a="http://schemas.openxmlformats.org/drawingml/2006/main" xmlns:r="http://schemas.openxmlformats.org/officeDocument/2006/relationships" xmlns:p="http://schemas.openxmlformats.org/presentationml/2006/main">
   <p:cSld>
     <p:spTree>
@@ -1380,7 +1891,322 @@
 </p:notes>
 </file>
 
-<file path=ppt/notesSlides/notesSlide6.xml><?xml version="1.0" encoding="utf-8"?>
+<file path=ppt/notesSlides/notesSlide7.xml><?xml version="1.0" encoding="utf-8"?>
+<p:notes xmlns:a="http://schemas.openxmlformats.org/drawingml/2006/main" xmlns:r="http://schemas.openxmlformats.org/officeDocument/2006/relationships" xmlns:p="http://schemas.openxmlformats.org/presentationml/2006/main">
+  <p:cSld>
+    <p:spTree>
+      <p:nvGrpSpPr>
+        <p:cNvPr id="1" name=""/>
+        <p:cNvGrpSpPr/>
+        <p:nvPr/>
+      </p:nvGrpSpPr>
+      <p:grpSpPr>
+        <a:xfrm>
+          <a:off x="0" y="0"/>
+          <a:ext cx="0" cy="0"/>
+          <a:chOff x="0" y="0"/>
+          <a:chExt cx="0" cy="0"/>
+        </a:xfrm>
+      </p:grpSpPr>
+      <p:sp>
+        <p:nvSpPr>
+          <p:cNvPr id="2" name="Slide Image Placeholder 1"/>
+          <p:cNvSpPr>
+            <a:spLocks noGrp="1" noRot="1" noChangeAspect="1"/>
+          </p:cNvSpPr>
+          <p:nvPr>
+            <p:ph type="sldImg"/>
+          </p:nvPr>
+        </p:nvSpPr>
+        <p:spPr/>
+      </p:sp>
+      <p:sp>
+        <p:nvSpPr>
+          <p:cNvPr id="3" name="Notes Placeholder 2"/>
+          <p:cNvSpPr>
+            <a:spLocks noGrp="1"/>
+          </p:cNvSpPr>
+          <p:nvPr>
+            <p:ph type="body" idx="1"/>
+          </p:nvPr>
+        </p:nvSpPr>
+        <p:spPr/>
+        <p:txBody>
+          <a:bodyPr/>
+          <a:lstStyle/>
+          <a:p>
+            <a:r>
+              <a:rPr lang="en-US" sz="1200" kern="1200" dirty="0" smtClean="0">
+                <a:solidFill>
+                  <a:schemeClr val="tx1"/>
+                </a:solidFill>
+                <a:effectLst/>
+                <a:latin typeface="+mn-lt"/>
+                <a:ea typeface="+mn-ea"/>
+                <a:cs typeface="+mn-cs"/>
+              </a:rPr>
+              <a:t>Demo!</a:t>
+            </a:r>
+          </a:p>
+          <a:p>
+            <a:endParaRPr lang="en-US" sz="1200" kern="1200" dirty="0" smtClean="0">
+              <a:solidFill>
+                <a:schemeClr val="tx1"/>
+              </a:solidFill>
+              <a:effectLst/>
+              <a:latin typeface="+mn-lt"/>
+              <a:ea typeface="+mn-ea"/>
+              <a:cs typeface="+mn-cs"/>
+            </a:endParaRPr>
+          </a:p>
+          <a:p>
+            <a:r>
+              <a:rPr lang="en-US" sz="1200" kern="1200" dirty="0" smtClean="0">
+                <a:solidFill>
+                  <a:schemeClr val="tx1"/>
+                </a:solidFill>
+                <a:effectLst/>
+                <a:latin typeface="+mn-lt"/>
+                <a:ea typeface="+mn-ea"/>
+                <a:cs typeface="+mn-cs"/>
+              </a:rPr>
+              <a:t>Strongly agree here, it's confusing because you never know for sure when an API you use will blow up on either platform, unless you try it out (or read the docs, TBH). One of such examples is in </a:t>
+            </a:r>
+            <a:r>
+              <a:rPr lang="en-US" sz="1200" kern="1200" dirty="0" err="1" smtClean="0">
+                <a:solidFill>
+                  <a:schemeClr val="tx1"/>
+                </a:solidFill>
+                <a:effectLst/>
+                <a:latin typeface="+mn-lt"/>
+                <a:ea typeface="+mn-ea"/>
+                <a:cs typeface="+mn-cs"/>
+              </a:rPr>
+              <a:t>Windows.Storage</a:t>
+            </a:r>
+            <a:r>
+              <a:rPr lang="en-US" sz="1200" kern="1200" dirty="0" smtClean="0">
+                <a:solidFill>
+                  <a:schemeClr val="tx1"/>
+                </a:solidFill>
+                <a:effectLst/>
+                <a:latin typeface="+mn-lt"/>
+                <a:ea typeface="+mn-ea"/>
+                <a:cs typeface="+mn-cs"/>
+              </a:rPr>
+              <a:t> namespace:</a:t>
+            </a:r>
+          </a:p>
+          <a:p>
+            <a:r>
+              <a:rPr lang="en-US" sz="1200" kern="1200" dirty="0" smtClean="0">
+                <a:solidFill>
+                  <a:schemeClr val="tx1"/>
+                </a:solidFill>
+                <a:effectLst/>
+                <a:latin typeface="+mn-lt"/>
+                <a:ea typeface="+mn-ea"/>
+                <a:cs typeface="+mn-cs"/>
+              </a:rPr>
+              <a:t> </a:t>
+            </a:r>
+          </a:p>
+          <a:p>
+            <a:r>
+              <a:rPr lang="en-US" sz="1200" kern="1200" dirty="0" err="1" smtClean="0">
+                <a:solidFill>
+                  <a:schemeClr val="tx1"/>
+                </a:solidFill>
+                <a:effectLst/>
+                <a:latin typeface="+mn-lt"/>
+                <a:ea typeface="+mn-ea"/>
+                <a:cs typeface="+mn-cs"/>
+              </a:rPr>
+              <a:t>KnownFolders.MediaServerDevices</a:t>
+            </a:r>
+            <a:r>
+              <a:rPr lang="en-US" sz="1200" kern="1200" dirty="0" smtClean="0">
+                <a:solidFill>
+                  <a:schemeClr val="tx1"/>
+                </a:solidFill>
+                <a:effectLst/>
+                <a:latin typeface="+mn-lt"/>
+                <a:ea typeface="+mn-ea"/>
+                <a:cs typeface="+mn-cs"/>
+              </a:rPr>
+              <a:t> exists on both platforms, but using it in Windows Phone would blow up "unexpectedly".</a:t>
+            </a:r>
+          </a:p>
+          <a:p>
+            <a:r>
+              <a:rPr lang="en-US" sz="1200" kern="1200" dirty="0" smtClean="0">
+                <a:solidFill>
+                  <a:schemeClr val="tx1"/>
+                </a:solidFill>
+                <a:effectLst/>
+                <a:latin typeface="+mn-lt"/>
+                <a:ea typeface="+mn-ea"/>
+                <a:cs typeface="+mn-cs"/>
+              </a:rPr>
+              <a:t> </a:t>
+            </a:r>
+          </a:p>
+          <a:p>
+            <a:r>
+              <a:rPr lang="en-US" sz="1200" kern="1200" dirty="0" smtClean="0">
+                <a:solidFill>
+                  <a:schemeClr val="tx1"/>
+                </a:solidFill>
+                <a:effectLst/>
+                <a:latin typeface="+mn-lt"/>
+                <a:ea typeface="+mn-ea"/>
+                <a:cs typeface="+mn-cs"/>
+              </a:rPr>
+              <a:t>On the other hand, </a:t>
+            </a:r>
+            <a:r>
+              <a:rPr lang="en-US" sz="1200" kern="1200" dirty="0" err="1" smtClean="0">
+                <a:solidFill>
+                  <a:schemeClr val="tx1"/>
+                </a:solidFill>
+                <a:effectLst/>
+                <a:latin typeface="+mn-lt"/>
+                <a:ea typeface="+mn-ea"/>
+                <a:cs typeface="+mn-cs"/>
+              </a:rPr>
+              <a:t>ApplicationData.Current.LocalCacheFolder</a:t>
+            </a:r>
+            <a:r>
+              <a:rPr lang="en-US" sz="1200" kern="1200" dirty="0" smtClean="0">
+                <a:solidFill>
+                  <a:schemeClr val="tx1"/>
+                </a:solidFill>
+                <a:effectLst/>
+                <a:latin typeface="+mn-lt"/>
+                <a:ea typeface="+mn-ea"/>
+                <a:cs typeface="+mn-cs"/>
+              </a:rPr>
+              <a:t> exists only on Windows Phone and you can't compile a Store project until you #</a:t>
+            </a:r>
+            <a:r>
+              <a:rPr lang="en-US" sz="1200" kern="1200" dirty="0" err="1" smtClean="0">
+                <a:solidFill>
+                  <a:schemeClr val="tx1"/>
+                </a:solidFill>
+                <a:effectLst/>
+                <a:latin typeface="+mn-lt"/>
+                <a:ea typeface="+mn-ea"/>
+                <a:cs typeface="+mn-cs"/>
+              </a:rPr>
+              <a:t>ifdef</a:t>
+            </a:r>
+            <a:r>
+              <a:rPr lang="en-US" sz="1200" kern="1200" dirty="0" smtClean="0">
+                <a:solidFill>
+                  <a:schemeClr val="tx1"/>
+                </a:solidFill>
+                <a:effectLst/>
+                <a:latin typeface="+mn-lt"/>
+                <a:ea typeface="+mn-ea"/>
+                <a:cs typeface="+mn-cs"/>
+              </a:rPr>
+              <a:t> it out.</a:t>
+            </a:r>
+          </a:p>
+          <a:p>
+            <a:r>
+              <a:rPr lang="en-US" sz="1200" kern="1200" dirty="0" smtClean="0">
+                <a:solidFill>
+                  <a:schemeClr val="tx1"/>
+                </a:solidFill>
+                <a:effectLst/>
+                <a:latin typeface="+mn-lt"/>
+                <a:ea typeface="+mn-ea"/>
+                <a:cs typeface="+mn-cs"/>
+              </a:rPr>
+              <a:t> </a:t>
+            </a:r>
+          </a:p>
+          <a:p>
+            <a:r>
+              <a:rPr lang="en-US" sz="1200" kern="1200" dirty="0" smtClean="0">
+                <a:solidFill>
+                  <a:schemeClr val="tx1"/>
+                </a:solidFill>
+                <a:effectLst/>
+                <a:latin typeface="+mn-lt"/>
+                <a:ea typeface="+mn-ea"/>
+                <a:cs typeface="+mn-cs"/>
+              </a:rPr>
+              <a:t>Both APIs return a </a:t>
+            </a:r>
+            <a:r>
+              <a:rPr lang="en-US" sz="1200" kern="1200" dirty="0" err="1" smtClean="0">
+                <a:solidFill>
+                  <a:schemeClr val="tx1"/>
+                </a:solidFill>
+                <a:effectLst/>
+                <a:latin typeface="+mn-lt"/>
+                <a:ea typeface="+mn-ea"/>
+                <a:cs typeface="+mn-cs"/>
+              </a:rPr>
+              <a:t>StorageFolder</a:t>
+            </a:r>
+            <a:r>
+              <a:rPr lang="en-US" sz="1200" kern="1200" dirty="0" smtClean="0">
+                <a:solidFill>
+                  <a:schemeClr val="tx1"/>
+                </a:solidFill>
+                <a:effectLst/>
+                <a:latin typeface="+mn-lt"/>
+                <a:ea typeface="+mn-ea"/>
+                <a:cs typeface="+mn-cs"/>
+              </a:rPr>
+              <a:t> so it's not like they are completely different things. Hiding unsupported APIs would make this work much more transparently for developers...</a:t>
+            </a:r>
+          </a:p>
+          <a:p>
+            <a:endParaRPr lang="en-US" dirty="0"/>
+          </a:p>
+        </p:txBody>
+      </p:sp>
+      <p:sp>
+        <p:nvSpPr>
+          <p:cNvPr id="4" name="Slide Number Placeholder 3"/>
+          <p:cNvSpPr>
+            <a:spLocks noGrp="1"/>
+          </p:cNvSpPr>
+          <p:nvPr>
+            <p:ph type="sldNum" sz="quarter" idx="10"/>
+          </p:nvPr>
+        </p:nvSpPr>
+        <p:spPr/>
+        <p:txBody>
+          <a:bodyPr/>
+          <a:lstStyle/>
+          <a:p>
+            <a:fld id="{795A654D-6BE0-48C1-8457-36B06568CB66}" type="slidenum">
+              <a:rPr lang="en-US" smtClean="0"/>
+              <a:t>7</a:t>
+            </a:fld>
+            <a:endParaRPr lang="en-US"/>
+          </a:p>
+        </p:txBody>
+      </p:sp>
+    </p:spTree>
+    <p:extLst>
+      <p:ext uri="{BB962C8B-B14F-4D97-AF65-F5344CB8AC3E}">
+        <p14:creationId xmlns:p14="http://schemas.microsoft.com/office/powerpoint/2010/main" val="4111612807"/>
+      </p:ext>
+    </p:extLst>
+  </p:cSld>
+  <p:clrMapOvr>
+    <a:masterClrMapping/>
+  </p:clrMapOvr>
+</p:notes>
+</file>
+
+<file path=ppt/notesSlides/notesSlide8.xml><?xml version="1.0" encoding="utf-8"?>
 <p:notes xmlns:a="http://schemas.openxmlformats.org/drawingml/2006/main" xmlns:r="http://schemas.openxmlformats.org/officeDocument/2006/relationships" xmlns:p="http://schemas.openxmlformats.org/presentationml/2006/main">
   <p:cSld>
     <p:spTree>
@@ -1476,7 +2302,7 @@
           <a:p>
             <a:fld id="{795A654D-6BE0-48C1-8457-36B06568CB66}" type="slidenum">
               <a:rPr lang="en-US" smtClean="0"/>
-              <a:t>7</a:t>
+              <a:t>8</a:t>
             </a:fld>
             <a:endParaRPr lang="en-US"/>
           </a:p>
@@ -1495,7 +2321,7 @@
 </p:notes>
 </file>
 
-<file path=ppt/notesSlides/notesSlide7.xml><?xml version="1.0" encoding="utf-8"?>
+<file path=ppt/notesSlides/notesSlide9.xml><?xml version="1.0" encoding="utf-8"?>
 <p:notes xmlns:a="http://schemas.openxmlformats.org/drawingml/2006/main" xmlns:r="http://schemas.openxmlformats.org/officeDocument/2006/relationships" xmlns:p="http://schemas.openxmlformats.org/presentationml/2006/main">
   <p:cSld>
     <p:spTree>
@@ -1591,7 +2417,7 @@
           <a:p>
             <a:fld id="{795A654D-6BE0-48C1-8457-36B06568CB66}" type="slidenum">
               <a:rPr lang="en-US" smtClean="0"/>
-              <a:t>8</a:t>
+              <a:t>9</a:t>
             </a:fld>
             <a:endParaRPr lang="en-US"/>
           </a:p>
@@ -1791,7 +2617,7 @@
           <a:p>
             <a:fld id="{DA583EDF-0732-5343-98CC-1C67BF71244D}" type="datetimeFigureOut">
               <a:rPr lang="en-US" smtClean="0"/>
-              <a:t>9/29/2014</a:t>
+              <a:t>10/3/2014</a:t>
             </a:fld>
             <a:endParaRPr lang="en-US"/>
           </a:p>
@@ -1961,7 +2787,7 @@
           <a:p>
             <a:fld id="{DA583EDF-0732-5343-98CC-1C67BF71244D}" type="datetimeFigureOut">
               <a:rPr lang="en-US" smtClean="0"/>
-              <a:t>9/29/2014</a:t>
+              <a:t>10/3/2014</a:t>
             </a:fld>
             <a:endParaRPr lang="en-US"/>
           </a:p>
@@ -2141,7 +2967,7 @@
           <a:p>
             <a:fld id="{DA583EDF-0732-5343-98CC-1C67BF71244D}" type="datetimeFigureOut">
               <a:rPr lang="en-US" smtClean="0"/>
-              <a:t>9/29/2014</a:t>
+              <a:t>10/3/2014</a:t>
             </a:fld>
             <a:endParaRPr lang="en-US"/>
           </a:p>
@@ -2311,7 +3137,7 @@
           <a:p>
             <a:fld id="{DA583EDF-0732-5343-98CC-1C67BF71244D}" type="datetimeFigureOut">
               <a:rPr lang="en-US" smtClean="0"/>
-              <a:t>9/29/2014</a:t>
+              <a:t>10/3/2014</a:t>
             </a:fld>
             <a:endParaRPr lang="en-US"/>
           </a:p>
@@ -2557,7 +3383,7 @@
           <a:p>
             <a:fld id="{DA583EDF-0732-5343-98CC-1C67BF71244D}" type="datetimeFigureOut">
               <a:rPr lang="en-US" smtClean="0"/>
-              <a:t>9/29/2014</a:t>
+              <a:t>10/3/2014</a:t>
             </a:fld>
             <a:endParaRPr lang="en-US"/>
           </a:p>
@@ -2845,7 +3671,7 @@
           <a:p>
             <a:fld id="{DA583EDF-0732-5343-98CC-1C67BF71244D}" type="datetimeFigureOut">
               <a:rPr lang="en-US" smtClean="0"/>
-              <a:t>9/29/2014</a:t>
+              <a:t>10/3/2014</a:t>
             </a:fld>
             <a:endParaRPr lang="en-US"/>
           </a:p>
@@ -3267,7 +4093,7 @@
           <a:p>
             <a:fld id="{DA583EDF-0732-5343-98CC-1C67BF71244D}" type="datetimeFigureOut">
               <a:rPr lang="en-US" smtClean="0"/>
-              <a:t>9/29/2014</a:t>
+              <a:t>10/3/2014</a:t>
             </a:fld>
             <a:endParaRPr lang="en-US"/>
           </a:p>
@@ -3385,7 +4211,7 @@
           <a:p>
             <a:fld id="{DA583EDF-0732-5343-98CC-1C67BF71244D}" type="datetimeFigureOut">
               <a:rPr lang="en-US" smtClean="0"/>
-              <a:t>9/29/2014</a:t>
+              <a:t>10/3/2014</a:t>
             </a:fld>
             <a:endParaRPr lang="en-US"/>
           </a:p>
@@ -3480,7 +4306,7 @@
           <a:p>
             <a:fld id="{DA583EDF-0732-5343-98CC-1C67BF71244D}" type="datetimeFigureOut">
               <a:rPr lang="en-US" smtClean="0"/>
-              <a:t>9/29/2014</a:t>
+              <a:t>10/3/2014</a:t>
             </a:fld>
             <a:endParaRPr lang="en-US"/>
           </a:p>
@@ -3757,7 +4583,7 @@
           <a:p>
             <a:fld id="{DA583EDF-0732-5343-98CC-1C67BF71244D}" type="datetimeFigureOut">
               <a:rPr lang="en-US" smtClean="0"/>
-              <a:t>9/29/2014</a:t>
+              <a:t>10/3/2014</a:t>
             </a:fld>
             <a:endParaRPr lang="en-US"/>
           </a:p>
@@ -4010,7 +4836,7 @@
           <a:p>
             <a:fld id="{DA583EDF-0732-5343-98CC-1C67BF71244D}" type="datetimeFigureOut">
               <a:rPr lang="en-US" smtClean="0"/>
-              <a:t>9/29/2014</a:t>
+              <a:t>10/3/2014</a:t>
             </a:fld>
             <a:endParaRPr lang="en-US"/>
           </a:p>
@@ -4223,7 +5049,7 @@
           <a:p>
             <a:fld id="{DA583EDF-0732-5343-98CC-1C67BF71244D}" type="datetimeFigureOut">
               <a:rPr lang="en-US" smtClean="0"/>
-              <a:t>9/29/2014</a:t>
+              <a:t>10/3/2014</a:t>
             </a:fld>
             <a:endParaRPr lang="en-US"/>
           </a:p>
@@ -4663,7 +5489,7 @@
           <p:nvPr/>
         </p:nvPicPr>
         <p:blipFill>
-          <a:blip r:embed="rId2">
+          <a:blip r:embed="rId3">
             <a:extLst>
               <a:ext uri="{28A0092B-C50C-407E-A947-70E740481C1C}">
                 <a14:useLocalDpi xmlns:a14="http://schemas.microsoft.com/office/drawing/2010/main" val="0"/>
@@ -4785,6 +5611,216 @@
     </p:spTree>
     <p:extLst>
       <p:ext uri="{BB962C8B-B14F-4D97-AF65-F5344CB8AC3E}">
+        <p14:creationId xmlns:p14="http://schemas.microsoft.com/office/powerpoint/2010/main" val="3407941427"/>
+      </p:ext>
+    </p:extLst>
+  </p:cSld>
+  <p:clrMapOvr>
+    <a:masterClrMapping/>
+  </p:clrMapOvr>
+  <p:timing>
+    <p:tnLst>
+      <p:par>
+        <p:cTn id="1" dur="indefinite" restart="never" nodeType="tmRoot"/>
+      </p:par>
+    </p:tnLst>
+  </p:timing>
+</p:sld>
+</file>
+
+<file path=ppt/slides/slide11.xml><?xml version="1.0" encoding="utf-8"?>
+<p:sld xmlns:a="http://schemas.openxmlformats.org/drawingml/2006/main" xmlns:r="http://schemas.openxmlformats.org/officeDocument/2006/relationships" xmlns:p="http://schemas.openxmlformats.org/presentationml/2006/main">
+  <p:cSld>
+    <p:spTree>
+      <p:nvGrpSpPr>
+        <p:cNvPr id="1" name=""/>
+        <p:cNvGrpSpPr/>
+        <p:nvPr/>
+      </p:nvGrpSpPr>
+      <p:grpSpPr>
+        <a:xfrm>
+          <a:off x="0" y="0"/>
+          <a:ext cx="0" cy="0"/>
+          <a:chOff x="0" y="0"/>
+          <a:chExt cx="0" cy="0"/>
+        </a:xfrm>
+      </p:grpSpPr>
+      <p:sp>
+        <p:nvSpPr>
+          <p:cNvPr id="2" name="Title 1"/>
+          <p:cNvSpPr>
+            <a:spLocks noGrp="1"/>
+          </p:cNvSpPr>
+          <p:nvPr>
+            <p:ph type="title"/>
+          </p:nvPr>
+        </p:nvSpPr>
+        <p:spPr/>
+        <p:txBody>
+          <a:bodyPr/>
+          <a:lstStyle/>
+          <a:p>
+            <a:endParaRPr lang="en-US"/>
+          </a:p>
+        </p:txBody>
+      </p:sp>
+      <p:sp>
+        <p:nvSpPr>
+          <p:cNvPr id="3" name="Content Placeholder 2"/>
+          <p:cNvSpPr>
+            <a:spLocks noGrp="1"/>
+          </p:cNvSpPr>
+          <p:nvPr>
+            <p:ph idx="1"/>
+          </p:nvPr>
+        </p:nvSpPr>
+        <p:spPr/>
+        <p:txBody>
+          <a:bodyPr/>
+          <a:lstStyle/>
+          <a:p>
+            <a:endParaRPr lang="en-US" dirty="0"/>
+          </a:p>
+        </p:txBody>
+      </p:sp>
+      <p:pic>
+        <p:nvPicPr>
+          <p:cNvPr id="5" name="Picture 4"/>
+          <p:cNvPicPr>
+            <a:picLocks noChangeAspect="1"/>
+          </p:cNvPicPr>
+          <p:nvPr/>
+        </p:nvPicPr>
+        <p:blipFill>
+          <a:blip r:embed="rId2">
+            <a:extLst>
+              <a:ext uri="{28A0092B-C50C-407E-A947-70E740481C1C}">
+                <a14:useLocalDpi xmlns:a14="http://schemas.microsoft.com/office/drawing/2010/main" val="0"/>
+              </a:ext>
+            </a:extLst>
+          </a:blip>
+          <a:stretch>
+            <a:fillRect/>
+          </a:stretch>
+        </p:blipFill>
+        <p:spPr>
+          <a:xfrm>
+            <a:off x="6556197" y="5918320"/>
+            <a:ext cx="2356206" cy="819150"/>
+          </a:xfrm>
+          <a:prstGeom prst="rect">
+            <a:avLst/>
+          </a:prstGeom>
+        </p:spPr>
+      </p:pic>
+    </p:spTree>
+    <p:extLst>
+      <p:ext uri="{BB962C8B-B14F-4D97-AF65-F5344CB8AC3E}">
+        <p14:creationId xmlns:p14="http://schemas.microsoft.com/office/powerpoint/2010/main" val="4125215241"/>
+      </p:ext>
+    </p:extLst>
+  </p:cSld>
+  <p:clrMapOvr>
+    <a:masterClrMapping/>
+  </p:clrMapOvr>
+  <p:timing>
+    <p:tnLst>
+      <p:par>
+        <p:cTn id="1" dur="indefinite" restart="never" nodeType="tmRoot"/>
+      </p:par>
+    </p:tnLst>
+  </p:timing>
+</p:sld>
+</file>
+
+<file path=ppt/slides/slide12.xml><?xml version="1.0" encoding="utf-8"?>
+<p:sld xmlns:a="http://schemas.openxmlformats.org/drawingml/2006/main" xmlns:r="http://schemas.openxmlformats.org/officeDocument/2006/relationships" xmlns:p="http://schemas.openxmlformats.org/presentationml/2006/main">
+  <p:cSld>
+    <p:spTree>
+      <p:nvGrpSpPr>
+        <p:cNvPr id="1" name=""/>
+        <p:cNvGrpSpPr/>
+        <p:nvPr/>
+      </p:nvGrpSpPr>
+      <p:grpSpPr>
+        <a:xfrm>
+          <a:off x="0" y="0"/>
+          <a:ext cx="0" cy="0"/>
+          <a:chOff x="0" y="0"/>
+          <a:chExt cx="0" cy="0"/>
+        </a:xfrm>
+      </p:grpSpPr>
+      <p:sp>
+        <p:nvSpPr>
+          <p:cNvPr id="2" name="Title 1"/>
+          <p:cNvSpPr>
+            <a:spLocks noGrp="1"/>
+          </p:cNvSpPr>
+          <p:nvPr>
+            <p:ph type="title"/>
+          </p:nvPr>
+        </p:nvSpPr>
+        <p:spPr/>
+        <p:txBody>
+          <a:bodyPr/>
+          <a:lstStyle/>
+          <a:p>
+            <a:endParaRPr lang="en-US"/>
+          </a:p>
+        </p:txBody>
+      </p:sp>
+      <p:sp>
+        <p:nvSpPr>
+          <p:cNvPr id="3" name="Content Placeholder 2"/>
+          <p:cNvSpPr>
+            <a:spLocks noGrp="1"/>
+          </p:cNvSpPr>
+          <p:nvPr>
+            <p:ph idx="1"/>
+          </p:nvPr>
+        </p:nvSpPr>
+        <p:spPr/>
+        <p:txBody>
+          <a:bodyPr/>
+          <a:lstStyle/>
+          <a:p>
+            <a:endParaRPr lang="en-US" dirty="0"/>
+          </a:p>
+        </p:txBody>
+      </p:sp>
+      <p:pic>
+        <p:nvPicPr>
+          <p:cNvPr id="5" name="Picture 4"/>
+          <p:cNvPicPr>
+            <a:picLocks noChangeAspect="1"/>
+          </p:cNvPicPr>
+          <p:nvPr/>
+        </p:nvPicPr>
+        <p:blipFill>
+          <a:blip r:embed="rId2">
+            <a:extLst>
+              <a:ext uri="{28A0092B-C50C-407E-A947-70E740481C1C}">
+                <a14:useLocalDpi xmlns:a14="http://schemas.microsoft.com/office/drawing/2010/main" val="0"/>
+              </a:ext>
+            </a:extLst>
+          </a:blip>
+          <a:stretch>
+            <a:fillRect/>
+          </a:stretch>
+        </p:blipFill>
+        <p:spPr>
+          <a:xfrm>
+            <a:off x="6556197" y="5918320"/>
+            <a:ext cx="2356206" cy="819150"/>
+          </a:xfrm>
+          <a:prstGeom prst="rect">
+            <a:avLst/>
+          </a:prstGeom>
+        </p:spPr>
+      </p:pic>
+    </p:spTree>
+    <p:extLst>
+      <p:ext uri="{BB962C8B-B14F-4D97-AF65-F5344CB8AC3E}">
         <p14:creationId xmlns:p14="http://schemas.microsoft.com/office/powerpoint/2010/main" val="1122270672"/>
       </p:ext>
     </p:extLst>
@@ -4802,7 +5838,7 @@
 </p:sld>
 </file>
 
-<file path=ppt/slides/slide11.xml><?xml version="1.0" encoding="utf-8"?>
+<file path=ppt/slides/slide13.xml><?xml version="1.0" encoding="utf-8"?>
 <p:sld xmlns:a="http://schemas.openxmlformats.org/drawingml/2006/main" xmlns:r="http://schemas.openxmlformats.org/officeDocument/2006/relationships" xmlns:p="http://schemas.openxmlformats.org/presentationml/2006/main">
   <p:cSld>
     <p:spTree>
@@ -4907,7 +5943,7 @@
 </p:sld>
 </file>
 
-<file path=ppt/slides/slide12.xml><?xml version="1.0" encoding="utf-8"?>
+<file path=ppt/slides/slide14.xml><?xml version="1.0" encoding="utf-8"?>
 <p:sld xmlns:a="http://schemas.openxmlformats.org/drawingml/2006/main" xmlns:r="http://schemas.openxmlformats.org/officeDocument/2006/relationships" xmlns:p="http://schemas.openxmlformats.org/presentationml/2006/main">
   <p:cSld>
     <p:spTree>
@@ -5012,7 +6048,7 @@
 </p:sld>
 </file>
 
-<file path=ppt/slides/slide13.xml><?xml version="1.0" encoding="utf-8"?>
+<file path=ppt/slides/slide15.xml><?xml version="1.0" encoding="utf-8"?>
 <p:sld xmlns:a="http://schemas.openxmlformats.org/drawingml/2006/main" xmlns:r="http://schemas.openxmlformats.org/officeDocument/2006/relationships" xmlns:p="http://schemas.openxmlformats.org/presentationml/2006/main">
   <p:cSld>
     <p:spTree>
@@ -5117,7 +6153,7 @@
 </p:sld>
 </file>
 
-<file path=ppt/slides/slide14.xml><?xml version="1.0" encoding="utf-8"?>
+<file path=ppt/slides/slide16.xml><?xml version="1.0" encoding="utf-8"?>
 <p:sld xmlns:a="http://schemas.openxmlformats.org/drawingml/2006/main" xmlns:r="http://schemas.openxmlformats.org/officeDocument/2006/relationships" xmlns:p="http://schemas.openxmlformats.org/presentationml/2006/main">
   <p:cSld>
     <p:spTree>
@@ -5222,7 +6258,7 @@
 </p:sld>
 </file>
 
-<file path=ppt/slides/slide15.xml><?xml version="1.0" encoding="utf-8"?>
+<file path=ppt/slides/slide17.xml><?xml version="1.0" encoding="utf-8"?>
 <p:sld xmlns:a="http://schemas.openxmlformats.org/drawingml/2006/main" xmlns:r="http://schemas.openxmlformats.org/officeDocument/2006/relationships" xmlns:p="http://schemas.openxmlformats.org/presentationml/2006/main">
   <p:cSld>
     <p:spTree>
@@ -5363,11 +6399,7 @@
           <a:p>
             <a:r>
               <a:rPr lang="en-US" dirty="0" smtClean="0"/>
-              <a:t>Who am </a:t>
-            </a:r>
-            <a:r>
-              <a:rPr lang="en-US" dirty="0" smtClean="0"/>
-              <a:t>I</a:t>
+              <a:t>Who am I</a:t>
             </a:r>
             <a:br>
               <a:rPr lang="en-US" dirty="0" smtClean="0"/>
@@ -5448,11 +6480,7 @@
             </a:pPr>
             <a:r>
               <a:rPr lang="en-US" dirty="0" smtClean="0"/>
-              <a:t>My most recent experience </a:t>
-            </a:r>
-            <a:r>
-              <a:rPr lang="en-US" dirty="0" smtClean="0"/>
-              <a:t>is </a:t>
+              <a:t>My most recent experience is </a:t>
             </a:r>
             <a:r>
               <a:rPr lang="en-US" dirty="0"/>
@@ -5544,13 +6572,7 @@
               <a:rPr lang="en-US" dirty="0" smtClean="0">
                 <a:hlinkClick r:id="rId4"/>
               </a:rPr>
-              <a:t>Email</a:t>
-            </a:r>
-            <a:r>
-              <a:rPr lang="en-US" dirty="0" smtClean="0">
-                <a:hlinkClick r:id="rId4"/>
-              </a:rPr>
-              <a:t>: underhilld2@gmail.com</a:t>
+              <a:t>Email: underhilld2@gmail.com</a:t>
             </a:r>
           </a:p>
           <a:p>
@@ -7744,6 +8766,204 @@
         </p:nvSpPr>
         <p:spPr/>
         <p:txBody>
+          <a:bodyPr/>
+          <a:lstStyle/>
+          <a:p>
+            <a:r>
+              <a:rPr lang="en-US" dirty="0" smtClean="0"/>
+              <a:t>Another Thing to watch out for</a:t>
+            </a:r>
+            <a:endParaRPr lang="en-US" dirty="0"/>
+          </a:p>
+        </p:txBody>
+      </p:sp>
+      <p:pic>
+        <p:nvPicPr>
+          <p:cNvPr id="5" name="Picture 4"/>
+          <p:cNvPicPr>
+            <a:picLocks noChangeAspect="1"/>
+          </p:cNvPicPr>
+          <p:nvPr/>
+        </p:nvPicPr>
+        <p:blipFill>
+          <a:blip r:embed="rId3">
+            <a:extLst>
+              <a:ext uri="{28A0092B-C50C-407E-A947-70E740481C1C}">
+                <a14:useLocalDpi xmlns:a14="http://schemas.microsoft.com/office/drawing/2010/main" val="0"/>
+              </a:ext>
+            </a:extLst>
+          </a:blip>
+          <a:stretch>
+            <a:fillRect/>
+          </a:stretch>
+        </p:blipFill>
+        <p:spPr>
+          <a:xfrm>
+            <a:off x="6556197" y="5918320"/>
+            <a:ext cx="2356206" cy="819150"/>
+          </a:xfrm>
+          <a:prstGeom prst="rect">
+            <a:avLst/>
+          </a:prstGeom>
+        </p:spPr>
+      </p:pic>
+      <p:pic>
+        <p:nvPicPr>
+          <p:cNvPr id="6" name="Content Placeholder 5"/>
+          <p:cNvPicPr>
+            <a:picLocks noGrp="1"/>
+          </p:cNvPicPr>
+          <p:nvPr>
+            <p:ph idx="1"/>
+          </p:nvPr>
+        </p:nvPicPr>
+        <p:blipFill>
+          <a:blip r:embed="rId4"/>
+          <a:stretch>
+            <a:fillRect/>
+          </a:stretch>
+        </p:blipFill>
+        <p:spPr>
+          <a:xfrm>
+            <a:off x="277584" y="1126671"/>
+            <a:ext cx="8409215" cy="3984172"/>
+          </a:xfrm>
+          <a:prstGeom prst="rect">
+            <a:avLst/>
+          </a:prstGeom>
+        </p:spPr>
+      </p:pic>
+      <p:sp>
+        <p:nvSpPr>
+          <p:cNvPr id="4" name="TextBox 3"/>
+          <p:cNvSpPr txBox="1"/>
+          <p:nvPr/>
+        </p:nvSpPr>
+        <p:spPr>
+          <a:xfrm>
+            <a:off x="457200" y="5404564"/>
+            <a:ext cx="6098997" cy="923330"/>
+          </a:xfrm>
+          <a:prstGeom prst="rect">
+            <a:avLst/>
+          </a:prstGeom>
+          <a:noFill/>
+        </p:spPr>
+        <p:txBody>
+          <a:bodyPr wrap="square" rtlCol="0">
+            <a:spAutoFit/>
+          </a:bodyPr>
+          <a:lstStyle/>
+          <a:p>
+            <a:r>
+              <a:rPr lang="en-US" dirty="0" smtClean="0">
+                <a:solidFill>
+                  <a:srgbClr val="00B0F0"/>
+                </a:solidFill>
+              </a:rPr>
+              <a:t>#if </a:t>
+            </a:r>
+            <a:r>
+              <a:rPr lang="en-US" dirty="0" smtClean="0"/>
+              <a:t>WINDOWS_APP</a:t>
+            </a:r>
+          </a:p>
+          <a:p>
+            <a:r>
+              <a:rPr lang="en-US" dirty="0" smtClean="0"/>
+              <a:t>          </a:t>
+            </a:r>
+            <a:r>
+              <a:rPr lang="en-US" dirty="0" err="1" smtClean="0"/>
+              <a:t>var</a:t>
+            </a:r>
+            <a:r>
+              <a:rPr lang="en-US" dirty="0" smtClean="0"/>
+              <a:t> temp = new </a:t>
+            </a:r>
+            <a:r>
+              <a:rPr lang="en-US" dirty="0" err="1" smtClean="0"/>
+              <a:t>QueryOptions</a:t>
+            </a:r>
+            <a:r>
+              <a:rPr lang="en-US" dirty="0" smtClean="0"/>
+              <a:t>();</a:t>
+            </a:r>
+          </a:p>
+          <a:p>
+            <a:r>
+              <a:rPr lang="en-US" dirty="0" smtClean="0">
+                <a:solidFill>
+                  <a:srgbClr val="00B0F0"/>
+                </a:solidFill>
+              </a:rPr>
+              <a:t>#</a:t>
+            </a:r>
+            <a:r>
+              <a:rPr lang="en-US" dirty="0" err="1">
+                <a:solidFill>
+                  <a:srgbClr val="00B0F0"/>
+                </a:solidFill>
+              </a:rPr>
+              <a:t>endif</a:t>
+            </a:r>
+            <a:endParaRPr lang="en-US" dirty="0">
+              <a:solidFill>
+                <a:srgbClr val="00B0F0"/>
+              </a:solidFill>
+            </a:endParaRPr>
+          </a:p>
+        </p:txBody>
+      </p:sp>
+    </p:spTree>
+    <p:extLst>
+      <p:ext uri="{BB962C8B-B14F-4D97-AF65-F5344CB8AC3E}">
+        <p14:creationId xmlns:p14="http://schemas.microsoft.com/office/powerpoint/2010/main" val="39910391"/>
+      </p:ext>
+    </p:extLst>
+  </p:cSld>
+  <p:clrMapOvr>
+    <a:masterClrMapping/>
+  </p:clrMapOvr>
+  <p:timing>
+    <p:tnLst>
+      <p:par>
+        <p:cTn id="1" dur="indefinite" restart="never" nodeType="tmRoot"/>
+      </p:par>
+    </p:tnLst>
+  </p:timing>
+</p:sld>
+</file>
+
+<file path=ppt/slides/slide8.xml><?xml version="1.0" encoding="utf-8"?>
+<p:sld xmlns:a="http://schemas.openxmlformats.org/drawingml/2006/main" xmlns:r="http://schemas.openxmlformats.org/officeDocument/2006/relationships" xmlns:p="http://schemas.openxmlformats.org/presentationml/2006/main">
+  <p:cSld>
+    <p:spTree>
+      <p:nvGrpSpPr>
+        <p:cNvPr id="1" name=""/>
+        <p:cNvGrpSpPr/>
+        <p:nvPr/>
+      </p:nvGrpSpPr>
+      <p:grpSpPr>
+        <a:xfrm>
+          <a:off x="0" y="0"/>
+          <a:ext cx="0" cy="0"/>
+          <a:chOff x="0" y="0"/>
+          <a:chExt cx="0" cy="0"/>
+        </a:xfrm>
+      </p:grpSpPr>
+      <p:sp>
+        <p:nvSpPr>
+          <p:cNvPr id="2" name="Title 1"/>
+          <p:cNvSpPr>
+            <a:spLocks noGrp="1"/>
+          </p:cNvSpPr>
+          <p:nvPr>
+            <p:ph type="title"/>
+          </p:nvPr>
+        </p:nvSpPr>
+        <p:spPr/>
+        <p:txBody>
           <a:bodyPr>
             <a:normAutofit fontScale="90000"/>
           </a:bodyPr>
@@ -7852,7 +9072,7 @@
 </p:sld>
 </file>
 
-<file path=ppt/slides/slide8.xml><?xml version="1.0" encoding="utf-8"?>
+<file path=ppt/slides/slide9.xml><?xml version="1.0" encoding="utf-8"?>
 <p:sld xmlns:a="http://schemas.openxmlformats.org/drawingml/2006/main" xmlns:r="http://schemas.openxmlformats.org/officeDocument/2006/relationships" xmlns:p="http://schemas.openxmlformats.org/presentationml/2006/main">
   <p:cSld>
     <p:spTree>
@@ -7973,111 +9193,6 @@
     <p:extLst>
       <p:ext uri="{BB962C8B-B14F-4D97-AF65-F5344CB8AC3E}">
         <p14:creationId xmlns:p14="http://schemas.microsoft.com/office/powerpoint/2010/main" val="1442062638"/>
-      </p:ext>
-    </p:extLst>
-  </p:cSld>
-  <p:clrMapOvr>
-    <a:masterClrMapping/>
-  </p:clrMapOvr>
-  <p:timing>
-    <p:tnLst>
-      <p:par>
-        <p:cTn id="1" dur="indefinite" restart="never" nodeType="tmRoot"/>
-      </p:par>
-    </p:tnLst>
-  </p:timing>
-</p:sld>
-</file>
-
-<file path=ppt/slides/slide9.xml><?xml version="1.0" encoding="utf-8"?>
-<p:sld xmlns:a="http://schemas.openxmlformats.org/drawingml/2006/main" xmlns:r="http://schemas.openxmlformats.org/officeDocument/2006/relationships" xmlns:p="http://schemas.openxmlformats.org/presentationml/2006/main">
-  <p:cSld>
-    <p:spTree>
-      <p:nvGrpSpPr>
-        <p:cNvPr id="1" name=""/>
-        <p:cNvGrpSpPr/>
-        <p:nvPr/>
-      </p:nvGrpSpPr>
-      <p:grpSpPr>
-        <a:xfrm>
-          <a:off x="0" y="0"/>
-          <a:ext cx="0" cy="0"/>
-          <a:chOff x="0" y="0"/>
-          <a:chExt cx="0" cy="0"/>
-        </a:xfrm>
-      </p:grpSpPr>
-      <p:sp>
-        <p:nvSpPr>
-          <p:cNvPr id="2" name="Title 1"/>
-          <p:cNvSpPr>
-            <a:spLocks noGrp="1"/>
-          </p:cNvSpPr>
-          <p:nvPr>
-            <p:ph type="title"/>
-          </p:nvPr>
-        </p:nvSpPr>
-        <p:spPr/>
-        <p:txBody>
-          <a:bodyPr/>
-          <a:lstStyle/>
-          <a:p>
-            <a:endParaRPr lang="en-US"/>
-          </a:p>
-        </p:txBody>
-      </p:sp>
-      <p:sp>
-        <p:nvSpPr>
-          <p:cNvPr id="3" name="Content Placeholder 2"/>
-          <p:cNvSpPr>
-            <a:spLocks noGrp="1"/>
-          </p:cNvSpPr>
-          <p:nvPr>
-            <p:ph idx="1"/>
-          </p:nvPr>
-        </p:nvSpPr>
-        <p:spPr/>
-        <p:txBody>
-          <a:bodyPr/>
-          <a:lstStyle/>
-          <a:p>
-            <a:endParaRPr lang="en-US" dirty="0"/>
-          </a:p>
-        </p:txBody>
-      </p:sp>
-      <p:pic>
-        <p:nvPicPr>
-          <p:cNvPr id="5" name="Picture 4"/>
-          <p:cNvPicPr>
-            <a:picLocks noChangeAspect="1"/>
-          </p:cNvPicPr>
-          <p:nvPr/>
-        </p:nvPicPr>
-        <p:blipFill>
-          <a:blip r:embed="rId2">
-            <a:extLst>
-              <a:ext uri="{28A0092B-C50C-407E-A947-70E740481C1C}">
-                <a14:useLocalDpi xmlns:a14="http://schemas.microsoft.com/office/drawing/2010/main" val="0"/>
-              </a:ext>
-            </a:extLst>
-          </a:blip>
-          <a:stretch>
-            <a:fillRect/>
-          </a:stretch>
-        </p:blipFill>
-        <p:spPr>
-          <a:xfrm>
-            <a:off x="6556197" y="5918320"/>
-            <a:ext cx="2356206" cy="819150"/>
-          </a:xfrm>
-          <a:prstGeom prst="rect">
-            <a:avLst/>
-          </a:prstGeom>
-        </p:spPr>
-      </p:pic>
-    </p:spTree>
-    <p:extLst>
-      <p:ext uri="{BB962C8B-B14F-4D97-AF65-F5344CB8AC3E}">
-        <p14:creationId xmlns:p14="http://schemas.microsoft.com/office/powerpoint/2010/main" val="39910391"/>
       </p:ext>
     </p:extLst>
   </p:cSld>

--- a/ReCon2014_UniversalAppPortalClassLibraries_Light.pptx
+++ b/ReCon2014_UniversalAppPortalClassLibraries_Light.pptx
@@ -1947,6 +1947,100 @@
               </a:rPr>
               <a:t>Demo!</a:t>
             </a:r>
+          </a:p>
+          <a:p>
+            <a:endParaRPr lang="en-US" sz="1200" kern="1200" dirty="0" smtClean="0">
+              <a:solidFill>
+                <a:schemeClr val="tx1"/>
+              </a:solidFill>
+              <a:effectLst/>
+              <a:latin typeface="+mn-lt"/>
+              <a:ea typeface="+mn-ea"/>
+              <a:cs typeface="+mn-cs"/>
+            </a:endParaRPr>
+          </a:p>
+          <a:p>
+            <a:r>
+              <a:rPr lang="en-US" sz="1200" kern="1200" dirty="0" smtClean="0">
+                <a:solidFill>
+                  <a:schemeClr val="tx1"/>
+                </a:solidFill>
+                <a:effectLst/>
+                <a:latin typeface="+mn-lt"/>
+                <a:ea typeface="+mn-ea"/>
+                <a:cs typeface="+mn-cs"/>
+              </a:rPr>
+              <a:t>Be careful</a:t>
+            </a:r>
+            <a:r>
+              <a:rPr lang="en-US" sz="1200" kern="1200" baseline="0" dirty="0" smtClean="0">
+                <a:solidFill>
+                  <a:schemeClr val="tx1"/>
+                </a:solidFill>
+                <a:effectLst/>
+                <a:latin typeface="+mn-lt"/>
+                <a:ea typeface="+mn-ea"/>
+                <a:cs typeface="+mn-cs"/>
+              </a:rPr>
+              <a:t> trusting </a:t>
+            </a:r>
+            <a:r>
+              <a:rPr lang="en-US" sz="1200" kern="1200" baseline="0" dirty="0" err="1" smtClean="0">
+                <a:solidFill>
+                  <a:schemeClr val="tx1"/>
+                </a:solidFill>
+                <a:effectLst/>
+                <a:latin typeface="+mn-lt"/>
+                <a:ea typeface="+mn-ea"/>
+                <a:cs typeface="+mn-cs"/>
+              </a:rPr>
+              <a:t>intelisense</a:t>
+            </a:r>
+            <a:r>
+              <a:rPr lang="en-US" sz="1200" kern="1200" baseline="0" dirty="0" smtClean="0">
+                <a:solidFill>
+                  <a:schemeClr val="tx1"/>
+                </a:solidFill>
+                <a:effectLst/>
+                <a:latin typeface="+mn-lt"/>
+                <a:ea typeface="+mn-ea"/>
+                <a:cs typeface="+mn-cs"/>
+              </a:rPr>
+              <a:t>.  In store and phone apps there are cases where a class is valid for store but not phone and there is nothing in </a:t>
+            </a:r>
+            <a:r>
+              <a:rPr lang="en-US" sz="1200" kern="1200" baseline="0" dirty="0" err="1" smtClean="0">
+                <a:solidFill>
+                  <a:schemeClr val="tx1"/>
+                </a:solidFill>
+                <a:effectLst/>
+                <a:latin typeface="+mn-lt"/>
+                <a:ea typeface="+mn-ea"/>
+                <a:cs typeface="+mn-cs"/>
+              </a:rPr>
+              <a:t>intelisense</a:t>
+            </a:r>
+            <a:r>
+              <a:rPr lang="en-US" sz="1200" kern="1200" baseline="0" dirty="0" smtClean="0">
+                <a:solidFill>
+                  <a:schemeClr val="tx1"/>
+                </a:solidFill>
+                <a:effectLst/>
+                <a:latin typeface="+mn-lt"/>
+                <a:ea typeface="+mn-ea"/>
+                <a:cs typeface="+mn-cs"/>
+              </a:rPr>
+              <a:t> to warn you if phone is not supported.</a:t>
+            </a:r>
+            <a:endParaRPr lang="en-US" sz="1200" kern="1200" dirty="0" smtClean="0">
+              <a:solidFill>
+                <a:schemeClr val="tx1"/>
+              </a:solidFill>
+              <a:effectLst/>
+              <a:latin typeface="+mn-lt"/>
+              <a:ea typeface="+mn-ea"/>
+              <a:cs typeface="+mn-cs"/>
+            </a:endParaRPr>
           </a:p>
           <a:p>
             <a:endParaRPr lang="en-US" sz="1200" kern="1200" dirty="0" smtClean="0">

--- a/ReCon2014_UniversalAppPortalClassLibraries_Light.pptx
+++ b/ReCon2014_UniversalAppPortalClassLibraries_Light.pptx
@@ -5646,32 +5646,45 @@
         </p:nvSpPr>
         <p:spPr/>
         <p:txBody>
-          <a:bodyPr/>
+          <a:bodyPr>
+            <a:normAutofit fontScale="90000"/>
+          </a:bodyPr>
           <a:lstStyle/>
           <a:p>
-            <a:endParaRPr lang="en-US"/>
-          </a:p>
-        </p:txBody>
-      </p:sp>
-      <p:sp>
-        <p:nvSpPr>
-          <p:cNvPr id="3" name="Content Placeholder 2"/>
-          <p:cNvSpPr>
-            <a:spLocks noGrp="1"/>
-          </p:cNvSpPr>
+            <a:r>
+              <a:rPr lang="en-US" dirty="0" smtClean="0"/>
+              <a:t>Add phone support existing store app</a:t>
+            </a:r>
+            <a:endParaRPr lang="en-US" dirty="0"/>
+          </a:p>
+        </p:txBody>
+      </p:sp>
+      <p:pic>
+        <p:nvPicPr>
+          <p:cNvPr id="4" name="Content Placeholder 3"/>
+          <p:cNvPicPr>
+            <a:picLocks noGrp="1" noChangeAspect="1"/>
+          </p:cNvPicPr>
           <p:nvPr>
             <p:ph idx="1"/>
           </p:nvPr>
-        </p:nvSpPr>
-        <p:spPr/>
-        <p:txBody>
-          <a:bodyPr/>
-          <a:lstStyle/>
-          <a:p>
-            <a:endParaRPr lang="en-US" dirty="0"/>
-          </a:p>
-        </p:txBody>
-      </p:sp>
+        </p:nvPicPr>
+        <p:blipFill>
+          <a:blip r:embed="rId2"/>
+          <a:stretch>
+            <a:fillRect/>
+          </a:stretch>
+        </p:blipFill>
+        <p:spPr>
+          <a:xfrm>
+            <a:off x="457200" y="1648925"/>
+            <a:ext cx="8102036" cy="2743461"/>
+          </a:xfrm>
+          <a:prstGeom prst="rect">
+            <a:avLst/>
+          </a:prstGeom>
+        </p:spPr>
+      </p:pic>
       <p:pic>
         <p:nvPicPr>
           <p:cNvPr id="5" name="Picture 4"/>
@@ -5681,7 +5694,7 @@
           <p:nvPr/>
         </p:nvPicPr>
         <p:blipFill>
-          <a:blip r:embed="rId2">
+          <a:blip r:embed="rId3">
             <a:extLst>
               <a:ext uri="{28A0092B-C50C-407E-A947-70E740481C1C}">
                 <a14:useLocalDpi xmlns:a14="http://schemas.microsoft.com/office/drawing/2010/main" val="0"/>

--- a/ReCon2014_UniversalAppPortalClassLibraries_Light.pptx
+++ b/ReCon2014_UniversalAppPortalClassLibraries_Light.pptx
@@ -14,11 +14,11 @@
     <p:sldId id="258" r:id="rId5"/>
     <p:sldId id="263" r:id="rId6"/>
     <p:sldId id="260" r:id="rId7"/>
-    <p:sldId id="262" r:id="rId8"/>
-    <p:sldId id="261" r:id="rId9"/>
-    <p:sldId id="264" r:id="rId10"/>
-    <p:sldId id="272" r:id="rId11"/>
-    <p:sldId id="271" r:id="rId12"/>
+    <p:sldId id="261" r:id="rId8"/>
+    <p:sldId id="264" r:id="rId9"/>
+    <p:sldId id="271" r:id="rId10"/>
+    <p:sldId id="262" r:id="rId11"/>
+    <p:sldId id="272" r:id="rId12"/>
     <p:sldId id="265" r:id="rId13"/>
     <p:sldId id="266" r:id="rId14"/>
     <p:sldId id="270" r:id="rId15"/>
@@ -224,7 +224,7 @@
           <a:p>
             <a:fld id="{EEE4906C-EBA9-4A0B-AE3E-11B5B3DE1E30}" type="datetimeFigureOut">
               <a:rPr lang="en-US" smtClean="0"/>
-              <a:t>10/3/2014</a:t>
+              <a:t>10/4/2014</a:t>
             </a:fld>
             <a:endParaRPr lang="en-US"/>
           </a:p>
@@ -609,6 +609,415 @@
 </p:notes>
 </file>
 
+<file path=ppt/notesSlides/notesSlide10.xml><?xml version="1.0" encoding="utf-8"?>
+<p:notes xmlns:a="http://schemas.openxmlformats.org/drawingml/2006/main" xmlns:r="http://schemas.openxmlformats.org/officeDocument/2006/relationships" xmlns:p="http://schemas.openxmlformats.org/presentationml/2006/main">
+  <p:cSld>
+    <p:spTree>
+      <p:nvGrpSpPr>
+        <p:cNvPr id="1" name=""/>
+        <p:cNvGrpSpPr/>
+        <p:nvPr/>
+      </p:nvGrpSpPr>
+      <p:grpSpPr>
+        <a:xfrm>
+          <a:off x="0" y="0"/>
+          <a:ext cx="0" cy="0"/>
+          <a:chOff x="0" y="0"/>
+          <a:chExt cx="0" cy="0"/>
+        </a:xfrm>
+      </p:grpSpPr>
+      <p:sp>
+        <p:nvSpPr>
+          <p:cNvPr id="2" name="Slide Image Placeholder 1"/>
+          <p:cNvSpPr>
+            <a:spLocks noGrp="1" noRot="1" noChangeAspect="1"/>
+          </p:cNvSpPr>
+          <p:nvPr>
+            <p:ph type="sldImg"/>
+          </p:nvPr>
+        </p:nvSpPr>
+        <p:spPr/>
+      </p:sp>
+      <p:sp>
+        <p:nvSpPr>
+          <p:cNvPr id="3" name="Notes Placeholder 2"/>
+          <p:cNvSpPr>
+            <a:spLocks noGrp="1"/>
+          </p:cNvSpPr>
+          <p:nvPr>
+            <p:ph type="body" idx="1"/>
+          </p:nvPr>
+        </p:nvSpPr>
+        <p:spPr/>
+        <p:txBody>
+          <a:bodyPr/>
+          <a:lstStyle/>
+          <a:p>
+            <a:r>
+              <a:rPr lang="en-US" sz="1200" kern="1200" dirty="0" smtClean="0">
+                <a:solidFill>
+                  <a:schemeClr val="tx1"/>
+                </a:solidFill>
+                <a:effectLst/>
+                <a:latin typeface="+mn-lt"/>
+                <a:ea typeface="+mn-ea"/>
+                <a:cs typeface="+mn-cs"/>
+              </a:rPr>
+              <a:t>Demo!</a:t>
+            </a:r>
+          </a:p>
+          <a:p>
+            <a:endParaRPr lang="en-US" sz="1200" kern="1200" dirty="0" smtClean="0">
+              <a:solidFill>
+                <a:schemeClr val="tx1"/>
+              </a:solidFill>
+              <a:effectLst/>
+              <a:latin typeface="+mn-lt"/>
+              <a:ea typeface="+mn-ea"/>
+              <a:cs typeface="+mn-cs"/>
+            </a:endParaRPr>
+          </a:p>
+          <a:p>
+            <a:r>
+              <a:rPr lang="en-US" sz="1200" kern="1200" dirty="0" smtClean="0">
+                <a:solidFill>
+                  <a:schemeClr val="tx1"/>
+                </a:solidFill>
+                <a:effectLst/>
+                <a:latin typeface="+mn-lt"/>
+                <a:ea typeface="+mn-ea"/>
+                <a:cs typeface="+mn-cs"/>
+              </a:rPr>
+              <a:t>Be careful</a:t>
+            </a:r>
+            <a:r>
+              <a:rPr lang="en-US" sz="1200" kern="1200" baseline="0" dirty="0" smtClean="0">
+                <a:solidFill>
+                  <a:schemeClr val="tx1"/>
+                </a:solidFill>
+                <a:effectLst/>
+                <a:latin typeface="+mn-lt"/>
+                <a:ea typeface="+mn-ea"/>
+                <a:cs typeface="+mn-cs"/>
+              </a:rPr>
+              <a:t> trusting </a:t>
+            </a:r>
+            <a:r>
+              <a:rPr lang="en-US" sz="1200" kern="1200" baseline="0" dirty="0" err="1" smtClean="0">
+                <a:solidFill>
+                  <a:schemeClr val="tx1"/>
+                </a:solidFill>
+                <a:effectLst/>
+                <a:latin typeface="+mn-lt"/>
+                <a:ea typeface="+mn-ea"/>
+                <a:cs typeface="+mn-cs"/>
+              </a:rPr>
+              <a:t>intelisense</a:t>
+            </a:r>
+            <a:r>
+              <a:rPr lang="en-US" sz="1200" kern="1200" baseline="0" dirty="0" smtClean="0">
+                <a:solidFill>
+                  <a:schemeClr val="tx1"/>
+                </a:solidFill>
+                <a:effectLst/>
+                <a:latin typeface="+mn-lt"/>
+                <a:ea typeface="+mn-ea"/>
+                <a:cs typeface="+mn-cs"/>
+              </a:rPr>
+              <a:t>.  In store and phone apps there are cases where a class is valid for store but not phone and there is nothing in </a:t>
+            </a:r>
+            <a:r>
+              <a:rPr lang="en-US" sz="1200" kern="1200" baseline="0" dirty="0" err="1" smtClean="0">
+                <a:solidFill>
+                  <a:schemeClr val="tx1"/>
+                </a:solidFill>
+                <a:effectLst/>
+                <a:latin typeface="+mn-lt"/>
+                <a:ea typeface="+mn-ea"/>
+                <a:cs typeface="+mn-cs"/>
+              </a:rPr>
+              <a:t>intelisense</a:t>
+            </a:r>
+            <a:r>
+              <a:rPr lang="en-US" sz="1200" kern="1200" baseline="0" dirty="0" smtClean="0">
+                <a:solidFill>
+                  <a:schemeClr val="tx1"/>
+                </a:solidFill>
+                <a:effectLst/>
+                <a:latin typeface="+mn-lt"/>
+                <a:ea typeface="+mn-ea"/>
+                <a:cs typeface="+mn-cs"/>
+              </a:rPr>
+              <a:t> to warn you if phone is not supported.</a:t>
+            </a:r>
+            <a:endParaRPr lang="en-US" sz="1200" kern="1200" dirty="0" smtClean="0">
+              <a:solidFill>
+                <a:schemeClr val="tx1"/>
+              </a:solidFill>
+              <a:effectLst/>
+              <a:latin typeface="+mn-lt"/>
+              <a:ea typeface="+mn-ea"/>
+              <a:cs typeface="+mn-cs"/>
+            </a:endParaRPr>
+          </a:p>
+          <a:p>
+            <a:endParaRPr lang="en-US" sz="1200" kern="1200" dirty="0" smtClean="0">
+              <a:solidFill>
+                <a:schemeClr val="tx1"/>
+              </a:solidFill>
+              <a:effectLst/>
+              <a:latin typeface="+mn-lt"/>
+              <a:ea typeface="+mn-ea"/>
+              <a:cs typeface="+mn-cs"/>
+            </a:endParaRPr>
+          </a:p>
+          <a:p>
+            <a:r>
+              <a:rPr lang="en-US" sz="1200" kern="1200" dirty="0" smtClean="0">
+                <a:solidFill>
+                  <a:schemeClr val="tx1"/>
+                </a:solidFill>
+                <a:effectLst/>
+                <a:latin typeface="+mn-lt"/>
+                <a:ea typeface="+mn-ea"/>
+                <a:cs typeface="+mn-cs"/>
+              </a:rPr>
+              <a:t>Strongly agree here, it's confusing because you never know for sure when an API you use will blow up on either platform, unless you try it out (or read the docs, TBH). One of such examples is in </a:t>
+            </a:r>
+            <a:r>
+              <a:rPr lang="en-US" sz="1200" kern="1200" dirty="0" err="1" smtClean="0">
+                <a:solidFill>
+                  <a:schemeClr val="tx1"/>
+                </a:solidFill>
+                <a:effectLst/>
+                <a:latin typeface="+mn-lt"/>
+                <a:ea typeface="+mn-ea"/>
+                <a:cs typeface="+mn-cs"/>
+              </a:rPr>
+              <a:t>Windows.Storage</a:t>
+            </a:r>
+            <a:r>
+              <a:rPr lang="en-US" sz="1200" kern="1200" dirty="0" smtClean="0">
+                <a:solidFill>
+                  <a:schemeClr val="tx1"/>
+                </a:solidFill>
+                <a:effectLst/>
+                <a:latin typeface="+mn-lt"/>
+                <a:ea typeface="+mn-ea"/>
+                <a:cs typeface="+mn-cs"/>
+              </a:rPr>
+              <a:t> namespace:</a:t>
+            </a:r>
+          </a:p>
+          <a:p>
+            <a:r>
+              <a:rPr lang="en-US" sz="1200" kern="1200" dirty="0" smtClean="0">
+                <a:solidFill>
+                  <a:schemeClr val="tx1"/>
+                </a:solidFill>
+                <a:effectLst/>
+                <a:latin typeface="+mn-lt"/>
+                <a:ea typeface="+mn-ea"/>
+                <a:cs typeface="+mn-cs"/>
+              </a:rPr>
+              <a:t> </a:t>
+            </a:r>
+          </a:p>
+          <a:p>
+            <a:r>
+              <a:rPr lang="en-US" sz="1200" kern="1200" dirty="0" err="1" smtClean="0">
+                <a:solidFill>
+                  <a:schemeClr val="tx1"/>
+                </a:solidFill>
+                <a:effectLst/>
+                <a:latin typeface="+mn-lt"/>
+                <a:ea typeface="+mn-ea"/>
+                <a:cs typeface="+mn-cs"/>
+              </a:rPr>
+              <a:t>KnownFolders.MediaServerDevices</a:t>
+            </a:r>
+            <a:r>
+              <a:rPr lang="en-US" sz="1200" kern="1200" dirty="0" smtClean="0">
+                <a:solidFill>
+                  <a:schemeClr val="tx1"/>
+                </a:solidFill>
+                <a:effectLst/>
+                <a:latin typeface="+mn-lt"/>
+                <a:ea typeface="+mn-ea"/>
+                <a:cs typeface="+mn-cs"/>
+              </a:rPr>
+              <a:t> exists on both platforms, but using it in Windows Phone would blow up "unexpectedly".</a:t>
+            </a:r>
+          </a:p>
+          <a:p>
+            <a:r>
+              <a:rPr lang="en-US" sz="1200" kern="1200" dirty="0" smtClean="0">
+                <a:solidFill>
+                  <a:schemeClr val="tx1"/>
+                </a:solidFill>
+                <a:effectLst/>
+                <a:latin typeface="+mn-lt"/>
+                <a:ea typeface="+mn-ea"/>
+                <a:cs typeface="+mn-cs"/>
+              </a:rPr>
+              <a:t> </a:t>
+            </a:r>
+          </a:p>
+          <a:p>
+            <a:r>
+              <a:rPr lang="en-US" sz="1200" kern="1200" dirty="0" smtClean="0">
+                <a:solidFill>
+                  <a:schemeClr val="tx1"/>
+                </a:solidFill>
+                <a:effectLst/>
+                <a:latin typeface="+mn-lt"/>
+                <a:ea typeface="+mn-ea"/>
+                <a:cs typeface="+mn-cs"/>
+              </a:rPr>
+              <a:t>On the other hand, </a:t>
+            </a:r>
+            <a:r>
+              <a:rPr lang="en-US" sz="1200" kern="1200" dirty="0" err="1" smtClean="0">
+                <a:solidFill>
+                  <a:schemeClr val="tx1"/>
+                </a:solidFill>
+                <a:effectLst/>
+                <a:latin typeface="+mn-lt"/>
+                <a:ea typeface="+mn-ea"/>
+                <a:cs typeface="+mn-cs"/>
+              </a:rPr>
+              <a:t>ApplicationData.Current.LocalCacheFolder</a:t>
+            </a:r>
+            <a:r>
+              <a:rPr lang="en-US" sz="1200" kern="1200" dirty="0" smtClean="0">
+                <a:solidFill>
+                  <a:schemeClr val="tx1"/>
+                </a:solidFill>
+                <a:effectLst/>
+                <a:latin typeface="+mn-lt"/>
+                <a:ea typeface="+mn-ea"/>
+                <a:cs typeface="+mn-cs"/>
+              </a:rPr>
+              <a:t> exists only on Windows Phone and you can't compile a Store project until you #</a:t>
+            </a:r>
+            <a:r>
+              <a:rPr lang="en-US" sz="1200" kern="1200" dirty="0" err="1" smtClean="0">
+                <a:solidFill>
+                  <a:schemeClr val="tx1"/>
+                </a:solidFill>
+                <a:effectLst/>
+                <a:latin typeface="+mn-lt"/>
+                <a:ea typeface="+mn-ea"/>
+                <a:cs typeface="+mn-cs"/>
+              </a:rPr>
+              <a:t>ifdef</a:t>
+            </a:r>
+            <a:r>
+              <a:rPr lang="en-US" sz="1200" kern="1200" dirty="0" smtClean="0">
+                <a:solidFill>
+                  <a:schemeClr val="tx1"/>
+                </a:solidFill>
+                <a:effectLst/>
+                <a:latin typeface="+mn-lt"/>
+                <a:ea typeface="+mn-ea"/>
+                <a:cs typeface="+mn-cs"/>
+              </a:rPr>
+              <a:t> it out.</a:t>
+            </a:r>
+          </a:p>
+          <a:p>
+            <a:r>
+              <a:rPr lang="en-US" sz="1200" kern="1200" dirty="0" smtClean="0">
+                <a:solidFill>
+                  <a:schemeClr val="tx1"/>
+                </a:solidFill>
+                <a:effectLst/>
+                <a:latin typeface="+mn-lt"/>
+                <a:ea typeface="+mn-ea"/>
+                <a:cs typeface="+mn-cs"/>
+              </a:rPr>
+              <a:t> </a:t>
+            </a:r>
+          </a:p>
+          <a:p>
+            <a:r>
+              <a:rPr lang="en-US" sz="1200" kern="1200" dirty="0" smtClean="0">
+                <a:solidFill>
+                  <a:schemeClr val="tx1"/>
+                </a:solidFill>
+                <a:effectLst/>
+                <a:latin typeface="+mn-lt"/>
+                <a:ea typeface="+mn-ea"/>
+                <a:cs typeface="+mn-cs"/>
+              </a:rPr>
+              <a:t>Both APIs return a </a:t>
+            </a:r>
+            <a:r>
+              <a:rPr lang="en-US" sz="1200" kern="1200" dirty="0" err="1" smtClean="0">
+                <a:solidFill>
+                  <a:schemeClr val="tx1"/>
+                </a:solidFill>
+                <a:effectLst/>
+                <a:latin typeface="+mn-lt"/>
+                <a:ea typeface="+mn-ea"/>
+                <a:cs typeface="+mn-cs"/>
+              </a:rPr>
+              <a:t>StorageFolder</a:t>
+            </a:r>
+            <a:r>
+              <a:rPr lang="en-US" sz="1200" kern="1200" dirty="0" smtClean="0">
+                <a:solidFill>
+                  <a:schemeClr val="tx1"/>
+                </a:solidFill>
+                <a:effectLst/>
+                <a:latin typeface="+mn-lt"/>
+                <a:ea typeface="+mn-ea"/>
+                <a:cs typeface="+mn-cs"/>
+              </a:rPr>
+              <a:t> so it's not like they are completely different things. Hiding unsupported APIs would make this work much more transparently for developers...</a:t>
+            </a:r>
+          </a:p>
+          <a:p>
+            <a:endParaRPr lang="en-US" dirty="0"/>
+          </a:p>
+        </p:txBody>
+      </p:sp>
+      <p:sp>
+        <p:nvSpPr>
+          <p:cNvPr id="4" name="Slide Number Placeholder 3"/>
+          <p:cNvSpPr>
+            <a:spLocks noGrp="1"/>
+          </p:cNvSpPr>
+          <p:nvPr>
+            <p:ph type="sldNum" sz="quarter" idx="10"/>
+          </p:nvPr>
+        </p:nvSpPr>
+        <p:spPr/>
+        <p:txBody>
+          <a:bodyPr/>
+          <a:lstStyle/>
+          <a:p>
+            <a:fld id="{795A654D-6BE0-48C1-8457-36B06568CB66}" type="slidenum">
+              <a:rPr lang="en-US" smtClean="0"/>
+              <a:t>10</a:t>
+            </a:fld>
+            <a:endParaRPr lang="en-US"/>
+          </a:p>
+        </p:txBody>
+      </p:sp>
+    </p:spTree>
+    <p:extLst>
+      <p:ext uri="{BB962C8B-B14F-4D97-AF65-F5344CB8AC3E}">
+        <p14:creationId xmlns:p14="http://schemas.microsoft.com/office/powerpoint/2010/main" val="4111612807"/>
+      </p:ext>
+    </p:extLst>
+  </p:cSld>
+  <p:clrMapOvr>
+    <a:masterClrMapping/>
+  </p:clrMapOvr>
+</p:notes>
+</file>
+
 <file path=ppt/notesSlides/notesSlide2.xml><?xml version="1.0" encoding="utf-8"?>
 <p:notes xmlns:a="http://schemas.openxmlformats.org/drawingml/2006/main" xmlns:r="http://schemas.openxmlformats.org/officeDocument/2006/relationships" xmlns:p="http://schemas.openxmlformats.org/presentationml/2006/main">
   <p:cSld>
@@ -885,19 +1294,7 @@
                 <a:ea typeface="+mn-ea"/>
                 <a:cs typeface="+mn-cs"/>
               </a:rPr>
-              <a:t>Windows </a:t>
-            </a:r>
-            <a:r>
-              <a:rPr lang="en-US" sz="1200" kern="1200" dirty="0" smtClean="0">
-                <a:solidFill>
-                  <a:schemeClr val="tx1"/>
-                </a:solidFill>
-                <a:effectLst/>
-                <a:latin typeface="+mn-lt"/>
-                <a:ea typeface="+mn-ea"/>
-                <a:cs typeface="+mn-cs"/>
-              </a:rPr>
-              <a:t>store and phone apps have gone through a number of changes over the last couple of years.  The stores started out separate but Microsoft has been working to bring both stores together.  Getting a developer license started out at about $100 then 10 and now free.  The newest iteration adds a few levels depending on what your app qualifies for.  I have not yet spent much time looking at what this means.</a:t>
+              <a:t>Windows store and phone apps have gone through a number of changes over the last couple of years.  The stores started out separate but Microsoft has been working to bring both stores together.  Getting a developer license started out at about $100 then 10 and now free.  The newest iteration adds a few levels depending on what your app qualifies for.  I have not yet spent much time looking at what this means.</a:t>
             </a:r>
           </a:p>
           <a:p>
@@ -1102,19 +1499,7 @@
                 <a:ea typeface="+mn-ea"/>
                 <a:cs typeface="+mn-cs"/>
               </a:rPr>
-              <a:t>Develop </a:t>
-            </a:r>
-            <a:r>
-              <a:rPr lang="en-US" sz="1200" kern="1200" dirty="0" smtClean="0">
-                <a:solidFill>
-                  <a:schemeClr val="tx1"/>
-                </a:solidFill>
-                <a:effectLst/>
-                <a:latin typeface="+mn-lt"/>
-                <a:ea typeface="+mn-ea"/>
-                <a:cs typeface="+mn-cs"/>
-              </a:rPr>
-              <a:t>once for all Windows devices using a unified Windows runtime and VS tools that allow you to both support experiences unique to a device in XAML, HTML, and DirectX, and share the code that supports those experiences across all devices using C++, C#, or JavaScript. When your work is finished you can you can produce the app packages that you will submit to the Windows Store and Windows Phone Store with a single action to get your app out to customers on any Windows device.</a:t>
+              <a:t>Develop once for all Windows devices using a unified Windows runtime and VS tools that allow you to both support experiences unique to a device in XAML, HTML, and DirectX, and share the code that supports those experiences across all devices using C++, C#, or JavaScript. When your work is finished you can you can produce the app packages that you will submit to the Windows Store and Windows Phone Store with a single action to get your app out to customers on any Windows device.</a:t>
             </a:r>
           </a:p>
           <a:p>
@@ -1314,19 +1699,7 @@
                 <a:ea typeface="+mn-ea"/>
                 <a:cs typeface="+mn-cs"/>
               </a:rPr>
-              <a:t>Where </a:t>
-            </a:r>
-            <a:r>
-              <a:rPr lang="en-US" sz="1200" b="1" kern="1200" dirty="0" smtClean="0">
-                <a:solidFill>
-                  <a:schemeClr val="tx1"/>
-                </a:solidFill>
-                <a:effectLst/>
-                <a:latin typeface="+mn-lt"/>
-                <a:ea typeface="+mn-ea"/>
-                <a:cs typeface="+mn-cs"/>
-              </a:rPr>
-              <a:t>are we with feature parity</a:t>
+              <a:t>Where are we with feature parity</a:t>
             </a:r>
           </a:p>
           <a:p>
@@ -1430,20 +1803,7 @@
                 <a:cs typeface="+mn-cs"/>
                 <a:hlinkClick r:id="rId3"/>
               </a:rPr>
-              <a:t>http://msdn.microsoft.com/library</a:t>
-            </a:r>
-            <a:r>
-              <a:rPr lang="en-US" sz="1200" u="sng" kern="1200" dirty="0" smtClean="0">
-                <a:solidFill>
-                  <a:schemeClr val="tx1"/>
-                </a:solidFill>
-                <a:effectLst/>
-                <a:latin typeface="+mn-lt"/>
-                <a:ea typeface="+mn-ea"/>
-                <a:cs typeface="+mn-cs"/>
-                <a:hlinkClick r:id="rId3"/>
-              </a:rPr>
-              <a:t>/</a:t>
+              <a:t>http://msdn.microsoft.com/library/</a:t>
             </a:r>
             <a:endParaRPr lang="en-US" sz="1200" u="sng" kern="1200" dirty="0" smtClean="0">
               <a:solidFill>
@@ -1520,11 +1880,7 @@
           <a:p>
             <a:r>
               <a:rPr lang="en-US" dirty="0" smtClean="0"/>
-              <a:t>http://</a:t>
-            </a:r>
-            <a:r>
-              <a:rPr lang="en-US" dirty="0" smtClean="0"/>
-              <a:t>msdn.microsoft.com/en-us/library/windows.phone.media.capture.aspx</a:t>
+              <a:t>http://msdn.microsoft.com/en-us/library/windows.phone.media.capture.aspx</a:t>
             </a:r>
           </a:p>
           <a:p>
@@ -1935,6 +2291,23 @@
           <a:bodyPr/>
           <a:lstStyle/>
           <a:p>
+            <a:pPr marL="0" marR="0" indent="0" algn="l" defTabSz="914400" rtl="0" eaLnBrk="1" fontAlgn="auto" latinLnBrk="0" hangingPunct="1">
+              <a:lnSpc>
+                <a:spcPct val="100000"/>
+              </a:lnSpc>
+              <a:spcBef>
+                <a:spcPts val="0"/>
+              </a:spcBef>
+              <a:spcAft>
+                <a:spcPts val="0"/>
+              </a:spcAft>
+              <a:buClrTx/>
+              <a:buSzTx/>
+              <a:buFontTx/>
+              <a:buNone/>
+              <a:tabLst/>
+              <a:defRPr/>
+            </a:pPr>
             <a:r>
               <a:rPr lang="en-US" sz="1200" kern="1200" dirty="0" smtClean="0">
                 <a:solidFill>
@@ -1945,318 +2318,7 @@
                 <a:ea typeface="+mn-ea"/>
                 <a:cs typeface="+mn-cs"/>
               </a:rPr>
-              <a:t>Demo!</a:t>
-            </a:r>
-          </a:p>
-          <a:p>
-            <a:endParaRPr lang="en-US" sz="1200" kern="1200" dirty="0" smtClean="0">
-              <a:solidFill>
-                <a:schemeClr val="tx1"/>
-              </a:solidFill>
-              <a:effectLst/>
-              <a:latin typeface="+mn-lt"/>
-              <a:ea typeface="+mn-ea"/>
-              <a:cs typeface="+mn-cs"/>
-            </a:endParaRPr>
-          </a:p>
-          <a:p>
-            <a:r>
-              <a:rPr lang="en-US" sz="1200" kern="1200" dirty="0" smtClean="0">
-                <a:solidFill>
-                  <a:schemeClr val="tx1"/>
-                </a:solidFill>
-                <a:effectLst/>
-                <a:latin typeface="+mn-lt"/>
-                <a:ea typeface="+mn-ea"/>
-                <a:cs typeface="+mn-cs"/>
-              </a:rPr>
-              <a:t>Be careful</a:t>
-            </a:r>
-            <a:r>
-              <a:rPr lang="en-US" sz="1200" kern="1200" baseline="0" dirty="0" smtClean="0">
-                <a:solidFill>
-                  <a:schemeClr val="tx1"/>
-                </a:solidFill>
-                <a:effectLst/>
-                <a:latin typeface="+mn-lt"/>
-                <a:ea typeface="+mn-ea"/>
-                <a:cs typeface="+mn-cs"/>
-              </a:rPr>
-              <a:t> trusting </a:t>
-            </a:r>
-            <a:r>
-              <a:rPr lang="en-US" sz="1200" kern="1200" baseline="0" dirty="0" err="1" smtClean="0">
-                <a:solidFill>
-                  <a:schemeClr val="tx1"/>
-                </a:solidFill>
-                <a:effectLst/>
-                <a:latin typeface="+mn-lt"/>
-                <a:ea typeface="+mn-ea"/>
-                <a:cs typeface="+mn-cs"/>
-              </a:rPr>
-              <a:t>intelisense</a:t>
-            </a:r>
-            <a:r>
-              <a:rPr lang="en-US" sz="1200" kern="1200" baseline="0" dirty="0" smtClean="0">
-                <a:solidFill>
-                  <a:schemeClr val="tx1"/>
-                </a:solidFill>
-                <a:effectLst/>
-                <a:latin typeface="+mn-lt"/>
-                <a:ea typeface="+mn-ea"/>
-                <a:cs typeface="+mn-cs"/>
-              </a:rPr>
-              <a:t>.  In store and phone apps there are cases where a class is valid for store but not phone and there is nothing in </a:t>
-            </a:r>
-            <a:r>
-              <a:rPr lang="en-US" sz="1200" kern="1200" baseline="0" dirty="0" err="1" smtClean="0">
-                <a:solidFill>
-                  <a:schemeClr val="tx1"/>
-                </a:solidFill>
-                <a:effectLst/>
-                <a:latin typeface="+mn-lt"/>
-                <a:ea typeface="+mn-ea"/>
-                <a:cs typeface="+mn-cs"/>
-              </a:rPr>
-              <a:t>intelisense</a:t>
-            </a:r>
-            <a:r>
-              <a:rPr lang="en-US" sz="1200" kern="1200" baseline="0" dirty="0" smtClean="0">
-                <a:solidFill>
-                  <a:schemeClr val="tx1"/>
-                </a:solidFill>
-                <a:effectLst/>
-                <a:latin typeface="+mn-lt"/>
-                <a:ea typeface="+mn-ea"/>
-                <a:cs typeface="+mn-cs"/>
-              </a:rPr>
-              <a:t> to warn you if phone is not supported.</a:t>
-            </a:r>
-            <a:endParaRPr lang="en-US" sz="1200" kern="1200" dirty="0" smtClean="0">
-              <a:solidFill>
-                <a:schemeClr val="tx1"/>
-              </a:solidFill>
-              <a:effectLst/>
-              <a:latin typeface="+mn-lt"/>
-              <a:ea typeface="+mn-ea"/>
-              <a:cs typeface="+mn-cs"/>
-            </a:endParaRPr>
-          </a:p>
-          <a:p>
-            <a:endParaRPr lang="en-US" sz="1200" kern="1200" dirty="0" smtClean="0">
-              <a:solidFill>
-                <a:schemeClr val="tx1"/>
-              </a:solidFill>
-              <a:effectLst/>
-              <a:latin typeface="+mn-lt"/>
-              <a:ea typeface="+mn-ea"/>
-              <a:cs typeface="+mn-cs"/>
-            </a:endParaRPr>
-          </a:p>
-          <a:p>
-            <a:r>
-              <a:rPr lang="en-US" sz="1200" kern="1200" dirty="0" smtClean="0">
-                <a:solidFill>
-                  <a:schemeClr val="tx1"/>
-                </a:solidFill>
-                <a:effectLst/>
-                <a:latin typeface="+mn-lt"/>
-                <a:ea typeface="+mn-ea"/>
-                <a:cs typeface="+mn-cs"/>
-              </a:rPr>
-              <a:t>Strongly agree here, it's confusing because you never know for sure when an API you use will blow up on either platform, unless you try it out (or read the docs, TBH). One of such examples is in </a:t>
-            </a:r>
-            <a:r>
-              <a:rPr lang="en-US" sz="1200" kern="1200" dirty="0" err="1" smtClean="0">
-                <a:solidFill>
-                  <a:schemeClr val="tx1"/>
-                </a:solidFill>
-                <a:effectLst/>
-                <a:latin typeface="+mn-lt"/>
-                <a:ea typeface="+mn-ea"/>
-                <a:cs typeface="+mn-cs"/>
-              </a:rPr>
-              <a:t>Windows.Storage</a:t>
-            </a:r>
-            <a:r>
-              <a:rPr lang="en-US" sz="1200" kern="1200" dirty="0" smtClean="0">
-                <a:solidFill>
-                  <a:schemeClr val="tx1"/>
-                </a:solidFill>
-                <a:effectLst/>
-                <a:latin typeface="+mn-lt"/>
-                <a:ea typeface="+mn-ea"/>
-                <a:cs typeface="+mn-cs"/>
-              </a:rPr>
-              <a:t> namespace:</a:t>
-            </a:r>
-          </a:p>
-          <a:p>
-            <a:r>
-              <a:rPr lang="en-US" sz="1200" kern="1200" dirty="0" smtClean="0">
-                <a:solidFill>
-                  <a:schemeClr val="tx1"/>
-                </a:solidFill>
-                <a:effectLst/>
-                <a:latin typeface="+mn-lt"/>
-                <a:ea typeface="+mn-ea"/>
-                <a:cs typeface="+mn-cs"/>
-              </a:rPr>
-              <a:t> </a:t>
-            </a:r>
-          </a:p>
-          <a:p>
-            <a:r>
-              <a:rPr lang="en-US" sz="1200" kern="1200" dirty="0" err="1" smtClean="0">
-                <a:solidFill>
-                  <a:schemeClr val="tx1"/>
-                </a:solidFill>
-                <a:effectLst/>
-                <a:latin typeface="+mn-lt"/>
-                <a:ea typeface="+mn-ea"/>
-                <a:cs typeface="+mn-cs"/>
-              </a:rPr>
-              <a:t>KnownFolders.MediaServerDevices</a:t>
-            </a:r>
-            <a:r>
-              <a:rPr lang="en-US" sz="1200" kern="1200" dirty="0" smtClean="0">
-                <a:solidFill>
-                  <a:schemeClr val="tx1"/>
-                </a:solidFill>
-                <a:effectLst/>
-                <a:latin typeface="+mn-lt"/>
-                <a:ea typeface="+mn-ea"/>
-                <a:cs typeface="+mn-cs"/>
-              </a:rPr>
-              <a:t> exists on both platforms, but using it in Windows Phone would blow up "unexpectedly".</a:t>
-            </a:r>
-          </a:p>
-          <a:p>
-            <a:r>
-              <a:rPr lang="en-US" sz="1200" kern="1200" dirty="0" smtClean="0">
-                <a:solidFill>
-                  <a:schemeClr val="tx1"/>
-                </a:solidFill>
-                <a:effectLst/>
-                <a:latin typeface="+mn-lt"/>
-                <a:ea typeface="+mn-ea"/>
-                <a:cs typeface="+mn-cs"/>
-              </a:rPr>
-              <a:t> </a:t>
-            </a:r>
-          </a:p>
-          <a:p>
-            <a:r>
-              <a:rPr lang="en-US" sz="1200" kern="1200" dirty="0" smtClean="0">
-                <a:solidFill>
-                  <a:schemeClr val="tx1"/>
-                </a:solidFill>
-                <a:effectLst/>
-                <a:latin typeface="+mn-lt"/>
-                <a:ea typeface="+mn-ea"/>
-                <a:cs typeface="+mn-cs"/>
-              </a:rPr>
-              <a:t>On the other hand, </a:t>
-            </a:r>
-            <a:r>
-              <a:rPr lang="en-US" sz="1200" kern="1200" dirty="0" err="1" smtClean="0">
-                <a:solidFill>
-                  <a:schemeClr val="tx1"/>
-                </a:solidFill>
-                <a:effectLst/>
-                <a:latin typeface="+mn-lt"/>
-                <a:ea typeface="+mn-ea"/>
-                <a:cs typeface="+mn-cs"/>
-              </a:rPr>
-              <a:t>ApplicationData.Current.LocalCacheFolder</a:t>
-            </a:r>
-            <a:r>
-              <a:rPr lang="en-US" sz="1200" kern="1200" dirty="0" smtClean="0">
-                <a:solidFill>
-                  <a:schemeClr val="tx1"/>
-                </a:solidFill>
-                <a:effectLst/>
-                <a:latin typeface="+mn-lt"/>
-                <a:ea typeface="+mn-ea"/>
-                <a:cs typeface="+mn-cs"/>
-              </a:rPr>
-              <a:t> exists only on Windows Phone and you can't compile a Store project until you #</a:t>
-            </a:r>
-            <a:r>
-              <a:rPr lang="en-US" sz="1200" kern="1200" dirty="0" err="1" smtClean="0">
-                <a:solidFill>
-                  <a:schemeClr val="tx1"/>
-                </a:solidFill>
-                <a:effectLst/>
-                <a:latin typeface="+mn-lt"/>
-                <a:ea typeface="+mn-ea"/>
-                <a:cs typeface="+mn-cs"/>
-              </a:rPr>
-              <a:t>ifdef</a:t>
-            </a:r>
-            <a:r>
-              <a:rPr lang="en-US" sz="1200" kern="1200" dirty="0" smtClean="0">
-                <a:solidFill>
-                  <a:schemeClr val="tx1"/>
-                </a:solidFill>
-                <a:effectLst/>
-                <a:latin typeface="+mn-lt"/>
-                <a:ea typeface="+mn-ea"/>
-                <a:cs typeface="+mn-cs"/>
-              </a:rPr>
-              <a:t> it out.</a:t>
-            </a:r>
-          </a:p>
-          <a:p>
-            <a:r>
-              <a:rPr lang="en-US" sz="1200" kern="1200" dirty="0" smtClean="0">
-                <a:solidFill>
-                  <a:schemeClr val="tx1"/>
-                </a:solidFill>
-                <a:effectLst/>
-                <a:latin typeface="+mn-lt"/>
-                <a:ea typeface="+mn-ea"/>
-                <a:cs typeface="+mn-cs"/>
-              </a:rPr>
-              <a:t> </a:t>
-            </a:r>
-          </a:p>
-          <a:p>
-            <a:r>
-              <a:rPr lang="en-US" sz="1200" kern="1200" dirty="0" smtClean="0">
-                <a:solidFill>
-                  <a:schemeClr val="tx1"/>
-                </a:solidFill>
-                <a:effectLst/>
-                <a:latin typeface="+mn-lt"/>
-                <a:ea typeface="+mn-ea"/>
-                <a:cs typeface="+mn-cs"/>
-              </a:rPr>
-              <a:t>Both APIs return a </a:t>
-            </a:r>
-            <a:r>
-              <a:rPr lang="en-US" sz="1200" kern="1200" dirty="0" err="1" smtClean="0">
-                <a:solidFill>
-                  <a:schemeClr val="tx1"/>
-                </a:solidFill>
-                <a:effectLst/>
-                <a:latin typeface="+mn-lt"/>
-                <a:ea typeface="+mn-ea"/>
-                <a:cs typeface="+mn-cs"/>
-              </a:rPr>
-              <a:t>StorageFolder</a:t>
-            </a:r>
-            <a:r>
-              <a:rPr lang="en-US" sz="1200" kern="1200" dirty="0" smtClean="0">
-                <a:solidFill>
-                  <a:schemeClr val="tx1"/>
-                </a:solidFill>
-                <a:effectLst/>
-                <a:latin typeface="+mn-lt"/>
-                <a:ea typeface="+mn-ea"/>
-                <a:cs typeface="+mn-cs"/>
-              </a:rPr>
-              <a:t> so it's not like they are completely different things. Hiding unsupported APIs would make this work much more transparently for developers...</a:t>
+              <a:t>Universal app is made up of 3 parts, the Windows Store project, the Windows Phone project, and the shared project.  </a:t>
             </a:r>
           </a:p>
           <a:p>
@@ -2290,7 +2352,7 @@
     </p:spTree>
     <p:extLst>
       <p:ext uri="{BB962C8B-B14F-4D97-AF65-F5344CB8AC3E}">
-        <p14:creationId xmlns:p14="http://schemas.microsoft.com/office/powerpoint/2010/main" val="4111612807"/>
+        <p14:creationId xmlns:p14="http://schemas.microsoft.com/office/powerpoint/2010/main" val="863478600"/>
       </p:ext>
     </p:extLst>
   </p:cSld>
@@ -2362,7 +2424,7 @@
               <a:defRPr/>
             </a:pPr>
             <a:r>
-              <a:rPr lang="en-US" sz="1200" kern="1200" dirty="0" smtClean="0">
+              <a:rPr lang="en-US" sz="1200" kern="1200" smtClean="0">
                 <a:solidFill>
                   <a:schemeClr val="tx1"/>
                 </a:solidFill>
@@ -2375,7 +2437,7 @@
             </a:r>
           </a:p>
           <a:p>
-            <a:endParaRPr lang="en-US" dirty="0"/>
+            <a:endParaRPr lang="en-US"/>
           </a:p>
         </p:txBody>
       </p:sp>
@@ -2405,7 +2467,7 @@
     </p:spTree>
     <p:extLst>
       <p:ext uri="{BB962C8B-B14F-4D97-AF65-F5344CB8AC3E}">
-        <p14:creationId xmlns:p14="http://schemas.microsoft.com/office/powerpoint/2010/main" val="863478600"/>
+        <p14:creationId xmlns:p14="http://schemas.microsoft.com/office/powerpoint/2010/main" val="1744624234"/>
       </p:ext>
     </p:extLst>
   </p:cSld>
@@ -2459,38 +2521,7 @@
           <a:bodyPr/>
           <a:lstStyle/>
           <a:p>
-            <a:pPr marL="0" marR="0" indent="0" algn="l" defTabSz="914400" rtl="0" eaLnBrk="1" fontAlgn="auto" latinLnBrk="0" hangingPunct="1">
-              <a:lnSpc>
-                <a:spcPct val="100000"/>
-              </a:lnSpc>
-              <a:spcBef>
-                <a:spcPts val="0"/>
-              </a:spcBef>
-              <a:spcAft>
-                <a:spcPts val="0"/>
-              </a:spcAft>
-              <a:buClrTx/>
-              <a:buSzTx/>
-              <a:buFontTx/>
-              <a:buNone/>
-              <a:tabLst/>
-              <a:defRPr/>
-            </a:pPr>
-            <a:r>
-              <a:rPr lang="en-US" sz="1200" kern="1200" smtClean="0">
-                <a:solidFill>
-                  <a:schemeClr val="tx1"/>
-                </a:solidFill>
-                <a:effectLst/>
-                <a:latin typeface="+mn-lt"/>
-                <a:ea typeface="+mn-ea"/>
-                <a:cs typeface="+mn-cs"/>
-              </a:rPr>
-              <a:t>Universal app is made up of 3 parts, the Windows Store project, the Windows Phone project, and the shared project.  </a:t>
-            </a:r>
-          </a:p>
-          <a:p>
-            <a:endParaRPr lang="en-US"/>
+            <a:endParaRPr lang="en-US" dirty="0"/>
           </a:p>
         </p:txBody>
       </p:sp>
@@ -2520,7 +2551,7 @@
     </p:spTree>
     <p:extLst>
       <p:ext uri="{BB962C8B-B14F-4D97-AF65-F5344CB8AC3E}">
-        <p14:creationId xmlns:p14="http://schemas.microsoft.com/office/powerpoint/2010/main" val="1744624234"/>
+        <p14:creationId xmlns:p14="http://schemas.microsoft.com/office/powerpoint/2010/main" val="4160990010"/>
       </p:ext>
     </p:extLst>
   </p:cSld>
@@ -2711,7 +2742,7 @@
           <a:p>
             <a:fld id="{DA583EDF-0732-5343-98CC-1C67BF71244D}" type="datetimeFigureOut">
               <a:rPr lang="en-US" smtClean="0"/>
-              <a:t>10/3/2014</a:t>
+              <a:t>10/4/2014</a:t>
             </a:fld>
             <a:endParaRPr lang="en-US"/>
           </a:p>
@@ -2881,7 +2912,7 @@
           <a:p>
             <a:fld id="{DA583EDF-0732-5343-98CC-1C67BF71244D}" type="datetimeFigureOut">
               <a:rPr lang="en-US" smtClean="0"/>
-              <a:t>10/3/2014</a:t>
+              <a:t>10/4/2014</a:t>
             </a:fld>
             <a:endParaRPr lang="en-US"/>
           </a:p>
@@ -3061,7 +3092,7 @@
           <a:p>
             <a:fld id="{DA583EDF-0732-5343-98CC-1C67BF71244D}" type="datetimeFigureOut">
               <a:rPr lang="en-US" smtClean="0"/>
-              <a:t>10/3/2014</a:t>
+              <a:t>10/4/2014</a:t>
             </a:fld>
             <a:endParaRPr lang="en-US"/>
           </a:p>
@@ -3231,7 +3262,7 @@
           <a:p>
             <a:fld id="{DA583EDF-0732-5343-98CC-1C67BF71244D}" type="datetimeFigureOut">
               <a:rPr lang="en-US" smtClean="0"/>
-              <a:t>10/3/2014</a:t>
+              <a:t>10/4/2014</a:t>
             </a:fld>
             <a:endParaRPr lang="en-US"/>
           </a:p>
@@ -3477,7 +3508,7 @@
           <a:p>
             <a:fld id="{DA583EDF-0732-5343-98CC-1C67BF71244D}" type="datetimeFigureOut">
               <a:rPr lang="en-US" smtClean="0"/>
-              <a:t>10/3/2014</a:t>
+              <a:t>10/4/2014</a:t>
             </a:fld>
             <a:endParaRPr lang="en-US"/>
           </a:p>
@@ -3765,7 +3796,7 @@
           <a:p>
             <a:fld id="{DA583EDF-0732-5343-98CC-1C67BF71244D}" type="datetimeFigureOut">
               <a:rPr lang="en-US" smtClean="0"/>
-              <a:t>10/3/2014</a:t>
+              <a:t>10/4/2014</a:t>
             </a:fld>
             <a:endParaRPr lang="en-US"/>
           </a:p>
@@ -4187,7 +4218,7 @@
           <a:p>
             <a:fld id="{DA583EDF-0732-5343-98CC-1C67BF71244D}" type="datetimeFigureOut">
               <a:rPr lang="en-US" smtClean="0"/>
-              <a:t>10/3/2014</a:t>
+              <a:t>10/4/2014</a:t>
             </a:fld>
             <a:endParaRPr lang="en-US"/>
           </a:p>
@@ -4305,7 +4336,7 @@
           <a:p>
             <a:fld id="{DA583EDF-0732-5343-98CC-1C67BF71244D}" type="datetimeFigureOut">
               <a:rPr lang="en-US" smtClean="0"/>
-              <a:t>10/3/2014</a:t>
+              <a:t>10/4/2014</a:t>
             </a:fld>
             <a:endParaRPr lang="en-US"/>
           </a:p>
@@ -4400,7 +4431,7 @@
           <a:p>
             <a:fld id="{DA583EDF-0732-5343-98CC-1C67BF71244D}" type="datetimeFigureOut">
               <a:rPr lang="en-US" smtClean="0"/>
-              <a:t>10/3/2014</a:t>
+              <a:t>10/4/2014</a:t>
             </a:fld>
             <a:endParaRPr lang="en-US"/>
           </a:p>
@@ -4677,7 +4708,7 @@
           <a:p>
             <a:fld id="{DA583EDF-0732-5343-98CC-1C67BF71244D}" type="datetimeFigureOut">
               <a:rPr lang="en-US" smtClean="0"/>
-              <a:t>10/3/2014</a:t>
+              <a:t>10/4/2014</a:t>
             </a:fld>
             <a:endParaRPr lang="en-US"/>
           </a:p>
@@ -4930,7 +4961,7 @@
           <a:p>
             <a:fld id="{DA583EDF-0732-5343-98CC-1C67BF71244D}" type="datetimeFigureOut">
               <a:rPr lang="en-US" smtClean="0"/>
-              <a:t>10/3/2014</a:t>
+              <a:t>10/4/2014</a:t>
             </a:fld>
             <a:endParaRPr lang="en-US"/>
           </a:p>
@@ -5143,7 +5174,7 @@
           <a:p>
             <a:fld id="{DA583EDF-0732-5343-98CC-1C67BF71244D}" type="datetimeFigureOut">
               <a:rPr lang="en-US" smtClean="0"/>
-              <a:t>10/3/2014</a:t>
+              <a:t>10/4/2014</a:t>
             </a:fld>
             <a:endParaRPr lang="en-US"/>
           </a:p>
@@ -5646,6 +5677,204 @@
         </p:nvSpPr>
         <p:spPr/>
         <p:txBody>
+          <a:bodyPr/>
+          <a:lstStyle/>
+          <a:p>
+            <a:r>
+              <a:rPr lang="en-US" dirty="0" smtClean="0"/>
+              <a:t>Another Thing to watch out for</a:t>
+            </a:r>
+            <a:endParaRPr lang="en-US" dirty="0"/>
+          </a:p>
+        </p:txBody>
+      </p:sp>
+      <p:pic>
+        <p:nvPicPr>
+          <p:cNvPr id="5" name="Picture 4"/>
+          <p:cNvPicPr>
+            <a:picLocks noChangeAspect="1"/>
+          </p:cNvPicPr>
+          <p:nvPr/>
+        </p:nvPicPr>
+        <p:blipFill>
+          <a:blip r:embed="rId3">
+            <a:extLst>
+              <a:ext uri="{28A0092B-C50C-407E-A947-70E740481C1C}">
+                <a14:useLocalDpi xmlns:a14="http://schemas.microsoft.com/office/drawing/2010/main" val="0"/>
+              </a:ext>
+            </a:extLst>
+          </a:blip>
+          <a:stretch>
+            <a:fillRect/>
+          </a:stretch>
+        </p:blipFill>
+        <p:spPr>
+          <a:xfrm>
+            <a:off x="6556197" y="5918320"/>
+            <a:ext cx="2356206" cy="819150"/>
+          </a:xfrm>
+          <a:prstGeom prst="rect">
+            <a:avLst/>
+          </a:prstGeom>
+        </p:spPr>
+      </p:pic>
+      <p:pic>
+        <p:nvPicPr>
+          <p:cNvPr id="6" name="Content Placeholder 5"/>
+          <p:cNvPicPr>
+            <a:picLocks noGrp="1"/>
+          </p:cNvPicPr>
+          <p:nvPr>
+            <p:ph idx="1"/>
+          </p:nvPr>
+        </p:nvPicPr>
+        <p:blipFill>
+          <a:blip r:embed="rId4"/>
+          <a:stretch>
+            <a:fillRect/>
+          </a:stretch>
+        </p:blipFill>
+        <p:spPr>
+          <a:xfrm>
+            <a:off x="277584" y="1126671"/>
+            <a:ext cx="8409215" cy="3984172"/>
+          </a:xfrm>
+          <a:prstGeom prst="rect">
+            <a:avLst/>
+          </a:prstGeom>
+        </p:spPr>
+      </p:pic>
+      <p:sp>
+        <p:nvSpPr>
+          <p:cNvPr id="4" name="TextBox 3"/>
+          <p:cNvSpPr txBox="1"/>
+          <p:nvPr/>
+        </p:nvSpPr>
+        <p:spPr>
+          <a:xfrm>
+            <a:off x="457200" y="5404564"/>
+            <a:ext cx="6098997" cy="923330"/>
+          </a:xfrm>
+          <a:prstGeom prst="rect">
+            <a:avLst/>
+          </a:prstGeom>
+          <a:noFill/>
+        </p:spPr>
+        <p:txBody>
+          <a:bodyPr wrap="square" rtlCol="0">
+            <a:spAutoFit/>
+          </a:bodyPr>
+          <a:lstStyle/>
+          <a:p>
+            <a:r>
+              <a:rPr lang="en-US" dirty="0" smtClean="0">
+                <a:solidFill>
+                  <a:srgbClr val="00B0F0"/>
+                </a:solidFill>
+              </a:rPr>
+              <a:t>#if </a:t>
+            </a:r>
+            <a:r>
+              <a:rPr lang="en-US" dirty="0" smtClean="0"/>
+              <a:t>WINDOWS_APP</a:t>
+            </a:r>
+          </a:p>
+          <a:p>
+            <a:r>
+              <a:rPr lang="en-US" dirty="0" smtClean="0"/>
+              <a:t>          </a:t>
+            </a:r>
+            <a:r>
+              <a:rPr lang="en-US" dirty="0" err="1" smtClean="0"/>
+              <a:t>var</a:t>
+            </a:r>
+            <a:r>
+              <a:rPr lang="en-US" dirty="0" smtClean="0"/>
+              <a:t> temp = new </a:t>
+            </a:r>
+            <a:r>
+              <a:rPr lang="en-US" dirty="0" err="1" smtClean="0"/>
+              <a:t>QueryOptions</a:t>
+            </a:r>
+            <a:r>
+              <a:rPr lang="en-US" dirty="0" smtClean="0"/>
+              <a:t>();</a:t>
+            </a:r>
+          </a:p>
+          <a:p>
+            <a:r>
+              <a:rPr lang="en-US" dirty="0" smtClean="0">
+                <a:solidFill>
+                  <a:srgbClr val="00B0F0"/>
+                </a:solidFill>
+              </a:rPr>
+              <a:t>#</a:t>
+            </a:r>
+            <a:r>
+              <a:rPr lang="en-US" dirty="0" err="1">
+                <a:solidFill>
+                  <a:srgbClr val="00B0F0"/>
+                </a:solidFill>
+              </a:rPr>
+              <a:t>endif</a:t>
+            </a:r>
+            <a:endParaRPr lang="en-US" dirty="0">
+              <a:solidFill>
+                <a:srgbClr val="00B0F0"/>
+              </a:solidFill>
+            </a:endParaRPr>
+          </a:p>
+        </p:txBody>
+      </p:sp>
+    </p:spTree>
+    <p:extLst>
+      <p:ext uri="{BB962C8B-B14F-4D97-AF65-F5344CB8AC3E}">
+        <p14:creationId xmlns:p14="http://schemas.microsoft.com/office/powerpoint/2010/main" val="39910391"/>
+      </p:ext>
+    </p:extLst>
+  </p:cSld>
+  <p:clrMapOvr>
+    <a:masterClrMapping/>
+  </p:clrMapOvr>
+  <p:timing>
+    <p:tnLst>
+      <p:par>
+        <p:cTn id="1" dur="indefinite" restart="never" nodeType="tmRoot"/>
+      </p:par>
+    </p:tnLst>
+  </p:timing>
+</p:sld>
+</file>
+
+<file path=ppt/slides/slide11.xml><?xml version="1.0" encoding="utf-8"?>
+<p:sld xmlns:a="http://schemas.openxmlformats.org/drawingml/2006/main" xmlns:r="http://schemas.openxmlformats.org/officeDocument/2006/relationships" xmlns:p="http://schemas.openxmlformats.org/presentationml/2006/main">
+  <p:cSld>
+    <p:spTree>
+      <p:nvGrpSpPr>
+        <p:cNvPr id="1" name=""/>
+        <p:cNvGrpSpPr/>
+        <p:nvPr/>
+      </p:nvGrpSpPr>
+      <p:grpSpPr>
+        <a:xfrm>
+          <a:off x="0" y="0"/>
+          <a:ext cx="0" cy="0"/>
+          <a:chOff x="0" y="0"/>
+          <a:chExt cx="0" cy="0"/>
+        </a:xfrm>
+      </p:grpSpPr>
+      <p:sp>
+        <p:nvSpPr>
+          <p:cNvPr id="2" name="Title 1"/>
+          <p:cNvSpPr>
+            <a:spLocks noGrp="1"/>
+          </p:cNvSpPr>
+          <p:nvPr>
+            <p:ph type="title"/>
+          </p:nvPr>
+        </p:nvSpPr>
+        <p:spPr/>
+        <p:txBody>
           <a:bodyPr>
             <a:normAutofit fontScale="90000"/>
           </a:bodyPr>
@@ -5735,7 +5964,7 @@
 </p:sld>
 </file>
 
-<file path=ppt/slides/slide11.xml><?xml version="1.0" encoding="utf-8"?>
+<file path=ppt/slides/slide12.xml><?xml version="1.0" encoding="utf-8"?>
 <p:sld xmlns:a="http://schemas.openxmlformats.org/drawingml/2006/main" xmlns:r="http://schemas.openxmlformats.org/officeDocument/2006/relationships" xmlns:p="http://schemas.openxmlformats.org/presentationml/2006/main">
   <p:cSld>
     <p:spTree>
@@ -5767,7 +5996,11 @@
           <a:bodyPr/>
           <a:lstStyle/>
           <a:p>
-            <a:endParaRPr lang="en-US"/>
+            <a:r>
+              <a:rPr lang="en-US" dirty="0" smtClean="0"/>
+              <a:t>MVVM Pattern</a:t>
+            </a:r>
+            <a:endParaRPr lang="en-US" dirty="0"/>
           </a:p>
         </p:txBody>
       </p:sp>
@@ -5781,11 +6014,46 @@
             <p:ph idx="1"/>
           </p:nvPr>
         </p:nvSpPr>
-        <p:spPr/>
+        <p:spPr>
+          <a:xfrm>
+            <a:off x="457200" y="1600200"/>
+            <a:ext cx="8229600" cy="3918857"/>
+          </a:xfrm>
+        </p:spPr>
         <p:txBody>
           <a:bodyPr/>
           <a:lstStyle/>
           <a:p>
+            <a:r>
+              <a:rPr lang="en-US" dirty="0" smtClean="0"/>
+              <a:t>MVVM Light</a:t>
+            </a:r>
+          </a:p>
+          <a:p>
+            <a:r>
+              <a:rPr lang="en-US" dirty="0" smtClean="0"/>
+              <a:t>Prism</a:t>
+            </a:r>
+          </a:p>
+          <a:p>
+            <a:r>
+              <a:rPr lang="en-US" dirty="0" err="1" smtClean="0"/>
+              <a:t>MvvmCross</a:t>
+            </a:r>
+            <a:endParaRPr lang="en-US" dirty="0" smtClean="0"/>
+          </a:p>
+          <a:p>
+            <a:r>
+              <a:rPr lang="en-US" dirty="0" err="1" smtClean="0"/>
+              <a:t>Catel.MVVM</a:t>
+            </a:r>
+            <a:endParaRPr lang="en-US" dirty="0" smtClean="0"/>
+          </a:p>
+          <a:p>
+            <a:r>
+              <a:rPr lang="en-US" smtClean="0"/>
+              <a:t>Caliburn.Micro</a:t>
+            </a:r>
             <a:endParaRPr lang="en-US" dirty="0"/>
           </a:p>
         </p:txBody>
@@ -5820,111 +6088,35 @@
           </a:prstGeom>
         </p:spPr>
       </p:pic>
-    </p:spTree>
-    <p:extLst>
-      <p:ext uri="{BB962C8B-B14F-4D97-AF65-F5344CB8AC3E}">
-        <p14:creationId xmlns:p14="http://schemas.microsoft.com/office/powerpoint/2010/main" val="4125215241"/>
-      </p:ext>
-    </p:extLst>
-  </p:cSld>
-  <p:clrMapOvr>
-    <a:masterClrMapping/>
-  </p:clrMapOvr>
-  <p:timing>
-    <p:tnLst>
-      <p:par>
-        <p:cTn id="1" dur="indefinite" restart="never" nodeType="tmRoot"/>
-      </p:par>
-    </p:tnLst>
-  </p:timing>
-</p:sld>
-</file>
-
-<file path=ppt/slides/slide12.xml><?xml version="1.0" encoding="utf-8"?>
-<p:sld xmlns:a="http://schemas.openxmlformats.org/drawingml/2006/main" xmlns:r="http://schemas.openxmlformats.org/officeDocument/2006/relationships" xmlns:p="http://schemas.openxmlformats.org/presentationml/2006/main">
-  <p:cSld>
-    <p:spTree>
-      <p:nvGrpSpPr>
-        <p:cNvPr id="1" name=""/>
-        <p:cNvGrpSpPr/>
-        <p:nvPr/>
-      </p:nvGrpSpPr>
-      <p:grpSpPr>
-        <a:xfrm>
-          <a:off x="0" y="0"/>
-          <a:ext cx="0" cy="0"/>
-          <a:chOff x="0" y="0"/>
-          <a:chExt cx="0" cy="0"/>
-        </a:xfrm>
-      </p:grpSpPr>
-      <p:sp>
-        <p:nvSpPr>
-          <p:cNvPr id="2" name="Title 1"/>
-          <p:cNvSpPr>
-            <a:spLocks noGrp="1"/>
-          </p:cNvSpPr>
-          <p:nvPr>
-            <p:ph type="title"/>
-          </p:nvPr>
-        </p:nvSpPr>
-        <p:spPr/>
-        <p:txBody>
-          <a:bodyPr/>
-          <a:lstStyle/>
-          <a:p>
-            <a:endParaRPr lang="en-US"/>
-          </a:p>
-        </p:txBody>
-      </p:sp>
-      <p:sp>
-        <p:nvSpPr>
-          <p:cNvPr id="3" name="Content Placeholder 2"/>
-          <p:cNvSpPr>
-            <a:spLocks noGrp="1"/>
-          </p:cNvSpPr>
-          <p:nvPr>
-            <p:ph idx="1"/>
-          </p:nvPr>
-        </p:nvSpPr>
-        <p:spPr/>
-        <p:txBody>
-          <a:bodyPr/>
-          <a:lstStyle/>
-          <a:p>
-            <a:endParaRPr lang="en-US" dirty="0"/>
-          </a:p>
-        </p:txBody>
-      </p:sp>
-      <p:pic>
-        <p:nvPicPr>
-          <p:cNvPr id="5" name="Picture 4"/>
-          <p:cNvPicPr>
-            <a:picLocks noChangeAspect="1"/>
-          </p:cNvPicPr>
+      <p:sp>
+        <p:nvSpPr>
+          <p:cNvPr id="4" name="TextBox 3"/>
+          <p:cNvSpPr txBox="1"/>
           <p:nvPr/>
-        </p:nvPicPr>
-        <p:blipFill>
-          <a:blip r:embed="rId2">
-            <a:extLst>
-              <a:ext uri="{28A0092B-C50C-407E-A947-70E740481C1C}">
-                <a14:useLocalDpi xmlns:a14="http://schemas.microsoft.com/office/drawing/2010/main" val="0"/>
-              </a:ext>
-            </a:extLst>
-          </a:blip>
-          <a:stretch>
-            <a:fillRect/>
-          </a:stretch>
-        </p:blipFill>
+        </p:nvSpPr>
         <p:spPr>
           <a:xfrm>
-            <a:off x="6556197" y="5918320"/>
-            <a:ext cx="2356206" cy="819150"/>
+            <a:off x="457200" y="5918320"/>
+            <a:ext cx="5968368" cy="369332"/>
           </a:xfrm>
           <a:prstGeom prst="rect">
             <a:avLst/>
           </a:prstGeom>
+          <a:noFill/>
         </p:spPr>
-      </p:pic>
+        <p:txBody>
+          <a:bodyPr wrap="square" rtlCol="0">
+            <a:spAutoFit/>
+          </a:bodyPr>
+          <a:lstStyle/>
+          <a:p>
+            <a:r>
+              <a:rPr lang="en-US" dirty="0"/>
+              <a:t>http://nugetmusthaves.com/Tag/MVVM</a:t>
+            </a:r>
+          </a:p>
+        </p:txBody>
+      </p:sp>
     </p:spTree>
     <p:extLst>
       <p:ext uri="{BB962C8B-B14F-4D97-AF65-F5344CB8AC3E}">
@@ -8873,12 +9065,22 @@
         </p:nvSpPr>
         <p:spPr/>
         <p:txBody>
-          <a:bodyPr/>
+          <a:bodyPr>
+            <a:normAutofit fontScale="90000"/>
+          </a:bodyPr>
           <a:lstStyle/>
           <a:p>
             <a:r>
-              <a:rPr lang="en-US" dirty="0" smtClean="0"/>
-              <a:t>Another Thing to watch out for</a:t>
+              <a:rPr lang="en-US" b="1" dirty="0" smtClean="0"/>
+              <a:t>Demo 1 - Parts </a:t>
+            </a:r>
+            <a:r>
+              <a:rPr lang="en-US" b="1" dirty="0"/>
+              <a:t>of the universal </a:t>
+            </a:r>
+            <a:r>
+              <a:rPr lang="en-US" b="1" dirty="0" smtClean="0"/>
+              <a:t>app</a:t>
             </a:r>
             <a:endParaRPr lang="en-US" dirty="0"/>
           </a:p>
@@ -8914,118 +9116,70 @@
           </a:prstGeom>
         </p:spPr>
       </p:pic>
+      <p:sp>
+        <p:nvSpPr>
+          <p:cNvPr id="3" name="Content Placeholder 2"/>
+          <p:cNvSpPr>
+            <a:spLocks noGrp="1"/>
+          </p:cNvSpPr>
+          <p:nvPr>
+            <p:ph idx="1"/>
+          </p:nvPr>
+        </p:nvSpPr>
+        <p:spPr/>
+        <p:txBody>
+          <a:bodyPr/>
+          <a:lstStyle/>
+          <a:p>
+            <a:endParaRPr lang="en-US"/>
+          </a:p>
+        </p:txBody>
+      </p:sp>
       <p:pic>
         <p:nvPicPr>
-          <p:cNvPr id="6" name="Content Placeholder 5"/>
+          <p:cNvPr id="1028" name="Picture 4" descr="C:\Users\D9FF0~1.UND\AppData\Local\Temp\SNAGHTML18ce614.PNG"/>
           <p:cNvPicPr>
-            <a:picLocks noGrp="1"/>
+            <a:picLocks noChangeAspect="1" noChangeArrowheads="1"/>
           </p:cNvPicPr>
-          <p:nvPr>
-            <p:ph idx="1"/>
-          </p:nvPr>
+          <p:nvPr/>
         </p:nvPicPr>
         <p:blipFill>
-          <a:blip r:embed="rId4"/>
+          <a:blip r:embed="rId4">
+            <a:extLst>
+              <a:ext uri="{28A0092B-C50C-407E-A947-70E740481C1C}">
+                <a14:useLocalDpi xmlns:a14="http://schemas.microsoft.com/office/drawing/2010/main" val="0"/>
+              </a:ext>
+            </a:extLst>
+          </a:blip>
+          <a:srcRect/>
           <a:stretch>
             <a:fillRect/>
           </a:stretch>
         </p:blipFill>
-        <p:spPr>
+        <p:spPr bwMode="auto">
           <a:xfrm>
-            <a:off x="277584" y="1126671"/>
-            <a:ext cx="8409215" cy="3984172"/>
-          </a:xfrm>
-          <a:prstGeom prst="rect">
-            <a:avLst/>
-          </a:prstGeom>
-        </p:spPr>
-      </p:pic>
-      <p:sp>
-        <p:nvSpPr>
-          <p:cNvPr id="4" name="TextBox 3"/>
-          <p:cNvSpPr txBox="1"/>
-          <p:nvPr/>
-        </p:nvSpPr>
-        <p:spPr>
-          <a:xfrm>
-            <a:off x="457200" y="5404564"/>
-            <a:ext cx="6098997" cy="923330"/>
+            <a:off x="457200" y="1600200"/>
+            <a:ext cx="8229600" cy="4179858"/>
           </a:xfrm>
           <a:prstGeom prst="rect">
             <a:avLst/>
           </a:prstGeom>
           <a:noFill/>
+          <a:extLst>
+            <a:ext uri="{909E8E84-426E-40DD-AFC4-6F175D3DCCD1}">
+              <a14:hiddenFill xmlns:a14="http://schemas.microsoft.com/office/drawing/2010/main">
+                <a:solidFill>
+                  <a:srgbClr val="FFFFFF"/>
+                </a:solidFill>
+              </a14:hiddenFill>
+            </a:ext>
+          </a:extLst>
         </p:spPr>
-        <p:txBody>
-          <a:bodyPr wrap="square" rtlCol="0">
-            <a:spAutoFit/>
-          </a:bodyPr>
-          <a:lstStyle/>
-          <a:p>
-            <a:r>
-              <a:rPr lang="en-US" dirty="0" smtClean="0">
-                <a:solidFill>
-                  <a:srgbClr val="00B0F0"/>
-                </a:solidFill>
-              </a:rPr>
-              <a:t>#if </a:t>
-            </a:r>
-            <a:r>
-              <a:rPr lang="en-US" dirty="0" smtClean="0"/>
-              <a:t>WINDOWS_APP</a:t>
-            </a:r>
-          </a:p>
-          <a:p>
-            <a:r>
-              <a:rPr lang="en-US" dirty="0" smtClean="0"/>
-              <a:t>          </a:t>
-            </a:r>
-            <a:r>
-              <a:rPr lang="en-US" dirty="0" err="1" smtClean="0"/>
-              <a:t>var</a:t>
-            </a:r>
-            <a:r>
-              <a:rPr lang="en-US" dirty="0" smtClean="0"/>
-              <a:t> temp = new </a:t>
-            </a:r>
-            <a:r>
-              <a:rPr lang="en-US" dirty="0" err="1" smtClean="0"/>
-              <a:t>QueryOptions</a:t>
-            </a:r>
-            <a:r>
-              <a:rPr lang="en-US" dirty="0" smtClean="0"/>
-              <a:t>();</a:t>
-            </a:r>
-          </a:p>
-          <a:p>
-            <a:r>
-              <a:rPr lang="en-US" dirty="0" smtClean="0">
-                <a:solidFill>
-                  <a:srgbClr val="00B0F0"/>
-                </a:solidFill>
-              </a:rPr>
-              <a:t>#</a:t>
-            </a:r>
-            <a:r>
-              <a:rPr lang="en-US" dirty="0" err="1">
-                <a:solidFill>
-                  <a:srgbClr val="00B0F0"/>
-                </a:solidFill>
-              </a:rPr>
-              <a:t>endif</a:t>
-            </a:r>
-            <a:endParaRPr lang="en-US" dirty="0">
-              <a:solidFill>
-                <a:srgbClr val="00B0F0"/>
-              </a:solidFill>
-            </a:endParaRPr>
-          </a:p>
-        </p:txBody>
-      </p:sp>
+      </p:pic>
     </p:spTree>
     <p:extLst>
       <p:ext uri="{BB962C8B-B14F-4D97-AF65-F5344CB8AC3E}">
-        <p14:creationId xmlns:p14="http://schemas.microsoft.com/office/powerpoint/2010/main" val="39910391"/>
+        <p14:creationId xmlns:p14="http://schemas.microsoft.com/office/powerpoint/2010/main" val="571906058"/>
       </p:ext>
     </p:extLst>
   </p:cSld>
@@ -9078,7 +9232,7 @@
           <a:p>
             <a:r>
               <a:rPr lang="en-US" b="1" dirty="0" smtClean="0"/>
-              <a:t>Demo 1 - Parts </a:t>
+              <a:t>Demo 2 - Parts </a:t>
             </a:r>
             <a:r>
               <a:rPr lang="en-US" b="1" dirty="0"/>
@@ -9122,15 +9276,32 @@
           </a:prstGeom>
         </p:spPr>
       </p:pic>
+      <p:sp>
+        <p:nvSpPr>
+          <p:cNvPr id="4" name="Content Placeholder 3"/>
+          <p:cNvSpPr>
+            <a:spLocks noGrp="1"/>
+          </p:cNvSpPr>
+          <p:nvPr>
+            <p:ph idx="1"/>
+          </p:nvPr>
+        </p:nvSpPr>
+        <p:spPr/>
+        <p:txBody>
+          <a:bodyPr/>
+          <a:lstStyle/>
+          <a:p>
+            <a:endParaRPr lang="en-US"/>
+          </a:p>
+        </p:txBody>
+      </p:sp>
       <p:pic>
         <p:nvPicPr>
-          <p:cNvPr id="6" name="Content Placeholder 5" descr="C:\Users\D9FF0~1.UND\AppData\Local\Temp\SNAGHTML1a508272.PNG"/>
+          <p:cNvPr id="2052" name="Picture 4" descr="C:\Users\D9FF0~1.UND\AppData\Local\Temp\SNAGHTML18daa4e.PNG"/>
           <p:cNvPicPr>
-            <a:picLocks noGrp="1"/>
+            <a:picLocks noChangeAspect="1" noChangeArrowheads="1"/>
           </p:cNvPicPr>
-          <p:nvPr>
-            <p:ph idx="1"/>
-          </p:nvPr>
+          <p:nvPr/>
         </p:nvPicPr>
         <p:blipFill>
           <a:blip r:embed="rId4">
@@ -9147,22 +9318,28 @@
         </p:blipFill>
         <p:spPr bwMode="auto">
           <a:xfrm>
-            <a:off x="592402" y="1545107"/>
-            <a:ext cx="7959196" cy="4373213"/>
+            <a:off x="457200" y="1600200"/>
+            <a:ext cx="8229600" cy="4179858"/>
           </a:xfrm>
           <a:prstGeom prst="rect">
             <a:avLst/>
           </a:prstGeom>
           <a:noFill/>
-          <a:ln>
-            <a:noFill/>
-          </a:ln>
+          <a:extLst>
+            <a:ext uri="{909E8E84-426E-40DD-AFC4-6F175D3DCCD1}">
+              <a14:hiddenFill xmlns:a14="http://schemas.microsoft.com/office/drawing/2010/main">
+                <a:solidFill>
+                  <a:srgbClr val="FFFFFF"/>
+                </a:solidFill>
+              </a14:hiddenFill>
+            </a:ext>
+          </a:extLst>
         </p:spPr>
       </p:pic>
     </p:spTree>
     <p:extLst>
       <p:ext uri="{BB962C8B-B14F-4D97-AF65-F5344CB8AC3E}">
-        <p14:creationId xmlns:p14="http://schemas.microsoft.com/office/powerpoint/2010/main" val="571906058"/>
+        <p14:creationId xmlns:p14="http://schemas.microsoft.com/office/powerpoint/2010/main" val="1442062638"/>
       </p:ext>
     </p:extLst>
   </p:cSld>
@@ -9208,22 +9385,12 @@
         </p:nvSpPr>
         <p:spPr/>
         <p:txBody>
-          <a:bodyPr>
-            <a:normAutofit fontScale="90000"/>
-          </a:bodyPr>
+          <a:bodyPr/>
           <a:lstStyle/>
           <a:p>
             <a:r>
-              <a:rPr lang="en-US" b="1" dirty="0" smtClean="0"/>
-              <a:t>Demo 2 - Parts </a:t>
-            </a:r>
-            <a:r>
-              <a:rPr lang="en-US" b="1" dirty="0"/>
-              <a:t>of the universal </a:t>
-            </a:r>
-            <a:r>
-              <a:rPr lang="en-US" b="1" dirty="0" smtClean="0"/>
-              <a:t>app</a:t>
+              <a:rPr lang="en-US" dirty="0" smtClean="0"/>
+              <a:t>Helpers that come for free</a:t>
             </a:r>
             <a:endParaRPr lang="en-US" dirty="0"/>
           </a:p>
@@ -9261,45 +9428,32 @@
       </p:pic>
       <p:pic>
         <p:nvPicPr>
-          <p:cNvPr id="7" name="Content Placeholder 6" descr="C:\Users\D9FF0~1.UND\AppData\Local\Temp\SNAGHTML1a51033b.PNG"/>
+          <p:cNvPr id="4" name="Picture 3"/>
           <p:cNvPicPr>
-            <a:picLocks noGrp="1"/>
+            <a:picLocks noChangeAspect="1"/>
           </p:cNvPicPr>
-          <p:nvPr>
-            <p:ph idx="1"/>
-          </p:nvPr>
+          <p:nvPr/>
         </p:nvPicPr>
         <p:blipFill>
-          <a:blip r:embed="rId4">
-            <a:extLst>
-              <a:ext uri="{28A0092B-C50C-407E-A947-70E740481C1C}">
-                <a14:useLocalDpi xmlns:a14="http://schemas.microsoft.com/office/drawing/2010/main" val="0"/>
-              </a:ext>
-            </a:extLst>
-          </a:blip>
-          <a:srcRect/>
+          <a:blip r:embed="rId4"/>
           <a:stretch>
             <a:fillRect/>
           </a:stretch>
         </p:blipFill>
-        <p:spPr bwMode="auto">
+        <p:spPr>
           <a:xfrm>
-            <a:off x="597309" y="1533833"/>
-            <a:ext cx="7949381" cy="4262283"/>
+            <a:off x="457200" y="1961644"/>
+            <a:ext cx="8155598" cy="2661557"/>
           </a:xfrm>
           <a:prstGeom prst="rect">
             <a:avLst/>
           </a:prstGeom>
-          <a:noFill/>
-          <a:ln>
-            <a:noFill/>
-          </a:ln>
         </p:spPr>
       </p:pic>
     </p:spTree>
     <p:extLst>
       <p:ext uri="{BB962C8B-B14F-4D97-AF65-F5344CB8AC3E}">
-        <p14:creationId xmlns:p14="http://schemas.microsoft.com/office/powerpoint/2010/main" val="1442062638"/>
+        <p14:creationId xmlns:p14="http://schemas.microsoft.com/office/powerpoint/2010/main" val="4125215241"/>
       </p:ext>
     </p:extLst>
   </p:cSld>

--- a/ReCon2014_UniversalAppPortalClassLibraries_Light.pptx
+++ b/ReCon2014_UniversalAppPortalClassLibraries_Light.pptx
@@ -1009,6 +1009,98 @@
     <p:extLst>
       <p:ext uri="{BB962C8B-B14F-4D97-AF65-F5344CB8AC3E}">
         <p14:creationId xmlns:p14="http://schemas.microsoft.com/office/powerpoint/2010/main" val="4111612807"/>
+      </p:ext>
+    </p:extLst>
+  </p:cSld>
+  <p:clrMapOvr>
+    <a:masterClrMapping/>
+  </p:clrMapOvr>
+</p:notes>
+</file>
+
+<file path=ppt/notesSlides/notesSlide11.xml><?xml version="1.0" encoding="utf-8"?>
+<p:notes xmlns:a="http://schemas.openxmlformats.org/drawingml/2006/main" xmlns:r="http://schemas.openxmlformats.org/officeDocument/2006/relationships" xmlns:p="http://schemas.openxmlformats.org/presentationml/2006/main">
+  <p:cSld>
+    <p:spTree>
+      <p:nvGrpSpPr>
+        <p:cNvPr id="1" name=""/>
+        <p:cNvGrpSpPr/>
+        <p:nvPr/>
+      </p:nvGrpSpPr>
+      <p:grpSpPr>
+        <a:xfrm>
+          <a:off x="0" y="0"/>
+          <a:ext cx="0" cy="0"/>
+          <a:chOff x="0" y="0"/>
+          <a:chExt cx="0" cy="0"/>
+        </a:xfrm>
+      </p:grpSpPr>
+      <p:sp>
+        <p:nvSpPr>
+          <p:cNvPr id="2" name="Slide Image Placeholder 1"/>
+          <p:cNvSpPr>
+            <a:spLocks noGrp="1" noRot="1" noChangeAspect="1"/>
+          </p:cNvSpPr>
+          <p:nvPr>
+            <p:ph type="sldImg"/>
+          </p:nvPr>
+        </p:nvSpPr>
+        <p:spPr/>
+      </p:sp>
+      <p:sp>
+        <p:nvSpPr>
+          <p:cNvPr id="3" name="Notes Placeholder 2"/>
+          <p:cNvSpPr>
+            <a:spLocks noGrp="1"/>
+          </p:cNvSpPr>
+          <p:nvPr>
+            <p:ph type="body" idx="1"/>
+          </p:nvPr>
+        </p:nvSpPr>
+        <p:spPr/>
+        <p:txBody>
+          <a:bodyPr/>
+          <a:lstStyle/>
+          <a:p>
+            <a:r>
+              <a:rPr lang="en-US" dirty="0" smtClean="0"/>
+              <a:t>Demo adding phone </a:t>
+            </a:r>
+            <a:r>
+              <a:rPr lang="en-US" smtClean="0"/>
+              <a:t>suport</a:t>
+            </a:r>
+            <a:endParaRPr lang="en-US" dirty="0"/>
+          </a:p>
+        </p:txBody>
+      </p:sp>
+      <p:sp>
+        <p:nvSpPr>
+          <p:cNvPr id="4" name="Slide Number Placeholder 3"/>
+          <p:cNvSpPr>
+            <a:spLocks noGrp="1"/>
+          </p:cNvSpPr>
+          <p:nvPr>
+            <p:ph type="sldNum" sz="quarter" idx="10"/>
+          </p:nvPr>
+        </p:nvSpPr>
+        <p:spPr/>
+        <p:txBody>
+          <a:bodyPr/>
+          <a:lstStyle/>
+          <a:p>
+            <a:fld id="{795A654D-6BE0-48C1-8457-36B06568CB66}" type="slidenum">
+              <a:rPr lang="en-US" smtClean="0"/>
+              <a:t>11</a:t>
+            </a:fld>
+            <a:endParaRPr lang="en-US"/>
+          </a:p>
+        </p:txBody>
+      </p:sp>
+    </p:spTree>
+    <p:extLst>
+      <p:ext uri="{BB962C8B-B14F-4D97-AF65-F5344CB8AC3E}">
+        <p14:creationId xmlns:p14="http://schemas.microsoft.com/office/powerpoint/2010/main" val="2880548321"/>
       </p:ext>
     </p:extLst>
   </p:cSld>
@@ -5899,7 +5991,7 @@
           </p:nvPr>
         </p:nvPicPr>
         <p:blipFill>
-          <a:blip r:embed="rId2"/>
+          <a:blip r:embed="rId3"/>
           <a:stretch>
             <a:fillRect/>
           </a:stretch>
@@ -5923,7 +6015,7 @@
           <p:nvPr/>
         </p:nvPicPr>
         <p:blipFill>
-          <a:blip r:embed="rId3">
+          <a:blip r:embed="rId4">
             <a:extLst>
               <a:ext uri="{28A0092B-C50C-407E-A947-70E740481C1C}">
                 <a14:useLocalDpi xmlns:a14="http://schemas.microsoft.com/office/drawing/2010/main" val="0"/>
@@ -6051,7 +6143,7 @@
           </a:p>
           <a:p>
             <a:r>
-              <a:rPr lang="en-US" smtClean="0"/>
+              <a:rPr lang="en-US" dirty="0" err="1" smtClean="0"/>
               <a:t>Caliburn.Micro</a:t>
             </a:r>
             <a:endParaRPr lang="en-US" dirty="0"/>

--- a/ReCon2014_UniversalAppPortalClassLibraries_Light.pptx
+++ b/ReCon2014_UniversalAppPortalClassLibraries_Light.pptx
@@ -5,26 +5,30 @@
     <p:sldMasterId id="2147483648" r:id="rId1"/>
   </p:sldMasterIdLst>
   <p:notesMasterIdLst>
-    <p:notesMasterId r:id="rId19"/>
+    <p:notesMasterId r:id="rId23"/>
   </p:notesMasterIdLst>
   <p:sldIdLst>
     <p:sldId id="256" r:id="rId2"/>
     <p:sldId id="257" r:id="rId3"/>
     <p:sldId id="259" r:id="rId4"/>
     <p:sldId id="258" r:id="rId5"/>
-    <p:sldId id="263" r:id="rId6"/>
-    <p:sldId id="260" r:id="rId7"/>
-    <p:sldId id="261" r:id="rId8"/>
-    <p:sldId id="264" r:id="rId9"/>
-    <p:sldId id="271" r:id="rId10"/>
+    <p:sldId id="266" r:id="rId6"/>
+    <p:sldId id="261" r:id="rId7"/>
+    <p:sldId id="264" r:id="rId8"/>
+    <p:sldId id="271" r:id="rId9"/>
+    <p:sldId id="272" r:id="rId10"/>
     <p:sldId id="262" r:id="rId11"/>
-    <p:sldId id="272" r:id="rId12"/>
-    <p:sldId id="265" r:id="rId13"/>
-    <p:sldId id="266" r:id="rId14"/>
-    <p:sldId id="270" r:id="rId15"/>
+    <p:sldId id="263" r:id="rId12"/>
+    <p:sldId id="260" r:id="rId13"/>
+    <p:sldId id="270" r:id="rId14"/>
+    <p:sldId id="265" r:id="rId15"/>
     <p:sldId id="269" r:id="rId16"/>
     <p:sldId id="268" r:id="rId17"/>
     <p:sldId id="267" r:id="rId18"/>
+    <p:sldId id="273" r:id="rId19"/>
+    <p:sldId id="275" r:id="rId20"/>
+    <p:sldId id="276" r:id="rId21"/>
+    <p:sldId id="274" r:id="rId22"/>
   </p:sldIdLst>
   <p:sldSz cx="9144000" cy="6858000" type="screen4x3"/>
   <p:notesSz cx="6858000" cy="9144000"/>
@@ -1063,13 +1067,302 @@
           <a:lstStyle/>
           <a:p>
             <a:r>
+              <a:rPr lang="en-US" sz="1200" b="1" kern="1200" dirty="0" smtClean="0">
+                <a:solidFill>
+                  <a:schemeClr val="tx1"/>
+                </a:solidFill>
+                <a:effectLst/>
+                <a:latin typeface="+mn-lt"/>
+                <a:ea typeface="+mn-ea"/>
+                <a:cs typeface="+mn-cs"/>
+              </a:rPr>
+              <a:t>Demo here show </a:t>
+            </a:r>
+            <a:r>
+              <a:rPr lang="en-US" sz="1200" b="1" kern="1200" dirty="0" err="1" smtClean="0">
+                <a:solidFill>
+                  <a:schemeClr val="tx1"/>
+                </a:solidFill>
+                <a:effectLst/>
+                <a:latin typeface="+mn-lt"/>
+                <a:ea typeface="+mn-ea"/>
+                <a:cs typeface="+mn-cs"/>
+              </a:rPr>
+              <a:t>msdn</a:t>
+            </a:r>
+            <a:r>
+              <a:rPr lang="en-US" sz="1200" b="1" kern="1200" dirty="0" smtClean="0">
+                <a:solidFill>
+                  <a:schemeClr val="tx1"/>
+                </a:solidFill>
+                <a:effectLst/>
+                <a:latin typeface="+mn-lt"/>
+                <a:ea typeface="+mn-ea"/>
+                <a:cs typeface="+mn-cs"/>
+              </a:rPr>
+              <a:t> page</a:t>
+            </a:r>
+          </a:p>
+          <a:p>
+            <a:endParaRPr lang="en-US" sz="1200" b="1" kern="1200" dirty="0" smtClean="0">
+              <a:solidFill>
+                <a:schemeClr val="tx1"/>
+              </a:solidFill>
+              <a:effectLst/>
+              <a:latin typeface="+mn-lt"/>
+              <a:ea typeface="+mn-ea"/>
+              <a:cs typeface="+mn-cs"/>
+            </a:endParaRPr>
+          </a:p>
+          <a:p>
+            <a:r>
+              <a:rPr lang="en-US" sz="1200" b="1" kern="1200" dirty="0" smtClean="0">
+                <a:solidFill>
+                  <a:schemeClr val="tx1"/>
+                </a:solidFill>
+                <a:effectLst/>
+                <a:latin typeface="+mn-lt"/>
+                <a:ea typeface="+mn-ea"/>
+                <a:cs typeface="+mn-cs"/>
+              </a:rPr>
+              <a:t>Where are we with feature parity</a:t>
+            </a:r>
+          </a:p>
+          <a:p>
+            <a:r>
+              <a:rPr lang="en-US" sz="1200" kern="1200" dirty="0" smtClean="0">
+                <a:solidFill>
+                  <a:schemeClr val="tx1"/>
+                </a:solidFill>
+                <a:effectLst/>
+                <a:latin typeface="+mn-lt"/>
+                <a:ea typeface="+mn-ea"/>
+                <a:cs typeface="+mn-cs"/>
+              </a:rPr>
+              <a:t>What I have found is that we are really close on feature parity between universals 8.1 store and phone and then Silverlight 8.1 apps but not completely there.</a:t>
+            </a:r>
+          </a:p>
+          <a:p>
+            <a:pPr marL="0" marR="0" indent="0" algn="l" defTabSz="914400" rtl="0" eaLnBrk="1" fontAlgn="auto" latinLnBrk="0" hangingPunct="1">
+              <a:lnSpc>
+                <a:spcPct val="100000"/>
+              </a:lnSpc>
+              <a:spcBef>
+                <a:spcPts val="0"/>
+              </a:spcBef>
+              <a:spcAft>
+                <a:spcPts val="0"/>
+              </a:spcAft>
+              <a:buClrTx/>
+              <a:buSzTx/>
+              <a:buFontTx/>
+              <a:buNone/>
+              <a:tabLst/>
+              <a:defRPr/>
+            </a:pPr>
+            <a:endParaRPr lang="en-US" sz="1200" u="sng" kern="1200" dirty="0" smtClean="0">
+              <a:solidFill>
+                <a:schemeClr val="tx1"/>
+              </a:solidFill>
+              <a:effectLst/>
+              <a:latin typeface="+mn-lt"/>
+              <a:ea typeface="+mn-ea"/>
+              <a:cs typeface="+mn-cs"/>
+              <a:hlinkClick r:id="rId3"/>
+            </a:endParaRPr>
+          </a:p>
+          <a:p>
+            <a:pPr marL="0" marR="0" indent="0" algn="l" defTabSz="914400" rtl="0" eaLnBrk="1" fontAlgn="auto" latinLnBrk="0" hangingPunct="1">
+              <a:lnSpc>
+                <a:spcPct val="100000"/>
+              </a:lnSpc>
+              <a:spcBef>
+                <a:spcPts val="0"/>
+              </a:spcBef>
+              <a:spcAft>
+                <a:spcPts val="0"/>
+              </a:spcAft>
+              <a:buClrTx/>
+              <a:buSzTx/>
+              <a:buFontTx/>
+              <a:buNone/>
+              <a:tabLst/>
+              <a:defRPr/>
+            </a:pPr>
+            <a:endParaRPr lang="en-US" sz="1200" u="sng" kern="1200" dirty="0" smtClean="0">
+              <a:solidFill>
+                <a:schemeClr val="tx1"/>
+              </a:solidFill>
+              <a:effectLst/>
+              <a:latin typeface="+mn-lt"/>
+              <a:ea typeface="+mn-ea"/>
+              <a:cs typeface="+mn-cs"/>
+              <a:hlinkClick r:id="rId3"/>
+            </a:endParaRPr>
+          </a:p>
+          <a:p>
+            <a:pPr marL="0" marR="0" indent="0" algn="l" defTabSz="914400" rtl="0" eaLnBrk="1" fontAlgn="auto" latinLnBrk="0" hangingPunct="1">
+              <a:lnSpc>
+                <a:spcPct val="100000"/>
+              </a:lnSpc>
+              <a:spcBef>
+                <a:spcPts val="0"/>
+              </a:spcBef>
+              <a:spcAft>
+                <a:spcPts val="0"/>
+              </a:spcAft>
+              <a:buClrTx/>
+              <a:buSzTx/>
+              <a:buFontTx/>
+              <a:buNone/>
+              <a:tabLst/>
+              <a:defRPr/>
+            </a:pPr>
+            <a:r>
+              <a:rPr lang="en-US" sz="1200" u="sng" kern="1200" dirty="0" smtClean="0">
+                <a:solidFill>
+                  <a:schemeClr val="tx1"/>
+                </a:solidFill>
+                <a:effectLst/>
+                <a:latin typeface="+mn-lt"/>
+                <a:ea typeface="+mn-ea"/>
+                <a:cs typeface="+mn-cs"/>
+                <a:hlinkClick r:id="rId3"/>
+              </a:rPr>
+              <a:t>http://msdn.microsoft.com/library/</a:t>
+            </a:r>
+            <a:endParaRPr lang="en-US" sz="1200" u="sng" kern="1200" dirty="0" smtClean="0">
+              <a:solidFill>
+                <a:schemeClr val="tx1"/>
+              </a:solidFill>
+              <a:effectLst/>
+              <a:latin typeface="+mn-lt"/>
+              <a:ea typeface="+mn-ea"/>
+              <a:cs typeface="+mn-cs"/>
+            </a:endParaRPr>
+          </a:p>
+          <a:p>
+            <a:pPr marL="0" marR="0" indent="0" algn="l" defTabSz="914400" rtl="0" eaLnBrk="1" fontAlgn="auto" latinLnBrk="0" hangingPunct="1">
+              <a:lnSpc>
+                <a:spcPct val="100000"/>
+              </a:lnSpc>
+              <a:spcBef>
+                <a:spcPts val="0"/>
+              </a:spcBef>
+              <a:spcAft>
+                <a:spcPts val="0"/>
+              </a:spcAft>
+              <a:buClrTx/>
+              <a:buSzTx/>
+              <a:buFontTx/>
+              <a:buNone/>
+              <a:tabLst/>
+              <a:defRPr/>
+            </a:pPr>
+            <a:endParaRPr lang="en-US" sz="1200" u="sng" kern="1200" dirty="0" smtClean="0">
+              <a:solidFill>
+                <a:schemeClr val="tx1"/>
+              </a:solidFill>
+              <a:effectLst/>
+              <a:latin typeface="+mn-lt"/>
+              <a:ea typeface="+mn-ea"/>
+              <a:cs typeface="+mn-cs"/>
+            </a:endParaRPr>
+          </a:p>
+          <a:p>
+            <a:pPr marL="0" marR="0" indent="0" algn="l" defTabSz="914400" rtl="0" eaLnBrk="1" fontAlgn="auto" latinLnBrk="0" hangingPunct="1">
+              <a:lnSpc>
+                <a:spcPct val="100000"/>
+              </a:lnSpc>
+              <a:spcBef>
+                <a:spcPts val="0"/>
+              </a:spcBef>
+              <a:spcAft>
+                <a:spcPts val="0"/>
+              </a:spcAft>
+              <a:buClrTx/>
+              <a:buSzTx/>
+              <a:buFontTx/>
+              <a:buNone/>
+              <a:tabLst/>
+              <a:defRPr/>
+            </a:pPr>
+            <a:r>
+              <a:rPr lang="en-US" sz="1200" kern="1200" dirty="0" smtClean="0">
+                <a:solidFill>
+                  <a:schemeClr val="tx1"/>
+                </a:solidFill>
+                <a:effectLst/>
+                <a:latin typeface="+mn-lt"/>
+                <a:ea typeface="+mn-ea"/>
+                <a:cs typeface="+mn-cs"/>
+              </a:rPr>
+              <a:t>http://msdn.microsoft.com/en-us/library/windows/apps/xaml/windows.media.capture.mediacapture.aspx</a:t>
+            </a:r>
+          </a:p>
+          <a:p>
+            <a:endParaRPr lang="en-US" dirty="0" smtClean="0"/>
+          </a:p>
+          <a:p>
+            <a:r>
               <a:rPr lang="en-US" dirty="0" smtClean="0"/>
-              <a:t>Demo adding phone </a:t>
-            </a:r>
-            <a:r>
-              <a:rPr lang="en-US" smtClean="0"/>
-              <a:t>suport</a:t>
-            </a:r>
+              <a:t>http://msdn.microsoft.com/en-us/library/windows.phone.media.capture.aspx</a:t>
+            </a:r>
+          </a:p>
+          <a:p>
+            <a:endParaRPr lang="en-US" dirty="0" smtClean="0"/>
+          </a:p>
+          <a:p>
+            <a:pPr marL="0" marR="0" indent="0" algn="l" defTabSz="914400" rtl="0" eaLnBrk="1" fontAlgn="auto" latinLnBrk="0" hangingPunct="1">
+              <a:lnSpc>
+                <a:spcPct val="100000"/>
+              </a:lnSpc>
+              <a:spcBef>
+                <a:spcPts val="0"/>
+              </a:spcBef>
+              <a:spcAft>
+                <a:spcPts val="0"/>
+              </a:spcAft>
+              <a:buClrTx/>
+              <a:buSzTx/>
+              <a:buFontTx/>
+              <a:buNone/>
+              <a:tabLst/>
+              <a:defRPr/>
+            </a:pPr>
+            <a:r>
+              <a:rPr lang="en-US" sz="1200" u="sng" kern="1200" dirty="0" smtClean="0">
+                <a:solidFill>
+                  <a:schemeClr val="tx1"/>
+                </a:solidFill>
+                <a:effectLst/>
+                <a:latin typeface="+mn-lt"/>
+                <a:ea typeface="+mn-ea"/>
+                <a:cs typeface="+mn-cs"/>
+                <a:hlinkClick r:id="rId4"/>
+              </a:rPr>
+              <a:t>http://msdn.microsoft.com/en-us/library/windows/apps/xaml/windows.applicationmodel.package.aspx</a:t>
+            </a:r>
+            <a:endParaRPr lang="en-US" sz="1200" kern="1200" dirty="0" smtClean="0">
+              <a:solidFill>
+                <a:schemeClr val="tx1"/>
+              </a:solidFill>
+              <a:effectLst/>
+              <a:latin typeface="+mn-lt"/>
+              <a:ea typeface="+mn-ea"/>
+              <a:cs typeface="+mn-cs"/>
+            </a:endParaRPr>
+          </a:p>
+          <a:p>
+            <a:endParaRPr lang="en-US" dirty="0" smtClean="0"/>
+          </a:p>
+          <a:p>
+            <a:endParaRPr lang="en-US" dirty="0" smtClean="0"/>
+          </a:p>
+          <a:p>
+            <a:endParaRPr lang="en-US" dirty="0" smtClean="0"/>
+          </a:p>
+          <a:p>
             <a:endParaRPr lang="en-US" dirty="0"/>
           </a:p>
         </p:txBody>
@@ -1100,7 +1393,361 @@
     </p:spTree>
     <p:extLst>
       <p:ext uri="{BB962C8B-B14F-4D97-AF65-F5344CB8AC3E}">
-        <p14:creationId xmlns:p14="http://schemas.microsoft.com/office/powerpoint/2010/main" val="2880548321"/>
+        <p14:creationId xmlns:p14="http://schemas.microsoft.com/office/powerpoint/2010/main" val="1543327904"/>
+      </p:ext>
+    </p:extLst>
+  </p:cSld>
+  <p:clrMapOvr>
+    <a:masterClrMapping/>
+  </p:clrMapOvr>
+</p:notes>
+</file>
+
+<file path=ppt/notesSlides/notesSlide12.xml><?xml version="1.0" encoding="utf-8"?>
+<p:notes xmlns:a="http://schemas.openxmlformats.org/drawingml/2006/main" xmlns:r="http://schemas.openxmlformats.org/officeDocument/2006/relationships" xmlns:p="http://schemas.openxmlformats.org/presentationml/2006/main">
+  <p:cSld>
+    <p:spTree>
+      <p:nvGrpSpPr>
+        <p:cNvPr id="1" name=""/>
+        <p:cNvGrpSpPr/>
+        <p:nvPr/>
+      </p:nvGrpSpPr>
+      <p:grpSpPr>
+        <a:xfrm>
+          <a:off x="0" y="0"/>
+          <a:ext cx="0" cy="0"/>
+          <a:chOff x="0" y="0"/>
+          <a:chExt cx="0" cy="0"/>
+        </a:xfrm>
+      </p:grpSpPr>
+      <p:sp>
+        <p:nvSpPr>
+          <p:cNvPr id="2" name="Slide Image Placeholder 1"/>
+          <p:cNvSpPr>
+            <a:spLocks noGrp="1" noRot="1" noChangeAspect="1"/>
+          </p:cNvSpPr>
+          <p:nvPr>
+            <p:ph type="sldImg"/>
+          </p:nvPr>
+        </p:nvSpPr>
+        <p:spPr/>
+      </p:sp>
+      <p:sp>
+        <p:nvSpPr>
+          <p:cNvPr id="3" name="Notes Placeholder 2"/>
+          <p:cNvSpPr>
+            <a:spLocks noGrp="1"/>
+          </p:cNvSpPr>
+          <p:nvPr>
+            <p:ph type="body" idx="1"/>
+          </p:nvPr>
+        </p:nvSpPr>
+        <p:spPr/>
+        <p:txBody>
+          <a:bodyPr/>
+          <a:lstStyle/>
+          <a:p>
+            <a:r>
+              <a:rPr lang="en-US" sz="1200" b="1" kern="1200" dirty="0" smtClean="0">
+                <a:solidFill>
+                  <a:schemeClr val="tx1"/>
+                </a:solidFill>
+                <a:effectLst/>
+                <a:latin typeface="+mn-lt"/>
+                <a:ea typeface="+mn-ea"/>
+                <a:cs typeface="+mn-cs"/>
+              </a:rPr>
+              <a:t>Where are we with feature parity</a:t>
+            </a:r>
+          </a:p>
+          <a:p>
+            <a:r>
+              <a:rPr lang="en-US" sz="1200" kern="1200" dirty="0" smtClean="0">
+                <a:solidFill>
+                  <a:schemeClr val="tx1"/>
+                </a:solidFill>
+                <a:effectLst/>
+                <a:latin typeface="+mn-lt"/>
+                <a:ea typeface="+mn-ea"/>
+                <a:cs typeface="+mn-cs"/>
+              </a:rPr>
+              <a:t>What I have found is that we are really close on feature parity between universals 8.1 store and phone and then Silverlight 8.1 apps but not completely there.</a:t>
+            </a:r>
+          </a:p>
+          <a:p>
+            <a:pPr marL="0" marR="0" indent="0" algn="l" defTabSz="914400" rtl="0" eaLnBrk="1" fontAlgn="auto" latinLnBrk="0" hangingPunct="1">
+              <a:lnSpc>
+                <a:spcPct val="100000"/>
+              </a:lnSpc>
+              <a:spcBef>
+                <a:spcPts val="0"/>
+              </a:spcBef>
+              <a:spcAft>
+                <a:spcPts val="0"/>
+              </a:spcAft>
+              <a:buClrTx/>
+              <a:buSzTx/>
+              <a:buFontTx/>
+              <a:buNone/>
+              <a:tabLst/>
+              <a:defRPr/>
+            </a:pPr>
+            <a:endParaRPr lang="en-US" sz="1200" u="sng" kern="1200" dirty="0" smtClean="0">
+              <a:solidFill>
+                <a:schemeClr val="tx1"/>
+              </a:solidFill>
+              <a:effectLst/>
+              <a:latin typeface="+mn-lt"/>
+              <a:ea typeface="+mn-ea"/>
+              <a:cs typeface="+mn-cs"/>
+              <a:hlinkClick r:id="rId3"/>
+            </a:endParaRPr>
+          </a:p>
+          <a:p>
+            <a:pPr marL="0" marR="0" indent="0" algn="l" defTabSz="914400" rtl="0" eaLnBrk="1" fontAlgn="auto" latinLnBrk="0" hangingPunct="1">
+              <a:lnSpc>
+                <a:spcPct val="100000"/>
+              </a:lnSpc>
+              <a:spcBef>
+                <a:spcPts val="0"/>
+              </a:spcBef>
+              <a:spcAft>
+                <a:spcPts val="0"/>
+              </a:spcAft>
+              <a:buClrTx/>
+              <a:buSzTx/>
+              <a:buFontTx/>
+              <a:buNone/>
+              <a:tabLst/>
+              <a:defRPr/>
+            </a:pPr>
+            <a:endParaRPr lang="en-US" sz="1200" u="sng" kern="1200" dirty="0" smtClean="0">
+              <a:solidFill>
+                <a:schemeClr val="tx1"/>
+              </a:solidFill>
+              <a:effectLst/>
+              <a:latin typeface="+mn-lt"/>
+              <a:ea typeface="+mn-ea"/>
+              <a:cs typeface="+mn-cs"/>
+              <a:hlinkClick r:id="rId3"/>
+            </a:endParaRPr>
+          </a:p>
+          <a:p>
+            <a:pPr marL="0" marR="0" indent="0" algn="l" defTabSz="914400" rtl="0" eaLnBrk="1" fontAlgn="auto" latinLnBrk="0" hangingPunct="1">
+              <a:lnSpc>
+                <a:spcPct val="100000"/>
+              </a:lnSpc>
+              <a:spcBef>
+                <a:spcPts val="0"/>
+              </a:spcBef>
+              <a:spcAft>
+                <a:spcPts val="0"/>
+              </a:spcAft>
+              <a:buClrTx/>
+              <a:buSzTx/>
+              <a:buFontTx/>
+              <a:buNone/>
+              <a:tabLst/>
+              <a:defRPr/>
+            </a:pPr>
+            <a:r>
+              <a:rPr lang="en-US" sz="1200" u="sng" kern="1200" dirty="0" smtClean="0">
+                <a:solidFill>
+                  <a:schemeClr val="tx1"/>
+                </a:solidFill>
+                <a:effectLst/>
+                <a:latin typeface="+mn-lt"/>
+                <a:ea typeface="+mn-ea"/>
+                <a:cs typeface="+mn-cs"/>
+                <a:hlinkClick r:id="rId3"/>
+              </a:rPr>
+              <a:t>http://msdn.microsoft.com/library/</a:t>
+            </a:r>
+            <a:endParaRPr lang="en-US" sz="1200" kern="1200" dirty="0" smtClean="0">
+              <a:solidFill>
+                <a:schemeClr val="tx1"/>
+              </a:solidFill>
+              <a:effectLst/>
+              <a:latin typeface="+mn-lt"/>
+              <a:ea typeface="+mn-ea"/>
+              <a:cs typeface="+mn-cs"/>
+            </a:endParaRPr>
+          </a:p>
+          <a:p>
+            <a:endParaRPr lang="en-US" dirty="0" smtClean="0"/>
+          </a:p>
+          <a:p>
+            <a:r>
+              <a:rPr lang="en-US" dirty="0" smtClean="0"/>
+              <a:t>http://msdn.microsoft.com/en-us/library/windows.phone.media.capture.aspx</a:t>
+            </a:r>
+          </a:p>
+          <a:p>
+            <a:pPr marL="0" marR="0" indent="0" algn="l" defTabSz="914400" rtl="0" eaLnBrk="1" fontAlgn="auto" latinLnBrk="0" hangingPunct="1">
+              <a:lnSpc>
+                <a:spcPct val="100000"/>
+              </a:lnSpc>
+              <a:spcBef>
+                <a:spcPts val="0"/>
+              </a:spcBef>
+              <a:spcAft>
+                <a:spcPts val="0"/>
+              </a:spcAft>
+              <a:buClrTx/>
+              <a:buSzTx/>
+              <a:buFontTx/>
+              <a:buNone/>
+              <a:tabLst/>
+              <a:defRPr/>
+            </a:pPr>
+            <a:r>
+              <a:rPr lang="en-US" sz="1200" u="sng" kern="1200" dirty="0" smtClean="0">
+                <a:solidFill>
+                  <a:schemeClr val="tx1"/>
+                </a:solidFill>
+                <a:effectLst/>
+                <a:latin typeface="+mn-lt"/>
+                <a:ea typeface="+mn-ea"/>
+                <a:cs typeface="+mn-cs"/>
+                <a:hlinkClick r:id="rId4"/>
+              </a:rPr>
+              <a:t>http://msdn.microsoft.com/en-us/library/windows/apps/xaml/windows.applicationmodel.package.aspx</a:t>
+            </a:r>
+            <a:endParaRPr lang="en-US" sz="1200" kern="1200" dirty="0" smtClean="0">
+              <a:solidFill>
+                <a:schemeClr val="tx1"/>
+              </a:solidFill>
+              <a:effectLst/>
+              <a:latin typeface="+mn-lt"/>
+              <a:ea typeface="+mn-ea"/>
+              <a:cs typeface="+mn-cs"/>
+            </a:endParaRPr>
+          </a:p>
+          <a:p>
+            <a:endParaRPr lang="en-US" dirty="0" smtClean="0"/>
+          </a:p>
+          <a:p>
+            <a:endParaRPr lang="en-US" dirty="0" smtClean="0"/>
+          </a:p>
+          <a:p>
+            <a:endParaRPr lang="en-US" dirty="0" smtClean="0"/>
+          </a:p>
+          <a:p>
+            <a:endParaRPr lang="en-US" dirty="0"/>
+          </a:p>
+        </p:txBody>
+      </p:sp>
+      <p:sp>
+        <p:nvSpPr>
+          <p:cNvPr id="4" name="Slide Number Placeholder 3"/>
+          <p:cNvSpPr>
+            <a:spLocks noGrp="1"/>
+          </p:cNvSpPr>
+          <p:nvPr>
+            <p:ph type="sldNum" sz="quarter" idx="10"/>
+          </p:nvPr>
+        </p:nvSpPr>
+        <p:spPr/>
+        <p:txBody>
+          <a:bodyPr/>
+          <a:lstStyle/>
+          <a:p>
+            <a:fld id="{795A654D-6BE0-48C1-8457-36B06568CB66}" type="slidenum">
+              <a:rPr lang="en-US" smtClean="0"/>
+              <a:t>12</a:t>
+            </a:fld>
+            <a:endParaRPr lang="en-US"/>
+          </a:p>
+        </p:txBody>
+      </p:sp>
+    </p:spTree>
+    <p:extLst>
+      <p:ext uri="{BB962C8B-B14F-4D97-AF65-F5344CB8AC3E}">
+        <p14:creationId xmlns:p14="http://schemas.microsoft.com/office/powerpoint/2010/main" val="1391079599"/>
+      </p:ext>
+    </p:extLst>
+  </p:cSld>
+  <p:clrMapOvr>
+    <a:masterClrMapping/>
+  </p:clrMapOvr>
+</p:notes>
+</file>
+
+<file path=ppt/notesSlides/notesSlide13.xml><?xml version="1.0" encoding="utf-8"?>
+<p:notes xmlns:a="http://schemas.openxmlformats.org/drawingml/2006/main" xmlns:r="http://schemas.openxmlformats.org/officeDocument/2006/relationships" xmlns:p="http://schemas.openxmlformats.org/presentationml/2006/main">
+  <p:cSld>
+    <p:spTree>
+      <p:nvGrpSpPr>
+        <p:cNvPr id="1" name=""/>
+        <p:cNvGrpSpPr/>
+        <p:nvPr/>
+      </p:nvGrpSpPr>
+      <p:grpSpPr>
+        <a:xfrm>
+          <a:off x="0" y="0"/>
+          <a:ext cx="0" cy="0"/>
+          <a:chOff x="0" y="0"/>
+          <a:chExt cx="0" cy="0"/>
+        </a:xfrm>
+      </p:grpSpPr>
+      <p:sp>
+        <p:nvSpPr>
+          <p:cNvPr id="2" name="Slide Image Placeholder 1"/>
+          <p:cNvSpPr>
+            <a:spLocks noGrp="1" noRot="1" noChangeAspect="1"/>
+          </p:cNvSpPr>
+          <p:nvPr>
+            <p:ph type="sldImg"/>
+          </p:nvPr>
+        </p:nvSpPr>
+        <p:spPr/>
+      </p:sp>
+      <p:sp>
+        <p:nvSpPr>
+          <p:cNvPr id="3" name="Notes Placeholder 2"/>
+          <p:cNvSpPr>
+            <a:spLocks noGrp="1"/>
+          </p:cNvSpPr>
+          <p:nvPr>
+            <p:ph type="body" idx="1"/>
+          </p:nvPr>
+        </p:nvSpPr>
+        <p:spPr/>
+        <p:txBody>
+          <a:bodyPr/>
+          <a:lstStyle/>
+          <a:p>
+            <a:endParaRPr lang="en-US" dirty="0"/>
+          </a:p>
+        </p:txBody>
+      </p:sp>
+      <p:sp>
+        <p:nvSpPr>
+          <p:cNvPr id="4" name="Slide Number Placeholder 3"/>
+          <p:cNvSpPr>
+            <a:spLocks noGrp="1"/>
+          </p:cNvSpPr>
+          <p:nvPr>
+            <p:ph type="sldNum" sz="quarter" idx="10"/>
+          </p:nvPr>
+        </p:nvSpPr>
+        <p:spPr/>
+        <p:txBody>
+          <a:bodyPr/>
+          <a:lstStyle/>
+          <a:p>
+            <a:fld id="{795A654D-6BE0-48C1-8457-36B06568CB66}" type="slidenum">
+              <a:rPr lang="en-US" smtClean="0"/>
+              <a:t>14</a:t>
+            </a:fld>
+            <a:endParaRPr lang="en-US"/>
+          </a:p>
+        </p:txBody>
+      </p:sp>
+    </p:spTree>
+    <p:extLst>
+      <p:ext uri="{BB962C8B-B14F-4D97-AF65-F5344CB8AC3E}">
+        <p14:creationId xmlns:p14="http://schemas.microsoft.com/office/powerpoint/2010/main" val="2855237771"/>
       </p:ext>
     </p:extLst>
   </p:cSld>
@@ -1732,303 +2379,6 @@
           <a:bodyPr/>
           <a:lstStyle/>
           <a:p>
-            <a:r>
-              <a:rPr lang="en-US" sz="1200" b="1" kern="1200" dirty="0" smtClean="0">
-                <a:solidFill>
-                  <a:schemeClr val="tx1"/>
-                </a:solidFill>
-                <a:effectLst/>
-                <a:latin typeface="+mn-lt"/>
-                <a:ea typeface="+mn-ea"/>
-                <a:cs typeface="+mn-cs"/>
-              </a:rPr>
-              <a:t>Demo here show </a:t>
-            </a:r>
-            <a:r>
-              <a:rPr lang="en-US" sz="1200" b="1" kern="1200" dirty="0" err="1" smtClean="0">
-                <a:solidFill>
-                  <a:schemeClr val="tx1"/>
-                </a:solidFill>
-                <a:effectLst/>
-                <a:latin typeface="+mn-lt"/>
-                <a:ea typeface="+mn-ea"/>
-                <a:cs typeface="+mn-cs"/>
-              </a:rPr>
-              <a:t>msdn</a:t>
-            </a:r>
-            <a:r>
-              <a:rPr lang="en-US" sz="1200" b="1" kern="1200" dirty="0" smtClean="0">
-                <a:solidFill>
-                  <a:schemeClr val="tx1"/>
-                </a:solidFill>
-                <a:effectLst/>
-                <a:latin typeface="+mn-lt"/>
-                <a:ea typeface="+mn-ea"/>
-                <a:cs typeface="+mn-cs"/>
-              </a:rPr>
-              <a:t> page</a:t>
-            </a:r>
-          </a:p>
-          <a:p>
-            <a:endParaRPr lang="en-US" sz="1200" b="1" kern="1200" dirty="0" smtClean="0">
-              <a:solidFill>
-                <a:schemeClr val="tx1"/>
-              </a:solidFill>
-              <a:effectLst/>
-              <a:latin typeface="+mn-lt"/>
-              <a:ea typeface="+mn-ea"/>
-              <a:cs typeface="+mn-cs"/>
-            </a:endParaRPr>
-          </a:p>
-          <a:p>
-            <a:r>
-              <a:rPr lang="en-US" sz="1200" b="1" kern="1200" dirty="0" smtClean="0">
-                <a:solidFill>
-                  <a:schemeClr val="tx1"/>
-                </a:solidFill>
-                <a:effectLst/>
-                <a:latin typeface="+mn-lt"/>
-                <a:ea typeface="+mn-ea"/>
-                <a:cs typeface="+mn-cs"/>
-              </a:rPr>
-              <a:t>Where are we with feature parity</a:t>
-            </a:r>
-          </a:p>
-          <a:p>
-            <a:r>
-              <a:rPr lang="en-US" sz="1200" kern="1200" dirty="0" smtClean="0">
-                <a:solidFill>
-                  <a:schemeClr val="tx1"/>
-                </a:solidFill>
-                <a:effectLst/>
-                <a:latin typeface="+mn-lt"/>
-                <a:ea typeface="+mn-ea"/>
-                <a:cs typeface="+mn-cs"/>
-              </a:rPr>
-              <a:t>What I have found is that we are really close on feature parity between universals 8.1 store and phone and then Silverlight 8.1 apps but not completely there.</a:t>
-            </a:r>
-          </a:p>
-          <a:p>
-            <a:pPr marL="0" marR="0" indent="0" algn="l" defTabSz="914400" rtl="0" eaLnBrk="1" fontAlgn="auto" latinLnBrk="0" hangingPunct="1">
-              <a:lnSpc>
-                <a:spcPct val="100000"/>
-              </a:lnSpc>
-              <a:spcBef>
-                <a:spcPts val="0"/>
-              </a:spcBef>
-              <a:spcAft>
-                <a:spcPts val="0"/>
-              </a:spcAft>
-              <a:buClrTx/>
-              <a:buSzTx/>
-              <a:buFontTx/>
-              <a:buNone/>
-              <a:tabLst/>
-              <a:defRPr/>
-            </a:pPr>
-            <a:endParaRPr lang="en-US" sz="1200" u="sng" kern="1200" dirty="0" smtClean="0">
-              <a:solidFill>
-                <a:schemeClr val="tx1"/>
-              </a:solidFill>
-              <a:effectLst/>
-              <a:latin typeface="+mn-lt"/>
-              <a:ea typeface="+mn-ea"/>
-              <a:cs typeface="+mn-cs"/>
-              <a:hlinkClick r:id="rId3"/>
-            </a:endParaRPr>
-          </a:p>
-          <a:p>
-            <a:pPr marL="0" marR="0" indent="0" algn="l" defTabSz="914400" rtl="0" eaLnBrk="1" fontAlgn="auto" latinLnBrk="0" hangingPunct="1">
-              <a:lnSpc>
-                <a:spcPct val="100000"/>
-              </a:lnSpc>
-              <a:spcBef>
-                <a:spcPts val="0"/>
-              </a:spcBef>
-              <a:spcAft>
-                <a:spcPts val="0"/>
-              </a:spcAft>
-              <a:buClrTx/>
-              <a:buSzTx/>
-              <a:buFontTx/>
-              <a:buNone/>
-              <a:tabLst/>
-              <a:defRPr/>
-            </a:pPr>
-            <a:endParaRPr lang="en-US" sz="1200" u="sng" kern="1200" dirty="0" smtClean="0">
-              <a:solidFill>
-                <a:schemeClr val="tx1"/>
-              </a:solidFill>
-              <a:effectLst/>
-              <a:latin typeface="+mn-lt"/>
-              <a:ea typeface="+mn-ea"/>
-              <a:cs typeface="+mn-cs"/>
-              <a:hlinkClick r:id="rId3"/>
-            </a:endParaRPr>
-          </a:p>
-          <a:p>
-            <a:pPr marL="0" marR="0" indent="0" algn="l" defTabSz="914400" rtl="0" eaLnBrk="1" fontAlgn="auto" latinLnBrk="0" hangingPunct="1">
-              <a:lnSpc>
-                <a:spcPct val="100000"/>
-              </a:lnSpc>
-              <a:spcBef>
-                <a:spcPts val="0"/>
-              </a:spcBef>
-              <a:spcAft>
-                <a:spcPts val="0"/>
-              </a:spcAft>
-              <a:buClrTx/>
-              <a:buSzTx/>
-              <a:buFontTx/>
-              <a:buNone/>
-              <a:tabLst/>
-              <a:defRPr/>
-            </a:pPr>
-            <a:r>
-              <a:rPr lang="en-US" sz="1200" u="sng" kern="1200" dirty="0" smtClean="0">
-                <a:solidFill>
-                  <a:schemeClr val="tx1"/>
-                </a:solidFill>
-                <a:effectLst/>
-                <a:latin typeface="+mn-lt"/>
-                <a:ea typeface="+mn-ea"/>
-                <a:cs typeface="+mn-cs"/>
-                <a:hlinkClick r:id="rId3"/>
-              </a:rPr>
-              <a:t>http://msdn.microsoft.com/library/</a:t>
-            </a:r>
-            <a:endParaRPr lang="en-US" sz="1200" u="sng" kern="1200" dirty="0" smtClean="0">
-              <a:solidFill>
-                <a:schemeClr val="tx1"/>
-              </a:solidFill>
-              <a:effectLst/>
-              <a:latin typeface="+mn-lt"/>
-              <a:ea typeface="+mn-ea"/>
-              <a:cs typeface="+mn-cs"/>
-            </a:endParaRPr>
-          </a:p>
-          <a:p>
-            <a:pPr marL="0" marR="0" indent="0" algn="l" defTabSz="914400" rtl="0" eaLnBrk="1" fontAlgn="auto" latinLnBrk="0" hangingPunct="1">
-              <a:lnSpc>
-                <a:spcPct val="100000"/>
-              </a:lnSpc>
-              <a:spcBef>
-                <a:spcPts val="0"/>
-              </a:spcBef>
-              <a:spcAft>
-                <a:spcPts val="0"/>
-              </a:spcAft>
-              <a:buClrTx/>
-              <a:buSzTx/>
-              <a:buFontTx/>
-              <a:buNone/>
-              <a:tabLst/>
-              <a:defRPr/>
-            </a:pPr>
-            <a:endParaRPr lang="en-US" sz="1200" u="sng" kern="1200" dirty="0" smtClean="0">
-              <a:solidFill>
-                <a:schemeClr val="tx1"/>
-              </a:solidFill>
-              <a:effectLst/>
-              <a:latin typeface="+mn-lt"/>
-              <a:ea typeface="+mn-ea"/>
-              <a:cs typeface="+mn-cs"/>
-            </a:endParaRPr>
-          </a:p>
-          <a:p>
-            <a:pPr marL="0" marR="0" indent="0" algn="l" defTabSz="914400" rtl="0" eaLnBrk="1" fontAlgn="auto" latinLnBrk="0" hangingPunct="1">
-              <a:lnSpc>
-                <a:spcPct val="100000"/>
-              </a:lnSpc>
-              <a:spcBef>
-                <a:spcPts val="0"/>
-              </a:spcBef>
-              <a:spcAft>
-                <a:spcPts val="0"/>
-              </a:spcAft>
-              <a:buClrTx/>
-              <a:buSzTx/>
-              <a:buFontTx/>
-              <a:buNone/>
-              <a:tabLst/>
-              <a:defRPr/>
-            </a:pPr>
-            <a:r>
-              <a:rPr lang="en-US" sz="1200" kern="1200" dirty="0" smtClean="0">
-                <a:solidFill>
-                  <a:schemeClr val="tx1"/>
-                </a:solidFill>
-                <a:effectLst/>
-                <a:latin typeface="+mn-lt"/>
-                <a:ea typeface="+mn-ea"/>
-                <a:cs typeface="+mn-cs"/>
-              </a:rPr>
-              <a:t>http://msdn.microsoft.com/en-us/library/windows/apps/xaml/windows.media.capture.mediacapture.aspx</a:t>
-            </a:r>
-          </a:p>
-          <a:p>
-            <a:endParaRPr lang="en-US" dirty="0" smtClean="0"/>
-          </a:p>
-          <a:p>
-            <a:r>
-              <a:rPr lang="en-US" dirty="0" smtClean="0"/>
-              <a:t>http://msdn.microsoft.com/en-us/library/windows.phone.media.capture.aspx</a:t>
-            </a:r>
-          </a:p>
-          <a:p>
-            <a:endParaRPr lang="en-US" dirty="0" smtClean="0"/>
-          </a:p>
-          <a:p>
-            <a:pPr marL="0" marR="0" indent="0" algn="l" defTabSz="914400" rtl="0" eaLnBrk="1" fontAlgn="auto" latinLnBrk="0" hangingPunct="1">
-              <a:lnSpc>
-                <a:spcPct val="100000"/>
-              </a:lnSpc>
-              <a:spcBef>
-                <a:spcPts val="0"/>
-              </a:spcBef>
-              <a:spcAft>
-                <a:spcPts val="0"/>
-              </a:spcAft>
-              <a:buClrTx/>
-              <a:buSzTx/>
-              <a:buFontTx/>
-              <a:buNone/>
-              <a:tabLst/>
-              <a:defRPr/>
-            </a:pPr>
-            <a:r>
-              <a:rPr lang="en-US" sz="1200" u="sng" kern="1200" dirty="0" smtClean="0">
-                <a:solidFill>
-                  <a:schemeClr val="tx1"/>
-                </a:solidFill>
-                <a:effectLst/>
-                <a:latin typeface="+mn-lt"/>
-                <a:ea typeface="+mn-ea"/>
-                <a:cs typeface="+mn-cs"/>
-                <a:hlinkClick r:id="rId4"/>
-              </a:rPr>
-              <a:t>http://msdn.microsoft.com/en-us/library/windows/apps/xaml/windows.applicationmodel.package.aspx</a:t>
-            </a:r>
-            <a:endParaRPr lang="en-US" sz="1200" kern="1200" dirty="0" smtClean="0">
-              <a:solidFill>
-                <a:schemeClr val="tx1"/>
-              </a:solidFill>
-              <a:effectLst/>
-              <a:latin typeface="+mn-lt"/>
-              <a:ea typeface="+mn-ea"/>
-              <a:cs typeface="+mn-cs"/>
-            </a:endParaRPr>
-          </a:p>
-          <a:p>
-            <a:endParaRPr lang="en-US" dirty="0" smtClean="0"/>
-          </a:p>
-          <a:p>
-            <a:endParaRPr lang="en-US" dirty="0" smtClean="0"/>
-          </a:p>
-          <a:p>
-            <a:endParaRPr lang="en-US" dirty="0" smtClean="0"/>
-          </a:p>
-          <a:p>
             <a:endParaRPr lang="en-US" dirty="0"/>
           </a:p>
         </p:txBody>
@@ -2059,7 +2409,7 @@
     </p:spTree>
     <p:extLst>
       <p:ext uri="{BB962C8B-B14F-4D97-AF65-F5344CB8AC3E}">
-        <p14:creationId xmlns:p14="http://schemas.microsoft.com/office/powerpoint/2010/main" val="1543327904"/>
+        <p14:creationId xmlns:p14="http://schemas.microsoft.com/office/powerpoint/2010/main" val="296400452"/>
       </p:ext>
     </p:extLst>
   </p:cSld>
@@ -2113,34 +2463,6 @@
           <a:bodyPr/>
           <a:lstStyle/>
           <a:p>
-            <a:r>
-              <a:rPr lang="en-US" sz="1200" b="1" kern="1200" dirty="0" smtClean="0">
-                <a:solidFill>
-                  <a:schemeClr val="tx1"/>
-                </a:solidFill>
-                <a:effectLst/>
-                <a:latin typeface="+mn-lt"/>
-                <a:ea typeface="+mn-ea"/>
-                <a:cs typeface="+mn-cs"/>
-              </a:rPr>
-              <a:t>Where are we with feature parity</a:t>
-            </a:r>
-          </a:p>
-          <a:p>
-            <a:r>
-              <a:rPr lang="en-US" sz="1200" kern="1200" dirty="0" smtClean="0">
-                <a:solidFill>
-                  <a:schemeClr val="tx1"/>
-                </a:solidFill>
-                <a:effectLst/>
-                <a:latin typeface="+mn-lt"/>
-                <a:ea typeface="+mn-ea"/>
-                <a:cs typeface="+mn-cs"/>
-              </a:rPr>
-              <a:t>What I have found is that we are really close on feature parity between universals 8.1 store and phone and then Silverlight 8.1 apps but not completely there.</a:t>
-            </a:r>
-          </a:p>
-          <a:p>
             <a:pPr marL="0" marR="0" indent="0" algn="l" defTabSz="914400" rtl="0" eaLnBrk="1" fontAlgn="auto" latinLnBrk="0" hangingPunct="1">
               <a:lnSpc>
                 <a:spcPct val="100000"/>
@@ -2158,66 +2480,8 @@
               <a:tabLst/>
               <a:defRPr/>
             </a:pPr>
-            <a:endParaRPr lang="en-US" sz="1200" u="sng" kern="1200" dirty="0" smtClean="0">
-              <a:solidFill>
-                <a:schemeClr val="tx1"/>
-              </a:solidFill>
-              <a:effectLst/>
-              <a:latin typeface="+mn-lt"/>
-              <a:ea typeface="+mn-ea"/>
-              <a:cs typeface="+mn-cs"/>
-              <a:hlinkClick r:id="rId3"/>
-            </a:endParaRPr>
-          </a:p>
-          <a:p>
-            <a:pPr marL="0" marR="0" indent="0" algn="l" defTabSz="914400" rtl="0" eaLnBrk="1" fontAlgn="auto" latinLnBrk="0" hangingPunct="1">
-              <a:lnSpc>
-                <a:spcPct val="100000"/>
-              </a:lnSpc>
-              <a:spcBef>
-                <a:spcPts val="0"/>
-              </a:spcBef>
-              <a:spcAft>
-                <a:spcPts val="0"/>
-              </a:spcAft>
-              <a:buClrTx/>
-              <a:buSzTx/>
-              <a:buFontTx/>
-              <a:buNone/>
-              <a:tabLst/>
-              <a:defRPr/>
-            </a:pPr>
-            <a:endParaRPr lang="en-US" sz="1200" u="sng" kern="1200" dirty="0" smtClean="0">
-              <a:solidFill>
-                <a:schemeClr val="tx1"/>
-              </a:solidFill>
-              <a:effectLst/>
-              <a:latin typeface="+mn-lt"/>
-              <a:ea typeface="+mn-ea"/>
-              <a:cs typeface="+mn-cs"/>
-              <a:hlinkClick r:id="rId3"/>
-            </a:endParaRPr>
-          </a:p>
-          <a:p>
-            <a:pPr marL="0" marR="0" indent="0" algn="l" defTabSz="914400" rtl="0" eaLnBrk="1" fontAlgn="auto" latinLnBrk="0" hangingPunct="1">
-              <a:lnSpc>
-                <a:spcPct val="100000"/>
-              </a:lnSpc>
-              <a:spcBef>
-                <a:spcPts val="0"/>
-              </a:spcBef>
-              <a:spcAft>
-                <a:spcPts val="0"/>
-              </a:spcAft>
-              <a:buClrTx/>
-              <a:buSzTx/>
-              <a:buFontTx/>
-              <a:buNone/>
-              <a:tabLst/>
-              <a:defRPr/>
-            </a:pPr>
-            <a:r>
-              <a:rPr lang="en-US" sz="1200" u="sng" kern="1200" dirty="0" smtClean="0">
+            <a:r>
+              <a:rPr lang="en-US" sz="1200" kern="1200" dirty="0" smtClean="0">
                 <a:solidFill>
                   <a:schemeClr val="tx1"/>
                 </a:solidFill>
@@ -2225,78 +2489,9 @@
                 <a:latin typeface="+mn-lt"/>
                 <a:ea typeface="+mn-ea"/>
                 <a:cs typeface="+mn-cs"/>
-                <a:hlinkClick r:id="rId3"/>
               </a:rPr>
-              <a:t>http://msdn.microsoft.com/library/</a:t>
-            </a:r>
-            <a:endParaRPr lang="en-US" sz="1200" kern="1200" dirty="0" smtClean="0">
-              <a:solidFill>
-                <a:schemeClr val="tx1"/>
-              </a:solidFill>
-              <a:effectLst/>
-              <a:latin typeface="+mn-lt"/>
-              <a:ea typeface="+mn-ea"/>
-              <a:cs typeface="+mn-cs"/>
-            </a:endParaRPr>
-          </a:p>
-          <a:p>
-            <a:endParaRPr lang="en-US" dirty="0" smtClean="0"/>
-          </a:p>
-          <a:p>
-            <a:r>
-              <a:rPr lang="en-US" dirty="0" smtClean="0"/>
-              <a:t>http://msdn.microsoft.com/en-us/library/windows.phone.media.capture.aspx</a:t>
-            </a:r>
-          </a:p>
-          <a:p>
-            <a:pPr marL="0" marR="0" indent="0" algn="l" defTabSz="914400" rtl="0" eaLnBrk="1" fontAlgn="auto" latinLnBrk="0" hangingPunct="1">
-              <a:lnSpc>
-                <a:spcPct val="100000"/>
-              </a:lnSpc>
-              <a:spcBef>
-                <a:spcPts val="0"/>
-              </a:spcBef>
-              <a:spcAft>
-                <a:spcPts val="0"/>
-              </a:spcAft>
-              <a:buClrTx/>
-              <a:buSzTx/>
-              <a:buFontTx/>
-              <a:buNone/>
-              <a:tabLst/>
-              <a:defRPr/>
-            </a:pPr>
-            <a:r>
-              <a:rPr lang="en-US" sz="1200" u="sng" kern="1200" dirty="0" smtClean="0">
-                <a:solidFill>
-                  <a:schemeClr val="tx1"/>
-                </a:solidFill>
-                <a:effectLst/>
-                <a:latin typeface="+mn-lt"/>
-                <a:ea typeface="+mn-ea"/>
-                <a:cs typeface="+mn-cs"/>
-                <a:hlinkClick r:id="rId4"/>
-              </a:rPr>
-              <a:t>http://msdn.microsoft.com/en-us/library/windows/apps/xaml/windows.applicationmodel.package.aspx</a:t>
-            </a:r>
-            <a:endParaRPr lang="en-US" sz="1200" kern="1200" dirty="0" smtClean="0">
-              <a:solidFill>
-                <a:schemeClr val="tx1"/>
-              </a:solidFill>
-              <a:effectLst/>
-              <a:latin typeface="+mn-lt"/>
-              <a:ea typeface="+mn-ea"/>
-              <a:cs typeface="+mn-cs"/>
-            </a:endParaRPr>
-          </a:p>
-          <a:p>
-            <a:endParaRPr lang="en-US" dirty="0" smtClean="0"/>
-          </a:p>
-          <a:p>
-            <a:endParaRPr lang="en-US" dirty="0" smtClean="0"/>
-          </a:p>
-          <a:p>
-            <a:endParaRPr lang="en-US" dirty="0" smtClean="0"/>
+              <a:t>Universal app is made up of 3 parts, the Windows Store project, the Windows Phone project, and the shared project.  </a:t>
+            </a:r>
           </a:p>
           <a:p>
             <a:endParaRPr lang="en-US" dirty="0"/>
@@ -2329,7 +2524,7 @@
     </p:spTree>
     <p:extLst>
       <p:ext uri="{BB962C8B-B14F-4D97-AF65-F5344CB8AC3E}">
-        <p14:creationId xmlns:p14="http://schemas.microsoft.com/office/powerpoint/2010/main" val="1391079599"/>
+        <p14:creationId xmlns:p14="http://schemas.microsoft.com/office/powerpoint/2010/main" val="863478600"/>
       </p:ext>
     </p:extLst>
   </p:cSld>
@@ -2401,7 +2596,7 @@
               <a:defRPr/>
             </a:pPr>
             <a:r>
-              <a:rPr lang="en-US" sz="1200" kern="1200" dirty="0" smtClean="0">
+              <a:rPr lang="en-US" sz="1200" kern="1200" smtClean="0">
                 <a:solidFill>
                   <a:schemeClr val="tx1"/>
                 </a:solidFill>
@@ -2414,7 +2609,7 @@
             </a:r>
           </a:p>
           <a:p>
-            <a:endParaRPr lang="en-US" dirty="0"/>
+            <a:endParaRPr lang="en-US"/>
           </a:p>
         </p:txBody>
       </p:sp>
@@ -2444,7 +2639,7 @@
     </p:spTree>
     <p:extLst>
       <p:ext uri="{BB962C8B-B14F-4D97-AF65-F5344CB8AC3E}">
-        <p14:creationId xmlns:p14="http://schemas.microsoft.com/office/powerpoint/2010/main" val="863478600"/>
+        <p14:creationId xmlns:p14="http://schemas.microsoft.com/office/powerpoint/2010/main" val="1744624234"/>
       </p:ext>
     </p:extLst>
   </p:cSld>
@@ -2498,38 +2693,7 @@
           <a:bodyPr/>
           <a:lstStyle/>
           <a:p>
-            <a:pPr marL="0" marR="0" indent="0" algn="l" defTabSz="914400" rtl="0" eaLnBrk="1" fontAlgn="auto" latinLnBrk="0" hangingPunct="1">
-              <a:lnSpc>
-                <a:spcPct val="100000"/>
-              </a:lnSpc>
-              <a:spcBef>
-                <a:spcPts val="0"/>
-              </a:spcBef>
-              <a:spcAft>
-                <a:spcPts val="0"/>
-              </a:spcAft>
-              <a:buClrTx/>
-              <a:buSzTx/>
-              <a:buFontTx/>
-              <a:buNone/>
-              <a:tabLst/>
-              <a:defRPr/>
-            </a:pPr>
-            <a:r>
-              <a:rPr lang="en-US" sz="1200" kern="1200" smtClean="0">
-                <a:solidFill>
-                  <a:schemeClr val="tx1"/>
-                </a:solidFill>
-                <a:effectLst/>
-                <a:latin typeface="+mn-lt"/>
-                <a:ea typeface="+mn-ea"/>
-                <a:cs typeface="+mn-cs"/>
-              </a:rPr>
-              <a:t>Universal app is made up of 3 parts, the Windows Store project, the Windows Phone project, and the shared project.  </a:t>
-            </a:r>
-          </a:p>
-          <a:p>
-            <a:endParaRPr lang="en-US"/>
+            <a:endParaRPr lang="en-US" dirty="0"/>
           </a:p>
         </p:txBody>
       </p:sp>
@@ -2559,7 +2723,7 @@
     </p:spTree>
     <p:extLst>
       <p:ext uri="{BB962C8B-B14F-4D97-AF65-F5344CB8AC3E}">
-        <p14:creationId xmlns:p14="http://schemas.microsoft.com/office/powerpoint/2010/main" val="1744624234"/>
+        <p14:creationId xmlns:p14="http://schemas.microsoft.com/office/powerpoint/2010/main" val="4160990010"/>
       </p:ext>
     </p:extLst>
   </p:cSld>
@@ -2613,6 +2777,14 @@
           <a:bodyPr/>
           <a:lstStyle/>
           <a:p>
+            <a:r>
+              <a:rPr lang="en-US" dirty="0" smtClean="0"/>
+              <a:t>Demo adding phone </a:t>
+            </a:r>
+            <a:r>
+              <a:rPr lang="en-US" dirty="0" err="1" smtClean="0"/>
+              <a:t>suport</a:t>
+            </a:r>
             <a:endParaRPr lang="en-US" dirty="0"/>
           </a:p>
         </p:txBody>
@@ -2643,7 +2815,7 @@
     </p:spTree>
     <p:extLst>
       <p:ext uri="{BB962C8B-B14F-4D97-AF65-F5344CB8AC3E}">
-        <p14:creationId xmlns:p14="http://schemas.microsoft.com/office/powerpoint/2010/main" val="4160990010"/>
+        <p14:creationId xmlns:p14="http://schemas.microsoft.com/office/powerpoint/2010/main" val="2880548321"/>
       </p:ext>
     </p:extLst>
   </p:cSld>
@@ -5939,1518 +6111,6 @@
 </file>
 
 <file path=ppt/slides/slide11.xml><?xml version="1.0" encoding="utf-8"?>
-<p:sld xmlns:a="http://schemas.openxmlformats.org/drawingml/2006/main" xmlns:r="http://schemas.openxmlformats.org/officeDocument/2006/relationships" xmlns:p="http://schemas.openxmlformats.org/presentationml/2006/main">
-  <p:cSld>
-    <p:spTree>
-      <p:nvGrpSpPr>
-        <p:cNvPr id="1" name=""/>
-        <p:cNvGrpSpPr/>
-        <p:nvPr/>
-      </p:nvGrpSpPr>
-      <p:grpSpPr>
-        <a:xfrm>
-          <a:off x="0" y="0"/>
-          <a:ext cx="0" cy="0"/>
-          <a:chOff x="0" y="0"/>
-          <a:chExt cx="0" cy="0"/>
-        </a:xfrm>
-      </p:grpSpPr>
-      <p:sp>
-        <p:nvSpPr>
-          <p:cNvPr id="2" name="Title 1"/>
-          <p:cNvSpPr>
-            <a:spLocks noGrp="1"/>
-          </p:cNvSpPr>
-          <p:nvPr>
-            <p:ph type="title"/>
-          </p:nvPr>
-        </p:nvSpPr>
-        <p:spPr/>
-        <p:txBody>
-          <a:bodyPr>
-            <a:normAutofit fontScale="90000"/>
-          </a:bodyPr>
-          <a:lstStyle/>
-          <a:p>
-            <a:r>
-              <a:rPr lang="en-US" dirty="0" smtClean="0"/>
-              <a:t>Add phone support existing store app</a:t>
-            </a:r>
-            <a:endParaRPr lang="en-US" dirty="0"/>
-          </a:p>
-        </p:txBody>
-      </p:sp>
-      <p:pic>
-        <p:nvPicPr>
-          <p:cNvPr id="4" name="Content Placeholder 3"/>
-          <p:cNvPicPr>
-            <a:picLocks noGrp="1" noChangeAspect="1"/>
-          </p:cNvPicPr>
-          <p:nvPr>
-            <p:ph idx="1"/>
-          </p:nvPr>
-        </p:nvPicPr>
-        <p:blipFill>
-          <a:blip r:embed="rId3"/>
-          <a:stretch>
-            <a:fillRect/>
-          </a:stretch>
-        </p:blipFill>
-        <p:spPr>
-          <a:xfrm>
-            <a:off x="457200" y="1648925"/>
-            <a:ext cx="8102036" cy="2743461"/>
-          </a:xfrm>
-          <a:prstGeom prst="rect">
-            <a:avLst/>
-          </a:prstGeom>
-        </p:spPr>
-      </p:pic>
-      <p:pic>
-        <p:nvPicPr>
-          <p:cNvPr id="5" name="Picture 4"/>
-          <p:cNvPicPr>
-            <a:picLocks noChangeAspect="1"/>
-          </p:cNvPicPr>
-          <p:nvPr/>
-        </p:nvPicPr>
-        <p:blipFill>
-          <a:blip r:embed="rId4">
-            <a:extLst>
-              <a:ext uri="{28A0092B-C50C-407E-A947-70E740481C1C}">
-                <a14:useLocalDpi xmlns:a14="http://schemas.microsoft.com/office/drawing/2010/main" val="0"/>
-              </a:ext>
-            </a:extLst>
-          </a:blip>
-          <a:stretch>
-            <a:fillRect/>
-          </a:stretch>
-        </p:blipFill>
-        <p:spPr>
-          <a:xfrm>
-            <a:off x="6556197" y="5918320"/>
-            <a:ext cx="2356206" cy="819150"/>
-          </a:xfrm>
-          <a:prstGeom prst="rect">
-            <a:avLst/>
-          </a:prstGeom>
-        </p:spPr>
-      </p:pic>
-    </p:spTree>
-    <p:extLst>
-      <p:ext uri="{BB962C8B-B14F-4D97-AF65-F5344CB8AC3E}">
-        <p14:creationId xmlns:p14="http://schemas.microsoft.com/office/powerpoint/2010/main" val="3407941427"/>
-      </p:ext>
-    </p:extLst>
-  </p:cSld>
-  <p:clrMapOvr>
-    <a:masterClrMapping/>
-  </p:clrMapOvr>
-  <p:timing>
-    <p:tnLst>
-      <p:par>
-        <p:cTn id="1" dur="indefinite" restart="never" nodeType="tmRoot"/>
-      </p:par>
-    </p:tnLst>
-  </p:timing>
-</p:sld>
-</file>
-
-<file path=ppt/slides/slide12.xml><?xml version="1.0" encoding="utf-8"?>
-<p:sld xmlns:a="http://schemas.openxmlformats.org/drawingml/2006/main" xmlns:r="http://schemas.openxmlformats.org/officeDocument/2006/relationships" xmlns:p="http://schemas.openxmlformats.org/presentationml/2006/main">
-  <p:cSld>
-    <p:spTree>
-      <p:nvGrpSpPr>
-        <p:cNvPr id="1" name=""/>
-        <p:cNvGrpSpPr/>
-        <p:nvPr/>
-      </p:nvGrpSpPr>
-      <p:grpSpPr>
-        <a:xfrm>
-          <a:off x="0" y="0"/>
-          <a:ext cx="0" cy="0"/>
-          <a:chOff x="0" y="0"/>
-          <a:chExt cx="0" cy="0"/>
-        </a:xfrm>
-      </p:grpSpPr>
-      <p:sp>
-        <p:nvSpPr>
-          <p:cNvPr id="2" name="Title 1"/>
-          <p:cNvSpPr>
-            <a:spLocks noGrp="1"/>
-          </p:cNvSpPr>
-          <p:nvPr>
-            <p:ph type="title"/>
-          </p:nvPr>
-        </p:nvSpPr>
-        <p:spPr/>
-        <p:txBody>
-          <a:bodyPr/>
-          <a:lstStyle/>
-          <a:p>
-            <a:r>
-              <a:rPr lang="en-US" dirty="0" smtClean="0"/>
-              <a:t>MVVM Pattern</a:t>
-            </a:r>
-            <a:endParaRPr lang="en-US" dirty="0"/>
-          </a:p>
-        </p:txBody>
-      </p:sp>
-      <p:sp>
-        <p:nvSpPr>
-          <p:cNvPr id="3" name="Content Placeholder 2"/>
-          <p:cNvSpPr>
-            <a:spLocks noGrp="1"/>
-          </p:cNvSpPr>
-          <p:nvPr>
-            <p:ph idx="1"/>
-          </p:nvPr>
-        </p:nvSpPr>
-        <p:spPr>
-          <a:xfrm>
-            <a:off x="457200" y="1600200"/>
-            <a:ext cx="8229600" cy="3918857"/>
-          </a:xfrm>
-        </p:spPr>
-        <p:txBody>
-          <a:bodyPr/>
-          <a:lstStyle/>
-          <a:p>
-            <a:r>
-              <a:rPr lang="en-US" dirty="0" smtClean="0"/>
-              <a:t>MVVM Light</a:t>
-            </a:r>
-          </a:p>
-          <a:p>
-            <a:r>
-              <a:rPr lang="en-US" dirty="0" smtClean="0"/>
-              <a:t>Prism</a:t>
-            </a:r>
-          </a:p>
-          <a:p>
-            <a:r>
-              <a:rPr lang="en-US" dirty="0" err="1" smtClean="0"/>
-              <a:t>MvvmCross</a:t>
-            </a:r>
-            <a:endParaRPr lang="en-US" dirty="0" smtClean="0"/>
-          </a:p>
-          <a:p>
-            <a:r>
-              <a:rPr lang="en-US" dirty="0" err="1" smtClean="0"/>
-              <a:t>Catel.MVVM</a:t>
-            </a:r>
-            <a:endParaRPr lang="en-US" dirty="0" smtClean="0"/>
-          </a:p>
-          <a:p>
-            <a:r>
-              <a:rPr lang="en-US" dirty="0" err="1" smtClean="0"/>
-              <a:t>Caliburn.Micro</a:t>
-            </a:r>
-            <a:endParaRPr lang="en-US" dirty="0"/>
-          </a:p>
-        </p:txBody>
-      </p:sp>
-      <p:pic>
-        <p:nvPicPr>
-          <p:cNvPr id="5" name="Picture 4"/>
-          <p:cNvPicPr>
-            <a:picLocks noChangeAspect="1"/>
-          </p:cNvPicPr>
-          <p:nvPr/>
-        </p:nvPicPr>
-        <p:blipFill>
-          <a:blip r:embed="rId2">
-            <a:extLst>
-              <a:ext uri="{28A0092B-C50C-407E-A947-70E740481C1C}">
-                <a14:useLocalDpi xmlns:a14="http://schemas.microsoft.com/office/drawing/2010/main" val="0"/>
-              </a:ext>
-            </a:extLst>
-          </a:blip>
-          <a:stretch>
-            <a:fillRect/>
-          </a:stretch>
-        </p:blipFill>
-        <p:spPr>
-          <a:xfrm>
-            <a:off x="6556197" y="5918320"/>
-            <a:ext cx="2356206" cy="819150"/>
-          </a:xfrm>
-          <a:prstGeom prst="rect">
-            <a:avLst/>
-          </a:prstGeom>
-        </p:spPr>
-      </p:pic>
-      <p:sp>
-        <p:nvSpPr>
-          <p:cNvPr id="4" name="TextBox 3"/>
-          <p:cNvSpPr txBox="1"/>
-          <p:nvPr/>
-        </p:nvSpPr>
-        <p:spPr>
-          <a:xfrm>
-            <a:off x="457200" y="5918320"/>
-            <a:ext cx="5968368" cy="369332"/>
-          </a:xfrm>
-          <a:prstGeom prst="rect">
-            <a:avLst/>
-          </a:prstGeom>
-          <a:noFill/>
-        </p:spPr>
-        <p:txBody>
-          <a:bodyPr wrap="square" rtlCol="0">
-            <a:spAutoFit/>
-          </a:bodyPr>
-          <a:lstStyle/>
-          <a:p>
-            <a:r>
-              <a:rPr lang="en-US" dirty="0"/>
-              <a:t>http://nugetmusthaves.com/Tag/MVVM</a:t>
-            </a:r>
-          </a:p>
-        </p:txBody>
-      </p:sp>
-    </p:spTree>
-    <p:extLst>
-      <p:ext uri="{BB962C8B-B14F-4D97-AF65-F5344CB8AC3E}">
-        <p14:creationId xmlns:p14="http://schemas.microsoft.com/office/powerpoint/2010/main" val="1122270672"/>
-      </p:ext>
-    </p:extLst>
-  </p:cSld>
-  <p:clrMapOvr>
-    <a:masterClrMapping/>
-  </p:clrMapOvr>
-  <p:timing>
-    <p:tnLst>
-      <p:par>
-        <p:cTn id="1" dur="indefinite" restart="never" nodeType="tmRoot"/>
-      </p:par>
-    </p:tnLst>
-  </p:timing>
-</p:sld>
-</file>
-
-<file path=ppt/slides/slide13.xml><?xml version="1.0" encoding="utf-8"?>
-<p:sld xmlns:a="http://schemas.openxmlformats.org/drawingml/2006/main" xmlns:r="http://schemas.openxmlformats.org/officeDocument/2006/relationships" xmlns:p="http://schemas.openxmlformats.org/presentationml/2006/main">
-  <p:cSld>
-    <p:spTree>
-      <p:nvGrpSpPr>
-        <p:cNvPr id="1" name=""/>
-        <p:cNvGrpSpPr/>
-        <p:nvPr/>
-      </p:nvGrpSpPr>
-      <p:grpSpPr>
-        <a:xfrm>
-          <a:off x="0" y="0"/>
-          <a:ext cx="0" cy="0"/>
-          <a:chOff x="0" y="0"/>
-          <a:chExt cx="0" cy="0"/>
-        </a:xfrm>
-      </p:grpSpPr>
-      <p:sp>
-        <p:nvSpPr>
-          <p:cNvPr id="2" name="Title 1"/>
-          <p:cNvSpPr>
-            <a:spLocks noGrp="1"/>
-          </p:cNvSpPr>
-          <p:nvPr>
-            <p:ph type="title"/>
-          </p:nvPr>
-        </p:nvSpPr>
-        <p:spPr/>
-        <p:txBody>
-          <a:bodyPr/>
-          <a:lstStyle/>
-          <a:p>
-            <a:endParaRPr lang="en-US"/>
-          </a:p>
-        </p:txBody>
-      </p:sp>
-      <p:sp>
-        <p:nvSpPr>
-          <p:cNvPr id="3" name="Content Placeholder 2"/>
-          <p:cNvSpPr>
-            <a:spLocks noGrp="1"/>
-          </p:cNvSpPr>
-          <p:nvPr>
-            <p:ph idx="1"/>
-          </p:nvPr>
-        </p:nvSpPr>
-        <p:spPr/>
-        <p:txBody>
-          <a:bodyPr/>
-          <a:lstStyle/>
-          <a:p>
-            <a:endParaRPr lang="en-US" dirty="0"/>
-          </a:p>
-        </p:txBody>
-      </p:sp>
-      <p:pic>
-        <p:nvPicPr>
-          <p:cNvPr id="5" name="Picture 4"/>
-          <p:cNvPicPr>
-            <a:picLocks noChangeAspect="1"/>
-          </p:cNvPicPr>
-          <p:nvPr/>
-        </p:nvPicPr>
-        <p:blipFill>
-          <a:blip r:embed="rId2">
-            <a:extLst>
-              <a:ext uri="{28A0092B-C50C-407E-A947-70E740481C1C}">
-                <a14:useLocalDpi xmlns:a14="http://schemas.microsoft.com/office/drawing/2010/main" val="0"/>
-              </a:ext>
-            </a:extLst>
-          </a:blip>
-          <a:stretch>
-            <a:fillRect/>
-          </a:stretch>
-        </p:blipFill>
-        <p:spPr>
-          <a:xfrm>
-            <a:off x="6556197" y="5918320"/>
-            <a:ext cx="2356206" cy="819150"/>
-          </a:xfrm>
-          <a:prstGeom prst="rect">
-            <a:avLst/>
-          </a:prstGeom>
-        </p:spPr>
-      </p:pic>
-    </p:spTree>
-    <p:extLst>
-      <p:ext uri="{BB962C8B-B14F-4D97-AF65-F5344CB8AC3E}">
-        <p14:creationId xmlns:p14="http://schemas.microsoft.com/office/powerpoint/2010/main" val="454501356"/>
-      </p:ext>
-    </p:extLst>
-  </p:cSld>
-  <p:clrMapOvr>
-    <a:masterClrMapping/>
-  </p:clrMapOvr>
-  <p:timing>
-    <p:tnLst>
-      <p:par>
-        <p:cTn id="1" dur="indefinite" restart="never" nodeType="tmRoot"/>
-      </p:par>
-    </p:tnLst>
-  </p:timing>
-</p:sld>
-</file>
-
-<file path=ppt/slides/slide14.xml><?xml version="1.0" encoding="utf-8"?>
-<p:sld xmlns:a="http://schemas.openxmlformats.org/drawingml/2006/main" xmlns:r="http://schemas.openxmlformats.org/officeDocument/2006/relationships" xmlns:p="http://schemas.openxmlformats.org/presentationml/2006/main">
-  <p:cSld>
-    <p:spTree>
-      <p:nvGrpSpPr>
-        <p:cNvPr id="1" name=""/>
-        <p:cNvGrpSpPr/>
-        <p:nvPr/>
-      </p:nvGrpSpPr>
-      <p:grpSpPr>
-        <a:xfrm>
-          <a:off x="0" y="0"/>
-          <a:ext cx="0" cy="0"/>
-          <a:chOff x="0" y="0"/>
-          <a:chExt cx="0" cy="0"/>
-        </a:xfrm>
-      </p:grpSpPr>
-      <p:sp>
-        <p:nvSpPr>
-          <p:cNvPr id="2" name="Title 1"/>
-          <p:cNvSpPr>
-            <a:spLocks noGrp="1"/>
-          </p:cNvSpPr>
-          <p:nvPr>
-            <p:ph type="title"/>
-          </p:nvPr>
-        </p:nvSpPr>
-        <p:spPr/>
-        <p:txBody>
-          <a:bodyPr/>
-          <a:lstStyle/>
-          <a:p>
-            <a:endParaRPr lang="en-US"/>
-          </a:p>
-        </p:txBody>
-      </p:sp>
-      <p:sp>
-        <p:nvSpPr>
-          <p:cNvPr id="3" name="Content Placeholder 2"/>
-          <p:cNvSpPr>
-            <a:spLocks noGrp="1"/>
-          </p:cNvSpPr>
-          <p:nvPr>
-            <p:ph idx="1"/>
-          </p:nvPr>
-        </p:nvSpPr>
-        <p:spPr/>
-        <p:txBody>
-          <a:bodyPr/>
-          <a:lstStyle/>
-          <a:p>
-            <a:endParaRPr lang="en-US" dirty="0"/>
-          </a:p>
-        </p:txBody>
-      </p:sp>
-      <p:pic>
-        <p:nvPicPr>
-          <p:cNvPr id="5" name="Picture 4"/>
-          <p:cNvPicPr>
-            <a:picLocks noChangeAspect="1"/>
-          </p:cNvPicPr>
-          <p:nvPr/>
-        </p:nvPicPr>
-        <p:blipFill>
-          <a:blip r:embed="rId2">
-            <a:extLst>
-              <a:ext uri="{28A0092B-C50C-407E-A947-70E740481C1C}">
-                <a14:useLocalDpi xmlns:a14="http://schemas.microsoft.com/office/drawing/2010/main" val="0"/>
-              </a:ext>
-            </a:extLst>
-          </a:blip>
-          <a:stretch>
-            <a:fillRect/>
-          </a:stretch>
-        </p:blipFill>
-        <p:spPr>
-          <a:xfrm>
-            <a:off x="6556197" y="5918320"/>
-            <a:ext cx="2356206" cy="819150"/>
-          </a:xfrm>
-          <a:prstGeom prst="rect">
-            <a:avLst/>
-          </a:prstGeom>
-        </p:spPr>
-      </p:pic>
-    </p:spTree>
-    <p:extLst>
-      <p:ext uri="{BB962C8B-B14F-4D97-AF65-F5344CB8AC3E}">
-        <p14:creationId xmlns:p14="http://schemas.microsoft.com/office/powerpoint/2010/main" val="343564015"/>
-      </p:ext>
-    </p:extLst>
-  </p:cSld>
-  <p:clrMapOvr>
-    <a:masterClrMapping/>
-  </p:clrMapOvr>
-  <p:timing>
-    <p:tnLst>
-      <p:par>
-        <p:cTn id="1" dur="indefinite" restart="never" nodeType="tmRoot"/>
-      </p:par>
-    </p:tnLst>
-  </p:timing>
-</p:sld>
-</file>
-
-<file path=ppt/slides/slide15.xml><?xml version="1.0" encoding="utf-8"?>
-<p:sld xmlns:a="http://schemas.openxmlformats.org/drawingml/2006/main" xmlns:r="http://schemas.openxmlformats.org/officeDocument/2006/relationships" xmlns:p="http://schemas.openxmlformats.org/presentationml/2006/main">
-  <p:cSld>
-    <p:spTree>
-      <p:nvGrpSpPr>
-        <p:cNvPr id="1" name=""/>
-        <p:cNvGrpSpPr/>
-        <p:nvPr/>
-      </p:nvGrpSpPr>
-      <p:grpSpPr>
-        <a:xfrm>
-          <a:off x="0" y="0"/>
-          <a:ext cx="0" cy="0"/>
-          <a:chOff x="0" y="0"/>
-          <a:chExt cx="0" cy="0"/>
-        </a:xfrm>
-      </p:grpSpPr>
-      <p:sp>
-        <p:nvSpPr>
-          <p:cNvPr id="2" name="Title 1"/>
-          <p:cNvSpPr>
-            <a:spLocks noGrp="1"/>
-          </p:cNvSpPr>
-          <p:nvPr>
-            <p:ph type="title"/>
-          </p:nvPr>
-        </p:nvSpPr>
-        <p:spPr/>
-        <p:txBody>
-          <a:bodyPr/>
-          <a:lstStyle/>
-          <a:p>
-            <a:endParaRPr lang="en-US"/>
-          </a:p>
-        </p:txBody>
-      </p:sp>
-      <p:sp>
-        <p:nvSpPr>
-          <p:cNvPr id="3" name="Content Placeholder 2"/>
-          <p:cNvSpPr>
-            <a:spLocks noGrp="1"/>
-          </p:cNvSpPr>
-          <p:nvPr>
-            <p:ph idx="1"/>
-          </p:nvPr>
-        </p:nvSpPr>
-        <p:spPr/>
-        <p:txBody>
-          <a:bodyPr/>
-          <a:lstStyle/>
-          <a:p>
-            <a:endParaRPr lang="en-US" dirty="0"/>
-          </a:p>
-        </p:txBody>
-      </p:sp>
-      <p:pic>
-        <p:nvPicPr>
-          <p:cNvPr id="5" name="Picture 4"/>
-          <p:cNvPicPr>
-            <a:picLocks noChangeAspect="1"/>
-          </p:cNvPicPr>
-          <p:nvPr/>
-        </p:nvPicPr>
-        <p:blipFill>
-          <a:blip r:embed="rId2">
-            <a:extLst>
-              <a:ext uri="{28A0092B-C50C-407E-A947-70E740481C1C}">
-                <a14:useLocalDpi xmlns:a14="http://schemas.microsoft.com/office/drawing/2010/main" val="0"/>
-              </a:ext>
-            </a:extLst>
-          </a:blip>
-          <a:stretch>
-            <a:fillRect/>
-          </a:stretch>
-        </p:blipFill>
-        <p:spPr>
-          <a:xfrm>
-            <a:off x="6556197" y="5918320"/>
-            <a:ext cx="2356206" cy="819150"/>
-          </a:xfrm>
-          <a:prstGeom prst="rect">
-            <a:avLst/>
-          </a:prstGeom>
-        </p:spPr>
-      </p:pic>
-    </p:spTree>
-    <p:extLst>
-      <p:ext uri="{BB962C8B-B14F-4D97-AF65-F5344CB8AC3E}">
-        <p14:creationId xmlns:p14="http://schemas.microsoft.com/office/powerpoint/2010/main" val="406581684"/>
-      </p:ext>
-    </p:extLst>
-  </p:cSld>
-  <p:clrMapOvr>
-    <a:masterClrMapping/>
-  </p:clrMapOvr>
-  <p:timing>
-    <p:tnLst>
-      <p:par>
-        <p:cTn id="1" dur="indefinite" restart="never" nodeType="tmRoot"/>
-      </p:par>
-    </p:tnLst>
-  </p:timing>
-</p:sld>
-</file>
-
-<file path=ppt/slides/slide16.xml><?xml version="1.0" encoding="utf-8"?>
-<p:sld xmlns:a="http://schemas.openxmlformats.org/drawingml/2006/main" xmlns:r="http://schemas.openxmlformats.org/officeDocument/2006/relationships" xmlns:p="http://schemas.openxmlformats.org/presentationml/2006/main">
-  <p:cSld>
-    <p:spTree>
-      <p:nvGrpSpPr>
-        <p:cNvPr id="1" name=""/>
-        <p:cNvGrpSpPr/>
-        <p:nvPr/>
-      </p:nvGrpSpPr>
-      <p:grpSpPr>
-        <a:xfrm>
-          <a:off x="0" y="0"/>
-          <a:ext cx="0" cy="0"/>
-          <a:chOff x="0" y="0"/>
-          <a:chExt cx="0" cy="0"/>
-        </a:xfrm>
-      </p:grpSpPr>
-      <p:sp>
-        <p:nvSpPr>
-          <p:cNvPr id="2" name="Title 1"/>
-          <p:cNvSpPr>
-            <a:spLocks noGrp="1"/>
-          </p:cNvSpPr>
-          <p:nvPr>
-            <p:ph type="title"/>
-          </p:nvPr>
-        </p:nvSpPr>
-        <p:spPr/>
-        <p:txBody>
-          <a:bodyPr/>
-          <a:lstStyle/>
-          <a:p>
-            <a:endParaRPr lang="en-US"/>
-          </a:p>
-        </p:txBody>
-      </p:sp>
-      <p:sp>
-        <p:nvSpPr>
-          <p:cNvPr id="3" name="Content Placeholder 2"/>
-          <p:cNvSpPr>
-            <a:spLocks noGrp="1"/>
-          </p:cNvSpPr>
-          <p:nvPr>
-            <p:ph idx="1"/>
-          </p:nvPr>
-        </p:nvSpPr>
-        <p:spPr/>
-        <p:txBody>
-          <a:bodyPr/>
-          <a:lstStyle/>
-          <a:p>
-            <a:endParaRPr lang="en-US" dirty="0"/>
-          </a:p>
-        </p:txBody>
-      </p:sp>
-      <p:pic>
-        <p:nvPicPr>
-          <p:cNvPr id="5" name="Picture 4"/>
-          <p:cNvPicPr>
-            <a:picLocks noChangeAspect="1"/>
-          </p:cNvPicPr>
-          <p:nvPr/>
-        </p:nvPicPr>
-        <p:blipFill>
-          <a:blip r:embed="rId2">
-            <a:extLst>
-              <a:ext uri="{28A0092B-C50C-407E-A947-70E740481C1C}">
-                <a14:useLocalDpi xmlns:a14="http://schemas.microsoft.com/office/drawing/2010/main" val="0"/>
-              </a:ext>
-            </a:extLst>
-          </a:blip>
-          <a:stretch>
-            <a:fillRect/>
-          </a:stretch>
-        </p:blipFill>
-        <p:spPr>
-          <a:xfrm>
-            <a:off x="6556197" y="5918320"/>
-            <a:ext cx="2356206" cy="819150"/>
-          </a:xfrm>
-          <a:prstGeom prst="rect">
-            <a:avLst/>
-          </a:prstGeom>
-        </p:spPr>
-      </p:pic>
-    </p:spTree>
-    <p:extLst>
-      <p:ext uri="{BB962C8B-B14F-4D97-AF65-F5344CB8AC3E}">
-        <p14:creationId xmlns:p14="http://schemas.microsoft.com/office/powerpoint/2010/main" val="3515033848"/>
-      </p:ext>
-    </p:extLst>
-  </p:cSld>
-  <p:clrMapOvr>
-    <a:masterClrMapping/>
-  </p:clrMapOvr>
-  <p:timing>
-    <p:tnLst>
-      <p:par>
-        <p:cTn id="1" dur="indefinite" restart="never" nodeType="tmRoot"/>
-      </p:par>
-    </p:tnLst>
-  </p:timing>
-</p:sld>
-</file>
-
-<file path=ppt/slides/slide17.xml><?xml version="1.0" encoding="utf-8"?>
-<p:sld xmlns:a="http://schemas.openxmlformats.org/drawingml/2006/main" xmlns:r="http://schemas.openxmlformats.org/officeDocument/2006/relationships" xmlns:p="http://schemas.openxmlformats.org/presentationml/2006/main">
-  <p:cSld>
-    <p:spTree>
-      <p:nvGrpSpPr>
-        <p:cNvPr id="1" name=""/>
-        <p:cNvGrpSpPr/>
-        <p:nvPr/>
-      </p:nvGrpSpPr>
-      <p:grpSpPr>
-        <a:xfrm>
-          <a:off x="0" y="0"/>
-          <a:ext cx="0" cy="0"/>
-          <a:chOff x="0" y="0"/>
-          <a:chExt cx="0" cy="0"/>
-        </a:xfrm>
-      </p:grpSpPr>
-      <p:sp>
-        <p:nvSpPr>
-          <p:cNvPr id="2" name="Title 1"/>
-          <p:cNvSpPr>
-            <a:spLocks noGrp="1"/>
-          </p:cNvSpPr>
-          <p:nvPr>
-            <p:ph type="title"/>
-          </p:nvPr>
-        </p:nvSpPr>
-        <p:spPr/>
-        <p:txBody>
-          <a:bodyPr/>
-          <a:lstStyle/>
-          <a:p>
-            <a:endParaRPr lang="en-US"/>
-          </a:p>
-        </p:txBody>
-      </p:sp>
-      <p:sp>
-        <p:nvSpPr>
-          <p:cNvPr id="3" name="Content Placeholder 2"/>
-          <p:cNvSpPr>
-            <a:spLocks noGrp="1"/>
-          </p:cNvSpPr>
-          <p:nvPr>
-            <p:ph idx="1"/>
-          </p:nvPr>
-        </p:nvSpPr>
-        <p:spPr/>
-        <p:txBody>
-          <a:bodyPr/>
-          <a:lstStyle/>
-          <a:p>
-            <a:endParaRPr lang="en-US" dirty="0"/>
-          </a:p>
-        </p:txBody>
-      </p:sp>
-      <p:pic>
-        <p:nvPicPr>
-          <p:cNvPr id="5" name="Picture 4"/>
-          <p:cNvPicPr>
-            <a:picLocks noChangeAspect="1"/>
-          </p:cNvPicPr>
-          <p:nvPr/>
-        </p:nvPicPr>
-        <p:blipFill>
-          <a:blip r:embed="rId2">
-            <a:extLst>
-              <a:ext uri="{28A0092B-C50C-407E-A947-70E740481C1C}">
-                <a14:useLocalDpi xmlns:a14="http://schemas.microsoft.com/office/drawing/2010/main" val="0"/>
-              </a:ext>
-            </a:extLst>
-          </a:blip>
-          <a:stretch>
-            <a:fillRect/>
-          </a:stretch>
-        </p:blipFill>
-        <p:spPr>
-          <a:xfrm>
-            <a:off x="6556197" y="5918320"/>
-            <a:ext cx="2356206" cy="819150"/>
-          </a:xfrm>
-          <a:prstGeom prst="rect">
-            <a:avLst/>
-          </a:prstGeom>
-        </p:spPr>
-      </p:pic>
-    </p:spTree>
-    <p:extLst>
-      <p:ext uri="{BB962C8B-B14F-4D97-AF65-F5344CB8AC3E}">
-        <p14:creationId xmlns:p14="http://schemas.microsoft.com/office/powerpoint/2010/main" val="973903721"/>
-      </p:ext>
-    </p:extLst>
-  </p:cSld>
-  <p:clrMapOvr>
-    <a:masterClrMapping/>
-  </p:clrMapOvr>
-  <p:timing>
-    <p:tnLst>
-      <p:par>
-        <p:cTn id="1" dur="indefinite" restart="never" nodeType="tmRoot"/>
-      </p:par>
-    </p:tnLst>
-  </p:timing>
-</p:sld>
-</file>
-
-<file path=ppt/slides/slide2.xml><?xml version="1.0" encoding="utf-8"?>
-<p:sld xmlns:a="http://schemas.openxmlformats.org/drawingml/2006/main" xmlns:r="http://schemas.openxmlformats.org/officeDocument/2006/relationships" xmlns:p="http://schemas.openxmlformats.org/presentationml/2006/main">
-  <p:cSld>
-    <p:spTree>
-      <p:nvGrpSpPr>
-        <p:cNvPr id="1" name=""/>
-        <p:cNvGrpSpPr/>
-        <p:nvPr/>
-      </p:nvGrpSpPr>
-      <p:grpSpPr>
-        <a:xfrm>
-          <a:off x="0" y="0"/>
-          <a:ext cx="0" cy="0"/>
-          <a:chOff x="0" y="0"/>
-          <a:chExt cx="0" cy="0"/>
-        </a:xfrm>
-      </p:grpSpPr>
-      <p:sp>
-        <p:nvSpPr>
-          <p:cNvPr id="2" name="Title 1"/>
-          <p:cNvSpPr>
-            <a:spLocks noGrp="1"/>
-          </p:cNvSpPr>
-          <p:nvPr>
-            <p:ph type="title"/>
-          </p:nvPr>
-        </p:nvSpPr>
-        <p:spPr/>
-        <p:txBody>
-          <a:bodyPr>
-            <a:normAutofit fontScale="90000"/>
-          </a:bodyPr>
-          <a:lstStyle/>
-          <a:p>
-            <a:r>
-              <a:rPr lang="en-US" dirty="0" smtClean="0"/>
-              <a:t>Who am I</a:t>
-            </a:r>
-            <a:br>
-              <a:rPr lang="en-US" dirty="0" smtClean="0"/>
-            </a:br>
-            <a:r>
-              <a:rPr lang="en-US" sz="2800" dirty="0" smtClean="0"/>
-              <a:t>David Underhill</a:t>
-            </a:r>
-            <a:endParaRPr lang="en-US" sz="2800" dirty="0"/>
-          </a:p>
-        </p:txBody>
-      </p:sp>
-      <p:sp>
-        <p:nvSpPr>
-          <p:cNvPr id="3" name="Content Placeholder 2"/>
-          <p:cNvSpPr>
-            <a:spLocks noGrp="1"/>
-          </p:cNvSpPr>
-          <p:nvPr>
-            <p:ph idx="1"/>
-          </p:nvPr>
-        </p:nvSpPr>
-        <p:spPr>
-          <a:xfrm>
-            <a:off x="457200" y="1628616"/>
-            <a:ext cx="8229600" cy="5108853"/>
-          </a:xfrm>
-        </p:spPr>
-        <p:txBody>
-          <a:bodyPr>
-            <a:normAutofit fontScale="55000" lnSpcReduction="20000"/>
-          </a:bodyPr>
-          <a:lstStyle/>
-          <a:p>
-            <a:pPr marL="0" indent="0">
-              <a:buNone/>
-            </a:pPr>
-            <a:r>
-              <a:rPr lang="en-US" dirty="0"/>
-              <a:t>I am an </a:t>
-            </a:r>
-            <a:r>
-              <a:rPr lang="en-US" dirty="0" smtClean="0"/>
-              <a:t>Software Engineer for TechSmith Corp. </a:t>
-            </a:r>
-            <a:r>
-              <a:rPr lang="en-US" dirty="0"/>
-              <a:t>I have </a:t>
-            </a:r>
-            <a:r>
-              <a:rPr lang="en-US" dirty="0" smtClean="0"/>
-              <a:t>almost 20 </a:t>
-            </a:r>
-            <a:r>
-              <a:rPr lang="en-US" dirty="0"/>
-              <a:t>years of </a:t>
-            </a:r>
-            <a:r>
-              <a:rPr lang="en-US" dirty="0" smtClean="0"/>
-              <a:t>professional experience </a:t>
-            </a:r>
-            <a:r>
-              <a:rPr lang="en-US" dirty="0"/>
-              <a:t>designing, coding, and testing systems and started writing code </a:t>
-            </a:r>
-            <a:r>
-              <a:rPr lang="en-US" dirty="0" smtClean="0"/>
-              <a:t>in middle school on TSR-80 computers for </a:t>
-            </a:r>
-            <a:r>
-              <a:rPr lang="en-US" dirty="0"/>
-              <a:t>fun long before it became my career. I have been exposed to the entire lifecycle of systems development from the initial idea, gathering requirements, developing a solution, writing code, testing, deployment, and post go live support.</a:t>
-            </a:r>
-          </a:p>
-          <a:p>
-            <a:pPr marL="0" indent="0">
-              <a:buNone/>
-            </a:pPr>
-            <a:r>
-              <a:rPr lang="en-US" dirty="0" smtClean="0"/>
-              <a:t>My most recent experience is </a:t>
-            </a:r>
-            <a:r>
-              <a:rPr lang="en-US" dirty="0"/>
-              <a:t>in writing business applications in C#, C, </a:t>
-            </a:r>
-            <a:r>
-              <a:rPr lang="en-US" dirty="0" err="1"/>
-              <a:t>Xaml</a:t>
-            </a:r>
-            <a:r>
-              <a:rPr lang="en-US" dirty="0"/>
-              <a:t>, </a:t>
-            </a:r>
-            <a:r>
-              <a:rPr lang="en-US" dirty="0" smtClean="0"/>
-              <a:t>Silverlight, WPF </a:t>
-            </a:r>
-            <a:r>
-              <a:rPr lang="en-US" dirty="0"/>
-              <a:t>on Windows desktop, Windows store, and Windows phone. I have also had previous experience writing applications </a:t>
-            </a:r>
-            <a:r>
-              <a:rPr lang="en-US" dirty="0" smtClean="0"/>
-              <a:t>in </a:t>
-            </a:r>
-            <a:r>
-              <a:rPr lang="en-US" dirty="0"/>
-              <a:t>Visual Basic, Cobol, PL/SQL, Sybase T/SQL, C, Perl, Java, and </a:t>
-            </a:r>
-            <a:r>
-              <a:rPr lang="en-US" dirty="0" smtClean="0"/>
-              <a:t>ASP on </a:t>
-            </a:r>
-            <a:r>
-              <a:rPr lang="en-US" dirty="0"/>
-              <a:t>the Windows, Unix/Linux, Web, and Mainframe platforms. Many of my systems have used Sybase, SQL Server, Oracle, or DB2 as the back end database and various front end and batch languages. </a:t>
-            </a:r>
-            <a:endParaRPr lang="en-US" dirty="0" smtClean="0"/>
-          </a:p>
-          <a:p>
-            <a:pPr marL="0" indent="0">
-              <a:buNone/>
-            </a:pPr>
-            <a:endParaRPr lang="en-US" dirty="0"/>
-          </a:p>
-          <a:p>
-            <a:pPr marL="0" indent="0">
-              <a:buNone/>
-            </a:pPr>
-            <a:r>
-              <a:rPr lang="en-US" dirty="0" smtClean="0"/>
-              <a:t>Presentation is on </a:t>
-            </a:r>
-            <a:r>
-              <a:rPr lang="en-US" dirty="0" err="1" smtClean="0"/>
-              <a:t>Github</a:t>
-            </a:r>
-            <a:r>
-              <a:rPr lang="en-US" dirty="0"/>
-              <a:t>: </a:t>
-            </a:r>
-            <a:r>
-              <a:rPr lang="en-US" dirty="0">
-                <a:hlinkClick r:id="rId3"/>
-              </a:rPr>
-              <a:t>https://</a:t>
-            </a:r>
-            <a:r>
-              <a:rPr lang="en-US" dirty="0" smtClean="0">
-                <a:hlinkClick r:id="rId3"/>
-              </a:rPr>
-              <a:t>github.com/underhilld2/UniversalAppPortalClassLibraries</a:t>
-            </a:r>
-            <a:endParaRPr lang="en-US" dirty="0" smtClean="0"/>
-          </a:p>
-          <a:p>
-            <a:pPr marL="0" indent="0">
-              <a:buNone/>
-            </a:pPr>
-            <a:endParaRPr lang="en-US" dirty="0" smtClean="0">
-              <a:hlinkClick r:id="rId4"/>
-            </a:endParaRPr>
-          </a:p>
-          <a:p>
-            <a:pPr marL="0" indent="0">
-              <a:buNone/>
-            </a:pPr>
-            <a:r>
-              <a:rPr lang="en-US" dirty="0" smtClean="0">
-                <a:hlinkClick r:id="rId4"/>
-              </a:rPr>
-              <a:t>Email: underhilld2@gmail.com</a:t>
-            </a:r>
-          </a:p>
-          <a:p>
-            <a:pPr marL="0" indent="0">
-              <a:buNone/>
-            </a:pPr>
-            <a:r>
-              <a:rPr lang="en-US" dirty="0" smtClean="0">
-                <a:hlinkClick r:id="rId4"/>
-              </a:rPr>
-              <a:t>Twitter: </a:t>
-            </a:r>
-            <a:r>
-              <a:rPr lang="en-US" dirty="0">
-                <a:hlinkClick r:id="rId5"/>
-              </a:rPr>
-              <a:t>@DavidUnderhill3</a:t>
-            </a:r>
-            <a:endParaRPr lang="en-US" dirty="0">
-              <a:solidFill>
-                <a:schemeClr val="bg1"/>
-              </a:solidFill>
-              <a:hlinkClick r:id="rId4"/>
-            </a:endParaRPr>
-          </a:p>
-          <a:p>
-            <a:pPr marL="0" indent="0">
-              <a:buNone/>
-            </a:pPr>
-            <a:r>
-              <a:rPr lang="en-US" dirty="0">
-                <a:solidFill>
-                  <a:schemeClr val="bg1"/>
-                </a:solidFill>
-                <a:hlinkClick r:id="rId4"/>
-              </a:rPr>
-              <a:t>https://github.com/underhilld2</a:t>
-            </a:r>
-            <a:endParaRPr lang="en-US" dirty="0">
-              <a:solidFill>
-                <a:schemeClr val="bg1"/>
-              </a:solidFill>
-            </a:endParaRPr>
-          </a:p>
-          <a:p>
-            <a:pPr marL="0" indent="0">
-              <a:buNone/>
-            </a:pPr>
-            <a:r>
-              <a:rPr lang="en-US" dirty="0">
-                <a:solidFill>
-                  <a:schemeClr val="bg1"/>
-                </a:solidFill>
-                <a:hlinkClick r:id="rId6"/>
-              </a:rPr>
-              <a:t>http://</a:t>
-            </a:r>
-            <a:r>
-              <a:rPr lang="en-US" dirty="0" smtClean="0">
-                <a:solidFill>
-                  <a:schemeClr val="bg1"/>
-                </a:solidFill>
-                <a:hlinkClick r:id="rId6"/>
-              </a:rPr>
-              <a:t>blog.davescybercave.com</a:t>
-            </a:r>
-            <a:endParaRPr lang="en-US" dirty="0">
-              <a:solidFill>
-                <a:schemeClr val="bg1"/>
-              </a:solidFill>
-            </a:endParaRPr>
-          </a:p>
-        </p:txBody>
-      </p:sp>
-      <p:pic>
-        <p:nvPicPr>
-          <p:cNvPr id="5" name="Picture 4"/>
-          <p:cNvPicPr>
-            <a:picLocks noChangeAspect="1"/>
-          </p:cNvPicPr>
-          <p:nvPr/>
-        </p:nvPicPr>
-        <p:blipFill>
-          <a:blip r:embed="rId7">
-            <a:extLst>
-              <a:ext uri="{28A0092B-C50C-407E-A947-70E740481C1C}">
-                <a14:useLocalDpi xmlns:a14="http://schemas.microsoft.com/office/drawing/2010/main" val="0"/>
-              </a:ext>
-            </a:extLst>
-          </a:blip>
-          <a:stretch>
-            <a:fillRect/>
-          </a:stretch>
-        </p:blipFill>
-        <p:spPr>
-          <a:xfrm>
-            <a:off x="6556197" y="5918320"/>
-            <a:ext cx="2356206" cy="819150"/>
-          </a:xfrm>
-          <a:prstGeom prst="rect">
-            <a:avLst/>
-          </a:prstGeom>
-        </p:spPr>
-      </p:pic>
-      <p:pic>
-        <p:nvPicPr>
-          <p:cNvPr id="6" name="Content Placeholder 3"/>
-          <p:cNvPicPr>
-            <a:picLocks noChangeAspect="1"/>
-          </p:cNvPicPr>
-          <p:nvPr/>
-        </p:nvPicPr>
-        <p:blipFill>
-          <a:blip r:embed="rId8">
-            <a:extLst>
-              <a:ext uri="{28A0092B-C50C-407E-A947-70E740481C1C}">
-                <a14:useLocalDpi xmlns:a14="http://schemas.microsoft.com/office/drawing/2010/main" val="0"/>
-              </a:ext>
-            </a:extLst>
-          </a:blip>
-          <a:stretch>
-            <a:fillRect/>
-          </a:stretch>
-        </p:blipFill>
-        <p:spPr>
-          <a:xfrm>
-            <a:off x="562610" y="169148"/>
-            <a:ext cx="1600989" cy="1353979"/>
-          </a:xfrm>
-          <a:prstGeom prst="rect">
-            <a:avLst/>
-          </a:prstGeom>
-        </p:spPr>
-      </p:pic>
-    </p:spTree>
-    <p:extLst>
-      <p:ext uri="{BB962C8B-B14F-4D97-AF65-F5344CB8AC3E}">
-        <p14:creationId xmlns:p14="http://schemas.microsoft.com/office/powerpoint/2010/main" val="270563702"/>
-      </p:ext>
-    </p:extLst>
-  </p:cSld>
-  <p:clrMapOvr>
-    <a:masterClrMapping/>
-  </p:clrMapOvr>
-  <p:timing>
-    <p:tnLst>
-      <p:par>
-        <p:cTn id="1" dur="indefinite" restart="never" nodeType="tmRoot"/>
-      </p:par>
-    </p:tnLst>
-  </p:timing>
-</p:sld>
-</file>
-
-<file path=ppt/slides/slide3.xml><?xml version="1.0" encoding="utf-8"?>
-<p:sld xmlns:a="http://schemas.openxmlformats.org/drawingml/2006/main" xmlns:r="http://schemas.openxmlformats.org/officeDocument/2006/relationships" xmlns:p="http://schemas.openxmlformats.org/presentationml/2006/main">
-  <p:cSld>
-    <p:spTree>
-      <p:nvGrpSpPr>
-        <p:cNvPr id="1" name=""/>
-        <p:cNvGrpSpPr/>
-        <p:nvPr/>
-      </p:nvGrpSpPr>
-      <p:grpSpPr>
-        <a:xfrm>
-          <a:off x="0" y="0"/>
-          <a:ext cx="0" cy="0"/>
-          <a:chOff x="0" y="0"/>
-          <a:chExt cx="0" cy="0"/>
-        </a:xfrm>
-      </p:grpSpPr>
-      <p:sp>
-        <p:nvSpPr>
-          <p:cNvPr id="2" name="Title 1"/>
-          <p:cNvSpPr>
-            <a:spLocks noGrp="1"/>
-          </p:cNvSpPr>
-          <p:nvPr>
-            <p:ph type="title"/>
-          </p:nvPr>
-        </p:nvSpPr>
-        <p:spPr>
-          <a:xfrm>
-            <a:off x="457200" y="274638"/>
-            <a:ext cx="8229600" cy="1457180"/>
-          </a:xfrm>
-        </p:spPr>
-        <p:txBody>
-          <a:bodyPr>
-            <a:normAutofit/>
-          </a:bodyPr>
-          <a:lstStyle/>
-          <a:p>
-            <a:r>
-              <a:rPr lang="en-US" b="1" dirty="0"/>
-              <a:t>How to get setup to do store and phone </a:t>
-            </a:r>
-            <a:r>
-              <a:rPr lang="en-US" b="1" dirty="0" smtClean="0"/>
-              <a:t>development</a:t>
-            </a:r>
-            <a:endParaRPr lang="en-US" dirty="0"/>
-          </a:p>
-        </p:txBody>
-      </p:sp>
-      <p:sp>
-        <p:nvSpPr>
-          <p:cNvPr id="3" name="Content Placeholder 2"/>
-          <p:cNvSpPr>
-            <a:spLocks noGrp="1"/>
-          </p:cNvSpPr>
-          <p:nvPr>
-            <p:ph idx="1"/>
-          </p:nvPr>
-        </p:nvSpPr>
-        <p:spPr>
-          <a:xfrm>
-            <a:off x="457200" y="1828800"/>
-            <a:ext cx="8229600" cy="4297363"/>
-          </a:xfrm>
-        </p:spPr>
-        <p:txBody>
-          <a:bodyPr/>
-          <a:lstStyle/>
-          <a:p>
-            <a:r>
-              <a:rPr lang="en-US" u="sng" dirty="0">
-                <a:hlinkClick r:id="rId3"/>
-              </a:rPr>
-              <a:t>https://dev.windows.com/en-us</a:t>
-            </a:r>
-            <a:endParaRPr lang="en-US" dirty="0"/>
-          </a:p>
-          <a:p>
-            <a:r>
-              <a:rPr lang="en-US" u="sng" dirty="0">
-                <a:hlinkClick r:id="rId4"/>
-              </a:rPr>
-              <a:t>https://devcenterbenefits.windows.com/</a:t>
-            </a:r>
-            <a:endParaRPr lang="en-US" dirty="0"/>
-          </a:p>
-          <a:p>
-            <a:endParaRPr lang="en-US" dirty="0"/>
-          </a:p>
-        </p:txBody>
-      </p:sp>
-      <p:sp>
-        <p:nvSpPr>
-          <p:cNvPr id="4" name="Rectangle 3"/>
-          <p:cNvSpPr/>
-          <p:nvPr/>
-        </p:nvSpPr>
-        <p:spPr>
-          <a:xfrm>
-            <a:off x="2286000" y="2967335"/>
-            <a:ext cx="4572000" cy="923330"/>
-          </a:xfrm>
-          <a:prstGeom prst="rect">
-            <a:avLst/>
-          </a:prstGeom>
-        </p:spPr>
-        <p:txBody>
-          <a:bodyPr>
-            <a:spAutoFit/>
-          </a:bodyPr>
-          <a:lstStyle/>
-          <a:p>
-            <a:r>
-              <a:rPr lang="en-US" dirty="0">
-                <a:solidFill>
-                  <a:schemeClr val="bg1"/>
-                </a:solidFill>
-              </a:rPr>
-              <a:t>Sharing Code Across All Windows Desktop, Store and Phone Platforms, the Universe is Mine!</a:t>
-            </a:r>
-            <a:endParaRPr lang="en-US" dirty="0"/>
-          </a:p>
-        </p:txBody>
-      </p:sp>
-      <p:pic>
-        <p:nvPicPr>
-          <p:cNvPr id="5" name="Picture 4"/>
-          <p:cNvPicPr>
-            <a:picLocks noChangeAspect="1"/>
-          </p:cNvPicPr>
-          <p:nvPr/>
-        </p:nvPicPr>
-        <p:blipFill>
-          <a:blip r:embed="rId5">
-            <a:extLst>
-              <a:ext uri="{28A0092B-C50C-407E-A947-70E740481C1C}">
-                <a14:useLocalDpi xmlns:a14="http://schemas.microsoft.com/office/drawing/2010/main" val="0"/>
-              </a:ext>
-            </a:extLst>
-          </a:blip>
-          <a:stretch>
-            <a:fillRect/>
-          </a:stretch>
-        </p:blipFill>
-        <p:spPr>
-          <a:xfrm>
-            <a:off x="6556197" y="5918320"/>
-            <a:ext cx="2356206" cy="819150"/>
-          </a:xfrm>
-          <a:prstGeom prst="rect">
-            <a:avLst/>
-          </a:prstGeom>
-        </p:spPr>
-      </p:pic>
-    </p:spTree>
-    <p:extLst>
-      <p:ext uri="{BB962C8B-B14F-4D97-AF65-F5344CB8AC3E}">
-        <p14:creationId xmlns:p14="http://schemas.microsoft.com/office/powerpoint/2010/main" val="1617655650"/>
-      </p:ext>
-    </p:extLst>
-  </p:cSld>
-  <p:clrMapOvr>
-    <a:masterClrMapping/>
-  </p:clrMapOvr>
-  <p:timing>
-    <p:tnLst>
-      <p:par>
-        <p:cTn id="1" dur="indefinite" restart="never" nodeType="tmRoot"/>
-      </p:par>
-    </p:tnLst>
-  </p:timing>
-</p:sld>
-</file>
-
-<file path=ppt/slides/slide4.xml><?xml version="1.0" encoding="utf-8"?>
-<p:sld xmlns:a="http://schemas.openxmlformats.org/drawingml/2006/main" xmlns:r="http://schemas.openxmlformats.org/officeDocument/2006/relationships" xmlns:p="http://schemas.openxmlformats.org/presentationml/2006/main">
-  <p:cSld>
-    <p:spTree>
-      <p:nvGrpSpPr>
-        <p:cNvPr id="1" name=""/>
-        <p:cNvGrpSpPr/>
-        <p:nvPr/>
-      </p:nvGrpSpPr>
-      <p:grpSpPr>
-        <a:xfrm>
-          <a:off x="0" y="0"/>
-          <a:ext cx="0" cy="0"/>
-          <a:chOff x="0" y="0"/>
-          <a:chExt cx="0" cy="0"/>
-        </a:xfrm>
-      </p:grpSpPr>
-      <p:sp>
-        <p:nvSpPr>
-          <p:cNvPr id="2" name="Title 1"/>
-          <p:cNvSpPr>
-            <a:spLocks noGrp="1"/>
-          </p:cNvSpPr>
-          <p:nvPr>
-            <p:ph type="title"/>
-          </p:nvPr>
-        </p:nvSpPr>
-        <p:spPr/>
-        <p:txBody>
-          <a:bodyPr/>
-          <a:lstStyle/>
-          <a:p>
-            <a:r>
-              <a:rPr lang="en-US" dirty="0" smtClean="0"/>
-              <a:t>What is a Universal App </a:t>
-            </a:r>
-            <a:endParaRPr lang="en-US" dirty="0"/>
-          </a:p>
-        </p:txBody>
-      </p:sp>
-      <p:sp>
-        <p:nvSpPr>
-          <p:cNvPr id="4" name="Rectangle 3"/>
-          <p:cNvSpPr/>
-          <p:nvPr/>
-        </p:nvSpPr>
-        <p:spPr>
-          <a:xfrm>
-            <a:off x="2286000" y="2967335"/>
-            <a:ext cx="4572000" cy="923330"/>
-          </a:xfrm>
-          <a:prstGeom prst="rect">
-            <a:avLst/>
-          </a:prstGeom>
-        </p:spPr>
-        <p:txBody>
-          <a:bodyPr>
-            <a:spAutoFit/>
-          </a:bodyPr>
-          <a:lstStyle/>
-          <a:p>
-            <a:r>
-              <a:rPr lang="en-US" dirty="0">
-                <a:solidFill>
-                  <a:schemeClr val="bg1"/>
-                </a:solidFill>
-              </a:rPr>
-              <a:t>Sharing Code Across All Windows Desktop, Store and Phone Platforms, the Universe is Mine!</a:t>
-            </a:r>
-            <a:endParaRPr lang="en-US" dirty="0"/>
-          </a:p>
-        </p:txBody>
-      </p:sp>
-      <p:pic>
-        <p:nvPicPr>
-          <p:cNvPr id="5" name="Picture 4"/>
-          <p:cNvPicPr>
-            <a:picLocks noChangeAspect="1"/>
-          </p:cNvPicPr>
-          <p:nvPr/>
-        </p:nvPicPr>
-        <p:blipFill>
-          <a:blip r:embed="rId3">
-            <a:extLst>
-              <a:ext uri="{28A0092B-C50C-407E-A947-70E740481C1C}">
-                <a14:useLocalDpi xmlns:a14="http://schemas.microsoft.com/office/drawing/2010/main" val="0"/>
-              </a:ext>
-            </a:extLst>
-          </a:blip>
-          <a:stretch>
-            <a:fillRect/>
-          </a:stretch>
-        </p:blipFill>
-        <p:spPr>
-          <a:xfrm>
-            <a:off x="6556197" y="5918320"/>
-            <a:ext cx="2356206" cy="819150"/>
-          </a:xfrm>
-          <a:prstGeom prst="rect">
-            <a:avLst/>
-          </a:prstGeom>
-        </p:spPr>
-      </p:pic>
-      <p:pic>
-        <p:nvPicPr>
-          <p:cNvPr id="6" name="Picture 5" descr="Universal Diagram"/>
-          <p:cNvPicPr/>
-          <p:nvPr/>
-        </p:nvPicPr>
-        <p:blipFill>
-          <a:blip r:embed="rId4">
-            <a:extLst>
-              <a:ext uri="{28A0092B-C50C-407E-A947-70E740481C1C}">
-                <a14:useLocalDpi xmlns:a14="http://schemas.microsoft.com/office/drawing/2010/main" val="0"/>
-              </a:ext>
-            </a:extLst>
-          </a:blip>
-          <a:srcRect/>
-          <a:stretch>
-            <a:fillRect/>
-          </a:stretch>
-        </p:blipFill>
-        <p:spPr bwMode="auto">
-          <a:xfrm>
-            <a:off x="457200" y="2321998"/>
-            <a:ext cx="8229599" cy="3413760"/>
-          </a:xfrm>
-          <a:prstGeom prst="rect">
-            <a:avLst/>
-          </a:prstGeom>
-          <a:noFill/>
-          <a:ln>
-            <a:noFill/>
-          </a:ln>
-        </p:spPr>
-      </p:pic>
-    </p:spTree>
-    <p:extLst>
-      <p:ext uri="{BB962C8B-B14F-4D97-AF65-F5344CB8AC3E}">
-        <p14:creationId xmlns:p14="http://schemas.microsoft.com/office/powerpoint/2010/main" val="2196338582"/>
-      </p:ext>
-    </p:extLst>
-  </p:cSld>
-  <p:clrMapOvr>
-    <a:masterClrMapping/>
-  </p:clrMapOvr>
-  <p:timing>
-    <p:tnLst>
-      <p:par>
-        <p:cTn id="1" dur="indefinite" restart="never" nodeType="tmRoot"/>
-      </p:par>
-    </p:tnLst>
-  </p:timing>
-</p:sld>
-</file>
-
-<file path=ppt/slides/slide5.xml><?xml version="1.0" encoding="utf-8"?>
 <p:sld xmlns:a="http://schemas.openxmlformats.org/drawingml/2006/main" xmlns:r="http://schemas.openxmlformats.org/officeDocument/2006/relationships" xmlns:p="http://schemas.openxmlformats.org/presentationml/2006/main">
   <p:cSld>
     <p:spTree>
@@ -8240,7 +6900,7 @@
 </p:sld>
 </file>
 
-<file path=ppt/slides/slide6.xml><?xml version="1.0" encoding="utf-8"?>
+<file path=ppt/slides/slide12.xml><?xml version="1.0" encoding="utf-8"?>
 <p:sld xmlns:a="http://schemas.openxmlformats.org/drawingml/2006/main" xmlns:r="http://schemas.openxmlformats.org/officeDocument/2006/relationships" xmlns:p="http://schemas.openxmlformats.org/presentationml/2006/main">
   <p:cSld>
     <p:spTree>
@@ -9128,7 +7788,1953 @@
 </p:sld>
 </file>
 
-<file path=ppt/slides/slide7.xml><?xml version="1.0" encoding="utf-8"?>
+<file path=ppt/slides/slide13.xml><?xml version="1.0" encoding="utf-8"?>
+<p:sld xmlns:a="http://schemas.openxmlformats.org/drawingml/2006/main" xmlns:r="http://schemas.openxmlformats.org/officeDocument/2006/relationships" xmlns:p="http://schemas.openxmlformats.org/presentationml/2006/main">
+  <p:cSld>
+    <p:spTree>
+      <p:nvGrpSpPr>
+        <p:cNvPr id="1" name=""/>
+        <p:cNvGrpSpPr/>
+        <p:nvPr/>
+      </p:nvGrpSpPr>
+      <p:grpSpPr>
+        <a:xfrm>
+          <a:off x="0" y="0"/>
+          <a:ext cx="0" cy="0"/>
+          <a:chOff x="0" y="0"/>
+          <a:chExt cx="0" cy="0"/>
+        </a:xfrm>
+      </p:grpSpPr>
+      <p:sp>
+        <p:nvSpPr>
+          <p:cNvPr id="2" name="Title 1"/>
+          <p:cNvSpPr>
+            <a:spLocks noGrp="1"/>
+          </p:cNvSpPr>
+          <p:nvPr>
+            <p:ph type="title"/>
+          </p:nvPr>
+        </p:nvSpPr>
+        <p:spPr/>
+        <p:txBody>
+          <a:bodyPr/>
+          <a:lstStyle/>
+          <a:p>
+            <a:r>
+              <a:rPr lang="en-US" dirty="0" smtClean="0"/>
+              <a:t>Keys to making cross platform app	</a:t>
+            </a:r>
+            <a:endParaRPr lang="en-US" dirty="0"/>
+          </a:p>
+        </p:txBody>
+      </p:sp>
+      <p:sp>
+        <p:nvSpPr>
+          <p:cNvPr id="3" name="Content Placeholder 2"/>
+          <p:cNvSpPr>
+            <a:spLocks noGrp="1"/>
+          </p:cNvSpPr>
+          <p:nvPr>
+            <p:ph idx="1"/>
+          </p:nvPr>
+        </p:nvSpPr>
+        <p:spPr/>
+        <p:txBody>
+          <a:bodyPr/>
+          <a:lstStyle/>
+          <a:p>
+            <a:r>
+              <a:rPr lang="en-US" dirty="0" smtClean="0"/>
+              <a:t>Decoupled code! </a:t>
+            </a:r>
+          </a:p>
+          <a:p>
+            <a:r>
+              <a:rPr lang="en-US" dirty="0" smtClean="0"/>
+              <a:t>Using good development patterns</a:t>
+            </a:r>
+          </a:p>
+          <a:p>
+            <a:endParaRPr lang="en-US" dirty="0" smtClean="0"/>
+          </a:p>
+          <a:p>
+            <a:endParaRPr lang="en-US" dirty="0" smtClean="0"/>
+          </a:p>
+          <a:p>
+            <a:endParaRPr lang="en-US" dirty="0"/>
+          </a:p>
+        </p:txBody>
+      </p:sp>
+      <p:pic>
+        <p:nvPicPr>
+          <p:cNvPr id="5" name="Picture 4"/>
+          <p:cNvPicPr>
+            <a:picLocks noChangeAspect="1"/>
+          </p:cNvPicPr>
+          <p:nvPr/>
+        </p:nvPicPr>
+        <p:blipFill>
+          <a:blip r:embed="rId2">
+            <a:extLst>
+              <a:ext uri="{28A0092B-C50C-407E-A947-70E740481C1C}">
+                <a14:useLocalDpi xmlns:a14="http://schemas.microsoft.com/office/drawing/2010/main" val="0"/>
+              </a:ext>
+            </a:extLst>
+          </a:blip>
+          <a:stretch>
+            <a:fillRect/>
+          </a:stretch>
+        </p:blipFill>
+        <p:spPr>
+          <a:xfrm>
+            <a:off x="6556197" y="5918320"/>
+            <a:ext cx="2356206" cy="819150"/>
+          </a:xfrm>
+          <a:prstGeom prst="rect">
+            <a:avLst/>
+          </a:prstGeom>
+        </p:spPr>
+      </p:pic>
+    </p:spTree>
+    <p:extLst>
+      <p:ext uri="{BB962C8B-B14F-4D97-AF65-F5344CB8AC3E}">
+        <p14:creationId xmlns:p14="http://schemas.microsoft.com/office/powerpoint/2010/main" val="343564015"/>
+      </p:ext>
+    </p:extLst>
+  </p:cSld>
+  <p:clrMapOvr>
+    <a:masterClrMapping/>
+  </p:clrMapOvr>
+  <p:timing>
+    <p:tnLst>
+      <p:par>
+        <p:cTn id="1" dur="indefinite" restart="never" nodeType="tmRoot"/>
+      </p:par>
+    </p:tnLst>
+  </p:timing>
+</p:sld>
+</file>
+
+<file path=ppt/slides/slide14.xml><?xml version="1.0" encoding="utf-8"?>
+<p:sld xmlns:a="http://schemas.openxmlformats.org/drawingml/2006/main" xmlns:r="http://schemas.openxmlformats.org/officeDocument/2006/relationships" xmlns:p="http://schemas.openxmlformats.org/presentationml/2006/main">
+  <p:cSld>
+    <p:spTree>
+      <p:nvGrpSpPr>
+        <p:cNvPr id="1" name=""/>
+        <p:cNvGrpSpPr/>
+        <p:nvPr/>
+      </p:nvGrpSpPr>
+      <p:grpSpPr>
+        <a:xfrm>
+          <a:off x="0" y="0"/>
+          <a:ext cx="0" cy="0"/>
+          <a:chOff x="0" y="0"/>
+          <a:chExt cx="0" cy="0"/>
+        </a:xfrm>
+      </p:grpSpPr>
+      <p:sp>
+        <p:nvSpPr>
+          <p:cNvPr id="2" name="Title 1"/>
+          <p:cNvSpPr>
+            <a:spLocks noGrp="1"/>
+          </p:cNvSpPr>
+          <p:nvPr>
+            <p:ph type="title"/>
+          </p:nvPr>
+        </p:nvSpPr>
+        <p:spPr/>
+        <p:txBody>
+          <a:bodyPr/>
+          <a:lstStyle/>
+          <a:p>
+            <a:r>
+              <a:rPr lang="en-US" dirty="0" smtClean="0"/>
+              <a:t>MVVM Pattern</a:t>
+            </a:r>
+            <a:endParaRPr lang="en-US" dirty="0"/>
+          </a:p>
+        </p:txBody>
+      </p:sp>
+      <p:sp>
+        <p:nvSpPr>
+          <p:cNvPr id="3" name="Content Placeholder 2"/>
+          <p:cNvSpPr>
+            <a:spLocks noGrp="1"/>
+          </p:cNvSpPr>
+          <p:nvPr>
+            <p:ph idx="1"/>
+          </p:nvPr>
+        </p:nvSpPr>
+        <p:spPr>
+          <a:xfrm>
+            <a:off x="457200" y="1600200"/>
+            <a:ext cx="8229600" cy="3918857"/>
+          </a:xfrm>
+        </p:spPr>
+        <p:txBody>
+          <a:bodyPr/>
+          <a:lstStyle/>
+          <a:p>
+            <a:r>
+              <a:rPr lang="en-US" dirty="0" smtClean="0"/>
+              <a:t>MVVM Light</a:t>
+            </a:r>
+          </a:p>
+          <a:p>
+            <a:r>
+              <a:rPr lang="en-US" dirty="0" smtClean="0"/>
+              <a:t>Prism</a:t>
+            </a:r>
+          </a:p>
+          <a:p>
+            <a:r>
+              <a:rPr lang="en-US" dirty="0" err="1" smtClean="0"/>
+              <a:t>MvvmCross</a:t>
+            </a:r>
+            <a:endParaRPr lang="en-US" dirty="0" smtClean="0"/>
+          </a:p>
+          <a:p>
+            <a:r>
+              <a:rPr lang="en-US" dirty="0" err="1" smtClean="0"/>
+              <a:t>Catel.MVVM</a:t>
+            </a:r>
+            <a:endParaRPr lang="en-US" dirty="0" smtClean="0"/>
+          </a:p>
+          <a:p>
+            <a:r>
+              <a:rPr lang="en-US" dirty="0" err="1" smtClean="0"/>
+              <a:t>Caliburn.Micro</a:t>
+            </a:r>
+            <a:endParaRPr lang="en-US" dirty="0"/>
+          </a:p>
+        </p:txBody>
+      </p:sp>
+      <p:pic>
+        <p:nvPicPr>
+          <p:cNvPr id="5" name="Picture 4"/>
+          <p:cNvPicPr>
+            <a:picLocks noChangeAspect="1"/>
+          </p:cNvPicPr>
+          <p:nvPr/>
+        </p:nvPicPr>
+        <p:blipFill>
+          <a:blip r:embed="rId3">
+            <a:extLst>
+              <a:ext uri="{28A0092B-C50C-407E-A947-70E740481C1C}">
+                <a14:useLocalDpi xmlns:a14="http://schemas.microsoft.com/office/drawing/2010/main" val="0"/>
+              </a:ext>
+            </a:extLst>
+          </a:blip>
+          <a:stretch>
+            <a:fillRect/>
+          </a:stretch>
+        </p:blipFill>
+        <p:spPr>
+          <a:xfrm>
+            <a:off x="6556197" y="5918320"/>
+            <a:ext cx="2356206" cy="819150"/>
+          </a:xfrm>
+          <a:prstGeom prst="rect">
+            <a:avLst/>
+          </a:prstGeom>
+        </p:spPr>
+      </p:pic>
+      <p:sp>
+        <p:nvSpPr>
+          <p:cNvPr id="4" name="TextBox 3"/>
+          <p:cNvSpPr txBox="1"/>
+          <p:nvPr/>
+        </p:nvSpPr>
+        <p:spPr>
+          <a:xfrm>
+            <a:off x="457200" y="5918320"/>
+            <a:ext cx="5968368" cy="369332"/>
+          </a:xfrm>
+          <a:prstGeom prst="rect">
+            <a:avLst/>
+          </a:prstGeom>
+          <a:noFill/>
+        </p:spPr>
+        <p:txBody>
+          <a:bodyPr wrap="square" rtlCol="0">
+            <a:spAutoFit/>
+          </a:bodyPr>
+          <a:lstStyle/>
+          <a:p>
+            <a:r>
+              <a:rPr lang="en-US" dirty="0"/>
+              <a:t>http://nugetmusthaves.com/Tag/MVVM</a:t>
+            </a:r>
+          </a:p>
+        </p:txBody>
+      </p:sp>
+    </p:spTree>
+    <p:extLst>
+      <p:ext uri="{BB962C8B-B14F-4D97-AF65-F5344CB8AC3E}">
+        <p14:creationId xmlns:p14="http://schemas.microsoft.com/office/powerpoint/2010/main" val="1122270672"/>
+      </p:ext>
+    </p:extLst>
+  </p:cSld>
+  <p:clrMapOvr>
+    <a:masterClrMapping/>
+  </p:clrMapOvr>
+  <p:timing>
+    <p:tnLst>
+      <p:par>
+        <p:cTn id="1" dur="indefinite" restart="never" nodeType="tmRoot"/>
+      </p:par>
+    </p:tnLst>
+  </p:timing>
+</p:sld>
+</file>
+
+<file path=ppt/slides/slide15.xml><?xml version="1.0" encoding="utf-8"?>
+<p:sld xmlns:a="http://schemas.openxmlformats.org/drawingml/2006/main" xmlns:r="http://schemas.openxmlformats.org/officeDocument/2006/relationships" xmlns:p="http://schemas.openxmlformats.org/presentationml/2006/main">
+  <p:cSld>
+    <p:spTree>
+      <p:nvGrpSpPr>
+        <p:cNvPr id="1" name=""/>
+        <p:cNvGrpSpPr/>
+        <p:nvPr/>
+      </p:nvGrpSpPr>
+      <p:grpSpPr>
+        <a:xfrm>
+          <a:off x="0" y="0"/>
+          <a:ext cx="0" cy="0"/>
+          <a:chOff x="0" y="0"/>
+          <a:chExt cx="0" cy="0"/>
+        </a:xfrm>
+      </p:grpSpPr>
+      <p:sp>
+        <p:nvSpPr>
+          <p:cNvPr id="2" name="Title 1"/>
+          <p:cNvSpPr>
+            <a:spLocks noGrp="1"/>
+          </p:cNvSpPr>
+          <p:nvPr>
+            <p:ph type="title"/>
+          </p:nvPr>
+        </p:nvSpPr>
+        <p:spPr/>
+        <p:txBody>
+          <a:bodyPr/>
+          <a:lstStyle/>
+          <a:p>
+            <a:endParaRPr lang="en-US"/>
+          </a:p>
+        </p:txBody>
+      </p:sp>
+      <p:sp>
+        <p:nvSpPr>
+          <p:cNvPr id="3" name="Content Placeholder 2"/>
+          <p:cNvSpPr>
+            <a:spLocks noGrp="1"/>
+          </p:cNvSpPr>
+          <p:nvPr>
+            <p:ph idx="1"/>
+          </p:nvPr>
+        </p:nvSpPr>
+        <p:spPr/>
+        <p:txBody>
+          <a:bodyPr/>
+          <a:lstStyle/>
+          <a:p>
+            <a:endParaRPr lang="en-US" dirty="0"/>
+          </a:p>
+        </p:txBody>
+      </p:sp>
+      <p:pic>
+        <p:nvPicPr>
+          <p:cNvPr id="5" name="Picture 4"/>
+          <p:cNvPicPr>
+            <a:picLocks noChangeAspect="1"/>
+          </p:cNvPicPr>
+          <p:nvPr/>
+        </p:nvPicPr>
+        <p:blipFill>
+          <a:blip r:embed="rId2">
+            <a:extLst>
+              <a:ext uri="{28A0092B-C50C-407E-A947-70E740481C1C}">
+                <a14:useLocalDpi xmlns:a14="http://schemas.microsoft.com/office/drawing/2010/main" val="0"/>
+              </a:ext>
+            </a:extLst>
+          </a:blip>
+          <a:stretch>
+            <a:fillRect/>
+          </a:stretch>
+        </p:blipFill>
+        <p:spPr>
+          <a:xfrm>
+            <a:off x="6556197" y="5918320"/>
+            <a:ext cx="2356206" cy="819150"/>
+          </a:xfrm>
+          <a:prstGeom prst="rect">
+            <a:avLst/>
+          </a:prstGeom>
+        </p:spPr>
+      </p:pic>
+    </p:spTree>
+    <p:extLst>
+      <p:ext uri="{BB962C8B-B14F-4D97-AF65-F5344CB8AC3E}">
+        <p14:creationId xmlns:p14="http://schemas.microsoft.com/office/powerpoint/2010/main" val="406581684"/>
+      </p:ext>
+    </p:extLst>
+  </p:cSld>
+  <p:clrMapOvr>
+    <a:masterClrMapping/>
+  </p:clrMapOvr>
+  <p:timing>
+    <p:tnLst>
+      <p:par>
+        <p:cTn id="1" dur="indefinite" restart="never" nodeType="tmRoot"/>
+      </p:par>
+    </p:tnLst>
+  </p:timing>
+</p:sld>
+</file>
+
+<file path=ppt/slides/slide16.xml><?xml version="1.0" encoding="utf-8"?>
+<p:sld xmlns:a="http://schemas.openxmlformats.org/drawingml/2006/main" xmlns:r="http://schemas.openxmlformats.org/officeDocument/2006/relationships" xmlns:p="http://schemas.openxmlformats.org/presentationml/2006/main">
+  <p:cSld>
+    <p:spTree>
+      <p:nvGrpSpPr>
+        <p:cNvPr id="1" name=""/>
+        <p:cNvGrpSpPr/>
+        <p:nvPr/>
+      </p:nvGrpSpPr>
+      <p:grpSpPr>
+        <a:xfrm>
+          <a:off x="0" y="0"/>
+          <a:ext cx="0" cy="0"/>
+          <a:chOff x="0" y="0"/>
+          <a:chExt cx="0" cy="0"/>
+        </a:xfrm>
+      </p:grpSpPr>
+      <p:sp>
+        <p:nvSpPr>
+          <p:cNvPr id="2" name="Title 1"/>
+          <p:cNvSpPr>
+            <a:spLocks noGrp="1"/>
+          </p:cNvSpPr>
+          <p:nvPr>
+            <p:ph type="title"/>
+          </p:nvPr>
+        </p:nvSpPr>
+        <p:spPr/>
+        <p:txBody>
+          <a:bodyPr/>
+          <a:lstStyle/>
+          <a:p>
+            <a:endParaRPr lang="en-US"/>
+          </a:p>
+        </p:txBody>
+      </p:sp>
+      <p:sp>
+        <p:nvSpPr>
+          <p:cNvPr id="3" name="Content Placeholder 2"/>
+          <p:cNvSpPr>
+            <a:spLocks noGrp="1"/>
+          </p:cNvSpPr>
+          <p:nvPr>
+            <p:ph idx="1"/>
+          </p:nvPr>
+        </p:nvSpPr>
+        <p:spPr/>
+        <p:txBody>
+          <a:bodyPr/>
+          <a:lstStyle/>
+          <a:p>
+            <a:endParaRPr lang="en-US" dirty="0"/>
+          </a:p>
+        </p:txBody>
+      </p:sp>
+      <p:pic>
+        <p:nvPicPr>
+          <p:cNvPr id="5" name="Picture 4"/>
+          <p:cNvPicPr>
+            <a:picLocks noChangeAspect="1"/>
+          </p:cNvPicPr>
+          <p:nvPr/>
+        </p:nvPicPr>
+        <p:blipFill>
+          <a:blip r:embed="rId2">
+            <a:extLst>
+              <a:ext uri="{28A0092B-C50C-407E-A947-70E740481C1C}">
+                <a14:useLocalDpi xmlns:a14="http://schemas.microsoft.com/office/drawing/2010/main" val="0"/>
+              </a:ext>
+            </a:extLst>
+          </a:blip>
+          <a:stretch>
+            <a:fillRect/>
+          </a:stretch>
+        </p:blipFill>
+        <p:spPr>
+          <a:xfrm>
+            <a:off x="6556197" y="5918320"/>
+            <a:ext cx="2356206" cy="819150"/>
+          </a:xfrm>
+          <a:prstGeom prst="rect">
+            <a:avLst/>
+          </a:prstGeom>
+        </p:spPr>
+      </p:pic>
+    </p:spTree>
+    <p:extLst>
+      <p:ext uri="{BB962C8B-B14F-4D97-AF65-F5344CB8AC3E}">
+        <p14:creationId xmlns:p14="http://schemas.microsoft.com/office/powerpoint/2010/main" val="3515033848"/>
+      </p:ext>
+    </p:extLst>
+  </p:cSld>
+  <p:clrMapOvr>
+    <a:masterClrMapping/>
+  </p:clrMapOvr>
+  <p:timing>
+    <p:tnLst>
+      <p:par>
+        <p:cTn id="1" dur="indefinite" restart="never" nodeType="tmRoot"/>
+      </p:par>
+    </p:tnLst>
+  </p:timing>
+</p:sld>
+</file>
+
+<file path=ppt/slides/slide17.xml><?xml version="1.0" encoding="utf-8"?>
+<p:sld xmlns:a="http://schemas.openxmlformats.org/drawingml/2006/main" xmlns:r="http://schemas.openxmlformats.org/officeDocument/2006/relationships" xmlns:p="http://schemas.openxmlformats.org/presentationml/2006/main">
+  <p:cSld>
+    <p:spTree>
+      <p:nvGrpSpPr>
+        <p:cNvPr id="1" name=""/>
+        <p:cNvGrpSpPr/>
+        <p:nvPr/>
+      </p:nvGrpSpPr>
+      <p:grpSpPr>
+        <a:xfrm>
+          <a:off x="0" y="0"/>
+          <a:ext cx="0" cy="0"/>
+          <a:chOff x="0" y="0"/>
+          <a:chExt cx="0" cy="0"/>
+        </a:xfrm>
+      </p:grpSpPr>
+      <p:sp>
+        <p:nvSpPr>
+          <p:cNvPr id="2" name="Title 1"/>
+          <p:cNvSpPr>
+            <a:spLocks noGrp="1"/>
+          </p:cNvSpPr>
+          <p:nvPr>
+            <p:ph type="title"/>
+          </p:nvPr>
+        </p:nvSpPr>
+        <p:spPr/>
+        <p:txBody>
+          <a:bodyPr/>
+          <a:lstStyle/>
+          <a:p>
+            <a:endParaRPr lang="en-US"/>
+          </a:p>
+        </p:txBody>
+      </p:sp>
+      <p:sp>
+        <p:nvSpPr>
+          <p:cNvPr id="3" name="Content Placeholder 2"/>
+          <p:cNvSpPr>
+            <a:spLocks noGrp="1"/>
+          </p:cNvSpPr>
+          <p:nvPr>
+            <p:ph idx="1"/>
+          </p:nvPr>
+        </p:nvSpPr>
+        <p:spPr/>
+        <p:txBody>
+          <a:bodyPr/>
+          <a:lstStyle/>
+          <a:p>
+            <a:endParaRPr lang="en-US" dirty="0"/>
+          </a:p>
+        </p:txBody>
+      </p:sp>
+      <p:pic>
+        <p:nvPicPr>
+          <p:cNvPr id="5" name="Picture 4"/>
+          <p:cNvPicPr>
+            <a:picLocks noChangeAspect="1"/>
+          </p:cNvPicPr>
+          <p:nvPr/>
+        </p:nvPicPr>
+        <p:blipFill>
+          <a:blip r:embed="rId2">
+            <a:extLst>
+              <a:ext uri="{28A0092B-C50C-407E-A947-70E740481C1C}">
+                <a14:useLocalDpi xmlns:a14="http://schemas.microsoft.com/office/drawing/2010/main" val="0"/>
+              </a:ext>
+            </a:extLst>
+          </a:blip>
+          <a:stretch>
+            <a:fillRect/>
+          </a:stretch>
+        </p:blipFill>
+        <p:spPr>
+          <a:xfrm>
+            <a:off x="6556197" y="5918320"/>
+            <a:ext cx="2356206" cy="819150"/>
+          </a:xfrm>
+          <a:prstGeom prst="rect">
+            <a:avLst/>
+          </a:prstGeom>
+        </p:spPr>
+      </p:pic>
+    </p:spTree>
+    <p:extLst>
+      <p:ext uri="{BB962C8B-B14F-4D97-AF65-F5344CB8AC3E}">
+        <p14:creationId xmlns:p14="http://schemas.microsoft.com/office/powerpoint/2010/main" val="973903721"/>
+      </p:ext>
+    </p:extLst>
+  </p:cSld>
+  <p:clrMapOvr>
+    <a:masterClrMapping/>
+  </p:clrMapOvr>
+  <p:timing>
+    <p:tnLst>
+      <p:par>
+        <p:cTn id="1" dur="indefinite" restart="never" nodeType="tmRoot"/>
+      </p:par>
+    </p:tnLst>
+  </p:timing>
+</p:sld>
+</file>
+
+<file path=ppt/slides/slide18.xml><?xml version="1.0" encoding="utf-8"?>
+<p:sld xmlns:a="http://schemas.openxmlformats.org/drawingml/2006/main" xmlns:r="http://schemas.openxmlformats.org/officeDocument/2006/relationships" xmlns:p="http://schemas.openxmlformats.org/presentationml/2006/main">
+  <p:cSld>
+    <p:spTree>
+      <p:nvGrpSpPr>
+        <p:cNvPr id="1" name=""/>
+        <p:cNvGrpSpPr/>
+        <p:nvPr/>
+      </p:nvGrpSpPr>
+      <p:grpSpPr>
+        <a:xfrm>
+          <a:off x="0" y="0"/>
+          <a:ext cx="0" cy="0"/>
+          <a:chOff x="0" y="0"/>
+          <a:chExt cx="0" cy="0"/>
+        </a:xfrm>
+      </p:grpSpPr>
+      <p:sp>
+        <p:nvSpPr>
+          <p:cNvPr id="2" name="Title 1"/>
+          <p:cNvSpPr>
+            <a:spLocks noGrp="1"/>
+          </p:cNvSpPr>
+          <p:nvPr>
+            <p:ph type="title"/>
+          </p:nvPr>
+        </p:nvSpPr>
+        <p:spPr/>
+        <p:txBody>
+          <a:bodyPr/>
+          <a:lstStyle/>
+          <a:p>
+            <a:endParaRPr lang="en-US"/>
+          </a:p>
+        </p:txBody>
+      </p:sp>
+      <p:sp>
+        <p:nvSpPr>
+          <p:cNvPr id="3" name="Content Placeholder 2"/>
+          <p:cNvSpPr>
+            <a:spLocks noGrp="1"/>
+          </p:cNvSpPr>
+          <p:nvPr>
+            <p:ph idx="1"/>
+          </p:nvPr>
+        </p:nvSpPr>
+        <p:spPr/>
+        <p:txBody>
+          <a:bodyPr/>
+          <a:lstStyle/>
+          <a:p>
+            <a:endParaRPr lang="en-US" dirty="0"/>
+          </a:p>
+        </p:txBody>
+      </p:sp>
+      <p:pic>
+        <p:nvPicPr>
+          <p:cNvPr id="5" name="Picture 4"/>
+          <p:cNvPicPr>
+            <a:picLocks noChangeAspect="1"/>
+          </p:cNvPicPr>
+          <p:nvPr/>
+        </p:nvPicPr>
+        <p:blipFill>
+          <a:blip r:embed="rId2">
+            <a:extLst>
+              <a:ext uri="{28A0092B-C50C-407E-A947-70E740481C1C}">
+                <a14:useLocalDpi xmlns:a14="http://schemas.microsoft.com/office/drawing/2010/main" val="0"/>
+              </a:ext>
+            </a:extLst>
+          </a:blip>
+          <a:stretch>
+            <a:fillRect/>
+          </a:stretch>
+        </p:blipFill>
+        <p:spPr>
+          <a:xfrm>
+            <a:off x="6556197" y="5918320"/>
+            <a:ext cx="2356206" cy="819150"/>
+          </a:xfrm>
+          <a:prstGeom prst="rect">
+            <a:avLst/>
+          </a:prstGeom>
+        </p:spPr>
+      </p:pic>
+    </p:spTree>
+    <p:extLst>
+      <p:ext uri="{BB962C8B-B14F-4D97-AF65-F5344CB8AC3E}">
+        <p14:creationId xmlns:p14="http://schemas.microsoft.com/office/powerpoint/2010/main" val="1281173864"/>
+      </p:ext>
+    </p:extLst>
+  </p:cSld>
+  <p:clrMapOvr>
+    <a:masterClrMapping/>
+  </p:clrMapOvr>
+  <p:timing>
+    <p:tnLst>
+      <p:par>
+        <p:cTn id="1" dur="indefinite" restart="never" nodeType="tmRoot"/>
+      </p:par>
+    </p:tnLst>
+  </p:timing>
+</p:sld>
+</file>
+
+<file path=ppt/slides/slide19.xml><?xml version="1.0" encoding="utf-8"?>
+<p:sld xmlns:a="http://schemas.openxmlformats.org/drawingml/2006/main" xmlns:r="http://schemas.openxmlformats.org/officeDocument/2006/relationships" xmlns:p="http://schemas.openxmlformats.org/presentationml/2006/main">
+  <p:cSld>
+    <p:spTree>
+      <p:nvGrpSpPr>
+        <p:cNvPr id="1" name=""/>
+        <p:cNvGrpSpPr/>
+        <p:nvPr/>
+      </p:nvGrpSpPr>
+      <p:grpSpPr>
+        <a:xfrm>
+          <a:off x="0" y="0"/>
+          <a:ext cx="0" cy="0"/>
+          <a:chOff x="0" y="0"/>
+          <a:chExt cx="0" cy="0"/>
+        </a:xfrm>
+      </p:grpSpPr>
+      <p:sp>
+        <p:nvSpPr>
+          <p:cNvPr id="2" name="Title 1"/>
+          <p:cNvSpPr>
+            <a:spLocks noGrp="1"/>
+          </p:cNvSpPr>
+          <p:nvPr>
+            <p:ph type="title"/>
+          </p:nvPr>
+        </p:nvSpPr>
+        <p:spPr/>
+        <p:txBody>
+          <a:bodyPr/>
+          <a:lstStyle/>
+          <a:p>
+            <a:endParaRPr lang="en-US"/>
+          </a:p>
+        </p:txBody>
+      </p:sp>
+      <p:sp>
+        <p:nvSpPr>
+          <p:cNvPr id="3" name="Content Placeholder 2"/>
+          <p:cNvSpPr>
+            <a:spLocks noGrp="1"/>
+          </p:cNvSpPr>
+          <p:nvPr>
+            <p:ph idx="1"/>
+          </p:nvPr>
+        </p:nvSpPr>
+        <p:spPr/>
+        <p:txBody>
+          <a:bodyPr/>
+          <a:lstStyle/>
+          <a:p>
+            <a:endParaRPr lang="en-US" dirty="0"/>
+          </a:p>
+        </p:txBody>
+      </p:sp>
+      <p:pic>
+        <p:nvPicPr>
+          <p:cNvPr id="5" name="Picture 4"/>
+          <p:cNvPicPr>
+            <a:picLocks noChangeAspect="1"/>
+          </p:cNvPicPr>
+          <p:nvPr/>
+        </p:nvPicPr>
+        <p:blipFill>
+          <a:blip r:embed="rId2">
+            <a:extLst>
+              <a:ext uri="{28A0092B-C50C-407E-A947-70E740481C1C}">
+                <a14:useLocalDpi xmlns:a14="http://schemas.microsoft.com/office/drawing/2010/main" val="0"/>
+              </a:ext>
+            </a:extLst>
+          </a:blip>
+          <a:stretch>
+            <a:fillRect/>
+          </a:stretch>
+        </p:blipFill>
+        <p:spPr>
+          <a:xfrm>
+            <a:off x="6556197" y="5918320"/>
+            <a:ext cx="2356206" cy="819150"/>
+          </a:xfrm>
+          <a:prstGeom prst="rect">
+            <a:avLst/>
+          </a:prstGeom>
+        </p:spPr>
+      </p:pic>
+    </p:spTree>
+    <p:extLst>
+      <p:ext uri="{BB962C8B-B14F-4D97-AF65-F5344CB8AC3E}">
+        <p14:creationId xmlns:p14="http://schemas.microsoft.com/office/powerpoint/2010/main" val="825003153"/>
+      </p:ext>
+    </p:extLst>
+  </p:cSld>
+  <p:clrMapOvr>
+    <a:masterClrMapping/>
+  </p:clrMapOvr>
+  <p:timing>
+    <p:tnLst>
+      <p:par>
+        <p:cTn id="1" dur="indefinite" restart="never" nodeType="tmRoot"/>
+      </p:par>
+    </p:tnLst>
+  </p:timing>
+</p:sld>
+</file>
+
+<file path=ppt/slides/slide2.xml><?xml version="1.0" encoding="utf-8"?>
+<p:sld xmlns:a="http://schemas.openxmlformats.org/drawingml/2006/main" xmlns:r="http://schemas.openxmlformats.org/officeDocument/2006/relationships" xmlns:p="http://schemas.openxmlformats.org/presentationml/2006/main">
+  <p:cSld>
+    <p:spTree>
+      <p:nvGrpSpPr>
+        <p:cNvPr id="1" name=""/>
+        <p:cNvGrpSpPr/>
+        <p:nvPr/>
+      </p:nvGrpSpPr>
+      <p:grpSpPr>
+        <a:xfrm>
+          <a:off x="0" y="0"/>
+          <a:ext cx="0" cy="0"/>
+          <a:chOff x="0" y="0"/>
+          <a:chExt cx="0" cy="0"/>
+        </a:xfrm>
+      </p:grpSpPr>
+      <p:sp>
+        <p:nvSpPr>
+          <p:cNvPr id="2" name="Title 1"/>
+          <p:cNvSpPr>
+            <a:spLocks noGrp="1"/>
+          </p:cNvSpPr>
+          <p:nvPr>
+            <p:ph type="title"/>
+          </p:nvPr>
+        </p:nvSpPr>
+        <p:spPr/>
+        <p:txBody>
+          <a:bodyPr>
+            <a:normAutofit fontScale="90000"/>
+          </a:bodyPr>
+          <a:lstStyle/>
+          <a:p>
+            <a:r>
+              <a:rPr lang="en-US" dirty="0" smtClean="0"/>
+              <a:t>Who am I</a:t>
+            </a:r>
+            <a:br>
+              <a:rPr lang="en-US" dirty="0" smtClean="0"/>
+            </a:br>
+            <a:r>
+              <a:rPr lang="en-US" sz="2800" dirty="0" smtClean="0"/>
+              <a:t>David Underhill</a:t>
+            </a:r>
+            <a:endParaRPr lang="en-US" sz="2800" dirty="0"/>
+          </a:p>
+        </p:txBody>
+      </p:sp>
+      <p:sp>
+        <p:nvSpPr>
+          <p:cNvPr id="3" name="Content Placeholder 2"/>
+          <p:cNvSpPr>
+            <a:spLocks noGrp="1"/>
+          </p:cNvSpPr>
+          <p:nvPr>
+            <p:ph idx="1"/>
+          </p:nvPr>
+        </p:nvSpPr>
+        <p:spPr>
+          <a:xfrm>
+            <a:off x="457200" y="1628616"/>
+            <a:ext cx="8229600" cy="5108853"/>
+          </a:xfrm>
+        </p:spPr>
+        <p:txBody>
+          <a:bodyPr>
+            <a:normAutofit fontScale="55000" lnSpcReduction="20000"/>
+          </a:bodyPr>
+          <a:lstStyle/>
+          <a:p>
+            <a:pPr marL="0" indent="0">
+              <a:buNone/>
+            </a:pPr>
+            <a:r>
+              <a:rPr lang="en-US" dirty="0"/>
+              <a:t>I am an </a:t>
+            </a:r>
+            <a:r>
+              <a:rPr lang="en-US" dirty="0" smtClean="0"/>
+              <a:t>Software Engineer for TechSmith Corp. </a:t>
+            </a:r>
+            <a:r>
+              <a:rPr lang="en-US" dirty="0"/>
+              <a:t>I have </a:t>
+            </a:r>
+            <a:r>
+              <a:rPr lang="en-US" dirty="0" smtClean="0"/>
+              <a:t>almost 20 </a:t>
+            </a:r>
+            <a:r>
+              <a:rPr lang="en-US" dirty="0"/>
+              <a:t>years of </a:t>
+            </a:r>
+            <a:r>
+              <a:rPr lang="en-US" dirty="0" smtClean="0"/>
+              <a:t>professional experience </a:t>
+            </a:r>
+            <a:r>
+              <a:rPr lang="en-US" dirty="0"/>
+              <a:t>designing, coding, and testing systems and started writing code </a:t>
+            </a:r>
+            <a:r>
+              <a:rPr lang="en-US" dirty="0" smtClean="0"/>
+              <a:t>in middle school on TSR-80 computers for </a:t>
+            </a:r>
+            <a:r>
+              <a:rPr lang="en-US" dirty="0"/>
+              <a:t>fun long before it became my career. I have been exposed to the entire lifecycle of systems development from the initial idea, gathering requirements, developing a solution, writing code, testing, deployment, and post go live support.</a:t>
+            </a:r>
+          </a:p>
+          <a:p>
+            <a:pPr marL="0" indent="0">
+              <a:buNone/>
+            </a:pPr>
+            <a:r>
+              <a:rPr lang="en-US" dirty="0" smtClean="0"/>
+              <a:t>My most recent experience is </a:t>
+            </a:r>
+            <a:r>
+              <a:rPr lang="en-US" dirty="0"/>
+              <a:t>in writing business applications in C#, C, </a:t>
+            </a:r>
+            <a:r>
+              <a:rPr lang="en-US" dirty="0" err="1"/>
+              <a:t>Xaml</a:t>
+            </a:r>
+            <a:r>
+              <a:rPr lang="en-US" dirty="0"/>
+              <a:t>, </a:t>
+            </a:r>
+            <a:r>
+              <a:rPr lang="en-US" dirty="0" smtClean="0"/>
+              <a:t>Silverlight, WPF </a:t>
+            </a:r>
+            <a:r>
+              <a:rPr lang="en-US" dirty="0"/>
+              <a:t>on Windows desktop, Windows store, and Windows phone. I have also had previous experience writing applications </a:t>
+            </a:r>
+            <a:r>
+              <a:rPr lang="en-US" dirty="0" smtClean="0"/>
+              <a:t>in </a:t>
+            </a:r>
+            <a:r>
+              <a:rPr lang="en-US" dirty="0"/>
+              <a:t>Visual Basic, Cobol, PL/SQL, Sybase T/SQL, C, Perl, Java, and </a:t>
+            </a:r>
+            <a:r>
+              <a:rPr lang="en-US" dirty="0" smtClean="0"/>
+              <a:t>ASP on </a:t>
+            </a:r>
+            <a:r>
+              <a:rPr lang="en-US" dirty="0"/>
+              <a:t>the Windows, Unix/Linux, Web, and Mainframe platforms. Many of my systems have used Sybase, SQL Server, Oracle, or DB2 as the back end database and various front end and batch languages. </a:t>
+            </a:r>
+            <a:endParaRPr lang="en-US" dirty="0" smtClean="0"/>
+          </a:p>
+          <a:p>
+            <a:pPr marL="0" indent="0">
+              <a:buNone/>
+            </a:pPr>
+            <a:endParaRPr lang="en-US" dirty="0"/>
+          </a:p>
+          <a:p>
+            <a:pPr marL="0" indent="0">
+              <a:buNone/>
+            </a:pPr>
+            <a:r>
+              <a:rPr lang="en-US" dirty="0" smtClean="0"/>
+              <a:t>Presentation is on </a:t>
+            </a:r>
+            <a:r>
+              <a:rPr lang="en-US" dirty="0" err="1" smtClean="0"/>
+              <a:t>Github</a:t>
+            </a:r>
+            <a:r>
+              <a:rPr lang="en-US" dirty="0"/>
+              <a:t>: </a:t>
+            </a:r>
+            <a:r>
+              <a:rPr lang="en-US" dirty="0">
+                <a:hlinkClick r:id="rId3"/>
+              </a:rPr>
+              <a:t>https://</a:t>
+            </a:r>
+            <a:r>
+              <a:rPr lang="en-US" dirty="0" smtClean="0">
+                <a:hlinkClick r:id="rId3"/>
+              </a:rPr>
+              <a:t>github.com/underhilld2/UniversalAppPortalClassLibraries</a:t>
+            </a:r>
+            <a:endParaRPr lang="en-US" dirty="0" smtClean="0"/>
+          </a:p>
+          <a:p>
+            <a:pPr marL="0" indent="0">
+              <a:buNone/>
+            </a:pPr>
+            <a:endParaRPr lang="en-US" dirty="0" smtClean="0">
+              <a:hlinkClick r:id="rId4"/>
+            </a:endParaRPr>
+          </a:p>
+          <a:p>
+            <a:pPr marL="0" indent="0">
+              <a:buNone/>
+            </a:pPr>
+            <a:r>
+              <a:rPr lang="en-US" dirty="0" smtClean="0">
+                <a:hlinkClick r:id="rId4"/>
+              </a:rPr>
+              <a:t>Email: underhilld2@gmail.com</a:t>
+            </a:r>
+          </a:p>
+          <a:p>
+            <a:pPr marL="0" indent="0">
+              <a:buNone/>
+            </a:pPr>
+            <a:r>
+              <a:rPr lang="en-US" dirty="0" smtClean="0">
+                <a:hlinkClick r:id="rId4"/>
+              </a:rPr>
+              <a:t>Twitter: </a:t>
+            </a:r>
+            <a:r>
+              <a:rPr lang="en-US" dirty="0">
+                <a:hlinkClick r:id="rId5"/>
+              </a:rPr>
+              <a:t>@DavidUnderhill3</a:t>
+            </a:r>
+            <a:endParaRPr lang="en-US" dirty="0">
+              <a:solidFill>
+                <a:schemeClr val="bg1"/>
+              </a:solidFill>
+              <a:hlinkClick r:id="rId4"/>
+            </a:endParaRPr>
+          </a:p>
+          <a:p>
+            <a:pPr marL="0" indent="0">
+              <a:buNone/>
+            </a:pPr>
+            <a:r>
+              <a:rPr lang="en-US" dirty="0">
+                <a:solidFill>
+                  <a:schemeClr val="bg1"/>
+                </a:solidFill>
+                <a:hlinkClick r:id="rId4"/>
+              </a:rPr>
+              <a:t>https://github.com/underhilld2</a:t>
+            </a:r>
+            <a:endParaRPr lang="en-US" dirty="0">
+              <a:solidFill>
+                <a:schemeClr val="bg1"/>
+              </a:solidFill>
+            </a:endParaRPr>
+          </a:p>
+          <a:p>
+            <a:pPr marL="0" indent="0">
+              <a:buNone/>
+            </a:pPr>
+            <a:r>
+              <a:rPr lang="en-US" dirty="0">
+                <a:solidFill>
+                  <a:schemeClr val="bg1"/>
+                </a:solidFill>
+                <a:hlinkClick r:id="rId6"/>
+              </a:rPr>
+              <a:t>http://</a:t>
+            </a:r>
+            <a:r>
+              <a:rPr lang="en-US" dirty="0" smtClean="0">
+                <a:solidFill>
+                  <a:schemeClr val="bg1"/>
+                </a:solidFill>
+                <a:hlinkClick r:id="rId6"/>
+              </a:rPr>
+              <a:t>blog.davescybercave.com</a:t>
+            </a:r>
+            <a:endParaRPr lang="en-US" dirty="0">
+              <a:solidFill>
+                <a:schemeClr val="bg1"/>
+              </a:solidFill>
+            </a:endParaRPr>
+          </a:p>
+        </p:txBody>
+      </p:sp>
+      <p:pic>
+        <p:nvPicPr>
+          <p:cNvPr id="5" name="Picture 4"/>
+          <p:cNvPicPr>
+            <a:picLocks noChangeAspect="1"/>
+          </p:cNvPicPr>
+          <p:nvPr/>
+        </p:nvPicPr>
+        <p:blipFill>
+          <a:blip r:embed="rId7">
+            <a:extLst>
+              <a:ext uri="{28A0092B-C50C-407E-A947-70E740481C1C}">
+                <a14:useLocalDpi xmlns:a14="http://schemas.microsoft.com/office/drawing/2010/main" val="0"/>
+              </a:ext>
+            </a:extLst>
+          </a:blip>
+          <a:stretch>
+            <a:fillRect/>
+          </a:stretch>
+        </p:blipFill>
+        <p:spPr>
+          <a:xfrm>
+            <a:off x="6556197" y="5918320"/>
+            <a:ext cx="2356206" cy="819150"/>
+          </a:xfrm>
+          <a:prstGeom prst="rect">
+            <a:avLst/>
+          </a:prstGeom>
+        </p:spPr>
+      </p:pic>
+      <p:pic>
+        <p:nvPicPr>
+          <p:cNvPr id="6" name="Content Placeholder 3"/>
+          <p:cNvPicPr>
+            <a:picLocks noChangeAspect="1"/>
+          </p:cNvPicPr>
+          <p:nvPr/>
+        </p:nvPicPr>
+        <p:blipFill>
+          <a:blip r:embed="rId8">
+            <a:extLst>
+              <a:ext uri="{28A0092B-C50C-407E-A947-70E740481C1C}">
+                <a14:useLocalDpi xmlns:a14="http://schemas.microsoft.com/office/drawing/2010/main" val="0"/>
+              </a:ext>
+            </a:extLst>
+          </a:blip>
+          <a:stretch>
+            <a:fillRect/>
+          </a:stretch>
+        </p:blipFill>
+        <p:spPr>
+          <a:xfrm>
+            <a:off x="562610" y="169148"/>
+            <a:ext cx="1600989" cy="1353979"/>
+          </a:xfrm>
+          <a:prstGeom prst="rect">
+            <a:avLst/>
+          </a:prstGeom>
+        </p:spPr>
+      </p:pic>
+    </p:spTree>
+    <p:extLst>
+      <p:ext uri="{BB962C8B-B14F-4D97-AF65-F5344CB8AC3E}">
+        <p14:creationId xmlns:p14="http://schemas.microsoft.com/office/powerpoint/2010/main" val="270563702"/>
+      </p:ext>
+    </p:extLst>
+  </p:cSld>
+  <p:clrMapOvr>
+    <a:masterClrMapping/>
+  </p:clrMapOvr>
+  <p:timing>
+    <p:tnLst>
+      <p:par>
+        <p:cTn id="1" dur="indefinite" restart="never" nodeType="tmRoot"/>
+      </p:par>
+    </p:tnLst>
+  </p:timing>
+</p:sld>
+</file>
+
+<file path=ppt/slides/slide20.xml><?xml version="1.0" encoding="utf-8"?>
+<p:sld xmlns:a="http://schemas.openxmlformats.org/drawingml/2006/main" xmlns:r="http://schemas.openxmlformats.org/officeDocument/2006/relationships" xmlns:p="http://schemas.openxmlformats.org/presentationml/2006/main">
+  <p:cSld>
+    <p:spTree>
+      <p:nvGrpSpPr>
+        <p:cNvPr id="1" name=""/>
+        <p:cNvGrpSpPr/>
+        <p:nvPr/>
+      </p:nvGrpSpPr>
+      <p:grpSpPr>
+        <a:xfrm>
+          <a:off x="0" y="0"/>
+          <a:ext cx="0" cy="0"/>
+          <a:chOff x="0" y="0"/>
+          <a:chExt cx="0" cy="0"/>
+        </a:xfrm>
+      </p:grpSpPr>
+      <p:sp>
+        <p:nvSpPr>
+          <p:cNvPr id="2" name="Title 1"/>
+          <p:cNvSpPr>
+            <a:spLocks noGrp="1"/>
+          </p:cNvSpPr>
+          <p:nvPr>
+            <p:ph type="title"/>
+          </p:nvPr>
+        </p:nvSpPr>
+        <p:spPr/>
+        <p:txBody>
+          <a:bodyPr/>
+          <a:lstStyle/>
+          <a:p>
+            <a:endParaRPr lang="en-US"/>
+          </a:p>
+        </p:txBody>
+      </p:sp>
+      <p:sp>
+        <p:nvSpPr>
+          <p:cNvPr id="3" name="Content Placeholder 2"/>
+          <p:cNvSpPr>
+            <a:spLocks noGrp="1"/>
+          </p:cNvSpPr>
+          <p:nvPr>
+            <p:ph idx="1"/>
+          </p:nvPr>
+        </p:nvSpPr>
+        <p:spPr/>
+        <p:txBody>
+          <a:bodyPr/>
+          <a:lstStyle/>
+          <a:p>
+            <a:endParaRPr lang="en-US" dirty="0"/>
+          </a:p>
+        </p:txBody>
+      </p:sp>
+      <p:pic>
+        <p:nvPicPr>
+          <p:cNvPr id="5" name="Picture 4"/>
+          <p:cNvPicPr>
+            <a:picLocks noChangeAspect="1"/>
+          </p:cNvPicPr>
+          <p:nvPr/>
+        </p:nvPicPr>
+        <p:blipFill>
+          <a:blip r:embed="rId2">
+            <a:extLst>
+              <a:ext uri="{28A0092B-C50C-407E-A947-70E740481C1C}">
+                <a14:useLocalDpi xmlns:a14="http://schemas.microsoft.com/office/drawing/2010/main" val="0"/>
+              </a:ext>
+            </a:extLst>
+          </a:blip>
+          <a:stretch>
+            <a:fillRect/>
+          </a:stretch>
+        </p:blipFill>
+        <p:spPr>
+          <a:xfrm>
+            <a:off x="6556197" y="5918320"/>
+            <a:ext cx="2356206" cy="819150"/>
+          </a:xfrm>
+          <a:prstGeom prst="rect">
+            <a:avLst/>
+          </a:prstGeom>
+        </p:spPr>
+      </p:pic>
+    </p:spTree>
+    <p:extLst>
+      <p:ext uri="{BB962C8B-B14F-4D97-AF65-F5344CB8AC3E}">
+        <p14:creationId xmlns:p14="http://schemas.microsoft.com/office/powerpoint/2010/main" val="1650708635"/>
+      </p:ext>
+    </p:extLst>
+  </p:cSld>
+  <p:clrMapOvr>
+    <a:masterClrMapping/>
+  </p:clrMapOvr>
+  <p:timing>
+    <p:tnLst>
+      <p:par>
+        <p:cTn id="1" dur="indefinite" restart="never" nodeType="tmRoot"/>
+      </p:par>
+    </p:tnLst>
+  </p:timing>
+</p:sld>
+</file>
+
+<file path=ppt/slides/slide21.xml><?xml version="1.0" encoding="utf-8"?>
+<p:sld xmlns:a="http://schemas.openxmlformats.org/drawingml/2006/main" xmlns:r="http://schemas.openxmlformats.org/officeDocument/2006/relationships" xmlns:p="http://schemas.openxmlformats.org/presentationml/2006/main">
+  <p:cSld>
+    <p:spTree>
+      <p:nvGrpSpPr>
+        <p:cNvPr id="1" name=""/>
+        <p:cNvGrpSpPr/>
+        <p:nvPr/>
+      </p:nvGrpSpPr>
+      <p:grpSpPr>
+        <a:xfrm>
+          <a:off x="0" y="0"/>
+          <a:ext cx="0" cy="0"/>
+          <a:chOff x="0" y="0"/>
+          <a:chExt cx="0" cy="0"/>
+        </a:xfrm>
+      </p:grpSpPr>
+      <p:sp>
+        <p:nvSpPr>
+          <p:cNvPr id="2" name="Title 1"/>
+          <p:cNvSpPr>
+            <a:spLocks noGrp="1"/>
+          </p:cNvSpPr>
+          <p:nvPr>
+            <p:ph type="title"/>
+          </p:nvPr>
+        </p:nvSpPr>
+        <p:spPr/>
+        <p:txBody>
+          <a:bodyPr/>
+          <a:lstStyle/>
+          <a:p>
+            <a:endParaRPr lang="en-US"/>
+          </a:p>
+        </p:txBody>
+      </p:sp>
+      <p:sp>
+        <p:nvSpPr>
+          <p:cNvPr id="3" name="Content Placeholder 2"/>
+          <p:cNvSpPr>
+            <a:spLocks noGrp="1"/>
+          </p:cNvSpPr>
+          <p:nvPr>
+            <p:ph idx="1"/>
+          </p:nvPr>
+        </p:nvSpPr>
+        <p:spPr/>
+        <p:txBody>
+          <a:bodyPr/>
+          <a:lstStyle/>
+          <a:p>
+            <a:endParaRPr lang="en-US" dirty="0"/>
+          </a:p>
+        </p:txBody>
+      </p:sp>
+      <p:pic>
+        <p:nvPicPr>
+          <p:cNvPr id="5" name="Picture 4"/>
+          <p:cNvPicPr>
+            <a:picLocks noChangeAspect="1"/>
+          </p:cNvPicPr>
+          <p:nvPr/>
+        </p:nvPicPr>
+        <p:blipFill>
+          <a:blip r:embed="rId2">
+            <a:extLst>
+              <a:ext uri="{28A0092B-C50C-407E-A947-70E740481C1C}">
+                <a14:useLocalDpi xmlns:a14="http://schemas.microsoft.com/office/drawing/2010/main" val="0"/>
+              </a:ext>
+            </a:extLst>
+          </a:blip>
+          <a:stretch>
+            <a:fillRect/>
+          </a:stretch>
+        </p:blipFill>
+        <p:spPr>
+          <a:xfrm>
+            <a:off x="6556197" y="5918320"/>
+            <a:ext cx="2356206" cy="819150"/>
+          </a:xfrm>
+          <a:prstGeom prst="rect">
+            <a:avLst/>
+          </a:prstGeom>
+        </p:spPr>
+      </p:pic>
+    </p:spTree>
+    <p:extLst>
+      <p:ext uri="{BB962C8B-B14F-4D97-AF65-F5344CB8AC3E}">
+        <p14:creationId xmlns:p14="http://schemas.microsoft.com/office/powerpoint/2010/main" val="1348388803"/>
+      </p:ext>
+    </p:extLst>
+  </p:cSld>
+  <p:clrMapOvr>
+    <a:masterClrMapping/>
+  </p:clrMapOvr>
+  <p:timing>
+    <p:tnLst>
+      <p:par>
+        <p:cTn id="1" dur="indefinite" restart="never" nodeType="tmRoot"/>
+      </p:par>
+    </p:tnLst>
+  </p:timing>
+</p:sld>
+</file>
+
+<file path=ppt/slides/slide3.xml><?xml version="1.0" encoding="utf-8"?>
+<p:sld xmlns:a="http://schemas.openxmlformats.org/drawingml/2006/main" xmlns:r="http://schemas.openxmlformats.org/officeDocument/2006/relationships" xmlns:p="http://schemas.openxmlformats.org/presentationml/2006/main">
+  <p:cSld>
+    <p:spTree>
+      <p:nvGrpSpPr>
+        <p:cNvPr id="1" name=""/>
+        <p:cNvGrpSpPr/>
+        <p:nvPr/>
+      </p:nvGrpSpPr>
+      <p:grpSpPr>
+        <a:xfrm>
+          <a:off x="0" y="0"/>
+          <a:ext cx="0" cy="0"/>
+          <a:chOff x="0" y="0"/>
+          <a:chExt cx="0" cy="0"/>
+        </a:xfrm>
+      </p:grpSpPr>
+      <p:sp>
+        <p:nvSpPr>
+          <p:cNvPr id="2" name="Title 1"/>
+          <p:cNvSpPr>
+            <a:spLocks noGrp="1"/>
+          </p:cNvSpPr>
+          <p:nvPr>
+            <p:ph type="title"/>
+          </p:nvPr>
+        </p:nvSpPr>
+        <p:spPr>
+          <a:xfrm>
+            <a:off x="457200" y="274638"/>
+            <a:ext cx="8229600" cy="1457180"/>
+          </a:xfrm>
+        </p:spPr>
+        <p:txBody>
+          <a:bodyPr>
+            <a:normAutofit/>
+          </a:bodyPr>
+          <a:lstStyle/>
+          <a:p>
+            <a:r>
+              <a:rPr lang="en-US" b="1" dirty="0"/>
+              <a:t>How to get setup to do store and phone </a:t>
+            </a:r>
+            <a:r>
+              <a:rPr lang="en-US" b="1" dirty="0" smtClean="0"/>
+              <a:t>development</a:t>
+            </a:r>
+            <a:endParaRPr lang="en-US" dirty="0"/>
+          </a:p>
+        </p:txBody>
+      </p:sp>
+      <p:sp>
+        <p:nvSpPr>
+          <p:cNvPr id="3" name="Content Placeholder 2"/>
+          <p:cNvSpPr>
+            <a:spLocks noGrp="1"/>
+          </p:cNvSpPr>
+          <p:nvPr>
+            <p:ph idx="1"/>
+          </p:nvPr>
+        </p:nvSpPr>
+        <p:spPr>
+          <a:xfrm>
+            <a:off x="457200" y="1828800"/>
+            <a:ext cx="8229600" cy="4297363"/>
+          </a:xfrm>
+        </p:spPr>
+        <p:txBody>
+          <a:bodyPr/>
+          <a:lstStyle/>
+          <a:p>
+            <a:r>
+              <a:rPr lang="en-US" u="sng" dirty="0">
+                <a:hlinkClick r:id="rId3"/>
+              </a:rPr>
+              <a:t>https://dev.windows.com/en-us</a:t>
+            </a:r>
+            <a:endParaRPr lang="en-US" dirty="0"/>
+          </a:p>
+          <a:p>
+            <a:r>
+              <a:rPr lang="en-US" u="sng" dirty="0">
+                <a:hlinkClick r:id="rId4"/>
+              </a:rPr>
+              <a:t>https://devcenterbenefits.windows.com/</a:t>
+            </a:r>
+            <a:endParaRPr lang="en-US" dirty="0"/>
+          </a:p>
+          <a:p>
+            <a:endParaRPr lang="en-US" dirty="0"/>
+          </a:p>
+        </p:txBody>
+      </p:sp>
+      <p:sp>
+        <p:nvSpPr>
+          <p:cNvPr id="4" name="Rectangle 3"/>
+          <p:cNvSpPr/>
+          <p:nvPr/>
+        </p:nvSpPr>
+        <p:spPr>
+          <a:xfrm>
+            <a:off x="2286000" y="2967335"/>
+            <a:ext cx="4572000" cy="923330"/>
+          </a:xfrm>
+          <a:prstGeom prst="rect">
+            <a:avLst/>
+          </a:prstGeom>
+        </p:spPr>
+        <p:txBody>
+          <a:bodyPr>
+            <a:spAutoFit/>
+          </a:bodyPr>
+          <a:lstStyle/>
+          <a:p>
+            <a:r>
+              <a:rPr lang="en-US" dirty="0">
+                <a:solidFill>
+                  <a:schemeClr val="bg1"/>
+                </a:solidFill>
+              </a:rPr>
+              <a:t>Sharing Code Across All Windows Desktop, Store and Phone Platforms, the Universe is Mine!</a:t>
+            </a:r>
+            <a:endParaRPr lang="en-US" dirty="0"/>
+          </a:p>
+        </p:txBody>
+      </p:sp>
+      <p:pic>
+        <p:nvPicPr>
+          <p:cNvPr id="5" name="Picture 4"/>
+          <p:cNvPicPr>
+            <a:picLocks noChangeAspect="1"/>
+          </p:cNvPicPr>
+          <p:nvPr/>
+        </p:nvPicPr>
+        <p:blipFill>
+          <a:blip r:embed="rId5">
+            <a:extLst>
+              <a:ext uri="{28A0092B-C50C-407E-A947-70E740481C1C}">
+                <a14:useLocalDpi xmlns:a14="http://schemas.microsoft.com/office/drawing/2010/main" val="0"/>
+              </a:ext>
+            </a:extLst>
+          </a:blip>
+          <a:stretch>
+            <a:fillRect/>
+          </a:stretch>
+        </p:blipFill>
+        <p:spPr>
+          <a:xfrm>
+            <a:off x="6556197" y="5918320"/>
+            <a:ext cx="2356206" cy="819150"/>
+          </a:xfrm>
+          <a:prstGeom prst="rect">
+            <a:avLst/>
+          </a:prstGeom>
+        </p:spPr>
+      </p:pic>
+    </p:spTree>
+    <p:extLst>
+      <p:ext uri="{BB962C8B-B14F-4D97-AF65-F5344CB8AC3E}">
+        <p14:creationId xmlns:p14="http://schemas.microsoft.com/office/powerpoint/2010/main" val="1617655650"/>
+      </p:ext>
+    </p:extLst>
+  </p:cSld>
+  <p:clrMapOvr>
+    <a:masterClrMapping/>
+  </p:clrMapOvr>
+  <p:timing>
+    <p:tnLst>
+      <p:par>
+        <p:cTn id="1" dur="indefinite" restart="never" nodeType="tmRoot"/>
+      </p:par>
+    </p:tnLst>
+  </p:timing>
+</p:sld>
+</file>
+
+<file path=ppt/slides/slide4.xml><?xml version="1.0" encoding="utf-8"?>
+<p:sld xmlns:a="http://schemas.openxmlformats.org/drawingml/2006/main" xmlns:r="http://schemas.openxmlformats.org/officeDocument/2006/relationships" xmlns:p="http://schemas.openxmlformats.org/presentationml/2006/main">
+  <p:cSld>
+    <p:spTree>
+      <p:nvGrpSpPr>
+        <p:cNvPr id="1" name=""/>
+        <p:cNvGrpSpPr/>
+        <p:nvPr/>
+      </p:nvGrpSpPr>
+      <p:grpSpPr>
+        <a:xfrm>
+          <a:off x="0" y="0"/>
+          <a:ext cx="0" cy="0"/>
+          <a:chOff x="0" y="0"/>
+          <a:chExt cx="0" cy="0"/>
+        </a:xfrm>
+      </p:grpSpPr>
+      <p:sp>
+        <p:nvSpPr>
+          <p:cNvPr id="2" name="Title 1"/>
+          <p:cNvSpPr>
+            <a:spLocks noGrp="1"/>
+          </p:cNvSpPr>
+          <p:nvPr>
+            <p:ph type="title"/>
+          </p:nvPr>
+        </p:nvSpPr>
+        <p:spPr/>
+        <p:txBody>
+          <a:bodyPr/>
+          <a:lstStyle/>
+          <a:p>
+            <a:r>
+              <a:rPr lang="en-US" dirty="0" smtClean="0"/>
+              <a:t>What is a Universal App </a:t>
+            </a:r>
+            <a:endParaRPr lang="en-US" dirty="0"/>
+          </a:p>
+        </p:txBody>
+      </p:sp>
+      <p:sp>
+        <p:nvSpPr>
+          <p:cNvPr id="4" name="Rectangle 3"/>
+          <p:cNvSpPr/>
+          <p:nvPr/>
+        </p:nvSpPr>
+        <p:spPr>
+          <a:xfrm>
+            <a:off x="2286000" y="2967335"/>
+            <a:ext cx="4572000" cy="923330"/>
+          </a:xfrm>
+          <a:prstGeom prst="rect">
+            <a:avLst/>
+          </a:prstGeom>
+        </p:spPr>
+        <p:txBody>
+          <a:bodyPr>
+            <a:spAutoFit/>
+          </a:bodyPr>
+          <a:lstStyle/>
+          <a:p>
+            <a:r>
+              <a:rPr lang="en-US" dirty="0">
+                <a:solidFill>
+                  <a:schemeClr val="bg1"/>
+                </a:solidFill>
+              </a:rPr>
+              <a:t>Sharing Code Across All Windows Desktop, Store and Phone Platforms, the Universe is Mine!</a:t>
+            </a:r>
+            <a:endParaRPr lang="en-US" dirty="0"/>
+          </a:p>
+        </p:txBody>
+      </p:sp>
+      <p:pic>
+        <p:nvPicPr>
+          <p:cNvPr id="5" name="Picture 4"/>
+          <p:cNvPicPr>
+            <a:picLocks noChangeAspect="1"/>
+          </p:cNvPicPr>
+          <p:nvPr/>
+        </p:nvPicPr>
+        <p:blipFill>
+          <a:blip r:embed="rId3">
+            <a:extLst>
+              <a:ext uri="{28A0092B-C50C-407E-A947-70E740481C1C}">
+                <a14:useLocalDpi xmlns:a14="http://schemas.microsoft.com/office/drawing/2010/main" val="0"/>
+              </a:ext>
+            </a:extLst>
+          </a:blip>
+          <a:stretch>
+            <a:fillRect/>
+          </a:stretch>
+        </p:blipFill>
+        <p:spPr>
+          <a:xfrm>
+            <a:off x="6556197" y="5918320"/>
+            <a:ext cx="2356206" cy="819150"/>
+          </a:xfrm>
+          <a:prstGeom prst="rect">
+            <a:avLst/>
+          </a:prstGeom>
+        </p:spPr>
+      </p:pic>
+      <p:pic>
+        <p:nvPicPr>
+          <p:cNvPr id="6" name="Picture 5" descr="Universal Diagram"/>
+          <p:cNvPicPr/>
+          <p:nvPr/>
+        </p:nvPicPr>
+        <p:blipFill>
+          <a:blip r:embed="rId4">
+            <a:extLst>
+              <a:ext uri="{28A0092B-C50C-407E-A947-70E740481C1C}">
+                <a14:useLocalDpi xmlns:a14="http://schemas.microsoft.com/office/drawing/2010/main" val="0"/>
+              </a:ext>
+            </a:extLst>
+          </a:blip>
+          <a:srcRect/>
+          <a:stretch>
+            <a:fillRect/>
+          </a:stretch>
+        </p:blipFill>
+        <p:spPr bwMode="auto">
+          <a:xfrm>
+            <a:off x="457200" y="2321998"/>
+            <a:ext cx="8229599" cy="3413760"/>
+          </a:xfrm>
+          <a:prstGeom prst="rect">
+            <a:avLst/>
+          </a:prstGeom>
+          <a:noFill/>
+          <a:ln>
+            <a:noFill/>
+          </a:ln>
+        </p:spPr>
+      </p:pic>
+    </p:spTree>
+    <p:extLst>
+      <p:ext uri="{BB962C8B-B14F-4D97-AF65-F5344CB8AC3E}">
+        <p14:creationId xmlns:p14="http://schemas.microsoft.com/office/powerpoint/2010/main" val="2196338582"/>
+      </p:ext>
+    </p:extLst>
+  </p:cSld>
+  <p:clrMapOvr>
+    <a:masterClrMapping/>
+  </p:clrMapOvr>
+  <p:timing>
+    <p:tnLst>
+      <p:par>
+        <p:cTn id="1" dur="indefinite" restart="never" nodeType="tmRoot"/>
+      </p:par>
+    </p:tnLst>
+  </p:timing>
+</p:sld>
+</file>
+
+<file path=ppt/slides/slide5.xml><?xml version="1.0" encoding="utf-8"?>
+<p:sld xmlns:a="http://schemas.openxmlformats.org/drawingml/2006/main" xmlns:r="http://schemas.openxmlformats.org/officeDocument/2006/relationships" xmlns:p="http://schemas.openxmlformats.org/presentationml/2006/main">
+  <p:cSld>
+    <p:spTree>
+      <p:nvGrpSpPr>
+        <p:cNvPr id="1" name=""/>
+        <p:cNvGrpSpPr/>
+        <p:nvPr/>
+      </p:nvGrpSpPr>
+      <p:grpSpPr>
+        <a:xfrm>
+          <a:off x="0" y="0"/>
+          <a:ext cx="0" cy="0"/>
+          <a:chOff x="0" y="0"/>
+          <a:chExt cx="0" cy="0"/>
+        </a:xfrm>
+      </p:grpSpPr>
+      <p:sp>
+        <p:nvSpPr>
+          <p:cNvPr id="2" name="Title 1"/>
+          <p:cNvSpPr>
+            <a:spLocks noGrp="1"/>
+          </p:cNvSpPr>
+          <p:nvPr>
+            <p:ph type="title"/>
+          </p:nvPr>
+        </p:nvSpPr>
+        <p:spPr/>
+        <p:txBody>
+          <a:bodyPr>
+            <a:normAutofit fontScale="90000"/>
+          </a:bodyPr>
+          <a:lstStyle/>
+          <a:p>
+            <a:r>
+              <a:rPr lang="en-US" b="1" dirty="0" smtClean="0"/>
+              <a:t>Tools for Phone development</a:t>
+            </a:r>
+            <a:r>
+              <a:rPr lang="en-US" b="1" dirty="0"/>
+              <a:t/>
+            </a:r>
+            <a:br>
+              <a:rPr lang="en-US" b="1" dirty="0"/>
+            </a:br>
+            <a:endParaRPr lang="en-US" dirty="0"/>
+          </a:p>
+        </p:txBody>
+      </p:sp>
+      <p:sp>
+        <p:nvSpPr>
+          <p:cNvPr id="3" name="Content Placeholder 2"/>
+          <p:cNvSpPr>
+            <a:spLocks noGrp="1"/>
+          </p:cNvSpPr>
+          <p:nvPr>
+            <p:ph idx="1"/>
+          </p:nvPr>
+        </p:nvSpPr>
+        <p:spPr/>
+        <p:txBody>
+          <a:bodyPr>
+            <a:normAutofit/>
+          </a:bodyPr>
+          <a:lstStyle/>
+          <a:p>
+            <a:r>
+              <a:rPr lang="en-US" b="1" dirty="0" smtClean="0"/>
+              <a:t>Windows </a:t>
+            </a:r>
+            <a:r>
+              <a:rPr lang="en-US" b="1" dirty="0"/>
+              <a:t>phone Power </a:t>
+            </a:r>
+            <a:r>
+              <a:rPr lang="en-US" b="1" dirty="0" smtClean="0"/>
+              <a:t>tools - </a:t>
+            </a:r>
+            <a:r>
+              <a:rPr lang="en-US" u="sng" dirty="0" smtClean="0">
+                <a:hlinkClick r:id="rId3"/>
+              </a:rPr>
+              <a:t>http</a:t>
+            </a:r>
+            <a:r>
+              <a:rPr lang="en-US" u="sng" dirty="0">
+                <a:hlinkClick r:id="rId3"/>
+              </a:rPr>
+              <a:t>://wptools.codeplex.com/</a:t>
+            </a:r>
+            <a:endParaRPr lang="en-US" dirty="0"/>
+          </a:p>
+          <a:p>
+            <a:r>
+              <a:rPr lang="en-US" b="1" dirty="0" err="1"/>
+              <a:t>Iso</a:t>
+            </a:r>
+            <a:r>
+              <a:rPr lang="en-US" b="1" dirty="0"/>
+              <a:t> Store </a:t>
+            </a:r>
+            <a:r>
+              <a:rPr lang="en-US" b="1" dirty="0" smtClean="0"/>
+              <a:t>Spy - </a:t>
+            </a:r>
+            <a:r>
+              <a:rPr lang="en-US" u="sng" dirty="0" smtClean="0">
+                <a:hlinkClick r:id="rId4"/>
+              </a:rPr>
+              <a:t>https</a:t>
+            </a:r>
+            <a:r>
+              <a:rPr lang="en-US" u="sng" dirty="0">
+                <a:hlinkClick r:id="rId4"/>
+              </a:rPr>
+              <a:t>://isostorespy.codeplex.com/</a:t>
+            </a:r>
+            <a:endParaRPr lang="en-US" dirty="0"/>
+          </a:p>
+          <a:p>
+            <a:r>
+              <a:rPr lang="en-US" b="1" dirty="0" err="1"/>
+              <a:t>Xaml</a:t>
+            </a:r>
+            <a:r>
+              <a:rPr lang="en-US" b="1" dirty="0"/>
+              <a:t> </a:t>
+            </a:r>
+            <a:r>
+              <a:rPr lang="en-US" b="1" dirty="0" smtClean="0"/>
+              <a:t>Spy - </a:t>
+            </a:r>
+            <a:r>
+              <a:rPr lang="en-US" u="sng" dirty="0" smtClean="0">
+                <a:hlinkClick r:id="rId5"/>
+              </a:rPr>
+              <a:t>http</a:t>
+            </a:r>
+            <a:r>
+              <a:rPr lang="en-US" u="sng" dirty="0">
+                <a:hlinkClick r:id="rId5"/>
+              </a:rPr>
+              <a:t>://xamlspy.com/</a:t>
+            </a:r>
+            <a:endParaRPr lang="en-US" dirty="0"/>
+          </a:p>
+          <a:p>
+            <a:r>
+              <a:rPr lang="en-US" dirty="0"/>
+              <a:t>I have not done much with this tool yet but having access to how the </a:t>
+            </a:r>
+            <a:r>
+              <a:rPr lang="en-US" dirty="0" err="1"/>
+              <a:t>xaml</a:t>
+            </a:r>
+            <a:r>
+              <a:rPr lang="en-US" dirty="0"/>
+              <a:t> tree is created can help understand what is happening.</a:t>
+            </a:r>
+          </a:p>
+          <a:p>
+            <a:endParaRPr lang="en-US" dirty="0"/>
+          </a:p>
+        </p:txBody>
+      </p:sp>
+      <p:pic>
+        <p:nvPicPr>
+          <p:cNvPr id="5" name="Picture 4"/>
+          <p:cNvPicPr>
+            <a:picLocks noChangeAspect="1"/>
+          </p:cNvPicPr>
+          <p:nvPr/>
+        </p:nvPicPr>
+        <p:blipFill>
+          <a:blip r:embed="rId6">
+            <a:extLst>
+              <a:ext uri="{28A0092B-C50C-407E-A947-70E740481C1C}">
+                <a14:useLocalDpi xmlns:a14="http://schemas.microsoft.com/office/drawing/2010/main" val="0"/>
+              </a:ext>
+            </a:extLst>
+          </a:blip>
+          <a:stretch>
+            <a:fillRect/>
+          </a:stretch>
+        </p:blipFill>
+        <p:spPr>
+          <a:xfrm>
+            <a:off x="6556197" y="5918320"/>
+            <a:ext cx="2356206" cy="819150"/>
+          </a:xfrm>
+          <a:prstGeom prst="rect">
+            <a:avLst/>
+          </a:prstGeom>
+        </p:spPr>
+      </p:pic>
+    </p:spTree>
+    <p:extLst>
+      <p:ext uri="{BB962C8B-B14F-4D97-AF65-F5344CB8AC3E}">
+        <p14:creationId xmlns:p14="http://schemas.microsoft.com/office/powerpoint/2010/main" val="454501356"/>
+      </p:ext>
+    </p:extLst>
+  </p:cSld>
+  <p:clrMapOvr>
+    <a:masterClrMapping/>
+  </p:clrMapOvr>
+  <p:timing>
+    <p:tnLst>
+      <p:par>
+        <p:cTn id="1" dur="indefinite" restart="never" nodeType="tmRoot"/>
+      </p:par>
+    </p:tnLst>
+  </p:timing>
+</p:sld>
+</file>
+
+<file path=ppt/slides/slide6.xml><?xml version="1.0" encoding="utf-8"?>
 <p:sld xmlns:a="http://schemas.openxmlformats.org/drawingml/2006/main" xmlns:r="http://schemas.openxmlformats.org/officeDocument/2006/relationships" xmlns:p="http://schemas.openxmlformats.org/presentationml/2006/main">
   <p:cSld>
     <p:spTree>
@@ -9288,7 +9894,7 @@
 </p:sld>
 </file>
 
-<file path=ppt/slides/slide8.xml><?xml version="1.0" encoding="utf-8"?>
+<file path=ppt/slides/slide7.xml><?xml version="1.0" encoding="utf-8"?>
 <p:sld xmlns:a="http://schemas.openxmlformats.org/drawingml/2006/main" xmlns:r="http://schemas.openxmlformats.org/officeDocument/2006/relationships" xmlns:p="http://schemas.openxmlformats.org/presentationml/2006/main">
   <p:cSld>
     <p:spTree>
@@ -9448,7 +10054,7 @@
 </p:sld>
 </file>
 
-<file path=ppt/slides/slide9.xml><?xml version="1.0" encoding="utf-8"?>
+<file path=ppt/slides/slide8.xml><?xml version="1.0" encoding="utf-8"?>
 <p:sld xmlns:a="http://schemas.openxmlformats.org/drawingml/2006/main" xmlns:r="http://schemas.openxmlformats.org/officeDocument/2006/relationships" xmlns:p="http://schemas.openxmlformats.org/presentationml/2006/main">
   <p:cSld>
     <p:spTree>
@@ -9546,6 +10152,124 @@
     <p:extLst>
       <p:ext uri="{BB962C8B-B14F-4D97-AF65-F5344CB8AC3E}">
         <p14:creationId xmlns:p14="http://schemas.microsoft.com/office/powerpoint/2010/main" val="4125215241"/>
+      </p:ext>
+    </p:extLst>
+  </p:cSld>
+  <p:clrMapOvr>
+    <a:masterClrMapping/>
+  </p:clrMapOvr>
+  <p:timing>
+    <p:tnLst>
+      <p:par>
+        <p:cTn id="1" dur="indefinite" restart="never" nodeType="tmRoot"/>
+      </p:par>
+    </p:tnLst>
+  </p:timing>
+</p:sld>
+</file>
+
+<file path=ppt/slides/slide9.xml><?xml version="1.0" encoding="utf-8"?>
+<p:sld xmlns:a="http://schemas.openxmlformats.org/drawingml/2006/main" xmlns:r="http://schemas.openxmlformats.org/officeDocument/2006/relationships" xmlns:p="http://schemas.openxmlformats.org/presentationml/2006/main">
+  <p:cSld>
+    <p:spTree>
+      <p:nvGrpSpPr>
+        <p:cNvPr id="1" name=""/>
+        <p:cNvGrpSpPr/>
+        <p:nvPr/>
+      </p:nvGrpSpPr>
+      <p:grpSpPr>
+        <a:xfrm>
+          <a:off x="0" y="0"/>
+          <a:ext cx="0" cy="0"/>
+          <a:chOff x="0" y="0"/>
+          <a:chExt cx="0" cy="0"/>
+        </a:xfrm>
+      </p:grpSpPr>
+      <p:sp>
+        <p:nvSpPr>
+          <p:cNvPr id="2" name="Title 1"/>
+          <p:cNvSpPr>
+            <a:spLocks noGrp="1"/>
+          </p:cNvSpPr>
+          <p:nvPr>
+            <p:ph type="title"/>
+          </p:nvPr>
+        </p:nvSpPr>
+        <p:spPr/>
+        <p:txBody>
+          <a:bodyPr>
+            <a:normAutofit fontScale="90000"/>
+          </a:bodyPr>
+          <a:lstStyle/>
+          <a:p>
+            <a:r>
+              <a:rPr lang="en-US" dirty="0" smtClean="0"/>
+              <a:t>Add phone support existing store app</a:t>
+            </a:r>
+            <a:endParaRPr lang="en-US" dirty="0"/>
+          </a:p>
+        </p:txBody>
+      </p:sp>
+      <p:pic>
+        <p:nvPicPr>
+          <p:cNvPr id="4" name="Content Placeholder 3"/>
+          <p:cNvPicPr>
+            <a:picLocks noGrp="1" noChangeAspect="1"/>
+          </p:cNvPicPr>
+          <p:nvPr>
+            <p:ph idx="1"/>
+          </p:nvPr>
+        </p:nvPicPr>
+        <p:blipFill>
+          <a:blip r:embed="rId3"/>
+          <a:stretch>
+            <a:fillRect/>
+          </a:stretch>
+        </p:blipFill>
+        <p:spPr>
+          <a:xfrm>
+            <a:off x="457200" y="1648925"/>
+            <a:ext cx="8102036" cy="2743461"/>
+          </a:xfrm>
+          <a:prstGeom prst="rect">
+            <a:avLst/>
+          </a:prstGeom>
+        </p:spPr>
+      </p:pic>
+      <p:pic>
+        <p:nvPicPr>
+          <p:cNvPr id="5" name="Picture 4"/>
+          <p:cNvPicPr>
+            <a:picLocks noChangeAspect="1"/>
+          </p:cNvPicPr>
+          <p:nvPr/>
+        </p:nvPicPr>
+        <p:blipFill>
+          <a:blip r:embed="rId4">
+            <a:extLst>
+              <a:ext uri="{28A0092B-C50C-407E-A947-70E740481C1C}">
+                <a14:useLocalDpi xmlns:a14="http://schemas.microsoft.com/office/drawing/2010/main" val="0"/>
+              </a:ext>
+            </a:extLst>
+          </a:blip>
+          <a:stretch>
+            <a:fillRect/>
+          </a:stretch>
+        </p:blipFill>
+        <p:spPr>
+          <a:xfrm>
+            <a:off x="6556197" y="5918320"/>
+            <a:ext cx="2356206" cy="819150"/>
+          </a:xfrm>
+          <a:prstGeom prst="rect">
+            <a:avLst/>
+          </a:prstGeom>
+        </p:spPr>
+      </p:pic>
+    </p:spTree>
+    <p:extLst>
+      <p:ext uri="{BB962C8B-B14F-4D97-AF65-F5344CB8AC3E}">
+        <p14:creationId xmlns:p14="http://schemas.microsoft.com/office/powerpoint/2010/main" val="3407941427"/>
       </p:ext>
     </p:extLst>
   </p:cSld>

--- a/ReCon2014_UniversalAppPortalClassLibraries_Light.pptx
+++ b/ReCon2014_UniversalAppPortalClassLibraries_Light.pptx
@@ -13,17 +13,17 @@
     <p:sldId id="259" r:id="rId4"/>
     <p:sldId id="258" r:id="rId5"/>
     <p:sldId id="266" r:id="rId6"/>
-    <p:sldId id="261" r:id="rId7"/>
-    <p:sldId id="264" r:id="rId8"/>
-    <p:sldId id="271" r:id="rId9"/>
-    <p:sldId id="272" r:id="rId10"/>
-    <p:sldId id="262" r:id="rId11"/>
-    <p:sldId id="263" r:id="rId12"/>
-    <p:sldId id="260" r:id="rId13"/>
-    <p:sldId id="270" r:id="rId14"/>
-    <p:sldId id="265" r:id="rId15"/>
-    <p:sldId id="269" r:id="rId16"/>
-    <p:sldId id="268" r:id="rId17"/>
+    <p:sldId id="268" r:id="rId7"/>
+    <p:sldId id="269" r:id="rId8"/>
+    <p:sldId id="261" r:id="rId9"/>
+    <p:sldId id="264" r:id="rId10"/>
+    <p:sldId id="271" r:id="rId11"/>
+    <p:sldId id="272" r:id="rId12"/>
+    <p:sldId id="262" r:id="rId13"/>
+    <p:sldId id="263" r:id="rId14"/>
+    <p:sldId id="260" r:id="rId15"/>
+    <p:sldId id="270" r:id="rId16"/>
+    <p:sldId id="265" r:id="rId17"/>
     <p:sldId id="267" r:id="rId18"/>
     <p:sldId id="273" r:id="rId19"/>
     <p:sldId id="275" r:id="rId20"/>
@@ -1003,7 +1003,7 @@
           <a:p>
             <a:fld id="{795A654D-6BE0-48C1-8457-36B06568CB66}" type="slidenum">
               <a:rPr lang="en-US" smtClean="0"/>
-              <a:t>10</a:t>
+              <a:t>12</a:t>
             </a:fld>
             <a:endParaRPr lang="en-US"/>
           </a:p>
@@ -1384,7 +1384,7 @@
           <a:p>
             <a:fld id="{795A654D-6BE0-48C1-8457-36B06568CB66}" type="slidenum">
               <a:rPr lang="en-US" smtClean="0"/>
-              <a:t>11</a:t>
+              <a:t>13</a:t>
             </a:fld>
             <a:endParaRPr lang="en-US"/>
           </a:p>
@@ -1654,7 +1654,7 @@
           <a:p>
             <a:fld id="{795A654D-6BE0-48C1-8457-36B06568CB66}" type="slidenum">
               <a:rPr lang="en-US" smtClean="0"/>
-              <a:t>12</a:t>
+              <a:t>14</a:t>
             </a:fld>
             <a:endParaRPr lang="en-US"/>
           </a:p>
@@ -1738,7 +1738,7 @@
           <a:p>
             <a:fld id="{795A654D-6BE0-48C1-8457-36B06568CB66}" type="slidenum">
               <a:rPr lang="en-US" smtClean="0"/>
-              <a:t>14</a:t>
+              <a:t>16</a:t>
             </a:fld>
             <a:endParaRPr lang="en-US"/>
           </a:p>
@@ -1748,6 +1748,876 @@
     <p:extLst>
       <p:ext uri="{BB962C8B-B14F-4D97-AF65-F5344CB8AC3E}">
         <p14:creationId xmlns:p14="http://schemas.microsoft.com/office/powerpoint/2010/main" val="2855237771"/>
+      </p:ext>
+    </p:extLst>
+  </p:cSld>
+  <p:clrMapOvr>
+    <a:masterClrMapping/>
+  </p:clrMapOvr>
+</p:notes>
+</file>
+
+<file path=ppt/notesSlides/notesSlide14.xml><?xml version="1.0" encoding="utf-8"?>
+<p:notes xmlns:a="http://schemas.openxmlformats.org/drawingml/2006/main" xmlns:r="http://schemas.openxmlformats.org/officeDocument/2006/relationships" xmlns:p="http://schemas.openxmlformats.org/presentationml/2006/main">
+  <p:cSld>
+    <p:spTree>
+      <p:nvGrpSpPr>
+        <p:cNvPr id="1" name=""/>
+        <p:cNvGrpSpPr/>
+        <p:nvPr/>
+      </p:nvGrpSpPr>
+      <p:grpSpPr>
+        <a:xfrm>
+          <a:off x="0" y="0"/>
+          <a:ext cx="0" cy="0"/>
+          <a:chOff x="0" y="0"/>
+          <a:chExt cx="0" cy="0"/>
+        </a:xfrm>
+      </p:grpSpPr>
+      <p:sp>
+        <p:nvSpPr>
+          <p:cNvPr id="2" name="Slide Image Placeholder 1"/>
+          <p:cNvSpPr>
+            <a:spLocks noGrp="1" noRot="1" noChangeAspect="1"/>
+          </p:cNvSpPr>
+          <p:nvPr>
+            <p:ph type="sldImg"/>
+          </p:nvPr>
+        </p:nvSpPr>
+        <p:spPr/>
+      </p:sp>
+      <p:sp>
+        <p:nvSpPr>
+          <p:cNvPr id="3" name="Notes Placeholder 2"/>
+          <p:cNvSpPr>
+            <a:spLocks noGrp="1"/>
+          </p:cNvSpPr>
+          <p:nvPr>
+            <p:ph type="body" idx="1"/>
+          </p:nvPr>
+        </p:nvSpPr>
+        <p:spPr/>
+        <p:txBody>
+          <a:bodyPr/>
+          <a:lstStyle/>
+          <a:p>
+            <a:endParaRPr lang="en-US" dirty="0"/>
+          </a:p>
+        </p:txBody>
+      </p:sp>
+      <p:sp>
+        <p:nvSpPr>
+          <p:cNvPr id="4" name="Slide Number Placeholder 3"/>
+          <p:cNvSpPr>
+            <a:spLocks noGrp="1"/>
+          </p:cNvSpPr>
+          <p:nvPr>
+            <p:ph type="sldNum" sz="quarter" idx="10"/>
+          </p:nvPr>
+        </p:nvSpPr>
+        <p:spPr/>
+        <p:txBody>
+          <a:bodyPr/>
+          <a:lstStyle/>
+          <a:p>
+            <a:fld id="{795A654D-6BE0-48C1-8457-36B06568CB66}" type="slidenum">
+              <a:rPr lang="en-US" smtClean="0"/>
+              <a:t>17</a:t>
+            </a:fld>
+            <a:endParaRPr lang="en-US"/>
+          </a:p>
+        </p:txBody>
+      </p:sp>
+    </p:spTree>
+    <p:extLst>
+      <p:ext uri="{BB962C8B-B14F-4D97-AF65-F5344CB8AC3E}">
+        <p14:creationId xmlns:p14="http://schemas.microsoft.com/office/powerpoint/2010/main" val="3035576610"/>
+      </p:ext>
+    </p:extLst>
+  </p:cSld>
+  <p:clrMapOvr>
+    <a:masterClrMapping/>
+  </p:clrMapOvr>
+</p:notes>
+</file>
+
+<file path=ppt/notesSlides/notesSlide15.xml><?xml version="1.0" encoding="utf-8"?>
+<p:notes xmlns:a="http://schemas.openxmlformats.org/drawingml/2006/main" xmlns:r="http://schemas.openxmlformats.org/officeDocument/2006/relationships" xmlns:p="http://schemas.openxmlformats.org/presentationml/2006/main">
+  <p:cSld>
+    <p:spTree>
+      <p:nvGrpSpPr>
+        <p:cNvPr id="1" name=""/>
+        <p:cNvGrpSpPr/>
+        <p:nvPr/>
+      </p:nvGrpSpPr>
+      <p:grpSpPr>
+        <a:xfrm>
+          <a:off x="0" y="0"/>
+          <a:ext cx="0" cy="0"/>
+          <a:chOff x="0" y="0"/>
+          <a:chExt cx="0" cy="0"/>
+        </a:xfrm>
+      </p:grpSpPr>
+      <p:sp>
+        <p:nvSpPr>
+          <p:cNvPr id="2" name="Slide Image Placeholder 1"/>
+          <p:cNvSpPr>
+            <a:spLocks noGrp="1" noRot="1" noChangeAspect="1"/>
+          </p:cNvSpPr>
+          <p:nvPr>
+            <p:ph type="sldImg"/>
+          </p:nvPr>
+        </p:nvSpPr>
+        <p:spPr/>
+      </p:sp>
+      <p:sp>
+        <p:nvSpPr>
+          <p:cNvPr id="3" name="Notes Placeholder 2"/>
+          <p:cNvSpPr>
+            <a:spLocks noGrp="1"/>
+          </p:cNvSpPr>
+          <p:nvPr>
+            <p:ph type="body" idx="1"/>
+          </p:nvPr>
+        </p:nvSpPr>
+        <p:spPr/>
+        <p:txBody>
+          <a:bodyPr/>
+          <a:lstStyle/>
+          <a:p>
+            <a:r>
+              <a:rPr lang="en-US" sz="1200" kern="1200" dirty="0" smtClean="0">
+                <a:solidFill>
+                  <a:schemeClr val="tx1"/>
+                </a:solidFill>
+                <a:effectLst/>
+                <a:latin typeface="+mn-lt"/>
+                <a:ea typeface="+mn-ea"/>
+                <a:cs typeface="+mn-cs"/>
+              </a:rPr>
+              <a:t>WPF, Silverlight, </a:t>
+            </a:r>
+          </a:p>
+          <a:p>
+            <a:r>
+              <a:rPr lang="en-US" sz="1200" u="sng" kern="1200" dirty="0" smtClean="0">
+                <a:solidFill>
+                  <a:schemeClr val="tx1"/>
+                </a:solidFill>
+                <a:effectLst/>
+                <a:latin typeface="+mn-lt"/>
+                <a:ea typeface="+mn-ea"/>
+                <a:cs typeface="+mn-cs"/>
+                <a:hlinkClick r:id="rId3"/>
+              </a:rPr>
+              <a:t>http://msdn.microsoft.com/en-us/library/system.windows.data.ivalueconverter(v=vs.110).aspx</a:t>
+            </a:r>
+            <a:endParaRPr lang="en-US" sz="1200" kern="1200" dirty="0" smtClean="0">
+              <a:solidFill>
+                <a:schemeClr val="tx1"/>
+              </a:solidFill>
+              <a:effectLst/>
+              <a:latin typeface="+mn-lt"/>
+              <a:ea typeface="+mn-ea"/>
+              <a:cs typeface="+mn-cs"/>
+            </a:endParaRPr>
+          </a:p>
+          <a:p>
+            <a:r>
+              <a:rPr lang="en-US" sz="1200" kern="1200" dirty="0" smtClean="0">
+                <a:solidFill>
+                  <a:schemeClr val="tx1"/>
+                </a:solidFill>
+                <a:effectLst/>
+                <a:latin typeface="+mn-lt"/>
+                <a:ea typeface="+mn-ea"/>
+                <a:cs typeface="+mn-cs"/>
+              </a:rPr>
+              <a:t>Windows Store, phone documentation</a:t>
+            </a:r>
+          </a:p>
+          <a:p>
+            <a:r>
+              <a:rPr lang="en-US" sz="1200" u="sng" kern="1200" dirty="0" smtClean="0">
+                <a:solidFill>
+                  <a:schemeClr val="tx1"/>
+                </a:solidFill>
+                <a:effectLst/>
+                <a:latin typeface="+mn-lt"/>
+                <a:ea typeface="+mn-ea"/>
+                <a:cs typeface="+mn-cs"/>
+                <a:hlinkClick r:id="rId4"/>
+              </a:rPr>
+              <a:t>http://msdn.microsoft.com/en-US/library/windows/apps/windows.ui.xaml.data.ivalueconverter.aspx</a:t>
+            </a:r>
+            <a:endParaRPr lang="en-US" sz="1200" kern="1200" dirty="0" smtClean="0">
+              <a:solidFill>
+                <a:schemeClr val="tx1"/>
+              </a:solidFill>
+              <a:effectLst/>
+              <a:latin typeface="+mn-lt"/>
+              <a:ea typeface="+mn-ea"/>
+              <a:cs typeface="+mn-cs"/>
+            </a:endParaRPr>
+          </a:p>
+          <a:p>
+            <a:r>
+              <a:rPr lang="en-US" sz="1200" kern="1200" dirty="0" smtClean="0">
+                <a:solidFill>
+                  <a:schemeClr val="tx1"/>
+                </a:solidFill>
+                <a:effectLst/>
+                <a:latin typeface="+mn-lt"/>
+                <a:ea typeface="+mn-ea"/>
+                <a:cs typeface="+mn-cs"/>
+              </a:rPr>
+              <a:t> </a:t>
+            </a:r>
+          </a:p>
+          <a:p>
+            <a:r>
+              <a:rPr lang="en-US" sz="1200" kern="1200" dirty="0" err="1" smtClean="0">
+                <a:solidFill>
+                  <a:schemeClr val="tx1"/>
+                </a:solidFill>
+                <a:effectLst/>
+                <a:latin typeface="+mn-lt"/>
+                <a:ea typeface="+mn-ea"/>
+                <a:cs typeface="+mn-cs"/>
+              </a:rPr>
+              <a:t>IValueConverter</a:t>
+            </a:r>
+            <a:r>
+              <a:rPr lang="en-US" sz="1200" kern="1200" dirty="0" smtClean="0">
+                <a:solidFill>
+                  <a:schemeClr val="tx1"/>
+                </a:solidFill>
+                <a:effectLst/>
+                <a:latin typeface="+mn-lt"/>
+                <a:ea typeface="+mn-ea"/>
+                <a:cs typeface="+mn-cs"/>
+              </a:rPr>
+              <a:t> – </a:t>
+            </a:r>
+            <a:r>
+              <a:rPr lang="en-US" sz="1200" kern="1200" dirty="0" err="1" smtClean="0">
+                <a:solidFill>
+                  <a:schemeClr val="tx1"/>
+                </a:solidFill>
+                <a:effectLst/>
+                <a:latin typeface="+mn-lt"/>
+                <a:ea typeface="+mn-ea"/>
+                <a:cs typeface="+mn-cs"/>
+              </a:rPr>
+              <a:t>Xaml</a:t>
+            </a:r>
+            <a:r>
+              <a:rPr lang="en-US" sz="1200" kern="1200" dirty="0" smtClean="0">
+                <a:solidFill>
+                  <a:schemeClr val="tx1"/>
+                </a:solidFill>
+                <a:effectLst/>
+                <a:latin typeface="+mn-lt"/>
+                <a:ea typeface="+mn-ea"/>
+                <a:cs typeface="+mn-cs"/>
+              </a:rPr>
+              <a:t> is a mess between versions of </a:t>
+            </a:r>
+            <a:r>
+              <a:rPr lang="en-US" sz="1200" kern="1200" dirty="0" err="1" smtClean="0">
+                <a:solidFill>
+                  <a:schemeClr val="tx1"/>
+                </a:solidFill>
+                <a:effectLst/>
+                <a:latin typeface="+mn-lt"/>
+                <a:ea typeface="+mn-ea"/>
+                <a:cs typeface="+mn-cs"/>
+              </a:rPr>
+              <a:t>.net</a:t>
+            </a:r>
+            <a:r>
+              <a:rPr lang="en-US" sz="1200" kern="1200" dirty="0" smtClean="0">
+                <a:solidFill>
+                  <a:schemeClr val="tx1"/>
+                </a:solidFill>
+                <a:effectLst/>
+                <a:latin typeface="+mn-lt"/>
+                <a:ea typeface="+mn-ea"/>
+                <a:cs typeface="+mn-cs"/>
+              </a:rPr>
+              <a:t> and platforms.</a:t>
+            </a:r>
+          </a:p>
+          <a:p>
+            <a:r>
+              <a:rPr lang="en-US" sz="1200" kern="1200" dirty="0" smtClean="0">
+                <a:solidFill>
+                  <a:schemeClr val="tx1"/>
+                </a:solidFill>
+                <a:effectLst/>
+                <a:latin typeface="+mn-lt"/>
+                <a:ea typeface="+mn-ea"/>
+                <a:cs typeface="+mn-cs"/>
+              </a:rPr>
+              <a:t>Windows phone and store use an </a:t>
+            </a:r>
+            <a:r>
+              <a:rPr lang="en-US" sz="1200" kern="1200" dirty="0" err="1" smtClean="0">
+                <a:solidFill>
+                  <a:schemeClr val="tx1"/>
+                </a:solidFill>
+                <a:effectLst/>
+                <a:latin typeface="+mn-lt"/>
+                <a:ea typeface="+mn-ea"/>
+                <a:cs typeface="+mn-cs"/>
+              </a:rPr>
+              <a:t>IValueConverter</a:t>
+            </a:r>
+            <a:r>
+              <a:rPr lang="en-US" sz="1200" kern="1200" dirty="0" smtClean="0">
+                <a:solidFill>
+                  <a:schemeClr val="tx1"/>
+                </a:solidFill>
+                <a:effectLst/>
+                <a:latin typeface="+mn-lt"/>
+                <a:ea typeface="+mn-ea"/>
+                <a:cs typeface="+mn-cs"/>
+              </a:rPr>
+              <a:t> defined below</a:t>
+            </a:r>
+          </a:p>
+          <a:p>
+            <a:r>
+              <a:rPr lang="en-US" sz="1200" kern="1200" dirty="0" smtClean="0">
+                <a:solidFill>
+                  <a:schemeClr val="tx1"/>
+                </a:solidFill>
+                <a:effectLst/>
+                <a:latin typeface="+mn-lt"/>
+                <a:ea typeface="+mn-ea"/>
+                <a:cs typeface="+mn-cs"/>
+              </a:rPr>
+              <a:t>object Convert(object value, Type </a:t>
+            </a:r>
+            <a:r>
+              <a:rPr lang="en-US" sz="1200" kern="1200" dirty="0" err="1" smtClean="0">
+                <a:solidFill>
+                  <a:schemeClr val="tx1"/>
+                </a:solidFill>
+                <a:effectLst/>
+                <a:latin typeface="+mn-lt"/>
+                <a:ea typeface="+mn-ea"/>
+                <a:cs typeface="+mn-cs"/>
+              </a:rPr>
+              <a:t>targetType</a:t>
+            </a:r>
+            <a:r>
+              <a:rPr lang="en-US" sz="1200" kern="1200" dirty="0" smtClean="0">
+                <a:solidFill>
+                  <a:schemeClr val="tx1"/>
+                </a:solidFill>
+                <a:effectLst/>
+                <a:latin typeface="+mn-lt"/>
+                <a:ea typeface="+mn-ea"/>
+                <a:cs typeface="+mn-cs"/>
+              </a:rPr>
+              <a:t>, object parameter, string language);</a:t>
+            </a:r>
+          </a:p>
+          <a:p>
+            <a:r>
+              <a:rPr lang="en-US" sz="1200" kern="1200" dirty="0" smtClean="0">
+                <a:solidFill>
+                  <a:schemeClr val="tx1"/>
+                </a:solidFill>
+                <a:effectLst/>
+                <a:latin typeface="+mn-lt"/>
+                <a:ea typeface="+mn-ea"/>
+                <a:cs typeface="+mn-cs"/>
+              </a:rPr>
+              <a:t>object </a:t>
+            </a:r>
+            <a:r>
+              <a:rPr lang="en-US" sz="1200" kern="1200" dirty="0" err="1" smtClean="0">
+                <a:solidFill>
+                  <a:schemeClr val="tx1"/>
+                </a:solidFill>
+                <a:effectLst/>
+                <a:latin typeface="+mn-lt"/>
+                <a:ea typeface="+mn-ea"/>
+                <a:cs typeface="+mn-cs"/>
+              </a:rPr>
+              <a:t>ConvertBack</a:t>
+            </a:r>
+            <a:r>
+              <a:rPr lang="en-US" sz="1200" kern="1200" dirty="0" smtClean="0">
+                <a:solidFill>
+                  <a:schemeClr val="tx1"/>
+                </a:solidFill>
+                <a:effectLst/>
+                <a:latin typeface="+mn-lt"/>
+                <a:ea typeface="+mn-ea"/>
+                <a:cs typeface="+mn-cs"/>
+              </a:rPr>
+              <a:t>(object value, Type </a:t>
+            </a:r>
+            <a:r>
+              <a:rPr lang="en-US" sz="1200" kern="1200" dirty="0" err="1" smtClean="0">
+                <a:solidFill>
+                  <a:schemeClr val="tx1"/>
+                </a:solidFill>
+                <a:effectLst/>
+                <a:latin typeface="+mn-lt"/>
+                <a:ea typeface="+mn-ea"/>
+                <a:cs typeface="+mn-cs"/>
+              </a:rPr>
+              <a:t>targetType</a:t>
+            </a:r>
+            <a:r>
+              <a:rPr lang="en-US" sz="1200" kern="1200" dirty="0" smtClean="0">
+                <a:solidFill>
+                  <a:schemeClr val="tx1"/>
+                </a:solidFill>
+                <a:effectLst/>
+                <a:latin typeface="+mn-lt"/>
+                <a:ea typeface="+mn-ea"/>
+                <a:cs typeface="+mn-cs"/>
+              </a:rPr>
+              <a:t>, object parameter, string language);</a:t>
+            </a:r>
+          </a:p>
+          <a:p>
+            <a:r>
+              <a:rPr lang="en-US" sz="1200" kern="1200" dirty="0" smtClean="0">
+                <a:solidFill>
+                  <a:schemeClr val="tx1"/>
+                </a:solidFill>
+                <a:effectLst/>
+                <a:latin typeface="+mn-lt"/>
+                <a:ea typeface="+mn-ea"/>
+                <a:cs typeface="+mn-cs"/>
+              </a:rPr>
+              <a:t> </a:t>
+            </a:r>
+          </a:p>
+          <a:p>
+            <a:r>
+              <a:rPr lang="en-US" sz="1200" kern="1200" dirty="0" smtClean="0">
+                <a:solidFill>
+                  <a:schemeClr val="tx1"/>
+                </a:solidFill>
+                <a:effectLst/>
+                <a:latin typeface="+mn-lt"/>
+                <a:ea typeface="+mn-ea"/>
+                <a:cs typeface="+mn-cs"/>
+              </a:rPr>
+              <a:t>But WPF and Silverlight phone is defined this way</a:t>
+            </a:r>
+          </a:p>
+          <a:p>
+            <a:r>
+              <a:rPr lang="en-US" sz="1200" kern="1200" dirty="0" smtClean="0">
+                <a:solidFill>
+                  <a:schemeClr val="tx1"/>
+                </a:solidFill>
+                <a:effectLst/>
+                <a:latin typeface="+mn-lt"/>
+                <a:ea typeface="+mn-ea"/>
+                <a:cs typeface="+mn-cs"/>
+              </a:rPr>
+              <a:t>object Convert(object value, Type </a:t>
+            </a:r>
+            <a:r>
+              <a:rPr lang="en-US" sz="1200" kern="1200" dirty="0" err="1" smtClean="0">
+                <a:solidFill>
+                  <a:schemeClr val="tx1"/>
+                </a:solidFill>
+                <a:effectLst/>
+                <a:latin typeface="+mn-lt"/>
+                <a:ea typeface="+mn-ea"/>
+                <a:cs typeface="+mn-cs"/>
+              </a:rPr>
+              <a:t>targetType</a:t>
+            </a:r>
+            <a:r>
+              <a:rPr lang="en-US" sz="1200" kern="1200" dirty="0" smtClean="0">
+                <a:solidFill>
+                  <a:schemeClr val="tx1"/>
+                </a:solidFill>
+                <a:effectLst/>
+                <a:latin typeface="+mn-lt"/>
+                <a:ea typeface="+mn-ea"/>
+                <a:cs typeface="+mn-cs"/>
+              </a:rPr>
+              <a:t>, object parameter, </a:t>
+            </a:r>
+            <a:r>
+              <a:rPr lang="en-US" sz="1200" kern="1200" dirty="0" err="1" smtClean="0">
+                <a:solidFill>
+                  <a:schemeClr val="tx1"/>
+                </a:solidFill>
+                <a:effectLst/>
+                <a:latin typeface="+mn-lt"/>
+                <a:ea typeface="+mn-ea"/>
+                <a:cs typeface="+mn-cs"/>
+              </a:rPr>
+              <a:t>CultureInfo</a:t>
+            </a:r>
+            <a:r>
+              <a:rPr lang="en-US" sz="1200" kern="1200" dirty="0" smtClean="0">
+                <a:solidFill>
+                  <a:schemeClr val="tx1"/>
+                </a:solidFill>
+                <a:effectLst/>
+                <a:latin typeface="+mn-lt"/>
+                <a:ea typeface="+mn-ea"/>
+                <a:cs typeface="+mn-cs"/>
+              </a:rPr>
+              <a:t> culture);</a:t>
+            </a:r>
+          </a:p>
+          <a:p>
+            <a:r>
+              <a:rPr lang="en-US" sz="1200" kern="1200" dirty="0" smtClean="0">
+                <a:solidFill>
+                  <a:schemeClr val="tx1"/>
+                </a:solidFill>
+                <a:effectLst/>
+                <a:latin typeface="+mn-lt"/>
+                <a:ea typeface="+mn-ea"/>
+                <a:cs typeface="+mn-cs"/>
+              </a:rPr>
+              <a:t>object </a:t>
+            </a:r>
+            <a:r>
+              <a:rPr lang="en-US" sz="1200" kern="1200" dirty="0" err="1" smtClean="0">
+                <a:solidFill>
+                  <a:schemeClr val="tx1"/>
+                </a:solidFill>
+                <a:effectLst/>
+                <a:latin typeface="+mn-lt"/>
+                <a:ea typeface="+mn-ea"/>
+                <a:cs typeface="+mn-cs"/>
+              </a:rPr>
+              <a:t>ConvertBack</a:t>
+            </a:r>
+            <a:r>
+              <a:rPr lang="en-US" sz="1200" kern="1200" dirty="0" smtClean="0">
+                <a:solidFill>
+                  <a:schemeClr val="tx1"/>
+                </a:solidFill>
+                <a:effectLst/>
+                <a:latin typeface="+mn-lt"/>
+                <a:ea typeface="+mn-ea"/>
+                <a:cs typeface="+mn-cs"/>
+              </a:rPr>
+              <a:t>(object value, Type </a:t>
+            </a:r>
+            <a:r>
+              <a:rPr lang="en-US" sz="1200" kern="1200" dirty="0" err="1" smtClean="0">
+                <a:solidFill>
+                  <a:schemeClr val="tx1"/>
+                </a:solidFill>
+                <a:effectLst/>
+                <a:latin typeface="+mn-lt"/>
+                <a:ea typeface="+mn-ea"/>
+                <a:cs typeface="+mn-cs"/>
+              </a:rPr>
+              <a:t>targetType</a:t>
+            </a:r>
+            <a:r>
+              <a:rPr lang="en-US" sz="1200" kern="1200" dirty="0" smtClean="0">
+                <a:solidFill>
+                  <a:schemeClr val="tx1"/>
+                </a:solidFill>
+                <a:effectLst/>
+                <a:latin typeface="+mn-lt"/>
+                <a:ea typeface="+mn-ea"/>
+                <a:cs typeface="+mn-cs"/>
+              </a:rPr>
+              <a:t>, object parameter, </a:t>
+            </a:r>
+            <a:r>
+              <a:rPr lang="en-US" sz="1200" kern="1200" dirty="0" err="1" smtClean="0">
+                <a:solidFill>
+                  <a:schemeClr val="tx1"/>
+                </a:solidFill>
+                <a:effectLst/>
+                <a:latin typeface="+mn-lt"/>
+                <a:ea typeface="+mn-ea"/>
+                <a:cs typeface="+mn-cs"/>
+              </a:rPr>
+              <a:t>CultureInfo</a:t>
+            </a:r>
+            <a:r>
+              <a:rPr lang="en-US" sz="1200" kern="1200" dirty="0" smtClean="0">
+                <a:solidFill>
+                  <a:schemeClr val="tx1"/>
+                </a:solidFill>
+                <a:effectLst/>
+                <a:latin typeface="+mn-lt"/>
+                <a:ea typeface="+mn-ea"/>
+                <a:cs typeface="+mn-cs"/>
+              </a:rPr>
+              <a:t> culture);</a:t>
+            </a:r>
+          </a:p>
+          <a:p>
+            <a:r>
+              <a:rPr lang="en-US" sz="1200" kern="1200" dirty="0" smtClean="0">
+                <a:solidFill>
+                  <a:schemeClr val="tx1"/>
+                </a:solidFill>
+                <a:effectLst/>
+                <a:latin typeface="+mn-lt"/>
+                <a:ea typeface="+mn-ea"/>
+                <a:cs typeface="+mn-cs"/>
+              </a:rPr>
+              <a:t> </a:t>
+            </a:r>
+          </a:p>
+          <a:p>
+            <a:r>
+              <a:rPr lang="en-US" sz="1200" kern="1200" dirty="0" smtClean="0">
+                <a:solidFill>
+                  <a:schemeClr val="tx1"/>
+                </a:solidFill>
+                <a:effectLst/>
+                <a:latin typeface="+mn-lt"/>
+                <a:ea typeface="+mn-ea"/>
+                <a:cs typeface="+mn-cs"/>
+              </a:rPr>
+              <a:t>Obviously, the </a:t>
+            </a:r>
+            <a:r>
+              <a:rPr lang="en-US" sz="1200" kern="1200" dirty="0" err="1" smtClean="0">
+                <a:solidFill>
+                  <a:schemeClr val="tx1"/>
+                </a:solidFill>
+                <a:effectLst/>
+                <a:latin typeface="+mn-lt"/>
+                <a:ea typeface="+mn-ea"/>
+                <a:cs typeface="+mn-cs"/>
+              </a:rPr>
+              <a:t>CultureInfo</a:t>
+            </a:r>
+            <a:r>
+              <a:rPr lang="en-US" sz="1200" kern="1200" dirty="0" smtClean="0">
+                <a:solidFill>
+                  <a:schemeClr val="tx1"/>
+                </a:solidFill>
+                <a:effectLst/>
+                <a:latin typeface="+mn-lt"/>
+                <a:ea typeface="+mn-ea"/>
+                <a:cs typeface="+mn-cs"/>
+              </a:rPr>
+              <a:t> has changed in future versions of </a:t>
+            </a:r>
+            <a:r>
+              <a:rPr lang="en-US" sz="1200" kern="1200" dirty="0" err="1" smtClean="0">
+                <a:solidFill>
+                  <a:schemeClr val="tx1"/>
+                </a:solidFill>
+                <a:effectLst/>
+                <a:latin typeface="+mn-lt"/>
+                <a:ea typeface="+mn-ea"/>
+                <a:cs typeface="+mn-cs"/>
+              </a:rPr>
+              <a:t>Xaml</a:t>
+            </a:r>
+            <a:r>
+              <a:rPr lang="en-US" sz="1200" kern="1200" dirty="0" smtClean="0">
+                <a:solidFill>
+                  <a:schemeClr val="tx1"/>
+                </a:solidFill>
+                <a:effectLst/>
+                <a:latin typeface="+mn-lt"/>
+                <a:ea typeface="+mn-ea"/>
+                <a:cs typeface="+mn-cs"/>
+              </a:rPr>
+              <a:t>.  This does make sense from the stand point of originally, I am sure the designers were thinking that you would only use a converter to change text around.  But with the way binding works in </a:t>
+            </a:r>
+            <a:r>
+              <a:rPr lang="en-US" sz="1200" kern="1200" dirty="0" err="1" smtClean="0">
+                <a:solidFill>
+                  <a:schemeClr val="tx1"/>
+                </a:solidFill>
+                <a:effectLst/>
+                <a:latin typeface="+mn-lt"/>
+                <a:ea typeface="+mn-ea"/>
+                <a:cs typeface="+mn-cs"/>
+              </a:rPr>
+              <a:t>Xaml</a:t>
+            </a:r>
+            <a:r>
+              <a:rPr lang="en-US" sz="1200" kern="1200" dirty="0" smtClean="0">
+                <a:solidFill>
+                  <a:schemeClr val="tx1"/>
+                </a:solidFill>
+                <a:effectLst/>
+                <a:latin typeface="+mn-lt"/>
+                <a:ea typeface="+mn-ea"/>
+                <a:cs typeface="+mn-cs"/>
+              </a:rPr>
+              <a:t> you can use converters for all kinds of things like changing </a:t>
+            </a:r>
+            <a:r>
+              <a:rPr lang="en-US" sz="1200" kern="1200" dirty="0" err="1" smtClean="0">
+                <a:solidFill>
+                  <a:schemeClr val="tx1"/>
+                </a:solidFill>
+                <a:effectLst/>
+                <a:latin typeface="+mn-lt"/>
+                <a:ea typeface="+mn-ea"/>
+                <a:cs typeface="+mn-cs"/>
+              </a:rPr>
+              <a:t>bool</a:t>
+            </a:r>
+            <a:r>
+              <a:rPr lang="en-US" sz="1200" kern="1200" dirty="0" smtClean="0">
+                <a:solidFill>
+                  <a:schemeClr val="tx1"/>
+                </a:solidFill>
+                <a:effectLst/>
+                <a:latin typeface="+mn-lt"/>
+                <a:ea typeface="+mn-ea"/>
+                <a:cs typeface="+mn-cs"/>
+              </a:rPr>
+              <a:t> to Visibility or maybe the color of the text.  In these cases, language really has no relevance to it is a useless parameter.</a:t>
+            </a:r>
+          </a:p>
+          <a:p>
+            <a:r>
+              <a:rPr lang="en-US" sz="1200" kern="1200" dirty="0" smtClean="0">
+                <a:solidFill>
+                  <a:schemeClr val="tx1"/>
+                </a:solidFill>
+                <a:effectLst/>
+                <a:latin typeface="+mn-lt"/>
+                <a:ea typeface="+mn-ea"/>
+                <a:cs typeface="+mn-cs"/>
+              </a:rPr>
+              <a:t>Also, </a:t>
+            </a:r>
+            <a:r>
+              <a:rPr lang="en-US" sz="1200" kern="1200" dirty="0" err="1" smtClean="0">
+                <a:solidFill>
+                  <a:schemeClr val="tx1"/>
+                </a:solidFill>
+                <a:effectLst/>
+                <a:latin typeface="+mn-lt"/>
+                <a:ea typeface="+mn-ea"/>
+                <a:cs typeface="+mn-cs"/>
+              </a:rPr>
+              <a:t>CultureInfo</a:t>
+            </a:r>
+            <a:r>
+              <a:rPr lang="en-US" sz="1200" kern="1200" dirty="0" smtClean="0">
+                <a:solidFill>
+                  <a:schemeClr val="tx1"/>
+                </a:solidFill>
+                <a:effectLst/>
+                <a:latin typeface="+mn-lt"/>
+                <a:ea typeface="+mn-ea"/>
+                <a:cs typeface="+mn-cs"/>
+              </a:rPr>
+              <a:t> was added in </a:t>
+            </a:r>
+            <a:r>
+              <a:rPr lang="en-US" sz="1200" kern="1200" dirty="0" err="1" smtClean="0">
+                <a:solidFill>
+                  <a:schemeClr val="tx1"/>
+                </a:solidFill>
+                <a:effectLst/>
+                <a:latin typeface="+mn-lt"/>
+                <a:ea typeface="+mn-ea"/>
+                <a:cs typeface="+mn-cs"/>
+              </a:rPr>
+              <a:t>.Net</a:t>
+            </a:r>
+            <a:r>
+              <a:rPr lang="en-US" sz="1200" kern="1200" dirty="0" smtClean="0">
+                <a:solidFill>
+                  <a:schemeClr val="tx1"/>
+                </a:solidFill>
+                <a:effectLst/>
+                <a:latin typeface="+mn-lt"/>
+                <a:ea typeface="+mn-ea"/>
+                <a:cs typeface="+mn-cs"/>
+              </a:rPr>
+              <a:t> 4.5 so what if we have conversion logic that is already being used in </a:t>
+            </a:r>
+            <a:r>
+              <a:rPr lang="en-US" sz="1200" kern="1200" dirty="0" err="1" smtClean="0">
+                <a:solidFill>
+                  <a:schemeClr val="tx1"/>
+                </a:solidFill>
+                <a:effectLst/>
+                <a:latin typeface="+mn-lt"/>
+                <a:ea typeface="+mn-ea"/>
+                <a:cs typeface="+mn-cs"/>
+              </a:rPr>
+              <a:t>.Net</a:t>
+            </a:r>
+            <a:r>
+              <a:rPr lang="en-US" sz="1200" kern="1200" dirty="0" smtClean="0">
+                <a:solidFill>
+                  <a:schemeClr val="tx1"/>
+                </a:solidFill>
+                <a:effectLst/>
+                <a:latin typeface="+mn-lt"/>
+                <a:ea typeface="+mn-ea"/>
+                <a:cs typeface="+mn-cs"/>
+              </a:rPr>
+              <a:t> 4.0?</a:t>
+            </a:r>
+          </a:p>
+          <a:p>
+            <a:r>
+              <a:rPr lang="en-US" sz="1200" kern="1200" dirty="0" smtClean="0">
+                <a:solidFill>
+                  <a:schemeClr val="tx1"/>
+                </a:solidFill>
+                <a:effectLst/>
+                <a:latin typeface="+mn-lt"/>
+                <a:ea typeface="+mn-ea"/>
+                <a:cs typeface="+mn-cs"/>
+              </a:rPr>
+              <a:t>And should you be able to create a portable class library or a normal class library that is common between WPF and Silverlight Phone?</a:t>
+            </a:r>
+          </a:p>
+          <a:p>
+            <a:endParaRPr lang="en-US" dirty="0"/>
+          </a:p>
+        </p:txBody>
+      </p:sp>
+      <p:sp>
+        <p:nvSpPr>
+          <p:cNvPr id="4" name="Slide Number Placeholder 3"/>
+          <p:cNvSpPr>
+            <a:spLocks noGrp="1"/>
+          </p:cNvSpPr>
+          <p:nvPr>
+            <p:ph type="sldNum" sz="quarter" idx="10"/>
+          </p:nvPr>
+        </p:nvSpPr>
+        <p:spPr/>
+        <p:txBody>
+          <a:bodyPr/>
+          <a:lstStyle/>
+          <a:p>
+            <a:fld id="{795A654D-6BE0-48C1-8457-36B06568CB66}" type="slidenum">
+              <a:rPr lang="en-US" smtClean="0"/>
+              <a:t>19</a:t>
+            </a:fld>
+            <a:endParaRPr lang="en-US"/>
+          </a:p>
+        </p:txBody>
+      </p:sp>
+    </p:spTree>
+    <p:extLst>
+      <p:ext uri="{BB962C8B-B14F-4D97-AF65-F5344CB8AC3E}">
+        <p14:creationId xmlns:p14="http://schemas.microsoft.com/office/powerpoint/2010/main" val="3201933281"/>
       </p:ext>
     </p:extLst>
   </p:cSld>
@@ -2515,7 +3385,7 @@
           <a:p>
             <a:fld id="{795A654D-6BE0-48C1-8457-36B06568CB66}" type="slidenum">
               <a:rPr lang="en-US" smtClean="0"/>
-              <a:t>6</a:t>
+              <a:t>8</a:t>
             </a:fld>
             <a:endParaRPr lang="en-US"/>
           </a:p>
@@ -2630,7 +3500,7 @@
           <a:p>
             <a:fld id="{795A654D-6BE0-48C1-8457-36B06568CB66}" type="slidenum">
               <a:rPr lang="en-US" smtClean="0"/>
-              <a:t>7</a:t>
+              <a:t>9</a:t>
             </a:fld>
             <a:endParaRPr lang="en-US"/>
           </a:p>
@@ -2714,7 +3584,7 @@
           <a:p>
             <a:fld id="{795A654D-6BE0-48C1-8457-36B06568CB66}" type="slidenum">
               <a:rPr lang="en-US" smtClean="0"/>
-              <a:t>8</a:t>
+              <a:t>10</a:t>
             </a:fld>
             <a:endParaRPr lang="en-US"/>
           </a:p>
@@ -2806,7 +3676,7 @@
           <a:p>
             <a:fld id="{795A654D-6BE0-48C1-8457-36B06568CB66}" type="slidenum">
               <a:rPr lang="en-US" smtClean="0"/>
-              <a:t>9</a:t>
+              <a:t>11</a:t>
             </a:fld>
             <a:endParaRPr lang="en-US"/>
           </a:p>
@@ -5946,6 +6816,238 @@
           <a:p>
             <a:r>
               <a:rPr lang="en-US" dirty="0" smtClean="0"/>
+              <a:t>Helpers that come for free</a:t>
+            </a:r>
+            <a:endParaRPr lang="en-US" dirty="0"/>
+          </a:p>
+        </p:txBody>
+      </p:sp>
+      <p:pic>
+        <p:nvPicPr>
+          <p:cNvPr id="5" name="Picture 4"/>
+          <p:cNvPicPr>
+            <a:picLocks noChangeAspect="1"/>
+          </p:cNvPicPr>
+          <p:nvPr/>
+        </p:nvPicPr>
+        <p:blipFill>
+          <a:blip r:embed="rId3">
+            <a:extLst>
+              <a:ext uri="{28A0092B-C50C-407E-A947-70E740481C1C}">
+                <a14:useLocalDpi xmlns:a14="http://schemas.microsoft.com/office/drawing/2010/main" val="0"/>
+              </a:ext>
+            </a:extLst>
+          </a:blip>
+          <a:stretch>
+            <a:fillRect/>
+          </a:stretch>
+        </p:blipFill>
+        <p:spPr>
+          <a:xfrm>
+            <a:off x="6556197" y="5918320"/>
+            <a:ext cx="2356206" cy="819150"/>
+          </a:xfrm>
+          <a:prstGeom prst="rect">
+            <a:avLst/>
+          </a:prstGeom>
+        </p:spPr>
+      </p:pic>
+      <p:pic>
+        <p:nvPicPr>
+          <p:cNvPr id="4" name="Picture 3"/>
+          <p:cNvPicPr>
+            <a:picLocks noChangeAspect="1"/>
+          </p:cNvPicPr>
+          <p:nvPr/>
+        </p:nvPicPr>
+        <p:blipFill>
+          <a:blip r:embed="rId4"/>
+          <a:stretch>
+            <a:fillRect/>
+          </a:stretch>
+        </p:blipFill>
+        <p:spPr>
+          <a:xfrm>
+            <a:off x="457200" y="1961644"/>
+            <a:ext cx="8155598" cy="2661557"/>
+          </a:xfrm>
+          <a:prstGeom prst="rect">
+            <a:avLst/>
+          </a:prstGeom>
+        </p:spPr>
+      </p:pic>
+    </p:spTree>
+    <p:extLst>
+      <p:ext uri="{BB962C8B-B14F-4D97-AF65-F5344CB8AC3E}">
+        <p14:creationId xmlns:p14="http://schemas.microsoft.com/office/powerpoint/2010/main" val="4125215241"/>
+      </p:ext>
+    </p:extLst>
+  </p:cSld>
+  <p:clrMapOvr>
+    <a:masterClrMapping/>
+  </p:clrMapOvr>
+  <p:timing>
+    <p:tnLst>
+      <p:par>
+        <p:cTn id="1" dur="indefinite" restart="never" nodeType="tmRoot"/>
+      </p:par>
+    </p:tnLst>
+  </p:timing>
+</p:sld>
+</file>
+
+<file path=ppt/slides/slide11.xml><?xml version="1.0" encoding="utf-8"?>
+<p:sld xmlns:a="http://schemas.openxmlformats.org/drawingml/2006/main" xmlns:r="http://schemas.openxmlformats.org/officeDocument/2006/relationships" xmlns:p="http://schemas.openxmlformats.org/presentationml/2006/main">
+  <p:cSld>
+    <p:spTree>
+      <p:nvGrpSpPr>
+        <p:cNvPr id="1" name=""/>
+        <p:cNvGrpSpPr/>
+        <p:nvPr/>
+      </p:nvGrpSpPr>
+      <p:grpSpPr>
+        <a:xfrm>
+          <a:off x="0" y="0"/>
+          <a:ext cx="0" cy="0"/>
+          <a:chOff x="0" y="0"/>
+          <a:chExt cx="0" cy="0"/>
+        </a:xfrm>
+      </p:grpSpPr>
+      <p:sp>
+        <p:nvSpPr>
+          <p:cNvPr id="2" name="Title 1"/>
+          <p:cNvSpPr>
+            <a:spLocks noGrp="1"/>
+          </p:cNvSpPr>
+          <p:nvPr>
+            <p:ph type="title"/>
+          </p:nvPr>
+        </p:nvSpPr>
+        <p:spPr/>
+        <p:txBody>
+          <a:bodyPr>
+            <a:normAutofit fontScale="90000"/>
+          </a:bodyPr>
+          <a:lstStyle/>
+          <a:p>
+            <a:r>
+              <a:rPr lang="en-US" dirty="0" smtClean="0"/>
+              <a:t>Add phone support existing store app</a:t>
+            </a:r>
+            <a:endParaRPr lang="en-US" dirty="0"/>
+          </a:p>
+        </p:txBody>
+      </p:sp>
+      <p:pic>
+        <p:nvPicPr>
+          <p:cNvPr id="4" name="Content Placeholder 3"/>
+          <p:cNvPicPr>
+            <a:picLocks noGrp="1" noChangeAspect="1"/>
+          </p:cNvPicPr>
+          <p:nvPr>
+            <p:ph idx="1"/>
+          </p:nvPr>
+        </p:nvPicPr>
+        <p:blipFill>
+          <a:blip r:embed="rId3"/>
+          <a:stretch>
+            <a:fillRect/>
+          </a:stretch>
+        </p:blipFill>
+        <p:spPr>
+          <a:xfrm>
+            <a:off x="457200" y="1648925"/>
+            <a:ext cx="8102036" cy="2743461"/>
+          </a:xfrm>
+          <a:prstGeom prst="rect">
+            <a:avLst/>
+          </a:prstGeom>
+        </p:spPr>
+      </p:pic>
+      <p:pic>
+        <p:nvPicPr>
+          <p:cNvPr id="5" name="Picture 4"/>
+          <p:cNvPicPr>
+            <a:picLocks noChangeAspect="1"/>
+          </p:cNvPicPr>
+          <p:nvPr/>
+        </p:nvPicPr>
+        <p:blipFill>
+          <a:blip r:embed="rId4">
+            <a:extLst>
+              <a:ext uri="{28A0092B-C50C-407E-A947-70E740481C1C}">
+                <a14:useLocalDpi xmlns:a14="http://schemas.microsoft.com/office/drawing/2010/main" val="0"/>
+              </a:ext>
+            </a:extLst>
+          </a:blip>
+          <a:stretch>
+            <a:fillRect/>
+          </a:stretch>
+        </p:blipFill>
+        <p:spPr>
+          <a:xfrm>
+            <a:off x="6556197" y="5918320"/>
+            <a:ext cx="2356206" cy="819150"/>
+          </a:xfrm>
+          <a:prstGeom prst="rect">
+            <a:avLst/>
+          </a:prstGeom>
+        </p:spPr>
+      </p:pic>
+    </p:spTree>
+    <p:extLst>
+      <p:ext uri="{BB962C8B-B14F-4D97-AF65-F5344CB8AC3E}">
+        <p14:creationId xmlns:p14="http://schemas.microsoft.com/office/powerpoint/2010/main" val="3407941427"/>
+      </p:ext>
+    </p:extLst>
+  </p:cSld>
+  <p:clrMapOvr>
+    <a:masterClrMapping/>
+  </p:clrMapOvr>
+  <p:timing>
+    <p:tnLst>
+      <p:par>
+        <p:cTn id="1" dur="indefinite" restart="never" nodeType="tmRoot"/>
+      </p:par>
+    </p:tnLst>
+  </p:timing>
+</p:sld>
+</file>
+
+<file path=ppt/slides/slide12.xml><?xml version="1.0" encoding="utf-8"?>
+<p:sld xmlns:a="http://schemas.openxmlformats.org/drawingml/2006/main" xmlns:r="http://schemas.openxmlformats.org/officeDocument/2006/relationships" xmlns:p="http://schemas.openxmlformats.org/presentationml/2006/main">
+  <p:cSld>
+    <p:spTree>
+      <p:nvGrpSpPr>
+        <p:cNvPr id="1" name=""/>
+        <p:cNvGrpSpPr/>
+        <p:nvPr/>
+      </p:nvGrpSpPr>
+      <p:grpSpPr>
+        <a:xfrm>
+          <a:off x="0" y="0"/>
+          <a:ext cx="0" cy="0"/>
+          <a:chOff x="0" y="0"/>
+          <a:chExt cx="0" cy="0"/>
+        </a:xfrm>
+      </p:grpSpPr>
+      <p:sp>
+        <p:nvSpPr>
+          <p:cNvPr id="2" name="Title 1"/>
+          <p:cNvSpPr>
+            <a:spLocks noGrp="1"/>
+          </p:cNvSpPr>
+          <p:nvPr>
+            <p:ph type="title"/>
+          </p:nvPr>
+        </p:nvSpPr>
+        <p:spPr/>
+        <p:txBody>
+          <a:bodyPr/>
+          <a:lstStyle/>
+          <a:p>
+            <a:r>
+              <a:rPr lang="en-US" dirty="0" smtClean="0"/>
               <a:t>Another Thing to watch out for</a:t>
             </a:r>
             <a:endParaRPr lang="en-US" dirty="0"/>
@@ -6110,7 +7212,7 @@
 </p:sld>
 </file>
 
-<file path=ppt/slides/slide11.xml><?xml version="1.0" encoding="utf-8"?>
+<file path=ppt/slides/slide13.xml><?xml version="1.0" encoding="utf-8"?>
 <p:sld xmlns:a="http://schemas.openxmlformats.org/drawingml/2006/main" xmlns:r="http://schemas.openxmlformats.org/officeDocument/2006/relationships" xmlns:p="http://schemas.openxmlformats.org/presentationml/2006/main">
   <p:cSld>
     <p:spTree>
@@ -6900,7 +8002,7 @@
 </p:sld>
 </file>
 
-<file path=ppt/slides/slide12.xml><?xml version="1.0" encoding="utf-8"?>
+<file path=ppt/slides/slide14.xml><?xml version="1.0" encoding="utf-8"?>
 <p:sld xmlns:a="http://schemas.openxmlformats.org/drawingml/2006/main" xmlns:r="http://schemas.openxmlformats.org/officeDocument/2006/relationships" xmlns:p="http://schemas.openxmlformats.org/presentationml/2006/main">
   <p:cSld>
     <p:spTree>
@@ -7788,7 +8890,7 @@
 </p:sld>
 </file>
 
-<file path=ppt/slides/slide13.xml><?xml version="1.0" encoding="utf-8"?>
+<file path=ppt/slides/slide15.xml><?xml version="1.0" encoding="utf-8"?>
 <p:sld xmlns:a="http://schemas.openxmlformats.org/drawingml/2006/main" xmlns:r="http://schemas.openxmlformats.org/officeDocument/2006/relationships" xmlns:p="http://schemas.openxmlformats.org/presentationml/2006/main">
   <p:cSld>
     <p:spTree>
@@ -7915,7 +9017,7 @@
 </p:sld>
 </file>
 
-<file path=ppt/slides/slide14.xml><?xml version="1.0" encoding="utf-8"?>
+<file path=ppt/slides/slide16.xml><?xml version="1.0" encoding="utf-8"?>
 <p:sld xmlns:a="http://schemas.openxmlformats.org/drawingml/2006/main" xmlns:r="http://schemas.openxmlformats.org/officeDocument/2006/relationships" xmlns:p="http://schemas.openxmlformats.org/presentationml/2006/main">
   <p:cSld>
     <p:spTree>
@@ -8072,216 +9174,6 @@
     <p:extLst>
       <p:ext uri="{BB962C8B-B14F-4D97-AF65-F5344CB8AC3E}">
         <p14:creationId xmlns:p14="http://schemas.microsoft.com/office/powerpoint/2010/main" val="1122270672"/>
-      </p:ext>
-    </p:extLst>
-  </p:cSld>
-  <p:clrMapOvr>
-    <a:masterClrMapping/>
-  </p:clrMapOvr>
-  <p:timing>
-    <p:tnLst>
-      <p:par>
-        <p:cTn id="1" dur="indefinite" restart="never" nodeType="tmRoot"/>
-      </p:par>
-    </p:tnLst>
-  </p:timing>
-</p:sld>
-</file>
-
-<file path=ppt/slides/slide15.xml><?xml version="1.0" encoding="utf-8"?>
-<p:sld xmlns:a="http://schemas.openxmlformats.org/drawingml/2006/main" xmlns:r="http://schemas.openxmlformats.org/officeDocument/2006/relationships" xmlns:p="http://schemas.openxmlformats.org/presentationml/2006/main">
-  <p:cSld>
-    <p:spTree>
-      <p:nvGrpSpPr>
-        <p:cNvPr id="1" name=""/>
-        <p:cNvGrpSpPr/>
-        <p:nvPr/>
-      </p:nvGrpSpPr>
-      <p:grpSpPr>
-        <a:xfrm>
-          <a:off x="0" y="0"/>
-          <a:ext cx="0" cy="0"/>
-          <a:chOff x="0" y="0"/>
-          <a:chExt cx="0" cy="0"/>
-        </a:xfrm>
-      </p:grpSpPr>
-      <p:sp>
-        <p:nvSpPr>
-          <p:cNvPr id="2" name="Title 1"/>
-          <p:cNvSpPr>
-            <a:spLocks noGrp="1"/>
-          </p:cNvSpPr>
-          <p:nvPr>
-            <p:ph type="title"/>
-          </p:nvPr>
-        </p:nvSpPr>
-        <p:spPr/>
-        <p:txBody>
-          <a:bodyPr/>
-          <a:lstStyle/>
-          <a:p>
-            <a:endParaRPr lang="en-US"/>
-          </a:p>
-        </p:txBody>
-      </p:sp>
-      <p:sp>
-        <p:nvSpPr>
-          <p:cNvPr id="3" name="Content Placeholder 2"/>
-          <p:cNvSpPr>
-            <a:spLocks noGrp="1"/>
-          </p:cNvSpPr>
-          <p:nvPr>
-            <p:ph idx="1"/>
-          </p:nvPr>
-        </p:nvSpPr>
-        <p:spPr/>
-        <p:txBody>
-          <a:bodyPr/>
-          <a:lstStyle/>
-          <a:p>
-            <a:endParaRPr lang="en-US" dirty="0"/>
-          </a:p>
-        </p:txBody>
-      </p:sp>
-      <p:pic>
-        <p:nvPicPr>
-          <p:cNvPr id="5" name="Picture 4"/>
-          <p:cNvPicPr>
-            <a:picLocks noChangeAspect="1"/>
-          </p:cNvPicPr>
-          <p:nvPr/>
-        </p:nvPicPr>
-        <p:blipFill>
-          <a:blip r:embed="rId2">
-            <a:extLst>
-              <a:ext uri="{28A0092B-C50C-407E-A947-70E740481C1C}">
-                <a14:useLocalDpi xmlns:a14="http://schemas.microsoft.com/office/drawing/2010/main" val="0"/>
-              </a:ext>
-            </a:extLst>
-          </a:blip>
-          <a:stretch>
-            <a:fillRect/>
-          </a:stretch>
-        </p:blipFill>
-        <p:spPr>
-          <a:xfrm>
-            <a:off x="6556197" y="5918320"/>
-            <a:ext cx="2356206" cy="819150"/>
-          </a:xfrm>
-          <a:prstGeom prst="rect">
-            <a:avLst/>
-          </a:prstGeom>
-        </p:spPr>
-      </p:pic>
-    </p:spTree>
-    <p:extLst>
-      <p:ext uri="{BB962C8B-B14F-4D97-AF65-F5344CB8AC3E}">
-        <p14:creationId xmlns:p14="http://schemas.microsoft.com/office/powerpoint/2010/main" val="406581684"/>
-      </p:ext>
-    </p:extLst>
-  </p:cSld>
-  <p:clrMapOvr>
-    <a:masterClrMapping/>
-  </p:clrMapOvr>
-  <p:timing>
-    <p:tnLst>
-      <p:par>
-        <p:cTn id="1" dur="indefinite" restart="never" nodeType="tmRoot"/>
-      </p:par>
-    </p:tnLst>
-  </p:timing>
-</p:sld>
-</file>
-
-<file path=ppt/slides/slide16.xml><?xml version="1.0" encoding="utf-8"?>
-<p:sld xmlns:a="http://schemas.openxmlformats.org/drawingml/2006/main" xmlns:r="http://schemas.openxmlformats.org/officeDocument/2006/relationships" xmlns:p="http://schemas.openxmlformats.org/presentationml/2006/main">
-  <p:cSld>
-    <p:spTree>
-      <p:nvGrpSpPr>
-        <p:cNvPr id="1" name=""/>
-        <p:cNvGrpSpPr/>
-        <p:nvPr/>
-      </p:nvGrpSpPr>
-      <p:grpSpPr>
-        <a:xfrm>
-          <a:off x="0" y="0"/>
-          <a:ext cx="0" cy="0"/>
-          <a:chOff x="0" y="0"/>
-          <a:chExt cx="0" cy="0"/>
-        </a:xfrm>
-      </p:grpSpPr>
-      <p:sp>
-        <p:nvSpPr>
-          <p:cNvPr id="2" name="Title 1"/>
-          <p:cNvSpPr>
-            <a:spLocks noGrp="1"/>
-          </p:cNvSpPr>
-          <p:nvPr>
-            <p:ph type="title"/>
-          </p:nvPr>
-        </p:nvSpPr>
-        <p:spPr/>
-        <p:txBody>
-          <a:bodyPr/>
-          <a:lstStyle/>
-          <a:p>
-            <a:endParaRPr lang="en-US"/>
-          </a:p>
-        </p:txBody>
-      </p:sp>
-      <p:sp>
-        <p:nvSpPr>
-          <p:cNvPr id="3" name="Content Placeholder 2"/>
-          <p:cNvSpPr>
-            <a:spLocks noGrp="1"/>
-          </p:cNvSpPr>
-          <p:nvPr>
-            <p:ph idx="1"/>
-          </p:nvPr>
-        </p:nvSpPr>
-        <p:spPr/>
-        <p:txBody>
-          <a:bodyPr/>
-          <a:lstStyle/>
-          <a:p>
-            <a:endParaRPr lang="en-US" dirty="0"/>
-          </a:p>
-        </p:txBody>
-      </p:sp>
-      <p:pic>
-        <p:nvPicPr>
-          <p:cNvPr id="5" name="Picture 4"/>
-          <p:cNvPicPr>
-            <a:picLocks noChangeAspect="1"/>
-          </p:cNvPicPr>
-          <p:nvPr/>
-        </p:nvPicPr>
-        <p:blipFill>
-          <a:blip r:embed="rId2">
-            <a:extLst>
-              <a:ext uri="{28A0092B-C50C-407E-A947-70E740481C1C}">
-                <a14:useLocalDpi xmlns:a14="http://schemas.microsoft.com/office/drawing/2010/main" val="0"/>
-              </a:ext>
-            </a:extLst>
-          </a:blip>
-          <a:stretch>
-            <a:fillRect/>
-          </a:stretch>
-        </p:blipFill>
-        <p:spPr>
-          <a:xfrm>
-            <a:off x="6556197" y="5918320"/>
-            <a:ext cx="2356206" cy="819150"/>
-          </a:xfrm>
-          <a:prstGeom prst="rect">
-            <a:avLst/>
-          </a:prstGeom>
-        </p:spPr>
-      </p:pic>
-    </p:spTree>
-    <p:extLst>
-      <p:ext uri="{BB962C8B-B14F-4D97-AF65-F5344CB8AC3E}">
-        <p14:creationId xmlns:p14="http://schemas.microsoft.com/office/powerpoint/2010/main" val="3515033848"/>
       </p:ext>
     </p:extLst>
   </p:cSld>
@@ -8330,7 +9222,11 @@
           <a:bodyPr/>
           <a:lstStyle/>
           <a:p>
-            <a:endParaRPr lang="en-US"/>
+            <a:r>
+              <a:rPr lang="en-US" dirty="0" smtClean="0"/>
+              <a:t>Portable Class Libraries</a:t>
+            </a:r>
+            <a:endParaRPr lang="en-US" dirty="0"/>
           </a:p>
         </p:txBody>
       </p:sp>
@@ -8344,10 +9240,71 @@
             <p:ph idx="1"/>
           </p:nvPr>
         </p:nvSpPr>
-        <p:spPr/>
+        <p:spPr>
+          <a:xfrm>
+            <a:off x="457200" y="1061358"/>
+            <a:ext cx="8229600" cy="5064806"/>
+          </a:xfrm>
+        </p:spPr>
         <p:txBody>
           <a:bodyPr/>
           <a:lstStyle/>
+          <a:p>
+            <a:r>
+              <a:rPr lang="en-US" dirty="0" smtClean="0"/>
+              <a:t>Portable </a:t>
+            </a:r>
+            <a:r>
+              <a:rPr lang="en-US" dirty="0"/>
+              <a:t>class libraries can be used and can share some classes but you have to be </a:t>
+            </a:r>
+            <a:r>
+              <a:rPr lang="en-US" dirty="0" smtClean="0"/>
+              <a:t>careful.  In addition to </a:t>
+            </a:r>
+            <a:r>
+              <a:rPr lang="en-US" dirty="0" err="1" smtClean="0"/>
+              <a:t>.Net</a:t>
+            </a:r>
+            <a:r>
+              <a:rPr lang="en-US" dirty="0" smtClean="0"/>
+              <a:t> versions, how phone actually work is different table.  The PCL will support the lowest </a:t>
+            </a:r>
+            <a:r>
+              <a:rPr lang="en-US" dirty="0"/>
+              <a:t>common denominator.  </a:t>
+            </a:r>
+          </a:p>
+          <a:p>
+            <a:r>
+              <a:rPr lang="en-US" dirty="0"/>
+              <a:t>So if you select </a:t>
+            </a:r>
+            <a:r>
+              <a:rPr lang="en-US" dirty="0" err="1"/>
+              <a:t>.Net</a:t>
+            </a:r>
+            <a:r>
+              <a:rPr lang="en-US" dirty="0"/>
+              <a:t> 4.0 then you can create a </a:t>
+            </a:r>
+            <a:r>
+              <a:rPr lang="en-US" dirty="0" err="1"/>
+              <a:t>pcl</a:t>
+            </a:r>
+            <a:r>
+              <a:rPr lang="en-US" dirty="0"/>
+              <a:t> that will work in an 8.1 application but only supports feature available for </a:t>
+            </a:r>
+            <a:r>
+              <a:rPr lang="en-US" dirty="0" err="1"/>
+              <a:t>.Net</a:t>
+            </a:r>
+            <a:r>
+              <a:rPr lang="en-US" dirty="0"/>
+              <a:t> 4.0 and Phone 8.0.</a:t>
+            </a:r>
+          </a:p>
           <a:p>
             <a:endParaRPr lang="en-US" dirty="0"/>
           </a:p>
@@ -8362,7 +9319,7 @@
           <p:nvPr/>
         </p:nvPicPr>
         <p:blipFill>
-          <a:blip r:embed="rId2">
+          <a:blip r:embed="rId3">
             <a:extLst>
               <a:ext uri="{28A0092B-C50C-407E-A947-70E740481C1C}">
                 <a14:useLocalDpi xmlns:a14="http://schemas.microsoft.com/office/drawing/2010/main" val="0"/>
@@ -8435,25 +9392,10 @@
           <a:bodyPr/>
           <a:lstStyle/>
           <a:p>
-            <a:endParaRPr lang="en-US"/>
-          </a:p>
-        </p:txBody>
-      </p:sp>
-      <p:sp>
-        <p:nvSpPr>
-          <p:cNvPr id="3" name="Content Placeholder 2"/>
-          <p:cNvSpPr>
-            <a:spLocks noGrp="1"/>
-          </p:cNvSpPr>
-          <p:nvPr>
-            <p:ph idx="1"/>
-          </p:nvPr>
-        </p:nvSpPr>
-        <p:spPr/>
-        <p:txBody>
-          <a:bodyPr/>
-          <a:lstStyle/>
-          <a:p>
+            <a:r>
+              <a:rPr lang="en-US" dirty="0" smtClean="0"/>
+              <a:t>PCL Support</a:t>
+            </a:r>
             <a:endParaRPr lang="en-US" dirty="0"/>
           </a:p>
         </p:txBody>
@@ -8482,6 +9424,50 @@
           <a:xfrm>
             <a:off x="6556197" y="5918320"/>
             <a:ext cx="2356206" cy="819150"/>
+          </a:xfrm>
+          <a:prstGeom prst="rect">
+            <a:avLst/>
+          </a:prstGeom>
+        </p:spPr>
+      </p:pic>
+      <p:pic>
+        <p:nvPicPr>
+          <p:cNvPr id="7" name="Picture 6"/>
+          <p:cNvPicPr/>
+          <p:nvPr/>
+        </p:nvPicPr>
+        <p:blipFill>
+          <a:blip r:embed="rId3"/>
+          <a:stretch>
+            <a:fillRect/>
+          </a:stretch>
+        </p:blipFill>
+        <p:spPr>
+          <a:xfrm>
+            <a:off x="437975" y="1995827"/>
+            <a:ext cx="4356732" cy="2958419"/>
+          </a:xfrm>
+          <a:prstGeom prst="rect">
+            <a:avLst/>
+          </a:prstGeom>
+        </p:spPr>
+      </p:pic>
+      <p:pic>
+        <p:nvPicPr>
+          <p:cNvPr id="8" name="Picture 7"/>
+          <p:cNvPicPr/>
+          <p:nvPr/>
+        </p:nvPicPr>
+        <p:blipFill>
+          <a:blip r:embed="rId4"/>
+          <a:stretch>
+            <a:fillRect/>
+          </a:stretch>
+        </p:blipFill>
+        <p:spPr>
+          <a:xfrm>
+            <a:off x="5020310" y="1275080"/>
+            <a:ext cx="3666490" cy="4399915"/>
           </a:xfrm>
           <a:prstGeom prst="rect">
             <a:avLst/>
@@ -8540,7 +9526,11 @@
           <a:bodyPr/>
           <a:lstStyle/>
           <a:p>
-            <a:endParaRPr lang="en-US"/>
+            <a:r>
+              <a:rPr lang="en-US" dirty="0" smtClean="0"/>
+              <a:t>Examples</a:t>
+            </a:r>
+            <a:endParaRPr lang="en-US" dirty="0"/>
           </a:p>
         </p:txBody>
       </p:sp>
@@ -8556,8 +9546,71 @@
         </p:nvSpPr>
         <p:spPr/>
         <p:txBody>
-          <a:bodyPr/>
+          <a:bodyPr>
+            <a:normAutofit/>
+          </a:bodyPr>
           <a:lstStyle/>
+          <a:p>
+            <a:r>
+              <a:rPr lang="en-US" dirty="0" err="1"/>
+              <a:t>IValueConverter</a:t>
+            </a:r>
+            <a:r>
+              <a:rPr lang="en-US" dirty="0"/>
+              <a:t> – </a:t>
+            </a:r>
+            <a:r>
+              <a:rPr lang="en-US" dirty="0" err="1"/>
+              <a:t>Xaml</a:t>
+            </a:r>
+            <a:r>
+              <a:rPr lang="en-US" dirty="0"/>
+              <a:t> is a mess between versions of </a:t>
+            </a:r>
+            <a:r>
+              <a:rPr lang="en-US" dirty="0" err="1"/>
+              <a:t>.net</a:t>
+            </a:r>
+            <a:r>
+              <a:rPr lang="en-US" dirty="0"/>
+              <a:t> and platforms.</a:t>
+            </a:r>
+          </a:p>
+          <a:p>
+            <a:r>
+              <a:rPr lang="en-US" dirty="0"/>
+              <a:t>Windows phone and store use an </a:t>
+            </a:r>
+            <a:r>
+              <a:rPr lang="en-US" dirty="0" err="1"/>
+              <a:t>IValueConverter</a:t>
+            </a:r>
+            <a:r>
+              <a:rPr lang="en-US" dirty="0"/>
+              <a:t> defined </a:t>
+            </a:r>
+            <a:r>
+              <a:rPr lang="en-US" dirty="0" smtClean="0"/>
+              <a:t>below</a:t>
+            </a:r>
+          </a:p>
+          <a:p>
+            <a:endParaRPr lang="en-US" dirty="0"/>
+          </a:p>
+          <a:p>
+            <a:r>
+              <a:rPr lang="en-US" dirty="0"/>
+              <a:t> </a:t>
+            </a:r>
+            <a:r>
+              <a:rPr lang="en-US" dirty="0" smtClean="0"/>
+              <a:t>But </a:t>
+            </a:r>
+            <a:r>
+              <a:rPr lang="en-US" dirty="0"/>
+              <a:t>WPF and Silverlight phone is defined this way</a:t>
+            </a:r>
+          </a:p>
           <a:p>
             <a:endParaRPr lang="en-US" dirty="0"/>
           </a:p>
@@ -8572,7 +9625,7 @@
           <p:nvPr/>
         </p:nvPicPr>
         <p:blipFill>
-          <a:blip r:embed="rId2">
+          <a:blip r:embed="rId3">
             <a:extLst>
               <a:ext uri="{28A0092B-C50C-407E-A947-70E740481C1C}">
                 <a14:useLocalDpi xmlns:a14="http://schemas.microsoft.com/office/drawing/2010/main" val="0"/>
@@ -8587,6 +9640,54 @@
           <a:xfrm>
             <a:off x="6556197" y="5918320"/>
             <a:ext cx="2356206" cy="819150"/>
+          </a:xfrm>
+          <a:prstGeom prst="rect">
+            <a:avLst/>
+          </a:prstGeom>
+        </p:spPr>
+      </p:pic>
+      <p:pic>
+        <p:nvPicPr>
+          <p:cNvPr id="4" name="Picture 3"/>
+          <p:cNvPicPr>
+            <a:picLocks noChangeAspect="1"/>
+          </p:cNvPicPr>
+          <p:nvPr/>
+        </p:nvPicPr>
+        <p:blipFill>
+          <a:blip r:embed="rId4"/>
+          <a:stretch>
+            <a:fillRect/>
+          </a:stretch>
+        </p:blipFill>
+        <p:spPr>
+          <a:xfrm>
+            <a:off x="457200" y="3863181"/>
+            <a:ext cx="8317182" cy="496548"/>
+          </a:xfrm>
+          <a:prstGeom prst="rect">
+            <a:avLst/>
+          </a:prstGeom>
+        </p:spPr>
+      </p:pic>
+      <p:pic>
+        <p:nvPicPr>
+          <p:cNvPr id="6" name="Picture 5"/>
+          <p:cNvPicPr>
+            <a:picLocks noChangeAspect="1"/>
+          </p:cNvPicPr>
+          <p:nvPr/>
+        </p:nvPicPr>
+        <p:blipFill>
+          <a:blip r:embed="rId5"/>
+          <a:stretch>
+            <a:fillRect/>
+          </a:stretch>
+        </p:blipFill>
+        <p:spPr>
+          <a:xfrm>
+            <a:off x="457199" y="5302602"/>
+            <a:ext cx="8229601" cy="615718"/>
           </a:xfrm>
           <a:prstGeom prst="rect">
             <a:avLst/>
@@ -9769,6 +10870,270 @@
           <a:lstStyle/>
           <a:p>
             <a:r>
+              <a:rPr lang="en-US" b="1" i="1" dirty="0"/>
+              <a:t>Visual Studio Performance and Diagnostics</a:t>
+            </a:r>
+            <a:br>
+              <a:rPr lang="en-US" b="1" i="1" dirty="0"/>
+            </a:br>
+            <a:endParaRPr lang="en-US" dirty="0"/>
+          </a:p>
+        </p:txBody>
+      </p:sp>
+      <p:pic>
+        <p:nvPicPr>
+          <p:cNvPr id="5" name="Picture 4"/>
+          <p:cNvPicPr>
+            <a:picLocks noChangeAspect="1"/>
+          </p:cNvPicPr>
+          <p:nvPr/>
+        </p:nvPicPr>
+        <p:blipFill>
+          <a:blip r:embed="rId2">
+            <a:extLst>
+              <a:ext uri="{28A0092B-C50C-407E-A947-70E740481C1C}">
+                <a14:useLocalDpi xmlns:a14="http://schemas.microsoft.com/office/drawing/2010/main" val="0"/>
+              </a:ext>
+            </a:extLst>
+          </a:blip>
+          <a:stretch>
+            <a:fillRect/>
+          </a:stretch>
+        </p:blipFill>
+        <p:spPr>
+          <a:xfrm>
+            <a:off x="6556197" y="5918320"/>
+            <a:ext cx="2356206" cy="819150"/>
+          </a:xfrm>
+          <a:prstGeom prst="rect">
+            <a:avLst/>
+          </a:prstGeom>
+        </p:spPr>
+      </p:pic>
+      <p:pic>
+        <p:nvPicPr>
+          <p:cNvPr id="6" name="Content Placeholder 5" descr="C:\Users\D9FF0~1.UND\AppData\Local\Temp\SNAGHTML1a666b36.PNG"/>
+          <p:cNvPicPr>
+            <a:picLocks noGrp="1"/>
+          </p:cNvPicPr>
+          <p:nvPr>
+            <p:ph idx="1"/>
+          </p:nvPr>
+        </p:nvPicPr>
+        <p:blipFill>
+          <a:blip r:embed="rId3">
+            <a:extLst>
+              <a:ext uri="{28A0092B-C50C-407E-A947-70E740481C1C}">
+                <a14:useLocalDpi xmlns:a14="http://schemas.microsoft.com/office/drawing/2010/main" val="0"/>
+              </a:ext>
+            </a:extLst>
+          </a:blip>
+          <a:srcRect/>
+          <a:stretch>
+            <a:fillRect/>
+          </a:stretch>
+        </p:blipFill>
+        <p:spPr bwMode="auto">
+          <a:xfrm>
+            <a:off x="898071" y="1649186"/>
+            <a:ext cx="7788729" cy="4269134"/>
+          </a:xfrm>
+          <a:prstGeom prst="rect">
+            <a:avLst/>
+          </a:prstGeom>
+          <a:noFill/>
+          <a:ln>
+            <a:noFill/>
+          </a:ln>
+        </p:spPr>
+      </p:pic>
+    </p:spTree>
+    <p:extLst>
+      <p:ext uri="{BB962C8B-B14F-4D97-AF65-F5344CB8AC3E}">
+        <p14:creationId xmlns:p14="http://schemas.microsoft.com/office/powerpoint/2010/main" val="3515033848"/>
+      </p:ext>
+    </p:extLst>
+  </p:cSld>
+  <p:clrMapOvr>
+    <a:masterClrMapping/>
+  </p:clrMapOvr>
+  <p:timing>
+    <p:tnLst>
+      <p:par>
+        <p:cTn id="1" dur="indefinite" restart="never" nodeType="tmRoot"/>
+      </p:par>
+    </p:tnLst>
+  </p:timing>
+</p:sld>
+</file>
+
+<file path=ppt/slides/slide7.xml><?xml version="1.0" encoding="utf-8"?>
+<p:sld xmlns:a="http://schemas.openxmlformats.org/drawingml/2006/main" xmlns:r="http://schemas.openxmlformats.org/officeDocument/2006/relationships" xmlns:p="http://schemas.openxmlformats.org/presentationml/2006/main">
+  <p:cSld>
+    <p:spTree>
+      <p:nvGrpSpPr>
+        <p:cNvPr id="1" name=""/>
+        <p:cNvGrpSpPr/>
+        <p:nvPr/>
+      </p:nvGrpSpPr>
+      <p:grpSpPr>
+        <a:xfrm>
+          <a:off x="0" y="0"/>
+          <a:ext cx="0" cy="0"/>
+          <a:chOff x="0" y="0"/>
+          <a:chExt cx="0" cy="0"/>
+        </a:xfrm>
+      </p:grpSpPr>
+      <p:sp>
+        <p:nvSpPr>
+          <p:cNvPr id="2" name="Title 1"/>
+          <p:cNvSpPr>
+            <a:spLocks noGrp="1"/>
+          </p:cNvSpPr>
+          <p:nvPr>
+            <p:ph type="title"/>
+          </p:nvPr>
+        </p:nvSpPr>
+        <p:spPr/>
+        <p:txBody>
+          <a:bodyPr>
+            <a:normAutofit fontScale="90000"/>
+          </a:bodyPr>
+          <a:lstStyle/>
+          <a:p>
+            <a:r>
+              <a:rPr lang="en-US" b="1" i="1" dirty="0"/>
+              <a:t>Windows Phone Developer Power Tools (8.1)</a:t>
+            </a:r>
+            <a:br>
+              <a:rPr lang="en-US" b="1" i="1" dirty="0"/>
+            </a:br>
+            <a:endParaRPr lang="en-US" dirty="0"/>
+          </a:p>
+        </p:txBody>
+      </p:sp>
+      <p:pic>
+        <p:nvPicPr>
+          <p:cNvPr id="5" name="Picture 4"/>
+          <p:cNvPicPr>
+            <a:picLocks noChangeAspect="1"/>
+          </p:cNvPicPr>
+          <p:nvPr/>
+        </p:nvPicPr>
+        <p:blipFill>
+          <a:blip r:embed="rId2">
+            <a:extLst>
+              <a:ext uri="{28A0092B-C50C-407E-A947-70E740481C1C}">
+                <a14:useLocalDpi xmlns:a14="http://schemas.microsoft.com/office/drawing/2010/main" val="0"/>
+              </a:ext>
+            </a:extLst>
+          </a:blip>
+          <a:stretch>
+            <a:fillRect/>
+          </a:stretch>
+        </p:blipFill>
+        <p:spPr>
+          <a:xfrm>
+            <a:off x="6556197" y="5918320"/>
+            <a:ext cx="2356206" cy="819150"/>
+          </a:xfrm>
+          <a:prstGeom prst="rect">
+            <a:avLst/>
+          </a:prstGeom>
+        </p:spPr>
+      </p:pic>
+      <p:pic>
+        <p:nvPicPr>
+          <p:cNvPr id="6" name="Content Placeholder 5" descr="C:\Users\D9FF0~1.UND\AppData\Local\Temp\SNAGHTML1a68d04f.PNG"/>
+          <p:cNvPicPr>
+            <a:picLocks noGrp="1"/>
+          </p:cNvPicPr>
+          <p:nvPr>
+            <p:ph idx="1"/>
+          </p:nvPr>
+        </p:nvPicPr>
+        <p:blipFill>
+          <a:blip r:embed="rId3">
+            <a:extLst>
+              <a:ext uri="{28A0092B-C50C-407E-A947-70E740481C1C}">
+                <a14:useLocalDpi xmlns:a14="http://schemas.microsoft.com/office/drawing/2010/main" val="0"/>
+              </a:ext>
+            </a:extLst>
+          </a:blip>
+          <a:srcRect/>
+          <a:stretch>
+            <a:fillRect/>
+          </a:stretch>
+        </p:blipFill>
+        <p:spPr bwMode="auto">
+          <a:xfrm>
+            <a:off x="620486" y="1417638"/>
+            <a:ext cx="8066314" cy="4281033"/>
+          </a:xfrm>
+          <a:prstGeom prst="rect">
+            <a:avLst/>
+          </a:prstGeom>
+          <a:noFill/>
+          <a:ln>
+            <a:noFill/>
+          </a:ln>
+        </p:spPr>
+      </p:pic>
+    </p:spTree>
+    <p:extLst>
+      <p:ext uri="{BB962C8B-B14F-4D97-AF65-F5344CB8AC3E}">
+        <p14:creationId xmlns:p14="http://schemas.microsoft.com/office/powerpoint/2010/main" val="406581684"/>
+      </p:ext>
+    </p:extLst>
+  </p:cSld>
+  <p:clrMapOvr>
+    <a:masterClrMapping/>
+  </p:clrMapOvr>
+  <p:timing>
+    <p:tnLst>
+      <p:par>
+        <p:cTn id="1" dur="indefinite" restart="never" nodeType="tmRoot"/>
+      </p:par>
+    </p:tnLst>
+  </p:timing>
+</p:sld>
+</file>
+
+<file path=ppt/slides/slide8.xml><?xml version="1.0" encoding="utf-8"?>
+<p:sld xmlns:a="http://schemas.openxmlformats.org/drawingml/2006/main" xmlns:r="http://schemas.openxmlformats.org/officeDocument/2006/relationships" xmlns:p="http://schemas.openxmlformats.org/presentationml/2006/main">
+  <p:cSld>
+    <p:spTree>
+      <p:nvGrpSpPr>
+        <p:cNvPr id="1" name=""/>
+        <p:cNvGrpSpPr/>
+        <p:nvPr/>
+      </p:nvGrpSpPr>
+      <p:grpSpPr>
+        <a:xfrm>
+          <a:off x="0" y="0"/>
+          <a:ext cx="0" cy="0"/>
+          <a:chOff x="0" y="0"/>
+          <a:chExt cx="0" cy="0"/>
+        </a:xfrm>
+      </p:grpSpPr>
+      <p:sp>
+        <p:nvSpPr>
+          <p:cNvPr id="2" name="Title 1"/>
+          <p:cNvSpPr>
+            <a:spLocks noGrp="1"/>
+          </p:cNvSpPr>
+          <p:nvPr>
+            <p:ph type="title"/>
+          </p:nvPr>
+        </p:nvSpPr>
+        <p:spPr/>
+        <p:txBody>
+          <a:bodyPr>
+            <a:normAutofit fontScale="90000"/>
+          </a:bodyPr>
+          <a:lstStyle/>
+          <a:p>
+            <a:r>
               <a:rPr lang="en-US" b="1" dirty="0" smtClean="0"/>
               <a:t>Demo 1 - Parts </a:t>
             </a:r>
@@ -9894,7 +11259,7 @@
 </p:sld>
 </file>
 
-<file path=ppt/slides/slide7.xml><?xml version="1.0" encoding="utf-8"?>
+<file path=ppt/slides/slide9.xml><?xml version="1.0" encoding="utf-8"?>
 <p:sld xmlns:a="http://schemas.openxmlformats.org/drawingml/2006/main" xmlns:r="http://schemas.openxmlformats.org/officeDocument/2006/relationships" xmlns:p="http://schemas.openxmlformats.org/presentationml/2006/main">
   <p:cSld>
     <p:spTree>
@@ -10038,238 +11403,6 @@
     <p:extLst>
       <p:ext uri="{BB962C8B-B14F-4D97-AF65-F5344CB8AC3E}">
         <p14:creationId xmlns:p14="http://schemas.microsoft.com/office/powerpoint/2010/main" val="1442062638"/>
-      </p:ext>
-    </p:extLst>
-  </p:cSld>
-  <p:clrMapOvr>
-    <a:masterClrMapping/>
-  </p:clrMapOvr>
-  <p:timing>
-    <p:tnLst>
-      <p:par>
-        <p:cTn id="1" dur="indefinite" restart="never" nodeType="tmRoot"/>
-      </p:par>
-    </p:tnLst>
-  </p:timing>
-</p:sld>
-</file>
-
-<file path=ppt/slides/slide8.xml><?xml version="1.0" encoding="utf-8"?>
-<p:sld xmlns:a="http://schemas.openxmlformats.org/drawingml/2006/main" xmlns:r="http://schemas.openxmlformats.org/officeDocument/2006/relationships" xmlns:p="http://schemas.openxmlformats.org/presentationml/2006/main">
-  <p:cSld>
-    <p:spTree>
-      <p:nvGrpSpPr>
-        <p:cNvPr id="1" name=""/>
-        <p:cNvGrpSpPr/>
-        <p:nvPr/>
-      </p:nvGrpSpPr>
-      <p:grpSpPr>
-        <a:xfrm>
-          <a:off x="0" y="0"/>
-          <a:ext cx="0" cy="0"/>
-          <a:chOff x="0" y="0"/>
-          <a:chExt cx="0" cy="0"/>
-        </a:xfrm>
-      </p:grpSpPr>
-      <p:sp>
-        <p:nvSpPr>
-          <p:cNvPr id="2" name="Title 1"/>
-          <p:cNvSpPr>
-            <a:spLocks noGrp="1"/>
-          </p:cNvSpPr>
-          <p:nvPr>
-            <p:ph type="title"/>
-          </p:nvPr>
-        </p:nvSpPr>
-        <p:spPr/>
-        <p:txBody>
-          <a:bodyPr/>
-          <a:lstStyle/>
-          <a:p>
-            <a:r>
-              <a:rPr lang="en-US" dirty="0" smtClean="0"/>
-              <a:t>Helpers that come for free</a:t>
-            </a:r>
-            <a:endParaRPr lang="en-US" dirty="0"/>
-          </a:p>
-        </p:txBody>
-      </p:sp>
-      <p:pic>
-        <p:nvPicPr>
-          <p:cNvPr id="5" name="Picture 4"/>
-          <p:cNvPicPr>
-            <a:picLocks noChangeAspect="1"/>
-          </p:cNvPicPr>
-          <p:nvPr/>
-        </p:nvPicPr>
-        <p:blipFill>
-          <a:blip r:embed="rId3">
-            <a:extLst>
-              <a:ext uri="{28A0092B-C50C-407E-A947-70E740481C1C}">
-                <a14:useLocalDpi xmlns:a14="http://schemas.microsoft.com/office/drawing/2010/main" val="0"/>
-              </a:ext>
-            </a:extLst>
-          </a:blip>
-          <a:stretch>
-            <a:fillRect/>
-          </a:stretch>
-        </p:blipFill>
-        <p:spPr>
-          <a:xfrm>
-            <a:off x="6556197" y="5918320"/>
-            <a:ext cx="2356206" cy="819150"/>
-          </a:xfrm>
-          <a:prstGeom prst="rect">
-            <a:avLst/>
-          </a:prstGeom>
-        </p:spPr>
-      </p:pic>
-      <p:pic>
-        <p:nvPicPr>
-          <p:cNvPr id="4" name="Picture 3"/>
-          <p:cNvPicPr>
-            <a:picLocks noChangeAspect="1"/>
-          </p:cNvPicPr>
-          <p:nvPr/>
-        </p:nvPicPr>
-        <p:blipFill>
-          <a:blip r:embed="rId4"/>
-          <a:stretch>
-            <a:fillRect/>
-          </a:stretch>
-        </p:blipFill>
-        <p:spPr>
-          <a:xfrm>
-            <a:off x="457200" y="1961644"/>
-            <a:ext cx="8155598" cy="2661557"/>
-          </a:xfrm>
-          <a:prstGeom prst="rect">
-            <a:avLst/>
-          </a:prstGeom>
-        </p:spPr>
-      </p:pic>
-    </p:spTree>
-    <p:extLst>
-      <p:ext uri="{BB962C8B-B14F-4D97-AF65-F5344CB8AC3E}">
-        <p14:creationId xmlns:p14="http://schemas.microsoft.com/office/powerpoint/2010/main" val="4125215241"/>
-      </p:ext>
-    </p:extLst>
-  </p:cSld>
-  <p:clrMapOvr>
-    <a:masterClrMapping/>
-  </p:clrMapOvr>
-  <p:timing>
-    <p:tnLst>
-      <p:par>
-        <p:cTn id="1" dur="indefinite" restart="never" nodeType="tmRoot"/>
-      </p:par>
-    </p:tnLst>
-  </p:timing>
-</p:sld>
-</file>
-
-<file path=ppt/slides/slide9.xml><?xml version="1.0" encoding="utf-8"?>
-<p:sld xmlns:a="http://schemas.openxmlformats.org/drawingml/2006/main" xmlns:r="http://schemas.openxmlformats.org/officeDocument/2006/relationships" xmlns:p="http://schemas.openxmlformats.org/presentationml/2006/main">
-  <p:cSld>
-    <p:spTree>
-      <p:nvGrpSpPr>
-        <p:cNvPr id="1" name=""/>
-        <p:cNvGrpSpPr/>
-        <p:nvPr/>
-      </p:nvGrpSpPr>
-      <p:grpSpPr>
-        <a:xfrm>
-          <a:off x="0" y="0"/>
-          <a:ext cx="0" cy="0"/>
-          <a:chOff x="0" y="0"/>
-          <a:chExt cx="0" cy="0"/>
-        </a:xfrm>
-      </p:grpSpPr>
-      <p:sp>
-        <p:nvSpPr>
-          <p:cNvPr id="2" name="Title 1"/>
-          <p:cNvSpPr>
-            <a:spLocks noGrp="1"/>
-          </p:cNvSpPr>
-          <p:nvPr>
-            <p:ph type="title"/>
-          </p:nvPr>
-        </p:nvSpPr>
-        <p:spPr/>
-        <p:txBody>
-          <a:bodyPr>
-            <a:normAutofit fontScale="90000"/>
-          </a:bodyPr>
-          <a:lstStyle/>
-          <a:p>
-            <a:r>
-              <a:rPr lang="en-US" dirty="0" smtClean="0"/>
-              <a:t>Add phone support existing store app</a:t>
-            </a:r>
-            <a:endParaRPr lang="en-US" dirty="0"/>
-          </a:p>
-        </p:txBody>
-      </p:sp>
-      <p:pic>
-        <p:nvPicPr>
-          <p:cNvPr id="4" name="Content Placeholder 3"/>
-          <p:cNvPicPr>
-            <a:picLocks noGrp="1" noChangeAspect="1"/>
-          </p:cNvPicPr>
-          <p:nvPr>
-            <p:ph idx="1"/>
-          </p:nvPr>
-        </p:nvPicPr>
-        <p:blipFill>
-          <a:blip r:embed="rId3"/>
-          <a:stretch>
-            <a:fillRect/>
-          </a:stretch>
-        </p:blipFill>
-        <p:spPr>
-          <a:xfrm>
-            <a:off x="457200" y="1648925"/>
-            <a:ext cx="8102036" cy="2743461"/>
-          </a:xfrm>
-          <a:prstGeom prst="rect">
-            <a:avLst/>
-          </a:prstGeom>
-        </p:spPr>
-      </p:pic>
-      <p:pic>
-        <p:nvPicPr>
-          <p:cNvPr id="5" name="Picture 4"/>
-          <p:cNvPicPr>
-            <a:picLocks noChangeAspect="1"/>
-          </p:cNvPicPr>
-          <p:nvPr/>
-        </p:nvPicPr>
-        <p:blipFill>
-          <a:blip r:embed="rId4">
-            <a:extLst>
-              <a:ext uri="{28A0092B-C50C-407E-A947-70E740481C1C}">
-                <a14:useLocalDpi xmlns:a14="http://schemas.microsoft.com/office/drawing/2010/main" val="0"/>
-              </a:ext>
-            </a:extLst>
-          </a:blip>
-          <a:stretch>
-            <a:fillRect/>
-          </a:stretch>
-        </p:blipFill>
-        <p:spPr>
-          <a:xfrm>
-            <a:off x="6556197" y="5918320"/>
-            <a:ext cx="2356206" cy="819150"/>
-          </a:xfrm>
-          <a:prstGeom prst="rect">
-            <a:avLst/>
-          </a:prstGeom>
-        </p:spPr>
-      </p:pic>
-    </p:spTree>
-    <p:extLst>
-      <p:ext uri="{BB962C8B-B14F-4D97-AF65-F5344CB8AC3E}">
-        <p14:creationId xmlns:p14="http://schemas.microsoft.com/office/powerpoint/2010/main" val="3407941427"/>
       </p:ext>
     </p:extLst>
   </p:cSld>

--- a/ReCon2014_UniversalAppPortalClassLibraries_Light.pptx
+++ b/ReCon2014_UniversalAppPortalClassLibraries_Light.pptx
@@ -228,7 +228,7 @@
           <a:p>
             <a:fld id="{EEE4906C-EBA9-4A0B-AE3E-11B5B3DE1E30}" type="datetimeFigureOut">
               <a:rPr lang="en-US" smtClean="0"/>
-              <a:t>10/4/2014</a:t>
+              <a:t>10/5/2014</a:t>
             </a:fld>
             <a:endParaRPr lang="en-US"/>
           </a:p>
@@ -3876,7 +3876,7 @@
           <a:p>
             <a:fld id="{DA583EDF-0732-5343-98CC-1C67BF71244D}" type="datetimeFigureOut">
               <a:rPr lang="en-US" smtClean="0"/>
-              <a:t>10/4/2014</a:t>
+              <a:t>10/5/2014</a:t>
             </a:fld>
             <a:endParaRPr lang="en-US"/>
           </a:p>
@@ -4046,7 +4046,7 @@
           <a:p>
             <a:fld id="{DA583EDF-0732-5343-98CC-1C67BF71244D}" type="datetimeFigureOut">
               <a:rPr lang="en-US" smtClean="0"/>
-              <a:t>10/4/2014</a:t>
+              <a:t>10/5/2014</a:t>
             </a:fld>
             <a:endParaRPr lang="en-US"/>
           </a:p>
@@ -4226,7 +4226,7 @@
           <a:p>
             <a:fld id="{DA583EDF-0732-5343-98CC-1C67BF71244D}" type="datetimeFigureOut">
               <a:rPr lang="en-US" smtClean="0"/>
-              <a:t>10/4/2014</a:t>
+              <a:t>10/5/2014</a:t>
             </a:fld>
             <a:endParaRPr lang="en-US"/>
           </a:p>
@@ -4396,7 +4396,7 @@
           <a:p>
             <a:fld id="{DA583EDF-0732-5343-98CC-1C67BF71244D}" type="datetimeFigureOut">
               <a:rPr lang="en-US" smtClean="0"/>
-              <a:t>10/4/2014</a:t>
+              <a:t>10/5/2014</a:t>
             </a:fld>
             <a:endParaRPr lang="en-US"/>
           </a:p>
@@ -4642,7 +4642,7 @@
           <a:p>
             <a:fld id="{DA583EDF-0732-5343-98CC-1C67BF71244D}" type="datetimeFigureOut">
               <a:rPr lang="en-US" smtClean="0"/>
-              <a:t>10/4/2014</a:t>
+              <a:t>10/5/2014</a:t>
             </a:fld>
             <a:endParaRPr lang="en-US"/>
           </a:p>
@@ -4930,7 +4930,7 @@
           <a:p>
             <a:fld id="{DA583EDF-0732-5343-98CC-1C67BF71244D}" type="datetimeFigureOut">
               <a:rPr lang="en-US" smtClean="0"/>
-              <a:t>10/4/2014</a:t>
+              <a:t>10/5/2014</a:t>
             </a:fld>
             <a:endParaRPr lang="en-US"/>
           </a:p>
@@ -5352,7 +5352,7 @@
           <a:p>
             <a:fld id="{DA583EDF-0732-5343-98CC-1C67BF71244D}" type="datetimeFigureOut">
               <a:rPr lang="en-US" smtClean="0"/>
-              <a:t>10/4/2014</a:t>
+              <a:t>10/5/2014</a:t>
             </a:fld>
             <a:endParaRPr lang="en-US"/>
           </a:p>
@@ -5470,7 +5470,7 @@
           <a:p>
             <a:fld id="{DA583EDF-0732-5343-98CC-1C67BF71244D}" type="datetimeFigureOut">
               <a:rPr lang="en-US" smtClean="0"/>
-              <a:t>10/4/2014</a:t>
+              <a:t>10/5/2014</a:t>
             </a:fld>
             <a:endParaRPr lang="en-US"/>
           </a:p>
@@ -5565,7 +5565,7 @@
           <a:p>
             <a:fld id="{DA583EDF-0732-5343-98CC-1C67BF71244D}" type="datetimeFigureOut">
               <a:rPr lang="en-US" smtClean="0"/>
-              <a:t>10/4/2014</a:t>
+              <a:t>10/5/2014</a:t>
             </a:fld>
             <a:endParaRPr lang="en-US"/>
           </a:p>
@@ -5842,7 +5842,7 @@
           <a:p>
             <a:fld id="{DA583EDF-0732-5343-98CC-1C67BF71244D}" type="datetimeFigureOut">
               <a:rPr lang="en-US" smtClean="0"/>
-              <a:t>10/4/2014</a:t>
+              <a:t>10/5/2014</a:t>
             </a:fld>
             <a:endParaRPr lang="en-US"/>
           </a:p>
@@ -6095,7 +6095,7 @@
           <a:p>
             <a:fld id="{DA583EDF-0732-5343-98CC-1C67BF71244D}" type="datetimeFigureOut">
               <a:rPr lang="en-US" smtClean="0"/>
-              <a:t>10/4/2014</a:t>
+              <a:t>10/5/2014</a:t>
             </a:fld>
             <a:endParaRPr lang="en-US"/>
           </a:p>
@@ -6308,7 +6308,7 @@
           <a:p>
             <a:fld id="{DA583EDF-0732-5343-98CC-1C67BF71244D}" type="datetimeFigureOut">
               <a:rPr lang="en-US" smtClean="0"/>
-              <a:t>10/4/2014</a:t>
+              <a:t>10/5/2014</a:t>
             </a:fld>
             <a:endParaRPr lang="en-US"/>
           </a:p>
@@ -6714,8 +6714,12 @@
           <a:lstStyle/>
           <a:p>
             <a:r>
+              <a:rPr lang="en-US" smtClean="0"/>
+              <a:t>Windows </a:t>
+            </a:r>
+            <a:r>
               <a:rPr lang="en-US" dirty="0"/>
-              <a:t>Sharing Code Across All Windows Desktop, Store and Phone Platforms, the Universe is Mine!</a:t>
+              <a:t>Desktop, Store and Phone Platforms, the Universe is Mine!</a:t>
             </a:r>
           </a:p>
         </p:txBody>
@@ -10682,7 +10686,7 @@
         <p:spPr/>
         <p:txBody>
           <a:bodyPr>
-            <a:normAutofit/>
+            <a:normAutofit fontScale="92500" lnSpcReduction="20000"/>
           </a:bodyPr>
           <a:lstStyle/>
           <a:p>
@@ -10735,7 +10739,42 @@
               <a:rPr lang="en-US" u="sng" dirty="0">
                 <a:hlinkClick r:id="rId4"/>
               </a:rPr>
-              <a:t>://isostorespy.codeplex.com/</a:t>
+              <a:t>://isostorespy.codeplex.com</a:t>
+            </a:r>
+            <a:r>
+              <a:rPr lang="en-US" u="sng" dirty="0" smtClean="0">
+                <a:hlinkClick r:id="rId4"/>
+              </a:rPr>
+              <a:t>/</a:t>
+            </a:r>
+            <a:endParaRPr lang="en-US" u="sng" dirty="0" smtClean="0"/>
+          </a:p>
+          <a:p>
+            <a:r>
+              <a:rPr lang="en-US" b="1" dirty="0" smtClean="0"/>
+              <a:t>Project My Screen App </a:t>
+            </a:r>
+            <a:r>
+              <a:rPr lang="en-US" dirty="0" smtClean="0"/>
+              <a:t>-</a:t>
+            </a:r>
+            <a:r>
+              <a:rPr lang="en-US" dirty="0" smtClean="0">
+                <a:hlinkClick r:id="rId5"/>
+              </a:rPr>
+              <a:t>http</a:t>
+            </a:r>
+            <a:r>
+              <a:rPr lang="en-US" dirty="0">
+                <a:hlinkClick r:id="rId5"/>
+              </a:rPr>
+              <a:t>://</a:t>
+            </a:r>
+            <a:r>
+              <a:rPr lang="en-US" dirty="0" smtClean="0">
+                <a:hlinkClick r:id="rId5"/>
+              </a:rPr>
+              <a:t>www.microsoft.com/en-us/download/details.aspx?id=42536</a:t>
             </a:r>
             <a:endParaRPr lang="en-US" dirty="0"/>
           </a:p>
@@ -10754,13 +10793,13 @@
             </a:r>
             <a:r>
               <a:rPr lang="en-US" u="sng" dirty="0" smtClean="0">
-                <a:hlinkClick r:id="rId5"/>
+                <a:hlinkClick r:id="rId6"/>
               </a:rPr>
               <a:t>http</a:t>
             </a:r>
             <a:r>
               <a:rPr lang="en-US" u="sng" dirty="0">
-                <a:hlinkClick r:id="rId5"/>
+                <a:hlinkClick r:id="rId6"/>
               </a:rPr>
               <a:t>://xamlspy.com/</a:t>
             </a:r>
@@ -10794,7 +10833,7 @@
           <p:nvPr/>
         </p:nvPicPr>
         <p:blipFill>
-          <a:blip r:embed="rId6">
+          <a:blip r:embed="rId7">
             <a:extLst>
               <a:ext uri="{28A0092B-C50C-407E-A947-70E740481C1C}">
                 <a14:useLocalDpi xmlns:a14="http://schemas.microsoft.com/office/drawing/2010/main" val="0"/>

--- a/ReCon2014_UniversalAppPortalClassLibraries_Light.pptx
+++ b/ReCon2014_UniversalAppPortalClassLibraries_Light.pptx
@@ -11,10 +11,10 @@
     <p:sldId id="256" r:id="rId2"/>
     <p:sldId id="257" r:id="rId3"/>
     <p:sldId id="259" r:id="rId4"/>
-    <p:sldId id="258" r:id="rId5"/>
-    <p:sldId id="266" r:id="rId6"/>
-    <p:sldId id="268" r:id="rId7"/>
-    <p:sldId id="269" r:id="rId8"/>
+    <p:sldId id="266" r:id="rId5"/>
+    <p:sldId id="268" r:id="rId6"/>
+    <p:sldId id="269" r:id="rId7"/>
+    <p:sldId id="258" r:id="rId8"/>
     <p:sldId id="261" r:id="rId9"/>
     <p:sldId id="264" r:id="rId10"/>
     <p:sldId id="271" r:id="rId11"/>
@@ -542,8 +542,28 @@
           <a:p>
             <a:r>
               <a:rPr lang="en-US" dirty="0" smtClean="0"/>
-              <a:t>This presentation will be on sharing code between platforms.</a:t>
-            </a:r>
+              <a:t>This presentation will</a:t>
+            </a:r>
+            <a:r>
+              <a:rPr lang="en-US" baseline="0" dirty="0" smtClean="0"/>
+              <a:t> be about getting started with Windows Store and phone applications.</a:t>
+            </a:r>
+          </a:p>
+          <a:p>
+            <a:r>
+              <a:rPr lang="en-US" baseline="0" dirty="0" smtClean="0"/>
+              <a:t>Techniques for sharing code between Desktop, Store and phone</a:t>
+            </a:r>
+          </a:p>
+          <a:p>
+            <a:r>
+              <a:rPr lang="en-US" baseline="0" dirty="0" smtClean="0"/>
+              <a:t>Tools available to help</a:t>
+            </a:r>
+            <a:endParaRPr lang="en-US" dirty="0" smtClean="0"/>
+          </a:p>
+          <a:p>
+            <a:endParaRPr lang="en-US" dirty="0" smtClean="0"/>
           </a:p>
           <a:p>
             <a:endParaRPr lang="en-US" dirty="0" smtClean="0"/>
@@ -658,6 +678,98 @@
           <a:lstStyle/>
           <a:p>
             <a:r>
+              <a:rPr lang="en-US" dirty="0" smtClean="0"/>
+              <a:t>Demo adding phone </a:t>
+            </a:r>
+            <a:r>
+              <a:rPr lang="en-US" dirty="0" err="1" smtClean="0"/>
+              <a:t>suport</a:t>
+            </a:r>
+            <a:endParaRPr lang="en-US" dirty="0"/>
+          </a:p>
+        </p:txBody>
+      </p:sp>
+      <p:sp>
+        <p:nvSpPr>
+          <p:cNvPr id="4" name="Slide Number Placeholder 3"/>
+          <p:cNvSpPr>
+            <a:spLocks noGrp="1"/>
+          </p:cNvSpPr>
+          <p:nvPr>
+            <p:ph type="sldNum" sz="quarter" idx="10"/>
+          </p:nvPr>
+        </p:nvSpPr>
+        <p:spPr/>
+        <p:txBody>
+          <a:bodyPr/>
+          <a:lstStyle/>
+          <a:p>
+            <a:fld id="{795A654D-6BE0-48C1-8457-36B06568CB66}" type="slidenum">
+              <a:rPr lang="en-US" smtClean="0"/>
+              <a:t>11</a:t>
+            </a:fld>
+            <a:endParaRPr lang="en-US"/>
+          </a:p>
+        </p:txBody>
+      </p:sp>
+    </p:spTree>
+    <p:extLst>
+      <p:ext uri="{BB962C8B-B14F-4D97-AF65-F5344CB8AC3E}">
+        <p14:creationId xmlns:p14="http://schemas.microsoft.com/office/powerpoint/2010/main" val="2880548321"/>
+      </p:ext>
+    </p:extLst>
+  </p:cSld>
+  <p:clrMapOvr>
+    <a:masterClrMapping/>
+  </p:clrMapOvr>
+</p:notes>
+</file>
+
+<file path=ppt/notesSlides/notesSlide11.xml><?xml version="1.0" encoding="utf-8"?>
+<p:notes xmlns:a="http://schemas.openxmlformats.org/drawingml/2006/main" xmlns:r="http://schemas.openxmlformats.org/officeDocument/2006/relationships" xmlns:p="http://schemas.openxmlformats.org/presentationml/2006/main">
+  <p:cSld>
+    <p:spTree>
+      <p:nvGrpSpPr>
+        <p:cNvPr id="1" name=""/>
+        <p:cNvGrpSpPr/>
+        <p:nvPr/>
+      </p:nvGrpSpPr>
+      <p:grpSpPr>
+        <a:xfrm>
+          <a:off x="0" y="0"/>
+          <a:ext cx="0" cy="0"/>
+          <a:chOff x="0" y="0"/>
+          <a:chExt cx="0" cy="0"/>
+        </a:xfrm>
+      </p:grpSpPr>
+      <p:sp>
+        <p:nvSpPr>
+          <p:cNvPr id="2" name="Slide Image Placeholder 1"/>
+          <p:cNvSpPr>
+            <a:spLocks noGrp="1" noRot="1" noChangeAspect="1"/>
+          </p:cNvSpPr>
+          <p:nvPr>
+            <p:ph type="sldImg"/>
+          </p:nvPr>
+        </p:nvSpPr>
+        <p:spPr/>
+      </p:sp>
+      <p:sp>
+        <p:nvSpPr>
+          <p:cNvPr id="3" name="Notes Placeholder 2"/>
+          <p:cNvSpPr>
+            <a:spLocks noGrp="1"/>
+          </p:cNvSpPr>
+          <p:nvPr>
+            <p:ph type="body" idx="1"/>
+          </p:nvPr>
+        </p:nvSpPr>
+        <p:spPr/>
+        <p:txBody>
+          <a:bodyPr/>
+          <a:lstStyle/>
+          <a:p>
+            <a:r>
               <a:rPr lang="en-US" sz="1200" kern="1200" dirty="0" smtClean="0">
                 <a:solidFill>
                   <a:schemeClr val="tx1"/>
@@ -1022,7 +1134,7 @@
 </p:notes>
 </file>
 
-<file path=ppt/notesSlides/notesSlide11.xml><?xml version="1.0" encoding="utf-8"?>
+<file path=ppt/notesSlides/notesSlide12.xml><?xml version="1.0" encoding="utf-8"?>
 <p:notes xmlns:a="http://schemas.openxmlformats.org/drawingml/2006/main" xmlns:r="http://schemas.openxmlformats.org/officeDocument/2006/relationships" xmlns:p="http://schemas.openxmlformats.org/presentationml/2006/main">
   <p:cSld>
     <p:spTree>
@@ -1403,7 +1515,7 @@
 </p:notes>
 </file>
 
-<file path=ppt/notesSlides/notesSlide12.xml><?xml version="1.0" encoding="utf-8"?>
+<file path=ppt/notesSlides/notesSlide13.xml><?xml version="1.0" encoding="utf-8"?>
 <p:notes xmlns:a="http://schemas.openxmlformats.org/drawingml/2006/main" xmlns:r="http://schemas.openxmlformats.org/officeDocument/2006/relationships" xmlns:p="http://schemas.openxmlformats.org/presentationml/2006/main">
   <p:cSld>
     <p:spTree>
@@ -1673,90 +1785,6 @@
 </p:notes>
 </file>
 
-<file path=ppt/notesSlides/notesSlide13.xml><?xml version="1.0" encoding="utf-8"?>
-<p:notes xmlns:a="http://schemas.openxmlformats.org/drawingml/2006/main" xmlns:r="http://schemas.openxmlformats.org/officeDocument/2006/relationships" xmlns:p="http://schemas.openxmlformats.org/presentationml/2006/main">
-  <p:cSld>
-    <p:spTree>
-      <p:nvGrpSpPr>
-        <p:cNvPr id="1" name=""/>
-        <p:cNvGrpSpPr/>
-        <p:nvPr/>
-      </p:nvGrpSpPr>
-      <p:grpSpPr>
-        <a:xfrm>
-          <a:off x="0" y="0"/>
-          <a:ext cx="0" cy="0"/>
-          <a:chOff x="0" y="0"/>
-          <a:chExt cx="0" cy="0"/>
-        </a:xfrm>
-      </p:grpSpPr>
-      <p:sp>
-        <p:nvSpPr>
-          <p:cNvPr id="2" name="Slide Image Placeholder 1"/>
-          <p:cNvSpPr>
-            <a:spLocks noGrp="1" noRot="1" noChangeAspect="1"/>
-          </p:cNvSpPr>
-          <p:nvPr>
-            <p:ph type="sldImg"/>
-          </p:nvPr>
-        </p:nvSpPr>
-        <p:spPr/>
-      </p:sp>
-      <p:sp>
-        <p:nvSpPr>
-          <p:cNvPr id="3" name="Notes Placeholder 2"/>
-          <p:cNvSpPr>
-            <a:spLocks noGrp="1"/>
-          </p:cNvSpPr>
-          <p:nvPr>
-            <p:ph type="body" idx="1"/>
-          </p:nvPr>
-        </p:nvSpPr>
-        <p:spPr/>
-        <p:txBody>
-          <a:bodyPr/>
-          <a:lstStyle/>
-          <a:p>
-            <a:endParaRPr lang="en-US" dirty="0"/>
-          </a:p>
-        </p:txBody>
-      </p:sp>
-      <p:sp>
-        <p:nvSpPr>
-          <p:cNvPr id="4" name="Slide Number Placeholder 3"/>
-          <p:cNvSpPr>
-            <a:spLocks noGrp="1"/>
-          </p:cNvSpPr>
-          <p:nvPr>
-            <p:ph type="sldNum" sz="quarter" idx="10"/>
-          </p:nvPr>
-        </p:nvSpPr>
-        <p:spPr/>
-        <p:txBody>
-          <a:bodyPr/>
-          <a:lstStyle/>
-          <a:p>
-            <a:fld id="{795A654D-6BE0-48C1-8457-36B06568CB66}" type="slidenum">
-              <a:rPr lang="en-US" smtClean="0"/>
-              <a:t>16</a:t>
-            </a:fld>
-            <a:endParaRPr lang="en-US"/>
-          </a:p>
-        </p:txBody>
-      </p:sp>
-    </p:spTree>
-    <p:extLst>
-      <p:ext uri="{BB962C8B-B14F-4D97-AF65-F5344CB8AC3E}">
-        <p14:creationId xmlns:p14="http://schemas.microsoft.com/office/powerpoint/2010/main" val="2855237771"/>
-      </p:ext>
-    </p:extLst>
-  </p:cSld>
-  <p:clrMapOvr>
-    <a:masterClrMapping/>
-  </p:clrMapOvr>
-</p:notes>
-</file>
-
 <file path=ppt/notesSlides/notesSlide14.xml><?xml version="1.0" encoding="utf-8"?>
 <p:notes xmlns:a="http://schemas.openxmlformats.org/drawingml/2006/main" xmlns:r="http://schemas.openxmlformats.org/officeDocument/2006/relationships" xmlns:p="http://schemas.openxmlformats.org/presentationml/2006/main">
   <p:cSld>
@@ -1801,6 +1829,94 @@
           <a:bodyPr/>
           <a:lstStyle/>
           <a:p>
+            <a:r>
+              <a:rPr lang="en-US" dirty="0" err="1" smtClean="0"/>
+              <a:t>Xamarin</a:t>
+            </a:r>
+            <a:endParaRPr lang="en-US" dirty="0"/>
+          </a:p>
+        </p:txBody>
+      </p:sp>
+      <p:sp>
+        <p:nvSpPr>
+          <p:cNvPr id="4" name="Slide Number Placeholder 3"/>
+          <p:cNvSpPr>
+            <a:spLocks noGrp="1"/>
+          </p:cNvSpPr>
+          <p:nvPr>
+            <p:ph type="sldNum" sz="quarter" idx="10"/>
+          </p:nvPr>
+        </p:nvSpPr>
+        <p:spPr/>
+        <p:txBody>
+          <a:bodyPr/>
+          <a:lstStyle/>
+          <a:p>
+            <a:fld id="{795A654D-6BE0-48C1-8457-36B06568CB66}" type="slidenum">
+              <a:rPr lang="en-US" smtClean="0"/>
+              <a:t>16</a:t>
+            </a:fld>
+            <a:endParaRPr lang="en-US"/>
+          </a:p>
+        </p:txBody>
+      </p:sp>
+    </p:spTree>
+    <p:extLst>
+      <p:ext uri="{BB962C8B-B14F-4D97-AF65-F5344CB8AC3E}">
+        <p14:creationId xmlns:p14="http://schemas.microsoft.com/office/powerpoint/2010/main" val="2855237771"/>
+      </p:ext>
+    </p:extLst>
+  </p:cSld>
+  <p:clrMapOvr>
+    <a:masterClrMapping/>
+  </p:clrMapOvr>
+</p:notes>
+</file>
+
+<file path=ppt/notesSlides/notesSlide15.xml><?xml version="1.0" encoding="utf-8"?>
+<p:notes xmlns:a="http://schemas.openxmlformats.org/drawingml/2006/main" xmlns:r="http://schemas.openxmlformats.org/officeDocument/2006/relationships" xmlns:p="http://schemas.openxmlformats.org/presentationml/2006/main">
+  <p:cSld>
+    <p:spTree>
+      <p:nvGrpSpPr>
+        <p:cNvPr id="1" name=""/>
+        <p:cNvGrpSpPr/>
+        <p:nvPr/>
+      </p:nvGrpSpPr>
+      <p:grpSpPr>
+        <a:xfrm>
+          <a:off x="0" y="0"/>
+          <a:ext cx="0" cy="0"/>
+          <a:chOff x="0" y="0"/>
+          <a:chExt cx="0" cy="0"/>
+        </a:xfrm>
+      </p:grpSpPr>
+      <p:sp>
+        <p:nvSpPr>
+          <p:cNvPr id="2" name="Slide Image Placeholder 1"/>
+          <p:cNvSpPr>
+            <a:spLocks noGrp="1" noRot="1" noChangeAspect="1"/>
+          </p:cNvSpPr>
+          <p:nvPr>
+            <p:ph type="sldImg"/>
+          </p:nvPr>
+        </p:nvSpPr>
+        <p:spPr/>
+      </p:sp>
+      <p:sp>
+        <p:nvSpPr>
+          <p:cNvPr id="3" name="Notes Placeholder 2"/>
+          <p:cNvSpPr>
+            <a:spLocks noGrp="1"/>
+          </p:cNvSpPr>
+          <p:nvPr>
+            <p:ph type="body" idx="1"/>
+          </p:nvPr>
+        </p:nvSpPr>
+        <p:spPr/>
+        <p:txBody>
+          <a:bodyPr/>
+          <a:lstStyle/>
+          <a:p>
             <a:endParaRPr lang="en-US" dirty="0"/>
           </a:p>
         </p:txBody>
@@ -1841,7 +1957,7 @@
 </p:notes>
 </file>
 
-<file path=ppt/notesSlides/notesSlide15.xml><?xml version="1.0" encoding="utf-8"?>
+<file path=ppt/notesSlides/notesSlide16.xml><?xml version="1.0" encoding="utf-8"?>
 <p:notes xmlns:a="http://schemas.openxmlformats.org/drawingml/2006/main" xmlns:r="http://schemas.openxmlformats.org/officeDocument/2006/relationships" xmlns:p="http://schemas.openxmlformats.org/presentationml/2006/main">
   <p:cSld>
     <p:spTree>
@@ -2991,180 +3107,6 @@
           <a:bodyPr/>
           <a:lstStyle/>
           <a:p>
-            <a:r>
-              <a:rPr lang="en-US" sz="1200" kern="1200" dirty="0" smtClean="0">
-                <a:solidFill>
-                  <a:schemeClr val="tx1"/>
-                </a:solidFill>
-                <a:effectLst/>
-                <a:latin typeface="+mn-lt"/>
-                <a:ea typeface="+mn-ea"/>
-                <a:cs typeface="+mn-cs"/>
-              </a:rPr>
-              <a:t>Windows 10 convergence</a:t>
-            </a:r>
-          </a:p>
-          <a:p>
-            <a:endParaRPr lang="en-US" sz="1200" kern="1200" dirty="0" smtClean="0">
-              <a:solidFill>
-                <a:schemeClr val="tx1"/>
-              </a:solidFill>
-              <a:effectLst/>
-              <a:latin typeface="+mn-lt"/>
-              <a:ea typeface="+mn-ea"/>
-              <a:cs typeface="+mn-cs"/>
-            </a:endParaRPr>
-          </a:p>
-          <a:p>
-            <a:r>
-              <a:rPr lang="en-US" sz="1200" kern="1200" dirty="0" smtClean="0">
-                <a:solidFill>
-                  <a:schemeClr val="tx1"/>
-                </a:solidFill>
-                <a:effectLst/>
-                <a:latin typeface="+mn-lt"/>
-                <a:ea typeface="+mn-ea"/>
-                <a:cs typeface="+mn-cs"/>
-              </a:rPr>
-              <a:t>This excites me the most about the coming years.  I think MS kind of got lost when the released Vista</a:t>
-            </a:r>
-            <a:r>
-              <a:rPr lang="en-US" sz="1200" kern="1200" baseline="0" dirty="0" smtClean="0">
-                <a:solidFill>
-                  <a:schemeClr val="tx1"/>
-                </a:solidFill>
-                <a:effectLst/>
-                <a:latin typeface="+mn-lt"/>
-                <a:ea typeface="+mn-ea"/>
-                <a:cs typeface="+mn-cs"/>
-              </a:rPr>
-              <a:t> and it flopped hard.  Windows 7 and 8 were both steps getting us to 8.1.  I really feel 8.1 is the major milestone to getting them back on track.  </a:t>
-            </a:r>
-          </a:p>
-          <a:p>
-            <a:endParaRPr lang="en-US" sz="1200" kern="1200" baseline="0" dirty="0" smtClean="0">
-              <a:solidFill>
-                <a:schemeClr val="tx1"/>
-              </a:solidFill>
-              <a:effectLst/>
-              <a:latin typeface="+mn-lt"/>
-              <a:ea typeface="+mn-ea"/>
-              <a:cs typeface="+mn-cs"/>
-            </a:endParaRPr>
-          </a:p>
-          <a:p>
-            <a:r>
-              <a:rPr lang="en-US" sz="1200" kern="1200" baseline="0" dirty="0" smtClean="0">
-                <a:solidFill>
-                  <a:schemeClr val="tx1"/>
-                </a:solidFill>
-                <a:effectLst/>
-                <a:latin typeface="+mn-lt"/>
-                <a:ea typeface="+mn-ea"/>
-                <a:cs typeface="+mn-cs"/>
-              </a:rPr>
-              <a:t>Currently Store and phone are supported and the roadmaps that have been talked about say that Xbox will also be in the list of packages you can create.</a:t>
-            </a:r>
-            <a:endParaRPr lang="en-US" sz="1200" kern="1200" dirty="0" smtClean="0">
-              <a:solidFill>
-                <a:schemeClr val="tx1"/>
-              </a:solidFill>
-              <a:effectLst/>
-              <a:latin typeface="+mn-lt"/>
-              <a:ea typeface="+mn-ea"/>
-              <a:cs typeface="+mn-cs"/>
-            </a:endParaRPr>
-          </a:p>
-          <a:p>
-            <a:endParaRPr lang="en-US" sz="1200" kern="1200" dirty="0" smtClean="0">
-              <a:solidFill>
-                <a:schemeClr val="tx1"/>
-              </a:solidFill>
-              <a:effectLst/>
-              <a:latin typeface="+mn-lt"/>
-              <a:ea typeface="+mn-ea"/>
-              <a:cs typeface="+mn-cs"/>
-            </a:endParaRPr>
-          </a:p>
-          <a:p>
-            <a:endParaRPr lang="en-US" sz="1200" kern="1200" dirty="0" smtClean="0">
-              <a:solidFill>
-                <a:schemeClr val="tx1"/>
-              </a:solidFill>
-              <a:effectLst/>
-              <a:latin typeface="+mn-lt"/>
-              <a:ea typeface="+mn-ea"/>
-              <a:cs typeface="+mn-cs"/>
-            </a:endParaRPr>
-          </a:p>
-          <a:p>
-            <a:r>
-              <a:rPr lang="en-US" sz="1200" kern="1200" dirty="0" smtClean="0">
-                <a:solidFill>
-                  <a:schemeClr val="tx1"/>
-                </a:solidFill>
-                <a:effectLst/>
-                <a:latin typeface="+mn-lt"/>
-                <a:ea typeface="+mn-ea"/>
-                <a:cs typeface="+mn-cs"/>
-              </a:rPr>
-              <a:t>Develop once for all Windows devices using a unified Windows runtime and VS tools that allow you to both support experiences unique to a device in XAML, HTML, and DirectX, and share the code that supports those experiences across all devices using C++, C#, or JavaScript. When your work is finished you can you can produce the app packages that you will submit to the Windows Store and Windows Phone Store with a single action to get your app out to customers on any Windows device.</a:t>
-            </a:r>
-          </a:p>
-          <a:p>
-            <a:r>
-              <a:rPr lang="en-US" sz="1200" kern="1200" dirty="0" smtClean="0">
-                <a:solidFill>
-                  <a:schemeClr val="tx1"/>
-                </a:solidFill>
-                <a:effectLst/>
-                <a:latin typeface="+mn-lt"/>
-                <a:ea typeface="+mn-ea"/>
-                <a:cs typeface="+mn-cs"/>
-              </a:rPr>
-              <a:t>In terms of the Store experience, customers will benefit from an app identity shared across the Windows Store and the Windows Phone Store. Shared identity means that if they purchase your app from the Windows Store, they are capable of installing it on a device from the Windows Phone Store using the same Microsoft account without having to purchase the app again. Optionally, this can also include things like in-app purchases.</a:t>
-            </a:r>
-          </a:p>
-          <a:p>
-            <a:r>
-              <a:rPr lang="en-US" sz="1200" kern="1200" dirty="0" smtClean="0">
-                <a:solidFill>
-                  <a:schemeClr val="tx1"/>
-                </a:solidFill>
-                <a:effectLst/>
-                <a:latin typeface="+mn-lt"/>
-                <a:ea typeface="+mn-ea"/>
-                <a:cs typeface="+mn-cs"/>
-              </a:rPr>
-              <a:t>To get you started, the following sections will identify key upgrade paths, migration paths, and other critical resources that will help you bring your ideas to the converged Windows 8.1 platform. For more information on universal Windows apps and context on Microsoft’s vision for developer opportunity on Windows devices, please see our blog post </a:t>
-            </a:r>
-            <a:r>
-              <a:rPr lang="en-US" sz="1200" u="none" strike="noStrike" kern="1200" dirty="0" smtClean="0">
-                <a:solidFill>
-                  <a:schemeClr val="tx1"/>
-                </a:solidFill>
-                <a:effectLst/>
-                <a:latin typeface="+mn-lt"/>
-                <a:ea typeface="+mn-ea"/>
-                <a:cs typeface="+mn-cs"/>
-                <a:hlinkClick r:id="rId3"/>
-              </a:rPr>
-              <a:t>Introducing universal Windows apps</a:t>
-            </a:r>
-            <a:r>
-              <a:rPr lang="en-US" sz="1200" kern="1200" dirty="0" smtClean="0">
-                <a:solidFill>
-                  <a:schemeClr val="tx1"/>
-                </a:solidFill>
-                <a:effectLst/>
-                <a:latin typeface="+mn-lt"/>
-                <a:ea typeface="+mn-ea"/>
-                <a:cs typeface="+mn-cs"/>
-              </a:rPr>
-              <a:t>.</a:t>
-            </a:r>
-          </a:p>
-          <a:p>
             <a:endParaRPr lang="en-US" dirty="0"/>
           </a:p>
         </p:txBody>
@@ -3195,7 +3137,7 @@
     </p:spTree>
     <p:extLst>
       <p:ext uri="{BB962C8B-B14F-4D97-AF65-F5344CB8AC3E}">
-        <p14:creationId xmlns:p14="http://schemas.microsoft.com/office/powerpoint/2010/main" val="1457435736"/>
+        <p14:creationId xmlns:p14="http://schemas.microsoft.com/office/powerpoint/2010/main" val="296400452"/>
       </p:ext>
     </p:extLst>
   </p:cSld>
@@ -3270,7 +3212,7 @@
           <a:p>
             <a:fld id="{795A654D-6BE0-48C1-8457-36B06568CB66}" type="slidenum">
               <a:rPr lang="en-US" smtClean="0"/>
-              <a:t>5</a:t>
+              <a:t>6</a:t>
             </a:fld>
             <a:endParaRPr lang="en-US"/>
           </a:p>
@@ -3279,7 +3221,7 @@
     </p:spTree>
     <p:extLst>
       <p:ext uri="{BB962C8B-B14F-4D97-AF65-F5344CB8AC3E}">
-        <p14:creationId xmlns:p14="http://schemas.microsoft.com/office/powerpoint/2010/main" val="296400452"/>
+        <p14:creationId xmlns:p14="http://schemas.microsoft.com/office/powerpoint/2010/main" val="2256727729"/>
       </p:ext>
     </p:extLst>
   </p:cSld>
@@ -3333,23 +3275,6 @@
           <a:bodyPr/>
           <a:lstStyle/>
           <a:p>
-            <a:pPr marL="0" marR="0" indent="0" algn="l" defTabSz="914400" rtl="0" eaLnBrk="1" fontAlgn="auto" latinLnBrk="0" hangingPunct="1">
-              <a:lnSpc>
-                <a:spcPct val="100000"/>
-              </a:lnSpc>
-              <a:spcBef>
-                <a:spcPts val="0"/>
-              </a:spcBef>
-              <a:spcAft>
-                <a:spcPts val="0"/>
-              </a:spcAft>
-              <a:buClrTx/>
-              <a:buSzTx/>
-              <a:buFontTx/>
-              <a:buNone/>
-              <a:tabLst/>
-              <a:defRPr/>
-            </a:pPr>
             <a:r>
               <a:rPr lang="en-US" sz="1200" kern="1200" dirty="0" smtClean="0">
                 <a:solidFill>
@@ -3360,7 +3285,167 @@
                 <a:ea typeface="+mn-ea"/>
                 <a:cs typeface="+mn-cs"/>
               </a:rPr>
-              <a:t>Universal app is made up of 3 parts, the Windows Store project, the Windows Phone project, and the shared project.  </a:t>
+              <a:t>Windows 10 convergence</a:t>
+            </a:r>
+          </a:p>
+          <a:p>
+            <a:endParaRPr lang="en-US" sz="1200" kern="1200" dirty="0" smtClean="0">
+              <a:solidFill>
+                <a:schemeClr val="tx1"/>
+              </a:solidFill>
+              <a:effectLst/>
+              <a:latin typeface="+mn-lt"/>
+              <a:ea typeface="+mn-ea"/>
+              <a:cs typeface="+mn-cs"/>
+            </a:endParaRPr>
+          </a:p>
+          <a:p>
+            <a:r>
+              <a:rPr lang="en-US" sz="1200" kern="1200" dirty="0" smtClean="0">
+                <a:solidFill>
+                  <a:schemeClr val="tx1"/>
+                </a:solidFill>
+                <a:effectLst/>
+                <a:latin typeface="+mn-lt"/>
+                <a:ea typeface="+mn-ea"/>
+                <a:cs typeface="+mn-cs"/>
+              </a:rPr>
+              <a:t>This excites me the most about the coming years.  I think MS kind of got lost when the released Vista</a:t>
+            </a:r>
+            <a:r>
+              <a:rPr lang="en-US" sz="1200" kern="1200" baseline="0" dirty="0" smtClean="0">
+                <a:solidFill>
+                  <a:schemeClr val="tx1"/>
+                </a:solidFill>
+                <a:effectLst/>
+                <a:latin typeface="+mn-lt"/>
+                <a:ea typeface="+mn-ea"/>
+                <a:cs typeface="+mn-cs"/>
+              </a:rPr>
+              <a:t> and it flopped hard.  Windows 7 and 8 were both steps getting us to 8.1.  I really feel 8.1 is the major milestone to getting them back on track.  </a:t>
+            </a:r>
+          </a:p>
+          <a:p>
+            <a:endParaRPr lang="en-US" sz="1200" kern="1200" baseline="0" dirty="0" smtClean="0">
+              <a:solidFill>
+                <a:schemeClr val="tx1"/>
+              </a:solidFill>
+              <a:effectLst/>
+              <a:latin typeface="+mn-lt"/>
+              <a:ea typeface="+mn-ea"/>
+              <a:cs typeface="+mn-cs"/>
+            </a:endParaRPr>
+          </a:p>
+          <a:p>
+            <a:r>
+              <a:rPr lang="en-US" sz="1200" kern="1200" baseline="0" dirty="0" smtClean="0">
+                <a:solidFill>
+                  <a:schemeClr val="tx1"/>
+                </a:solidFill>
+                <a:effectLst/>
+                <a:latin typeface="+mn-lt"/>
+                <a:ea typeface="+mn-ea"/>
+                <a:cs typeface="+mn-cs"/>
+              </a:rPr>
+              <a:t>Currently Store and phone are supported and the roadmaps that have been talked about say that Xbox will also be in the list of packages you can create.</a:t>
+            </a:r>
+            <a:endParaRPr lang="en-US" sz="1200" kern="1200" dirty="0" smtClean="0">
+              <a:solidFill>
+                <a:schemeClr val="tx1"/>
+              </a:solidFill>
+              <a:effectLst/>
+              <a:latin typeface="+mn-lt"/>
+              <a:ea typeface="+mn-ea"/>
+              <a:cs typeface="+mn-cs"/>
+            </a:endParaRPr>
+          </a:p>
+          <a:p>
+            <a:endParaRPr lang="en-US" sz="1200" kern="1200" dirty="0" smtClean="0">
+              <a:solidFill>
+                <a:schemeClr val="tx1"/>
+              </a:solidFill>
+              <a:effectLst/>
+              <a:latin typeface="+mn-lt"/>
+              <a:ea typeface="+mn-ea"/>
+              <a:cs typeface="+mn-cs"/>
+            </a:endParaRPr>
+          </a:p>
+          <a:p>
+            <a:endParaRPr lang="en-US" sz="1200" kern="1200" dirty="0" smtClean="0">
+              <a:solidFill>
+                <a:schemeClr val="tx1"/>
+              </a:solidFill>
+              <a:effectLst/>
+              <a:latin typeface="+mn-lt"/>
+              <a:ea typeface="+mn-ea"/>
+              <a:cs typeface="+mn-cs"/>
+            </a:endParaRPr>
+          </a:p>
+          <a:p>
+            <a:r>
+              <a:rPr lang="en-US" sz="1200" kern="1200" dirty="0" smtClean="0">
+                <a:solidFill>
+                  <a:schemeClr val="tx1"/>
+                </a:solidFill>
+                <a:effectLst/>
+                <a:latin typeface="+mn-lt"/>
+                <a:ea typeface="+mn-ea"/>
+                <a:cs typeface="+mn-cs"/>
+              </a:rPr>
+              <a:t>Develop once for all Windows devices using a unified Windows runtime and VS tools that allow you to both support experiences unique to a device in XAML, HTML, and DirectX, and share the code that supports those experiences across all devices using C++, C#, or JavaScript. When your work is finished you can you can produce the app packages that you will submit to the Windows Store and Windows Phone Store with a single action to get your app out to customers on any Windows device.</a:t>
+            </a:r>
+          </a:p>
+          <a:p>
+            <a:r>
+              <a:rPr lang="en-US" sz="1200" kern="1200" dirty="0" smtClean="0">
+                <a:solidFill>
+                  <a:schemeClr val="tx1"/>
+                </a:solidFill>
+                <a:effectLst/>
+                <a:latin typeface="+mn-lt"/>
+                <a:ea typeface="+mn-ea"/>
+                <a:cs typeface="+mn-cs"/>
+              </a:rPr>
+              <a:t>In terms of the Store experience, customers will benefit from an app identity shared across the Windows Store and the Windows Phone Store. Shared identity means that if they purchase your app from the Windows Store, they are capable of installing it on a device from the Windows Phone Store using the same Microsoft account without having to purchase the app again. Optionally, this can also include things like in-app purchases.</a:t>
+            </a:r>
+          </a:p>
+          <a:p>
+            <a:r>
+              <a:rPr lang="en-US" sz="1200" kern="1200" dirty="0" smtClean="0">
+                <a:solidFill>
+                  <a:schemeClr val="tx1"/>
+                </a:solidFill>
+                <a:effectLst/>
+                <a:latin typeface="+mn-lt"/>
+                <a:ea typeface="+mn-ea"/>
+                <a:cs typeface="+mn-cs"/>
+              </a:rPr>
+              <a:t>To get you started, the following sections will identify key upgrade paths, migration paths, and other critical resources that will help you bring your ideas to the converged Windows 8.1 platform. For more information on universal Windows apps and context on Microsoft’s vision for developer opportunity on Windows devices, please see our blog post </a:t>
+            </a:r>
+            <a:r>
+              <a:rPr lang="en-US" sz="1200" u="none" strike="noStrike" kern="1200" dirty="0" smtClean="0">
+                <a:solidFill>
+                  <a:schemeClr val="tx1"/>
+                </a:solidFill>
+                <a:effectLst/>
+                <a:latin typeface="+mn-lt"/>
+                <a:ea typeface="+mn-ea"/>
+                <a:cs typeface="+mn-cs"/>
+                <a:hlinkClick r:id="rId3"/>
+              </a:rPr>
+              <a:t>Introducing universal Windows apps</a:t>
+            </a:r>
+            <a:r>
+              <a:rPr lang="en-US" sz="1200" kern="1200" dirty="0" smtClean="0">
+                <a:solidFill>
+                  <a:schemeClr val="tx1"/>
+                </a:solidFill>
+                <a:effectLst/>
+                <a:latin typeface="+mn-lt"/>
+                <a:ea typeface="+mn-ea"/>
+                <a:cs typeface="+mn-cs"/>
+              </a:rPr>
+              <a:t>.</a:t>
             </a:r>
           </a:p>
           <a:p>
@@ -3385,7 +3470,7 @@
           <a:p>
             <a:fld id="{795A654D-6BE0-48C1-8457-36B06568CB66}" type="slidenum">
               <a:rPr lang="en-US" smtClean="0"/>
-              <a:t>8</a:t>
+              <a:t>7</a:t>
             </a:fld>
             <a:endParaRPr lang="en-US"/>
           </a:p>
@@ -3394,7 +3479,7 @@
     </p:spTree>
     <p:extLst>
       <p:ext uri="{BB962C8B-B14F-4D97-AF65-F5344CB8AC3E}">
-        <p14:creationId xmlns:p14="http://schemas.microsoft.com/office/powerpoint/2010/main" val="863478600"/>
+        <p14:creationId xmlns:p14="http://schemas.microsoft.com/office/powerpoint/2010/main" val="1457435736"/>
       </p:ext>
     </p:extLst>
   </p:cSld>
@@ -3466,7 +3551,7 @@
               <a:defRPr/>
             </a:pPr>
             <a:r>
-              <a:rPr lang="en-US" sz="1200" kern="1200" smtClean="0">
+              <a:rPr lang="en-US" sz="1200" kern="1200" dirty="0" smtClean="0">
                 <a:solidFill>
                   <a:schemeClr val="tx1"/>
                 </a:solidFill>
@@ -3479,7 +3564,7 @@
             </a:r>
           </a:p>
           <a:p>
-            <a:endParaRPr lang="en-US"/>
+            <a:endParaRPr lang="en-US" dirty="0"/>
           </a:p>
         </p:txBody>
       </p:sp>
@@ -3500,7 +3585,7 @@
           <a:p>
             <a:fld id="{795A654D-6BE0-48C1-8457-36B06568CB66}" type="slidenum">
               <a:rPr lang="en-US" smtClean="0"/>
-              <a:t>9</a:t>
+              <a:t>8</a:t>
             </a:fld>
             <a:endParaRPr lang="en-US"/>
           </a:p>
@@ -3509,7 +3594,7 @@
     </p:spTree>
     <p:extLst>
       <p:ext uri="{BB962C8B-B14F-4D97-AF65-F5344CB8AC3E}">
-        <p14:creationId xmlns:p14="http://schemas.microsoft.com/office/powerpoint/2010/main" val="1744624234"/>
+        <p14:creationId xmlns:p14="http://schemas.microsoft.com/office/powerpoint/2010/main" val="863478600"/>
       </p:ext>
     </p:extLst>
   </p:cSld>
@@ -3563,7 +3648,38 @@
           <a:bodyPr/>
           <a:lstStyle/>
           <a:p>
-            <a:endParaRPr lang="en-US" dirty="0"/>
+            <a:pPr marL="0" marR="0" indent="0" algn="l" defTabSz="914400" rtl="0" eaLnBrk="1" fontAlgn="auto" latinLnBrk="0" hangingPunct="1">
+              <a:lnSpc>
+                <a:spcPct val="100000"/>
+              </a:lnSpc>
+              <a:spcBef>
+                <a:spcPts val="0"/>
+              </a:spcBef>
+              <a:spcAft>
+                <a:spcPts val="0"/>
+              </a:spcAft>
+              <a:buClrTx/>
+              <a:buSzTx/>
+              <a:buFontTx/>
+              <a:buNone/>
+              <a:tabLst/>
+              <a:defRPr/>
+            </a:pPr>
+            <a:r>
+              <a:rPr lang="en-US" sz="1200" kern="1200" smtClean="0">
+                <a:solidFill>
+                  <a:schemeClr val="tx1"/>
+                </a:solidFill>
+                <a:effectLst/>
+                <a:latin typeface="+mn-lt"/>
+                <a:ea typeface="+mn-ea"/>
+                <a:cs typeface="+mn-cs"/>
+              </a:rPr>
+              <a:t>Universal app is made up of 3 parts, the Windows Store project, the Windows Phone project, and the shared project.  </a:t>
+            </a:r>
+          </a:p>
+          <a:p>
+            <a:endParaRPr lang="en-US"/>
           </a:p>
         </p:txBody>
       </p:sp>
@@ -3584,7 +3700,7 @@
           <a:p>
             <a:fld id="{795A654D-6BE0-48C1-8457-36B06568CB66}" type="slidenum">
               <a:rPr lang="en-US" smtClean="0"/>
-              <a:t>10</a:t>
+              <a:t>9</a:t>
             </a:fld>
             <a:endParaRPr lang="en-US"/>
           </a:p>
@@ -3593,7 +3709,7 @@
     </p:spTree>
     <p:extLst>
       <p:ext uri="{BB962C8B-B14F-4D97-AF65-F5344CB8AC3E}">
-        <p14:creationId xmlns:p14="http://schemas.microsoft.com/office/powerpoint/2010/main" val="4160990010"/>
+        <p14:creationId xmlns:p14="http://schemas.microsoft.com/office/powerpoint/2010/main" val="1744624234"/>
       </p:ext>
     </p:extLst>
   </p:cSld>
@@ -3647,14 +3763,6 @@
           <a:bodyPr/>
           <a:lstStyle/>
           <a:p>
-            <a:r>
-              <a:rPr lang="en-US" dirty="0" smtClean="0"/>
-              <a:t>Demo adding phone </a:t>
-            </a:r>
-            <a:r>
-              <a:rPr lang="en-US" dirty="0" err="1" smtClean="0"/>
-              <a:t>suport</a:t>
-            </a:r>
             <a:endParaRPr lang="en-US" dirty="0"/>
           </a:p>
         </p:txBody>
@@ -3676,7 +3784,7 @@
           <a:p>
             <a:fld id="{795A654D-6BE0-48C1-8457-36B06568CB66}" type="slidenum">
               <a:rPr lang="en-US" smtClean="0"/>
-              <a:t>11</a:t>
+              <a:t>10</a:t>
             </a:fld>
             <a:endParaRPr lang="en-US"/>
           </a:p>
@@ -3685,7 +3793,7 @@
     </p:spTree>
     <p:extLst>
       <p:ext uri="{BB962C8B-B14F-4D97-AF65-F5344CB8AC3E}">
-        <p14:creationId xmlns:p14="http://schemas.microsoft.com/office/powerpoint/2010/main" val="2880548321"/>
+        <p14:creationId xmlns:p14="http://schemas.microsoft.com/office/powerpoint/2010/main" val="4160990010"/>
       </p:ext>
     </p:extLst>
   </p:cSld>
@@ -6714,12 +6822,20 @@
           <a:lstStyle/>
           <a:p>
             <a:r>
-              <a:rPr lang="en-US" smtClean="0"/>
-              <a:t>Windows </a:t>
+              <a:rPr lang="en-US" dirty="0" smtClean="0"/>
+              <a:t>Getting started Windows Store </a:t>
             </a:r>
             <a:r>
               <a:rPr lang="en-US" dirty="0"/>
-              <a:t>Desktop, Store and Phone Platforms, the Universe is Mine!</a:t>
+              <a:t>and Phone </a:t>
+            </a:r>
+            <a:r>
+              <a:rPr lang="en-US" dirty="0" smtClean="0"/>
+              <a:t>Applications</a:t>
+            </a:r>
+            <a:r>
+              <a:rPr lang="en-US" dirty="0"/>
+              <a:t>, the Universe is Mine!</a:t>
             </a:r>
           </a:p>
         </p:txBody>
@@ -6783,6 +6899,13 @@
   <p:clrMapOvr>
     <a:masterClrMapping/>
   </p:clrMapOvr>
+  <p:timing>
+    <p:tnLst>
+      <p:par>
+        <p:cTn id="1" dur="indefinite" restart="never" nodeType="tmRoot"/>
+      </p:par>
+    </p:tnLst>
+  </p:timing>
 </p:sld>
 </file>
 
@@ -10114,7 +10237,11 @@
           <a:bodyPr/>
           <a:lstStyle/>
           <a:p>
-            <a:endParaRPr lang="en-US"/>
+            <a:r>
+              <a:rPr lang="en-US" dirty="0" smtClean="0"/>
+              <a:t>View Model Locator</a:t>
+            </a:r>
+            <a:endParaRPr lang="en-US" dirty="0"/>
           </a:p>
         </p:txBody>
       </p:sp>
@@ -10469,6 +10596,520 @@
 </file>
 
 <file path=ppt/slides/slide4.xml><?xml version="1.0" encoding="utf-8"?>
+<p:sld xmlns:a="http://schemas.openxmlformats.org/drawingml/2006/main" xmlns:r="http://schemas.openxmlformats.org/officeDocument/2006/relationships" xmlns:p="http://schemas.openxmlformats.org/presentationml/2006/main">
+  <p:cSld>
+    <p:spTree>
+      <p:nvGrpSpPr>
+        <p:cNvPr id="1" name=""/>
+        <p:cNvGrpSpPr/>
+        <p:nvPr/>
+      </p:nvGrpSpPr>
+      <p:grpSpPr>
+        <a:xfrm>
+          <a:off x="0" y="0"/>
+          <a:ext cx="0" cy="0"/>
+          <a:chOff x="0" y="0"/>
+          <a:chExt cx="0" cy="0"/>
+        </a:xfrm>
+      </p:grpSpPr>
+      <p:sp>
+        <p:nvSpPr>
+          <p:cNvPr id="2" name="Title 1"/>
+          <p:cNvSpPr>
+            <a:spLocks noGrp="1"/>
+          </p:cNvSpPr>
+          <p:nvPr>
+            <p:ph type="title"/>
+          </p:nvPr>
+        </p:nvSpPr>
+        <p:spPr/>
+        <p:txBody>
+          <a:bodyPr>
+            <a:normAutofit fontScale="90000"/>
+          </a:bodyPr>
+          <a:lstStyle/>
+          <a:p>
+            <a:r>
+              <a:rPr lang="en-US" b="1" dirty="0" smtClean="0"/>
+              <a:t>Tools for Phone development</a:t>
+            </a:r>
+            <a:r>
+              <a:rPr lang="en-US" b="1" dirty="0"/>
+              <a:t/>
+            </a:r>
+            <a:br>
+              <a:rPr lang="en-US" b="1" dirty="0"/>
+            </a:br>
+            <a:endParaRPr lang="en-US" dirty="0"/>
+          </a:p>
+        </p:txBody>
+      </p:sp>
+      <p:sp>
+        <p:nvSpPr>
+          <p:cNvPr id="3" name="Content Placeholder 2"/>
+          <p:cNvSpPr>
+            <a:spLocks noGrp="1"/>
+          </p:cNvSpPr>
+          <p:nvPr>
+            <p:ph idx="1"/>
+          </p:nvPr>
+        </p:nvSpPr>
+        <p:spPr/>
+        <p:txBody>
+          <a:bodyPr>
+            <a:normAutofit fontScale="92500" lnSpcReduction="20000"/>
+          </a:bodyPr>
+          <a:lstStyle/>
+          <a:p>
+            <a:r>
+              <a:rPr lang="en-US" b="1" dirty="0" smtClean="0"/>
+              <a:t>Windows </a:t>
+            </a:r>
+            <a:r>
+              <a:rPr lang="en-US" b="1" dirty="0"/>
+              <a:t>phone Power </a:t>
+            </a:r>
+            <a:r>
+              <a:rPr lang="en-US" b="1" dirty="0" smtClean="0"/>
+              <a:t>tools - </a:t>
+            </a:r>
+            <a:r>
+              <a:rPr lang="en-US" u="sng" dirty="0" smtClean="0">
+                <a:hlinkClick r:id="rId3"/>
+              </a:rPr>
+              <a:t>http</a:t>
+            </a:r>
+            <a:r>
+              <a:rPr lang="en-US" u="sng" dirty="0">
+                <a:hlinkClick r:id="rId3"/>
+              </a:rPr>
+              <a:t>://wptools.codeplex.com/</a:t>
+            </a:r>
+            <a:endParaRPr lang="en-US" dirty="0"/>
+          </a:p>
+          <a:p>
+            <a:r>
+              <a:rPr lang="en-US" b="1" dirty="0" err="1"/>
+              <a:t>Iso</a:t>
+            </a:r>
+            <a:r>
+              <a:rPr lang="en-US" b="1" dirty="0"/>
+              <a:t> Store </a:t>
+            </a:r>
+            <a:r>
+              <a:rPr lang="en-US" b="1" dirty="0" smtClean="0"/>
+              <a:t>Spy - </a:t>
+            </a:r>
+            <a:r>
+              <a:rPr lang="en-US" u="sng" dirty="0" smtClean="0">
+                <a:hlinkClick r:id="rId4"/>
+              </a:rPr>
+              <a:t>https</a:t>
+            </a:r>
+            <a:r>
+              <a:rPr lang="en-US" u="sng" dirty="0">
+                <a:hlinkClick r:id="rId4"/>
+              </a:rPr>
+              <a:t>://isostorespy.codeplex.com</a:t>
+            </a:r>
+            <a:r>
+              <a:rPr lang="en-US" u="sng" dirty="0" smtClean="0">
+                <a:hlinkClick r:id="rId4"/>
+              </a:rPr>
+              <a:t>/</a:t>
+            </a:r>
+            <a:endParaRPr lang="en-US" u="sng" dirty="0" smtClean="0"/>
+          </a:p>
+          <a:p>
+            <a:r>
+              <a:rPr lang="en-US" b="1" dirty="0" smtClean="0"/>
+              <a:t>Project My Screen App </a:t>
+            </a:r>
+            <a:r>
+              <a:rPr lang="en-US" dirty="0" smtClean="0"/>
+              <a:t>-</a:t>
+            </a:r>
+            <a:r>
+              <a:rPr lang="en-US" dirty="0" smtClean="0">
+                <a:hlinkClick r:id="rId5"/>
+              </a:rPr>
+              <a:t>http</a:t>
+            </a:r>
+            <a:r>
+              <a:rPr lang="en-US" dirty="0">
+                <a:hlinkClick r:id="rId5"/>
+              </a:rPr>
+              <a:t>://</a:t>
+            </a:r>
+            <a:r>
+              <a:rPr lang="en-US" dirty="0" smtClean="0">
+                <a:hlinkClick r:id="rId5"/>
+              </a:rPr>
+              <a:t>www.microsoft.com/en-us/download/details.aspx?id=42536</a:t>
+            </a:r>
+            <a:endParaRPr lang="en-US" dirty="0"/>
+          </a:p>
+          <a:p>
+            <a:r>
+              <a:rPr lang="en-US" b="1" dirty="0" err="1"/>
+              <a:t>Xaml</a:t>
+            </a:r>
+            <a:r>
+              <a:rPr lang="en-US" b="1" dirty="0"/>
+              <a:t> </a:t>
+            </a:r>
+            <a:r>
+              <a:rPr lang="en-US" b="1" dirty="0" smtClean="0"/>
+              <a:t>Spy - </a:t>
+            </a:r>
+            <a:r>
+              <a:rPr lang="en-US" u="sng" dirty="0" smtClean="0">
+                <a:hlinkClick r:id="rId6"/>
+              </a:rPr>
+              <a:t>http</a:t>
+            </a:r>
+            <a:r>
+              <a:rPr lang="en-US" u="sng" dirty="0">
+                <a:hlinkClick r:id="rId6"/>
+              </a:rPr>
+              <a:t>://xamlspy.com/</a:t>
+            </a:r>
+            <a:endParaRPr lang="en-US" dirty="0"/>
+          </a:p>
+          <a:p>
+            <a:r>
+              <a:rPr lang="en-US" dirty="0"/>
+              <a:t>I have not done much with this tool yet but having access to how the </a:t>
+            </a:r>
+            <a:r>
+              <a:rPr lang="en-US" dirty="0" err="1"/>
+              <a:t>xaml</a:t>
+            </a:r>
+            <a:r>
+              <a:rPr lang="en-US" dirty="0"/>
+              <a:t> tree is created can help understand what is happening.</a:t>
+            </a:r>
+          </a:p>
+          <a:p>
+            <a:endParaRPr lang="en-US" dirty="0"/>
+          </a:p>
+        </p:txBody>
+      </p:sp>
+      <p:pic>
+        <p:nvPicPr>
+          <p:cNvPr id="5" name="Picture 4"/>
+          <p:cNvPicPr>
+            <a:picLocks noChangeAspect="1"/>
+          </p:cNvPicPr>
+          <p:nvPr/>
+        </p:nvPicPr>
+        <p:blipFill>
+          <a:blip r:embed="rId7">
+            <a:extLst>
+              <a:ext uri="{28A0092B-C50C-407E-A947-70E740481C1C}">
+                <a14:useLocalDpi xmlns:a14="http://schemas.microsoft.com/office/drawing/2010/main" val="0"/>
+              </a:ext>
+            </a:extLst>
+          </a:blip>
+          <a:stretch>
+            <a:fillRect/>
+          </a:stretch>
+        </p:blipFill>
+        <p:spPr>
+          <a:xfrm>
+            <a:off x="6556197" y="5918320"/>
+            <a:ext cx="2356206" cy="819150"/>
+          </a:xfrm>
+          <a:prstGeom prst="rect">
+            <a:avLst/>
+          </a:prstGeom>
+        </p:spPr>
+      </p:pic>
+    </p:spTree>
+    <p:extLst>
+      <p:ext uri="{BB962C8B-B14F-4D97-AF65-F5344CB8AC3E}">
+        <p14:creationId xmlns:p14="http://schemas.microsoft.com/office/powerpoint/2010/main" val="454501356"/>
+      </p:ext>
+    </p:extLst>
+  </p:cSld>
+  <p:clrMapOvr>
+    <a:masterClrMapping/>
+  </p:clrMapOvr>
+  <p:timing>
+    <p:tnLst>
+      <p:par>
+        <p:cTn id="1" dur="indefinite" restart="never" nodeType="tmRoot"/>
+      </p:par>
+    </p:tnLst>
+  </p:timing>
+</p:sld>
+</file>
+
+<file path=ppt/slides/slide5.xml><?xml version="1.0" encoding="utf-8"?>
+<p:sld xmlns:a="http://schemas.openxmlformats.org/drawingml/2006/main" xmlns:r="http://schemas.openxmlformats.org/officeDocument/2006/relationships" xmlns:p="http://schemas.openxmlformats.org/presentationml/2006/main">
+  <p:cSld>
+    <p:spTree>
+      <p:nvGrpSpPr>
+        <p:cNvPr id="1" name=""/>
+        <p:cNvGrpSpPr/>
+        <p:nvPr/>
+      </p:nvGrpSpPr>
+      <p:grpSpPr>
+        <a:xfrm>
+          <a:off x="0" y="0"/>
+          <a:ext cx="0" cy="0"/>
+          <a:chOff x="0" y="0"/>
+          <a:chExt cx="0" cy="0"/>
+        </a:xfrm>
+      </p:grpSpPr>
+      <p:sp>
+        <p:nvSpPr>
+          <p:cNvPr id="2" name="Title 1"/>
+          <p:cNvSpPr>
+            <a:spLocks noGrp="1"/>
+          </p:cNvSpPr>
+          <p:nvPr>
+            <p:ph type="title"/>
+          </p:nvPr>
+        </p:nvSpPr>
+        <p:spPr/>
+        <p:txBody>
+          <a:bodyPr>
+            <a:normAutofit fontScale="90000"/>
+          </a:bodyPr>
+          <a:lstStyle/>
+          <a:p>
+            <a:r>
+              <a:rPr lang="en-US" b="1" i="1" dirty="0"/>
+              <a:t>Visual Studio Performance and Diagnostics</a:t>
+            </a:r>
+            <a:br>
+              <a:rPr lang="en-US" b="1" i="1" dirty="0"/>
+            </a:br>
+            <a:endParaRPr lang="en-US" dirty="0"/>
+          </a:p>
+        </p:txBody>
+      </p:sp>
+      <p:pic>
+        <p:nvPicPr>
+          <p:cNvPr id="5" name="Picture 4"/>
+          <p:cNvPicPr>
+            <a:picLocks noChangeAspect="1"/>
+          </p:cNvPicPr>
+          <p:nvPr/>
+        </p:nvPicPr>
+        <p:blipFill>
+          <a:blip r:embed="rId2">
+            <a:extLst>
+              <a:ext uri="{28A0092B-C50C-407E-A947-70E740481C1C}">
+                <a14:useLocalDpi xmlns:a14="http://schemas.microsoft.com/office/drawing/2010/main" val="0"/>
+              </a:ext>
+            </a:extLst>
+          </a:blip>
+          <a:stretch>
+            <a:fillRect/>
+          </a:stretch>
+        </p:blipFill>
+        <p:spPr>
+          <a:xfrm>
+            <a:off x="6556197" y="5918320"/>
+            <a:ext cx="2356206" cy="819150"/>
+          </a:xfrm>
+          <a:prstGeom prst="rect">
+            <a:avLst/>
+          </a:prstGeom>
+        </p:spPr>
+      </p:pic>
+      <p:pic>
+        <p:nvPicPr>
+          <p:cNvPr id="6" name="Content Placeholder 5" descr="C:\Users\D9FF0~1.UND\AppData\Local\Temp\SNAGHTML1a666b36.PNG"/>
+          <p:cNvPicPr>
+            <a:picLocks noGrp="1"/>
+          </p:cNvPicPr>
+          <p:nvPr>
+            <p:ph idx="1"/>
+          </p:nvPr>
+        </p:nvPicPr>
+        <p:blipFill>
+          <a:blip r:embed="rId3">
+            <a:extLst>
+              <a:ext uri="{28A0092B-C50C-407E-A947-70E740481C1C}">
+                <a14:useLocalDpi xmlns:a14="http://schemas.microsoft.com/office/drawing/2010/main" val="0"/>
+              </a:ext>
+            </a:extLst>
+          </a:blip>
+          <a:srcRect/>
+          <a:stretch>
+            <a:fillRect/>
+          </a:stretch>
+        </p:blipFill>
+        <p:spPr bwMode="auto">
+          <a:xfrm>
+            <a:off x="898071" y="1649186"/>
+            <a:ext cx="7788729" cy="4269134"/>
+          </a:xfrm>
+          <a:prstGeom prst="rect">
+            <a:avLst/>
+          </a:prstGeom>
+          <a:noFill/>
+          <a:ln>
+            <a:noFill/>
+          </a:ln>
+        </p:spPr>
+      </p:pic>
+    </p:spTree>
+    <p:extLst>
+      <p:ext uri="{BB962C8B-B14F-4D97-AF65-F5344CB8AC3E}">
+        <p14:creationId xmlns:p14="http://schemas.microsoft.com/office/powerpoint/2010/main" val="3515033848"/>
+      </p:ext>
+    </p:extLst>
+  </p:cSld>
+  <p:clrMapOvr>
+    <a:masterClrMapping/>
+  </p:clrMapOvr>
+  <p:timing>
+    <p:tnLst>
+      <p:par>
+        <p:cTn id="1" dur="indefinite" restart="never" nodeType="tmRoot"/>
+      </p:par>
+    </p:tnLst>
+  </p:timing>
+</p:sld>
+</file>
+
+<file path=ppt/slides/slide6.xml><?xml version="1.0" encoding="utf-8"?>
+<p:sld xmlns:a="http://schemas.openxmlformats.org/drawingml/2006/main" xmlns:r="http://schemas.openxmlformats.org/officeDocument/2006/relationships" xmlns:p="http://schemas.openxmlformats.org/presentationml/2006/main">
+  <p:cSld>
+    <p:spTree>
+      <p:nvGrpSpPr>
+        <p:cNvPr id="1" name=""/>
+        <p:cNvGrpSpPr/>
+        <p:nvPr/>
+      </p:nvGrpSpPr>
+      <p:grpSpPr>
+        <a:xfrm>
+          <a:off x="0" y="0"/>
+          <a:ext cx="0" cy="0"/>
+          <a:chOff x="0" y="0"/>
+          <a:chExt cx="0" cy="0"/>
+        </a:xfrm>
+      </p:grpSpPr>
+      <p:sp>
+        <p:nvSpPr>
+          <p:cNvPr id="2" name="Title 1"/>
+          <p:cNvSpPr>
+            <a:spLocks noGrp="1"/>
+          </p:cNvSpPr>
+          <p:nvPr>
+            <p:ph type="title"/>
+          </p:nvPr>
+        </p:nvSpPr>
+        <p:spPr/>
+        <p:txBody>
+          <a:bodyPr>
+            <a:normAutofit fontScale="90000"/>
+          </a:bodyPr>
+          <a:lstStyle/>
+          <a:p>
+            <a:r>
+              <a:rPr lang="en-US" b="1" i="1" dirty="0"/>
+              <a:t>Windows Phone Developer Power Tools (8.1)</a:t>
+            </a:r>
+            <a:br>
+              <a:rPr lang="en-US" b="1" i="1" dirty="0"/>
+            </a:br>
+            <a:endParaRPr lang="en-US" dirty="0"/>
+          </a:p>
+        </p:txBody>
+      </p:sp>
+      <p:pic>
+        <p:nvPicPr>
+          <p:cNvPr id="5" name="Picture 4"/>
+          <p:cNvPicPr>
+            <a:picLocks noChangeAspect="1"/>
+          </p:cNvPicPr>
+          <p:nvPr/>
+        </p:nvPicPr>
+        <p:blipFill>
+          <a:blip r:embed="rId3">
+            <a:extLst>
+              <a:ext uri="{28A0092B-C50C-407E-A947-70E740481C1C}">
+                <a14:useLocalDpi xmlns:a14="http://schemas.microsoft.com/office/drawing/2010/main" val="0"/>
+              </a:ext>
+            </a:extLst>
+          </a:blip>
+          <a:stretch>
+            <a:fillRect/>
+          </a:stretch>
+        </p:blipFill>
+        <p:spPr>
+          <a:xfrm>
+            <a:off x="6556197" y="5918320"/>
+            <a:ext cx="2356206" cy="819150"/>
+          </a:xfrm>
+          <a:prstGeom prst="rect">
+            <a:avLst/>
+          </a:prstGeom>
+        </p:spPr>
+      </p:pic>
+      <p:pic>
+        <p:nvPicPr>
+          <p:cNvPr id="6" name="Content Placeholder 5" descr="C:\Users\D9FF0~1.UND\AppData\Local\Temp\SNAGHTML1a68d04f.PNG"/>
+          <p:cNvPicPr>
+            <a:picLocks noGrp="1"/>
+          </p:cNvPicPr>
+          <p:nvPr>
+            <p:ph idx="1"/>
+          </p:nvPr>
+        </p:nvPicPr>
+        <p:blipFill>
+          <a:blip r:embed="rId4">
+            <a:extLst>
+              <a:ext uri="{28A0092B-C50C-407E-A947-70E740481C1C}">
+                <a14:useLocalDpi xmlns:a14="http://schemas.microsoft.com/office/drawing/2010/main" val="0"/>
+              </a:ext>
+            </a:extLst>
+          </a:blip>
+          <a:srcRect/>
+          <a:stretch>
+            <a:fillRect/>
+          </a:stretch>
+        </p:blipFill>
+        <p:spPr bwMode="auto">
+          <a:xfrm>
+            <a:off x="620486" y="1417638"/>
+            <a:ext cx="8066314" cy="4281033"/>
+          </a:xfrm>
+          <a:prstGeom prst="rect">
+            <a:avLst/>
+          </a:prstGeom>
+          <a:noFill/>
+          <a:ln>
+            <a:noFill/>
+          </a:ln>
+        </p:spPr>
+      </p:pic>
+    </p:spTree>
+    <p:extLst>
+      <p:ext uri="{BB962C8B-B14F-4D97-AF65-F5344CB8AC3E}">
+        <p14:creationId xmlns:p14="http://schemas.microsoft.com/office/powerpoint/2010/main" val="406581684"/>
+      </p:ext>
+    </p:extLst>
+  </p:cSld>
+  <p:clrMapOvr>
+    <a:masterClrMapping/>
+  </p:clrMapOvr>
+  <p:timing>
+    <p:tnLst>
+      <p:par>
+        <p:cTn id="1" dur="indefinite" restart="never" nodeType="tmRoot"/>
+      </p:par>
+    </p:tnLst>
+  </p:timing>
+</p:sld>
+</file>
+
+<file path=ppt/slides/slide7.xml><?xml version="1.0" encoding="utf-8"?>
 <p:sld xmlns:a="http://schemas.openxmlformats.org/drawingml/2006/main" xmlns:r="http://schemas.openxmlformats.org/officeDocument/2006/relationships" xmlns:p="http://schemas.openxmlformats.org/presentationml/2006/main">
   <p:cSld>
     <p:spTree>
@@ -10624,520 +11265,6 @@
 </p:sld>
 </file>
 
-<file path=ppt/slides/slide5.xml><?xml version="1.0" encoding="utf-8"?>
-<p:sld xmlns:a="http://schemas.openxmlformats.org/drawingml/2006/main" xmlns:r="http://schemas.openxmlformats.org/officeDocument/2006/relationships" xmlns:p="http://schemas.openxmlformats.org/presentationml/2006/main">
-  <p:cSld>
-    <p:spTree>
-      <p:nvGrpSpPr>
-        <p:cNvPr id="1" name=""/>
-        <p:cNvGrpSpPr/>
-        <p:nvPr/>
-      </p:nvGrpSpPr>
-      <p:grpSpPr>
-        <a:xfrm>
-          <a:off x="0" y="0"/>
-          <a:ext cx="0" cy="0"/>
-          <a:chOff x="0" y="0"/>
-          <a:chExt cx="0" cy="0"/>
-        </a:xfrm>
-      </p:grpSpPr>
-      <p:sp>
-        <p:nvSpPr>
-          <p:cNvPr id="2" name="Title 1"/>
-          <p:cNvSpPr>
-            <a:spLocks noGrp="1"/>
-          </p:cNvSpPr>
-          <p:nvPr>
-            <p:ph type="title"/>
-          </p:nvPr>
-        </p:nvSpPr>
-        <p:spPr/>
-        <p:txBody>
-          <a:bodyPr>
-            <a:normAutofit fontScale="90000"/>
-          </a:bodyPr>
-          <a:lstStyle/>
-          <a:p>
-            <a:r>
-              <a:rPr lang="en-US" b="1" dirty="0" smtClean="0"/>
-              <a:t>Tools for Phone development</a:t>
-            </a:r>
-            <a:r>
-              <a:rPr lang="en-US" b="1" dirty="0"/>
-              <a:t/>
-            </a:r>
-            <a:br>
-              <a:rPr lang="en-US" b="1" dirty="0"/>
-            </a:br>
-            <a:endParaRPr lang="en-US" dirty="0"/>
-          </a:p>
-        </p:txBody>
-      </p:sp>
-      <p:sp>
-        <p:nvSpPr>
-          <p:cNvPr id="3" name="Content Placeholder 2"/>
-          <p:cNvSpPr>
-            <a:spLocks noGrp="1"/>
-          </p:cNvSpPr>
-          <p:nvPr>
-            <p:ph idx="1"/>
-          </p:nvPr>
-        </p:nvSpPr>
-        <p:spPr/>
-        <p:txBody>
-          <a:bodyPr>
-            <a:normAutofit fontScale="92500" lnSpcReduction="20000"/>
-          </a:bodyPr>
-          <a:lstStyle/>
-          <a:p>
-            <a:r>
-              <a:rPr lang="en-US" b="1" dirty="0" smtClean="0"/>
-              <a:t>Windows </a:t>
-            </a:r>
-            <a:r>
-              <a:rPr lang="en-US" b="1" dirty="0"/>
-              <a:t>phone Power </a:t>
-            </a:r>
-            <a:r>
-              <a:rPr lang="en-US" b="1" dirty="0" smtClean="0"/>
-              <a:t>tools - </a:t>
-            </a:r>
-            <a:r>
-              <a:rPr lang="en-US" u="sng" dirty="0" smtClean="0">
-                <a:hlinkClick r:id="rId3"/>
-              </a:rPr>
-              <a:t>http</a:t>
-            </a:r>
-            <a:r>
-              <a:rPr lang="en-US" u="sng" dirty="0">
-                <a:hlinkClick r:id="rId3"/>
-              </a:rPr>
-              <a:t>://wptools.codeplex.com/</a:t>
-            </a:r>
-            <a:endParaRPr lang="en-US" dirty="0"/>
-          </a:p>
-          <a:p>
-            <a:r>
-              <a:rPr lang="en-US" b="1" dirty="0" err="1"/>
-              <a:t>Iso</a:t>
-            </a:r>
-            <a:r>
-              <a:rPr lang="en-US" b="1" dirty="0"/>
-              <a:t> Store </a:t>
-            </a:r>
-            <a:r>
-              <a:rPr lang="en-US" b="1" dirty="0" smtClean="0"/>
-              <a:t>Spy - </a:t>
-            </a:r>
-            <a:r>
-              <a:rPr lang="en-US" u="sng" dirty="0" smtClean="0">
-                <a:hlinkClick r:id="rId4"/>
-              </a:rPr>
-              <a:t>https</a:t>
-            </a:r>
-            <a:r>
-              <a:rPr lang="en-US" u="sng" dirty="0">
-                <a:hlinkClick r:id="rId4"/>
-              </a:rPr>
-              <a:t>://isostorespy.codeplex.com</a:t>
-            </a:r>
-            <a:r>
-              <a:rPr lang="en-US" u="sng" dirty="0" smtClean="0">
-                <a:hlinkClick r:id="rId4"/>
-              </a:rPr>
-              <a:t>/</a:t>
-            </a:r>
-            <a:endParaRPr lang="en-US" u="sng" dirty="0" smtClean="0"/>
-          </a:p>
-          <a:p>
-            <a:r>
-              <a:rPr lang="en-US" b="1" dirty="0" smtClean="0"/>
-              <a:t>Project My Screen App </a:t>
-            </a:r>
-            <a:r>
-              <a:rPr lang="en-US" dirty="0" smtClean="0"/>
-              <a:t>-</a:t>
-            </a:r>
-            <a:r>
-              <a:rPr lang="en-US" dirty="0" smtClean="0">
-                <a:hlinkClick r:id="rId5"/>
-              </a:rPr>
-              <a:t>http</a:t>
-            </a:r>
-            <a:r>
-              <a:rPr lang="en-US" dirty="0">
-                <a:hlinkClick r:id="rId5"/>
-              </a:rPr>
-              <a:t>://</a:t>
-            </a:r>
-            <a:r>
-              <a:rPr lang="en-US" dirty="0" smtClean="0">
-                <a:hlinkClick r:id="rId5"/>
-              </a:rPr>
-              <a:t>www.microsoft.com/en-us/download/details.aspx?id=42536</a:t>
-            </a:r>
-            <a:endParaRPr lang="en-US" dirty="0"/>
-          </a:p>
-          <a:p>
-            <a:r>
-              <a:rPr lang="en-US" b="1" dirty="0" err="1"/>
-              <a:t>Xaml</a:t>
-            </a:r>
-            <a:r>
-              <a:rPr lang="en-US" b="1" dirty="0"/>
-              <a:t> </a:t>
-            </a:r>
-            <a:r>
-              <a:rPr lang="en-US" b="1" dirty="0" smtClean="0"/>
-              <a:t>Spy - </a:t>
-            </a:r>
-            <a:r>
-              <a:rPr lang="en-US" u="sng" dirty="0" smtClean="0">
-                <a:hlinkClick r:id="rId6"/>
-              </a:rPr>
-              <a:t>http</a:t>
-            </a:r>
-            <a:r>
-              <a:rPr lang="en-US" u="sng" dirty="0">
-                <a:hlinkClick r:id="rId6"/>
-              </a:rPr>
-              <a:t>://xamlspy.com/</a:t>
-            </a:r>
-            <a:endParaRPr lang="en-US" dirty="0"/>
-          </a:p>
-          <a:p>
-            <a:r>
-              <a:rPr lang="en-US" dirty="0"/>
-              <a:t>I have not done much with this tool yet but having access to how the </a:t>
-            </a:r>
-            <a:r>
-              <a:rPr lang="en-US" dirty="0" err="1"/>
-              <a:t>xaml</a:t>
-            </a:r>
-            <a:r>
-              <a:rPr lang="en-US" dirty="0"/>
-              <a:t> tree is created can help understand what is happening.</a:t>
-            </a:r>
-          </a:p>
-          <a:p>
-            <a:endParaRPr lang="en-US" dirty="0"/>
-          </a:p>
-        </p:txBody>
-      </p:sp>
-      <p:pic>
-        <p:nvPicPr>
-          <p:cNvPr id="5" name="Picture 4"/>
-          <p:cNvPicPr>
-            <a:picLocks noChangeAspect="1"/>
-          </p:cNvPicPr>
-          <p:nvPr/>
-        </p:nvPicPr>
-        <p:blipFill>
-          <a:blip r:embed="rId7">
-            <a:extLst>
-              <a:ext uri="{28A0092B-C50C-407E-A947-70E740481C1C}">
-                <a14:useLocalDpi xmlns:a14="http://schemas.microsoft.com/office/drawing/2010/main" val="0"/>
-              </a:ext>
-            </a:extLst>
-          </a:blip>
-          <a:stretch>
-            <a:fillRect/>
-          </a:stretch>
-        </p:blipFill>
-        <p:spPr>
-          <a:xfrm>
-            <a:off x="6556197" y="5918320"/>
-            <a:ext cx="2356206" cy="819150"/>
-          </a:xfrm>
-          <a:prstGeom prst="rect">
-            <a:avLst/>
-          </a:prstGeom>
-        </p:spPr>
-      </p:pic>
-    </p:spTree>
-    <p:extLst>
-      <p:ext uri="{BB962C8B-B14F-4D97-AF65-F5344CB8AC3E}">
-        <p14:creationId xmlns:p14="http://schemas.microsoft.com/office/powerpoint/2010/main" val="454501356"/>
-      </p:ext>
-    </p:extLst>
-  </p:cSld>
-  <p:clrMapOvr>
-    <a:masterClrMapping/>
-  </p:clrMapOvr>
-  <p:timing>
-    <p:tnLst>
-      <p:par>
-        <p:cTn id="1" dur="indefinite" restart="never" nodeType="tmRoot"/>
-      </p:par>
-    </p:tnLst>
-  </p:timing>
-</p:sld>
-</file>
-
-<file path=ppt/slides/slide6.xml><?xml version="1.0" encoding="utf-8"?>
-<p:sld xmlns:a="http://schemas.openxmlformats.org/drawingml/2006/main" xmlns:r="http://schemas.openxmlformats.org/officeDocument/2006/relationships" xmlns:p="http://schemas.openxmlformats.org/presentationml/2006/main">
-  <p:cSld>
-    <p:spTree>
-      <p:nvGrpSpPr>
-        <p:cNvPr id="1" name=""/>
-        <p:cNvGrpSpPr/>
-        <p:nvPr/>
-      </p:nvGrpSpPr>
-      <p:grpSpPr>
-        <a:xfrm>
-          <a:off x="0" y="0"/>
-          <a:ext cx="0" cy="0"/>
-          <a:chOff x="0" y="0"/>
-          <a:chExt cx="0" cy="0"/>
-        </a:xfrm>
-      </p:grpSpPr>
-      <p:sp>
-        <p:nvSpPr>
-          <p:cNvPr id="2" name="Title 1"/>
-          <p:cNvSpPr>
-            <a:spLocks noGrp="1"/>
-          </p:cNvSpPr>
-          <p:nvPr>
-            <p:ph type="title"/>
-          </p:nvPr>
-        </p:nvSpPr>
-        <p:spPr/>
-        <p:txBody>
-          <a:bodyPr>
-            <a:normAutofit fontScale="90000"/>
-          </a:bodyPr>
-          <a:lstStyle/>
-          <a:p>
-            <a:r>
-              <a:rPr lang="en-US" b="1" i="1" dirty="0"/>
-              <a:t>Visual Studio Performance and Diagnostics</a:t>
-            </a:r>
-            <a:br>
-              <a:rPr lang="en-US" b="1" i="1" dirty="0"/>
-            </a:br>
-            <a:endParaRPr lang="en-US" dirty="0"/>
-          </a:p>
-        </p:txBody>
-      </p:sp>
-      <p:pic>
-        <p:nvPicPr>
-          <p:cNvPr id="5" name="Picture 4"/>
-          <p:cNvPicPr>
-            <a:picLocks noChangeAspect="1"/>
-          </p:cNvPicPr>
-          <p:nvPr/>
-        </p:nvPicPr>
-        <p:blipFill>
-          <a:blip r:embed="rId2">
-            <a:extLst>
-              <a:ext uri="{28A0092B-C50C-407E-A947-70E740481C1C}">
-                <a14:useLocalDpi xmlns:a14="http://schemas.microsoft.com/office/drawing/2010/main" val="0"/>
-              </a:ext>
-            </a:extLst>
-          </a:blip>
-          <a:stretch>
-            <a:fillRect/>
-          </a:stretch>
-        </p:blipFill>
-        <p:spPr>
-          <a:xfrm>
-            <a:off x="6556197" y="5918320"/>
-            <a:ext cx="2356206" cy="819150"/>
-          </a:xfrm>
-          <a:prstGeom prst="rect">
-            <a:avLst/>
-          </a:prstGeom>
-        </p:spPr>
-      </p:pic>
-      <p:pic>
-        <p:nvPicPr>
-          <p:cNvPr id="6" name="Content Placeholder 5" descr="C:\Users\D9FF0~1.UND\AppData\Local\Temp\SNAGHTML1a666b36.PNG"/>
-          <p:cNvPicPr>
-            <a:picLocks noGrp="1"/>
-          </p:cNvPicPr>
-          <p:nvPr>
-            <p:ph idx="1"/>
-          </p:nvPr>
-        </p:nvPicPr>
-        <p:blipFill>
-          <a:blip r:embed="rId3">
-            <a:extLst>
-              <a:ext uri="{28A0092B-C50C-407E-A947-70E740481C1C}">
-                <a14:useLocalDpi xmlns:a14="http://schemas.microsoft.com/office/drawing/2010/main" val="0"/>
-              </a:ext>
-            </a:extLst>
-          </a:blip>
-          <a:srcRect/>
-          <a:stretch>
-            <a:fillRect/>
-          </a:stretch>
-        </p:blipFill>
-        <p:spPr bwMode="auto">
-          <a:xfrm>
-            <a:off x="898071" y="1649186"/>
-            <a:ext cx="7788729" cy="4269134"/>
-          </a:xfrm>
-          <a:prstGeom prst="rect">
-            <a:avLst/>
-          </a:prstGeom>
-          <a:noFill/>
-          <a:ln>
-            <a:noFill/>
-          </a:ln>
-        </p:spPr>
-      </p:pic>
-    </p:spTree>
-    <p:extLst>
-      <p:ext uri="{BB962C8B-B14F-4D97-AF65-F5344CB8AC3E}">
-        <p14:creationId xmlns:p14="http://schemas.microsoft.com/office/powerpoint/2010/main" val="3515033848"/>
-      </p:ext>
-    </p:extLst>
-  </p:cSld>
-  <p:clrMapOvr>
-    <a:masterClrMapping/>
-  </p:clrMapOvr>
-  <p:timing>
-    <p:tnLst>
-      <p:par>
-        <p:cTn id="1" dur="indefinite" restart="never" nodeType="tmRoot"/>
-      </p:par>
-    </p:tnLst>
-  </p:timing>
-</p:sld>
-</file>
-
-<file path=ppt/slides/slide7.xml><?xml version="1.0" encoding="utf-8"?>
-<p:sld xmlns:a="http://schemas.openxmlformats.org/drawingml/2006/main" xmlns:r="http://schemas.openxmlformats.org/officeDocument/2006/relationships" xmlns:p="http://schemas.openxmlformats.org/presentationml/2006/main">
-  <p:cSld>
-    <p:spTree>
-      <p:nvGrpSpPr>
-        <p:cNvPr id="1" name=""/>
-        <p:cNvGrpSpPr/>
-        <p:nvPr/>
-      </p:nvGrpSpPr>
-      <p:grpSpPr>
-        <a:xfrm>
-          <a:off x="0" y="0"/>
-          <a:ext cx="0" cy="0"/>
-          <a:chOff x="0" y="0"/>
-          <a:chExt cx="0" cy="0"/>
-        </a:xfrm>
-      </p:grpSpPr>
-      <p:sp>
-        <p:nvSpPr>
-          <p:cNvPr id="2" name="Title 1"/>
-          <p:cNvSpPr>
-            <a:spLocks noGrp="1"/>
-          </p:cNvSpPr>
-          <p:nvPr>
-            <p:ph type="title"/>
-          </p:nvPr>
-        </p:nvSpPr>
-        <p:spPr/>
-        <p:txBody>
-          <a:bodyPr>
-            <a:normAutofit fontScale="90000"/>
-          </a:bodyPr>
-          <a:lstStyle/>
-          <a:p>
-            <a:r>
-              <a:rPr lang="en-US" b="1" i="1" dirty="0"/>
-              <a:t>Windows Phone Developer Power Tools (8.1)</a:t>
-            </a:r>
-            <a:br>
-              <a:rPr lang="en-US" b="1" i="1" dirty="0"/>
-            </a:br>
-            <a:endParaRPr lang="en-US" dirty="0"/>
-          </a:p>
-        </p:txBody>
-      </p:sp>
-      <p:pic>
-        <p:nvPicPr>
-          <p:cNvPr id="5" name="Picture 4"/>
-          <p:cNvPicPr>
-            <a:picLocks noChangeAspect="1"/>
-          </p:cNvPicPr>
-          <p:nvPr/>
-        </p:nvPicPr>
-        <p:blipFill>
-          <a:blip r:embed="rId2">
-            <a:extLst>
-              <a:ext uri="{28A0092B-C50C-407E-A947-70E740481C1C}">
-                <a14:useLocalDpi xmlns:a14="http://schemas.microsoft.com/office/drawing/2010/main" val="0"/>
-              </a:ext>
-            </a:extLst>
-          </a:blip>
-          <a:stretch>
-            <a:fillRect/>
-          </a:stretch>
-        </p:blipFill>
-        <p:spPr>
-          <a:xfrm>
-            <a:off x="6556197" y="5918320"/>
-            <a:ext cx="2356206" cy="819150"/>
-          </a:xfrm>
-          <a:prstGeom prst="rect">
-            <a:avLst/>
-          </a:prstGeom>
-        </p:spPr>
-      </p:pic>
-      <p:pic>
-        <p:nvPicPr>
-          <p:cNvPr id="6" name="Content Placeholder 5" descr="C:\Users\D9FF0~1.UND\AppData\Local\Temp\SNAGHTML1a68d04f.PNG"/>
-          <p:cNvPicPr>
-            <a:picLocks noGrp="1"/>
-          </p:cNvPicPr>
-          <p:nvPr>
-            <p:ph idx="1"/>
-          </p:nvPr>
-        </p:nvPicPr>
-        <p:blipFill>
-          <a:blip r:embed="rId3">
-            <a:extLst>
-              <a:ext uri="{28A0092B-C50C-407E-A947-70E740481C1C}">
-                <a14:useLocalDpi xmlns:a14="http://schemas.microsoft.com/office/drawing/2010/main" val="0"/>
-              </a:ext>
-            </a:extLst>
-          </a:blip>
-          <a:srcRect/>
-          <a:stretch>
-            <a:fillRect/>
-          </a:stretch>
-        </p:blipFill>
-        <p:spPr bwMode="auto">
-          <a:xfrm>
-            <a:off x="620486" y="1417638"/>
-            <a:ext cx="8066314" cy="4281033"/>
-          </a:xfrm>
-          <a:prstGeom prst="rect">
-            <a:avLst/>
-          </a:prstGeom>
-          <a:noFill/>
-          <a:ln>
-            <a:noFill/>
-          </a:ln>
-        </p:spPr>
-      </p:pic>
-    </p:spTree>
-    <p:extLst>
-      <p:ext uri="{BB962C8B-B14F-4D97-AF65-F5344CB8AC3E}">
-        <p14:creationId xmlns:p14="http://schemas.microsoft.com/office/powerpoint/2010/main" val="406581684"/>
-      </p:ext>
-    </p:extLst>
-  </p:cSld>
-  <p:clrMapOvr>
-    <a:masterClrMapping/>
-  </p:clrMapOvr>
-  <p:timing>
-    <p:tnLst>
-      <p:par>
-        <p:cTn id="1" dur="indefinite" restart="never" nodeType="tmRoot"/>
-      </p:par>
-    </p:tnLst>
-  </p:timing>
-</p:sld>
-</file>
-
 <file path=ppt/slides/slide8.xml><?xml version="1.0" encoding="utf-8"?>
 <p:sld xmlns:a="http://schemas.openxmlformats.org/drawingml/2006/main" xmlns:r="http://schemas.openxmlformats.org/officeDocument/2006/relationships" xmlns:p="http://schemas.openxmlformats.org/presentationml/2006/main">
   <p:cSld>
@@ -11299,7 +11426,7 @@
 </file>
 
 <file path=ppt/slides/slide9.xml><?xml version="1.0" encoding="utf-8"?>
-<p:sld xmlns:a="http://schemas.openxmlformats.org/drawingml/2006/main" xmlns:r="http://schemas.openxmlformats.org/officeDocument/2006/relationships" xmlns:p="http://schemas.openxmlformats.org/presentationml/2006/main">
+<p:sld xmlns:a="http://schemas.openxmlformats.org/drawingml/2006/main" xmlns:r="http://schemas.openxmlformats.org/officeDocument/2006/relationships" xmlns:p="http://schemas.openxmlformats.org/presentationml/2006/main" show="0">
   <p:cSld>
     <p:spTree>
       <p:nvGrpSpPr>
@@ -11448,6 +11575,14 @@
   <p:clrMapOvr>
     <a:masterClrMapping/>
   </p:clrMapOvr>
+  <mc:AlternateContent xmlns:mc="http://schemas.openxmlformats.org/markup-compatibility/2006">
+    <mc:Choice xmlns:p14="http://schemas.microsoft.com/office/powerpoint/2010/main" Requires="p14">
+      <p:transition spd="slow" p14:dur="2000"/>
+    </mc:Choice>
+    <mc:Fallback>
+      <p:transition spd="slow"/>
+    </mc:Fallback>
+  </mc:AlternateContent>
   <p:timing>
     <p:tnLst>
       <p:par>

--- a/ReCon2014_UniversalAppPortalClassLibraries_Light.pptx
+++ b/ReCon2014_UniversalAppPortalClassLibraries_Light.pptx
@@ -228,7 +228,7 @@
           <a:p>
             <a:fld id="{EEE4906C-EBA9-4A0B-AE3E-11B5B3DE1E30}" type="datetimeFigureOut">
               <a:rPr lang="en-US" smtClean="0"/>
-              <a:t>10/5/2014</a:t>
+              <a:t>10/6/2014</a:t>
             </a:fld>
             <a:endParaRPr lang="en-US"/>
           </a:p>
@@ -3984,7 +3984,7 @@
           <a:p>
             <a:fld id="{DA583EDF-0732-5343-98CC-1C67BF71244D}" type="datetimeFigureOut">
               <a:rPr lang="en-US" smtClean="0"/>
-              <a:t>10/5/2014</a:t>
+              <a:t>10/6/2014</a:t>
             </a:fld>
             <a:endParaRPr lang="en-US"/>
           </a:p>
@@ -4154,7 +4154,7 @@
           <a:p>
             <a:fld id="{DA583EDF-0732-5343-98CC-1C67BF71244D}" type="datetimeFigureOut">
               <a:rPr lang="en-US" smtClean="0"/>
-              <a:t>10/5/2014</a:t>
+              <a:t>10/6/2014</a:t>
             </a:fld>
             <a:endParaRPr lang="en-US"/>
           </a:p>
@@ -4334,7 +4334,7 @@
           <a:p>
             <a:fld id="{DA583EDF-0732-5343-98CC-1C67BF71244D}" type="datetimeFigureOut">
               <a:rPr lang="en-US" smtClean="0"/>
-              <a:t>10/5/2014</a:t>
+              <a:t>10/6/2014</a:t>
             </a:fld>
             <a:endParaRPr lang="en-US"/>
           </a:p>
@@ -4504,7 +4504,7 @@
           <a:p>
             <a:fld id="{DA583EDF-0732-5343-98CC-1C67BF71244D}" type="datetimeFigureOut">
               <a:rPr lang="en-US" smtClean="0"/>
-              <a:t>10/5/2014</a:t>
+              <a:t>10/6/2014</a:t>
             </a:fld>
             <a:endParaRPr lang="en-US"/>
           </a:p>
@@ -4750,7 +4750,7 @@
           <a:p>
             <a:fld id="{DA583EDF-0732-5343-98CC-1C67BF71244D}" type="datetimeFigureOut">
               <a:rPr lang="en-US" smtClean="0"/>
-              <a:t>10/5/2014</a:t>
+              <a:t>10/6/2014</a:t>
             </a:fld>
             <a:endParaRPr lang="en-US"/>
           </a:p>
@@ -5038,7 +5038,7 @@
           <a:p>
             <a:fld id="{DA583EDF-0732-5343-98CC-1C67BF71244D}" type="datetimeFigureOut">
               <a:rPr lang="en-US" smtClean="0"/>
-              <a:t>10/5/2014</a:t>
+              <a:t>10/6/2014</a:t>
             </a:fld>
             <a:endParaRPr lang="en-US"/>
           </a:p>
@@ -5460,7 +5460,7 @@
           <a:p>
             <a:fld id="{DA583EDF-0732-5343-98CC-1C67BF71244D}" type="datetimeFigureOut">
               <a:rPr lang="en-US" smtClean="0"/>
-              <a:t>10/5/2014</a:t>
+              <a:t>10/6/2014</a:t>
             </a:fld>
             <a:endParaRPr lang="en-US"/>
           </a:p>
@@ -5578,7 +5578,7 @@
           <a:p>
             <a:fld id="{DA583EDF-0732-5343-98CC-1C67BF71244D}" type="datetimeFigureOut">
               <a:rPr lang="en-US" smtClean="0"/>
-              <a:t>10/5/2014</a:t>
+              <a:t>10/6/2014</a:t>
             </a:fld>
             <a:endParaRPr lang="en-US"/>
           </a:p>
@@ -5673,7 +5673,7 @@
           <a:p>
             <a:fld id="{DA583EDF-0732-5343-98CC-1C67BF71244D}" type="datetimeFigureOut">
               <a:rPr lang="en-US" smtClean="0"/>
-              <a:t>10/5/2014</a:t>
+              <a:t>10/6/2014</a:t>
             </a:fld>
             <a:endParaRPr lang="en-US"/>
           </a:p>
@@ -5950,7 +5950,7 @@
           <a:p>
             <a:fld id="{DA583EDF-0732-5343-98CC-1C67BF71244D}" type="datetimeFigureOut">
               <a:rPr lang="en-US" smtClean="0"/>
-              <a:t>10/5/2014</a:t>
+              <a:t>10/6/2014</a:t>
             </a:fld>
             <a:endParaRPr lang="en-US"/>
           </a:p>
@@ -6203,7 +6203,7 @@
           <a:p>
             <a:fld id="{DA583EDF-0732-5343-98CC-1C67BF71244D}" type="datetimeFigureOut">
               <a:rPr lang="en-US" smtClean="0"/>
-              <a:t>10/5/2014</a:t>
+              <a:t>10/6/2014</a:t>
             </a:fld>
             <a:endParaRPr lang="en-US"/>
           </a:p>
@@ -6416,7 +6416,7 @@
           <a:p>
             <a:fld id="{DA583EDF-0732-5343-98CC-1C67BF71244D}" type="datetimeFigureOut">
               <a:rPr lang="en-US" smtClean="0"/>
-              <a:t>10/5/2014</a:t>
+              <a:t>10/6/2014</a:t>
             </a:fld>
             <a:endParaRPr lang="en-US"/>
           </a:p>
@@ -9080,7 +9080,22 @@
           <a:p>
             <a:r>
               <a:rPr lang="en-US" dirty="0" smtClean="0"/>
-              <a:t>Using good development patterns</a:t>
+              <a:t>Follow Solid </a:t>
+            </a:r>
+            <a:r>
+              <a:rPr lang="en-US" dirty="0" err="1" smtClean="0"/>
+              <a:t>princples</a:t>
+            </a:r>
+            <a:endParaRPr lang="en-US" dirty="0" smtClean="0"/>
+          </a:p>
+          <a:p>
+            <a:r>
+              <a:rPr lang="en-US" dirty="0" smtClean="0"/>
+              <a:t>Using </a:t>
+            </a:r>
+            <a:r>
+              <a:rPr lang="en-US" dirty="0" smtClean="0"/>
+              <a:t>good development patterns</a:t>
             </a:r>
           </a:p>
           <a:p>
@@ -11575,11 +11590,11 @@
   <p:clrMapOvr>
     <a:masterClrMapping/>
   </p:clrMapOvr>
-  <mc:AlternateContent xmlns:mc="http://schemas.openxmlformats.org/markup-compatibility/2006">
-    <mc:Choice xmlns:p14="http://schemas.microsoft.com/office/powerpoint/2010/main" Requires="p14">
+  <mc:AlternateContent xmlns:mc="http://schemas.openxmlformats.org/markup-compatibility/2006" xmlns:p14="http://schemas.microsoft.com/office/powerpoint/2010/main">
+    <mc:Choice Requires="p14">
       <p:transition spd="slow" p14:dur="2000"/>
     </mc:Choice>
-    <mc:Fallback>
+    <mc:Fallback xmlns="">
       <p:transition spd="slow"/>
     </mc:Fallback>
   </mc:AlternateContent>
